--- a/PRISM_통합.pptx
+++ b/PRISM_통합.pptx
@@ -6,25 +6,30 @@
   </p:sldMasterIdLst>
   <p:sldIdLst>
     <p:sldId id="267" r:id="rId2"/>
-    <p:sldId id="278" r:id="rId3"/>
-    <p:sldId id="257" r:id="rId4"/>
-    <p:sldId id="281" r:id="rId5"/>
-    <p:sldId id="279" r:id="rId6"/>
-    <p:sldId id="274" r:id="rId7"/>
-    <p:sldId id="273" r:id="rId8"/>
-    <p:sldId id="289" r:id="rId9"/>
-    <p:sldId id="284" r:id="rId10"/>
-    <p:sldId id="285" r:id="rId11"/>
-    <p:sldId id="286" r:id="rId12"/>
-    <p:sldId id="287" r:id="rId13"/>
-    <p:sldId id="291" r:id="rId14"/>
-    <p:sldId id="288" r:id="rId15"/>
-    <p:sldId id="290" r:id="rId16"/>
-    <p:sldId id="292" r:id="rId17"/>
-    <p:sldId id="293" r:id="rId18"/>
-    <p:sldId id="294" r:id="rId19"/>
-    <p:sldId id="275" r:id="rId20"/>
-    <p:sldId id="280" r:id="rId21"/>
+    <p:sldId id="296" r:id="rId3"/>
+    <p:sldId id="297" r:id="rId4"/>
+    <p:sldId id="298" r:id="rId5"/>
+    <p:sldId id="299" r:id="rId6"/>
+    <p:sldId id="281" r:id="rId7"/>
+    <p:sldId id="279" r:id="rId8"/>
+    <p:sldId id="274" r:id="rId9"/>
+    <p:sldId id="273" r:id="rId10"/>
+    <p:sldId id="300" r:id="rId11"/>
+    <p:sldId id="301" r:id="rId12"/>
+    <p:sldId id="304" r:id="rId13"/>
+    <p:sldId id="303" r:id="rId14"/>
+    <p:sldId id="289" r:id="rId15"/>
+    <p:sldId id="284" r:id="rId16"/>
+    <p:sldId id="285" r:id="rId17"/>
+    <p:sldId id="286" r:id="rId18"/>
+    <p:sldId id="287" r:id="rId19"/>
+    <p:sldId id="291" r:id="rId20"/>
+    <p:sldId id="288" r:id="rId21"/>
+    <p:sldId id="292" r:id="rId22"/>
+    <p:sldId id="293" r:id="rId23"/>
+    <p:sldId id="294" r:id="rId24"/>
+    <p:sldId id="295" r:id="rId25"/>
+    <p:sldId id="280" r:id="rId26"/>
   </p:sldIdLst>
   <p:sldSz cx="12192000" cy="6858000"/>
   <p:notesSz cx="6858000" cy="9144000"/>
@@ -403,7 +408,7 @@
           <a:p>
             <a:fld id="{A5796949-F536-47E5-83D3-359ECBD6D674}" type="datetimeFigureOut">
               <a:rPr lang="ko-KR" altLang="en-US" smtClean="0"/>
-              <a:t>2017-03-27</a:t>
+              <a:t>2017-03-28</a:t>
             </a:fld>
             <a:endParaRPr lang="ko-KR" altLang="en-US"/>
           </a:p>
@@ -599,7 +604,7 @@
           <a:p>
             <a:fld id="{A5796949-F536-47E5-83D3-359ECBD6D674}" type="datetimeFigureOut">
               <a:rPr lang="ko-KR" altLang="en-US" smtClean="0"/>
-              <a:t>2017-03-27</a:t>
+              <a:t>2017-03-28</a:t>
             </a:fld>
             <a:endParaRPr lang="ko-KR" altLang="en-US"/>
           </a:p>
@@ -995,7 +1000,7 @@
           <a:p>
             <a:fld id="{A5796949-F536-47E5-83D3-359ECBD6D674}" type="datetimeFigureOut">
               <a:rPr lang="ko-KR" altLang="en-US" smtClean="0"/>
-              <a:t>2017-03-27</a:t>
+              <a:t>2017-03-28</a:t>
             </a:fld>
             <a:endParaRPr lang="ko-KR" altLang="en-US"/>
           </a:p>
@@ -1243,7 +1248,7 @@
           <a:p>
             <a:fld id="{A5796949-F536-47E5-83D3-359ECBD6D674}" type="datetimeFigureOut">
               <a:rPr lang="ko-KR" altLang="en-US" smtClean="0"/>
-              <a:t>2017-03-27</a:t>
+              <a:t>2017-03-28</a:t>
             </a:fld>
             <a:endParaRPr lang="ko-KR" altLang="en-US"/>
           </a:p>
@@ -1626,7 +1631,7 @@
           <a:p>
             <a:fld id="{A5796949-F536-47E5-83D3-359ECBD6D674}" type="datetimeFigureOut">
               <a:rPr lang="ko-KR" altLang="en-US" smtClean="0"/>
-              <a:t>2017-03-27</a:t>
+              <a:t>2017-03-28</a:t>
             </a:fld>
             <a:endParaRPr lang="ko-KR" altLang="en-US"/>
           </a:p>
@@ -1760,7 +1765,7 @@
           <a:p>
             <a:fld id="{A5796949-F536-47E5-83D3-359ECBD6D674}" type="datetimeFigureOut">
               <a:rPr lang="ko-KR" altLang="en-US" smtClean="0"/>
-              <a:t>2017-03-27</a:t>
+              <a:t>2017-03-28</a:t>
             </a:fld>
             <a:endParaRPr lang="ko-KR" altLang="en-US"/>
           </a:p>
@@ -2107,7 +2112,7 @@
           <a:p>
             <a:fld id="{A5796949-F536-47E5-83D3-359ECBD6D674}" type="datetimeFigureOut">
               <a:rPr lang="ko-KR" altLang="en-US" smtClean="0"/>
-              <a:t>2017-03-27</a:t>
+              <a:t>2017-03-28</a:t>
             </a:fld>
             <a:endParaRPr lang="ko-KR" altLang="en-US"/>
           </a:p>
@@ -2376,7 +2381,7 @@
           <a:p>
             <a:fld id="{A5796949-F536-47E5-83D3-359ECBD6D674}" type="datetimeFigureOut">
               <a:rPr lang="ko-KR" altLang="en-US" smtClean="0"/>
-              <a:t>2017-03-27</a:t>
+              <a:t>2017-03-28</a:t>
             </a:fld>
             <a:endParaRPr lang="ko-KR" altLang="en-US"/>
           </a:p>
@@ -3158,7 +3163,7 @@
                 <a:ea typeface="함초롬돋움" panose="020B0604000101010101" pitchFamily="50" charset="-127"/>
                 <a:cs typeface="함초롬돋움" panose="020B0604000101010101" pitchFamily="50" charset="-127"/>
               </a:rPr>
-              <a:t>RegionAdapter</a:t>
+              <a:t>BinableBase</a:t>
             </a:r>
             <a:endParaRPr lang="ko-KR" altLang="en-US" dirty="0">
               <a:latin typeface="함초롬돋움" panose="020B0604000101010101" pitchFamily="50" charset="-127"/>
@@ -3197,44 +3202,20 @@
               </a:spcAft>
             </a:pPr>
             <a:r>
+              <a:rPr lang="en-US" altLang="ko-KR" dirty="0" err="1" smtClean="0">
+                <a:latin typeface="함초롬돋움" panose="020B0604000101010101" pitchFamily="50" charset="-127"/>
+                <a:ea typeface="함초롬돋움" panose="020B0604000101010101" pitchFamily="50" charset="-127"/>
+                <a:cs typeface="함초롬돋움" panose="020B0604000101010101" pitchFamily="50" charset="-127"/>
+              </a:rPr>
+              <a:t>INotifyPropertyChanged</a:t>
+            </a:r>
+            <a:r>
               <a:rPr lang="ko-KR" altLang="en-US" dirty="0" smtClean="0">
                 <a:latin typeface="함초롬돋움" panose="020B0604000101010101" pitchFamily="50" charset="-127"/>
                 <a:ea typeface="함초롬돋움" panose="020B0604000101010101" pitchFamily="50" charset="-127"/>
                 <a:cs typeface="함초롬돋움" panose="020B0604000101010101" pitchFamily="50" charset="-127"/>
               </a:rPr>
-              <a:t>지원 </a:t>
-            </a:r>
-            <a:r>
-              <a:rPr lang="ko-KR" altLang="en-US" dirty="0" smtClean="0">
-                <a:latin typeface="함초롬돋움" panose="020B0604000101010101" pitchFamily="50" charset="-127"/>
-                <a:ea typeface="함초롬돋움" panose="020B0604000101010101" pitchFamily="50" charset="-127"/>
-                <a:cs typeface="함초롬돋움" panose="020B0604000101010101" pitchFamily="50" charset="-127"/>
-              </a:rPr>
-              <a:t>하지 않</a:t>
-            </a:r>
-            <a:r>
-              <a:rPr lang="ko-KR" altLang="en-US" dirty="0" smtClean="0">
-                <a:latin typeface="함초롬돋움" panose="020B0604000101010101" pitchFamily="50" charset="-127"/>
-                <a:ea typeface="함초롬돋움" panose="020B0604000101010101" pitchFamily="50" charset="-127"/>
-                <a:cs typeface="함초롬돋움" panose="020B0604000101010101" pitchFamily="50" charset="-127"/>
-              </a:rPr>
-              <a:t>는 컨트롤들은 </a:t>
-            </a:r>
-            <a:r>
-              <a:rPr lang="en-US" altLang="ko-KR" dirty="0" err="1" smtClean="0">
-                <a:latin typeface="함초롬돋움" panose="020B0604000101010101" pitchFamily="50" charset="-127"/>
-                <a:ea typeface="함초롬돋움" panose="020B0604000101010101" pitchFamily="50" charset="-127"/>
-                <a:cs typeface="함초롬돋움" panose="020B0604000101010101" pitchFamily="50" charset="-127"/>
-              </a:rPr>
-              <a:t>RegionAdapter</a:t>
-            </a:r>
-            <a:r>
-              <a:rPr lang="ko-KR" altLang="en-US" dirty="0" smtClean="0">
-                <a:latin typeface="함초롬돋움" panose="020B0604000101010101" pitchFamily="50" charset="-127"/>
-                <a:ea typeface="함초롬돋움" panose="020B0604000101010101" pitchFamily="50" charset="-127"/>
-                <a:cs typeface="함초롬돋움" panose="020B0604000101010101" pitchFamily="50" charset="-127"/>
-              </a:rPr>
-              <a:t>를 상속받아 직접 구현</a:t>
+              <a:t>를 구현한 클래스</a:t>
             </a:r>
             <a:endParaRPr lang="en-US" altLang="ko-KR" dirty="0" smtClean="0">
               <a:latin typeface="함초롬돋움" panose="020B0604000101010101" pitchFamily="50" charset="-127"/>
@@ -3273,12 +3254,44 @@
               </a:spcAft>
             </a:pPr>
             <a:r>
+              <a:rPr lang="en-US" altLang="ko-KR" dirty="0" err="1" smtClean="0">
+                <a:latin typeface="함초롬돋움" panose="020B0604000101010101" pitchFamily="50" charset="-127"/>
+                <a:ea typeface="함초롬돋움" panose="020B0604000101010101" pitchFamily="50" charset="-127"/>
+                <a:cs typeface="함초롬돋움" panose="020B0604000101010101" pitchFamily="50" charset="-127"/>
+              </a:rPr>
+              <a:t>INotifyProperty</a:t>
+            </a:r>
+            <a:r>
+              <a:rPr lang="en-US" altLang="ko-KR" dirty="0" err="1" smtClean="0">
+                <a:latin typeface="함초롬돋움" panose="020B0604000101010101" pitchFamily="50" charset="-127"/>
+                <a:ea typeface="함초롬돋움" panose="020B0604000101010101" pitchFamily="50" charset="-127"/>
+                <a:cs typeface="함초롬돋움" panose="020B0604000101010101" pitchFamily="50" charset="-127"/>
+              </a:rPr>
+              <a:t>Changed</a:t>
+            </a:r>
+            <a:r>
               <a:rPr lang="ko-KR" altLang="en-US" dirty="0" smtClean="0">
                 <a:latin typeface="함초롬돋움" panose="020B0604000101010101" pitchFamily="50" charset="-127"/>
                 <a:ea typeface="함초롬돋움" panose="020B0604000101010101" pitchFamily="50" charset="-127"/>
                 <a:cs typeface="함초롬돋움" panose="020B0604000101010101" pitchFamily="50" charset="-127"/>
               </a:rPr>
-              <a:t>다음 </a:t>
+              <a:t>를 직접 구현을 하면 많은 </a:t>
+            </a:r>
+            <a:r>
+              <a:rPr lang="en-US" altLang="ko-KR" dirty="0" smtClean="0">
+                <a:latin typeface="함초롬돋움" panose="020B0604000101010101" pitchFamily="50" charset="-127"/>
+                <a:ea typeface="함초롬돋움" panose="020B0604000101010101" pitchFamily="50" charset="-127"/>
+                <a:cs typeface="함초롬돋움" panose="020B0604000101010101" pitchFamily="50" charset="-127"/>
+              </a:rPr>
+              <a:t>View Model</a:t>
+            </a:r>
+            <a:r>
+              <a:rPr lang="ko-KR" altLang="en-US" dirty="0" smtClean="0">
+                <a:latin typeface="함초롬돋움" panose="020B0604000101010101" pitchFamily="50" charset="-127"/>
+                <a:ea typeface="함초롬돋움" panose="020B0604000101010101" pitchFamily="50" charset="-127"/>
+                <a:cs typeface="함초롬돋움" panose="020B0604000101010101" pitchFamily="50" charset="-127"/>
+              </a:rPr>
+              <a:t>에서 반복적으로 같은 </a:t>
             </a:r>
             <a:r>
               <a:rPr lang="ko-KR" altLang="en-US" dirty="0" err="1" smtClean="0">
@@ -3286,7 +3299,7 @@
                 <a:ea typeface="함초롬돋움" panose="020B0604000101010101" pitchFamily="50" charset="-127"/>
                 <a:cs typeface="함초롬돋움" panose="020B0604000101010101" pitchFamily="50" charset="-127"/>
               </a:rPr>
-              <a:t>메소드를</a:t>
+              <a:t>코드작성과</a:t>
             </a:r>
             <a:r>
               <a:rPr lang="ko-KR" altLang="en-US" dirty="0" smtClean="0">
@@ -3294,7 +3307,7 @@
                 <a:ea typeface="함초롬돋움" panose="020B0604000101010101" pitchFamily="50" charset="-127"/>
                 <a:cs typeface="함초롬돋움" panose="020B0604000101010101" pitchFamily="50" charset="-127"/>
               </a:rPr>
-              <a:t> 재정의 함</a:t>
+              <a:t> 오류를 발생할 수 있음</a:t>
             </a:r>
             <a:endParaRPr lang="en-US" altLang="ko-KR" dirty="0" smtClean="0">
               <a:latin typeface="함초롬돋움" panose="020B0604000101010101" pitchFamily="50" charset="-127"/>
@@ -3303,7 +3316,7 @@
             </a:endParaRPr>
           </a:p>
           <a:p>
-            <a:pPr lvl="1" eaLnBrk="0" fontAlgn="base" latinLnBrk="0" hangingPunct="0">
+            <a:pPr eaLnBrk="0" fontAlgn="base" latinLnBrk="0" hangingPunct="0">
               <a:lnSpc>
                 <a:spcPct val="100000"/>
               </a:lnSpc>
@@ -3314,22 +3327,14 @@
                 <a:spcPct val="0"/>
               </a:spcAft>
             </a:pPr>
-            <a:r>
-              <a:rPr lang="en-US" altLang="ko-KR" dirty="0" err="1" smtClean="0">
-                <a:latin typeface="함초롬돋움" panose="020B0604000101010101" pitchFamily="50" charset="-127"/>
-                <a:ea typeface="함초롬돋움" panose="020B0604000101010101" pitchFamily="50" charset="-127"/>
-                <a:cs typeface="함초롬돋움" panose="020B0604000101010101" pitchFamily="50" charset="-127"/>
-              </a:rPr>
-              <a:t>CreateRegion</a:t>
-            </a:r>
-            <a:endParaRPr lang="en-US" altLang="ko-KR" dirty="0" smtClean="0">
+            <a:endParaRPr lang="en-US" altLang="ko-KR" dirty="0">
               <a:latin typeface="함초롬돋움" panose="020B0604000101010101" pitchFamily="50" charset="-127"/>
               <a:ea typeface="함초롬돋움" panose="020B0604000101010101" pitchFamily="50" charset="-127"/>
               <a:cs typeface="함초롬돋움" panose="020B0604000101010101" pitchFamily="50" charset="-127"/>
             </a:endParaRPr>
           </a:p>
           <a:p>
-            <a:pPr lvl="1" eaLnBrk="0" fontAlgn="base" latinLnBrk="0" hangingPunct="0">
+            <a:pPr eaLnBrk="0" fontAlgn="base" latinLnBrk="0" hangingPunct="0">
               <a:lnSpc>
                 <a:spcPct val="100000"/>
               </a:lnSpc>
@@ -3341,41 +3346,20 @@
               </a:spcAft>
             </a:pPr>
             <a:r>
-              <a:rPr lang="en-US" altLang="ko-KR" dirty="0" smtClean="0">
-                <a:latin typeface="함초롬돋움" panose="020B0604000101010101" pitchFamily="50" charset="-127"/>
-                <a:ea typeface="함초롬돋움" panose="020B0604000101010101" pitchFamily="50" charset="-127"/>
-                <a:cs typeface="함초롬돋움" panose="020B0604000101010101" pitchFamily="50" charset="-127"/>
-              </a:rPr>
-              <a:t>Adapt</a:t>
-            </a:r>
-          </a:p>
-          <a:p>
-            <a:pPr lvl="1" eaLnBrk="0" fontAlgn="base" latinLnBrk="0" hangingPunct="0">
-              <a:lnSpc>
-                <a:spcPct val="100000"/>
-              </a:lnSpc>
-              <a:spcBef>
-                <a:spcPct val="0"/>
-              </a:spcBef>
-              <a:spcAft>
-                <a:spcPct val="0"/>
-              </a:spcAft>
-            </a:pPr>
+              <a:rPr lang="ko-KR" altLang="en-US" dirty="0" smtClean="0">
+                <a:latin typeface="함초롬돋움" panose="020B0604000101010101" pitchFamily="50" charset="-127"/>
+                <a:ea typeface="함초롬돋움" panose="020B0604000101010101" pitchFamily="50" charset="-127"/>
+                <a:cs typeface="함초롬돋움" panose="020B0604000101010101" pitchFamily="50" charset="-127"/>
+              </a:rPr>
+              <a:t>하지만 </a:t>
+            </a:r>
             <a:r>
               <a:rPr lang="en-US" altLang="ko-KR" dirty="0" err="1" smtClean="0">
                 <a:latin typeface="함초롬돋움" panose="020B0604000101010101" pitchFamily="50" charset="-127"/>
                 <a:ea typeface="함초롬돋움" panose="020B0604000101010101" pitchFamily="50" charset="-127"/>
                 <a:cs typeface="함초롬돋움" panose="020B0604000101010101" pitchFamily="50" charset="-127"/>
               </a:rPr>
-              <a:t>AttachBehavior</a:t>
-            </a:r>
-            <a:r>
-              <a:rPr lang="en-US" altLang="ko-KR" dirty="0" smtClean="0">
-                <a:latin typeface="함초롬돋움" panose="020B0604000101010101" pitchFamily="50" charset="-127"/>
-                <a:ea typeface="함초롬돋움" panose="020B0604000101010101" pitchFamily="50" charset="-127"/>
-                <a:cs typeface="함초롬돋움" panose="020B0604000101010101" pitchFamily="50" charset="-127"/>
-              </a:rPr>
-              <a:t>(</a:t>
+              <a:t>Bindable</a:t>
             </a:r>
             <a:r>
               <a:rPr lang="ko-KR" altLang="en-US" dirty="0" smtClean="0">
@@ -3383,54 +3367,15 @@
                 <a:ea typeface="함초롬돋움" panose="020B0604000101010101" pitchFamily="50" charset="-127"/>
                 <a:cs typeface="함초롬돋움" panose="020B0604000101010101" pitchFamily="50" charset="-127"/>
               </a:rPr>
-              <a:t>옵션</a:t>
-            </a:r>
-            <a:r>
-              <a:rPr lang="en-US" altLang="ko-KR" dirty="0" smtClean="0">
-                <a:latin typeface="함초롬돋움" panose="020B0604000101010101" pitchFamily="50" charset="-127"/>
-                <a:ea typeface="함초롬돋움" panose="020B0604000101010101" pitchFamily="50" charset="-127"/>
-                <a:cs typeface="함초롬돋움" panose="020B0604000101010101" pitchFamily="50" charset="-127"/>
-              </a:rPr>
-              <a:t>)</a:t>
-            </a:r>
-          </a:p>
-          <a:p>
-            <a:pPr lvl="1" eaLnBrk="0" fontAlgn="base" latinLnBrk="0" hangingPunct="0">
-              <a:lnSpc>
-                <a:spcPct val="100000"/>
-              </a:lnSpc>
-              <a:spcBef>
-                <a:spcPct val="0"/>
-              </a:spcBef>
-              <a:spcAft>
-                <a:spcPct val="0"/>
-              </a:spcAft>
-            </a:pPr>
-            <a:endParaRPr lang="en-US" altLang="ko-KR" dirty="0" smtClean="0">
-              <a:latin typeface="함초롬돋움" panose="020B0604000101010101" pitchFamily="50" charset="-127"/>
-              <a:ea typeface="함초롬돋움" panose="020B0604000101010101" pitchFamily="50" charset="-127"/>
-              <a:cs typeface="함초롬돋움" panose="020B0604000101010101" pitchFamily="50" charset="-127"/>
-            </a:endParaRPr>
-          </a:p>
-          <a:p>
-            <a:pPr eaLnBrk="0" fontAlgn="base" latinLnBrk="0" hangingPunct="0">
-              <a:lnSpc>
-                <a:spcPct val="100000"/>
-              </a:lnSpc>
-              <a:spcBef>
-                <a:spcPct val="0"/>
-              </a:spcBef>
-              <a:spcAft>
-                <a:spcPct val="0"/>
-              </a:spcAft>
-            </a:pPr>
+              <a:t>을 </a:t>
+            </a:r>
             <a:r>
               <a:rPr lang="en-US" altLang="ko-KR" dirty="0" err="1" smtClean="0">
                 <a:latin typeface="함초롬돋움" panose="020B0604000101010101" pitchFamily="50" charset="-127"/>
                 <a:ea typeface="함초롬돋움" panose="020B0604000101010101" pitchFamily="50" charset="-127"/>
                 <a:cs typeface="함초롬돋움" panose="020B0604000101010101" pitchFamily="50" charset="-127"/>
               </a:rPr>
-              <a:t>Bootstrapper</a:t>
+              <a:t>ViewModel</a:t>
             </a:r>
             <a:r>
               <a:rPr lang="ko-KR" altLang="en-US" dirty="0" smtClean="0">
@@ -3438,73 +3383,9 @@
                 <a:ea typeface="함초롬돋움" panose="020B0604000101010101" pitchFamily="50" charset="-127"/>
                 <a:cs typeface="함초롬돋움" panose="020B0604000101010101" pitchFamily="50" charset="-127"/>
               </a:rPr>
-              <a:t>에 </a:t>
-            </a:r>
-            <a:r>
-              <a:rPr lang="en-US" altLang="ko-KR" dirty="0" err="1" smtClean="0">
-                <a:latin typeface="함초롬돋움" panose="020B0604000101010101" pitchFamily="50" charset="-127"/>
-                <a:ea typeface="함초롬돋움" panose="020B0604000101010101" pitchFamily="50" charset="-127"/>
-                <a:cs typeface="함초롬돋움" panose="020B0604000101010101" pitchFamily="50" charset="-127"/>
-              </a:rPr>
-              <a:t>ConfigurationRegionAdapterMapping</a:t>
-            </a:r>
-            <a:r>
-              <a:rPr lang="en-US" altLang="ko-KR" dirty="0" smtClean="0">
-                <a:latin typeface="함초롬돋움" panose="020B0604000101010101" pitchFamily="50" charset="-127"/>
-                <a:ea typeface="함초롬돋움" panose="020B0604000101010101" pitchFamily="50" charset="-127"/>
-                <a:cs typeface="함초롬돋움" panose="020B0604000101010101" pitchFamily="50" charset="-127"/>
-              </a:rPr>
-              <a:t> </a:t>
-            </a:r>
-            <a:r>
-              <a:rPr lang="ko-KR" altLang="en-US" dirty="0" err="1" smtClean="0">
-                <a:latin typeface="함초롬돋움" panose="020B0604000101010101" pitchFamily="50" charset="-127"/>
-                <a:ea typeface="함초롬돋움" panose="020B0604000101010101" pitchFamily="50" charset="-127"/>
-                <a:cs typeface="함초롬돋움" panose="020B0604000101010101" pitchFamily="50" charset="-127"/>
-              </a:rPr>
-              <a:t>메소드를</a:t>
-            </a:r>
-            <a:r>
-              <a:rPr lang="ko-KR" altLang="en-US" dirty="0" smtClean="0">
-                <a:latin typeface="함초롬돋움" panose="020B0604000101010101" pitchFamily="50" charset="-127"/>
-                <a:ea typeface="함초롬돋움" panose="020B0604000101010101" pitchFamily="50" charset="-127"/>
-                <a:cs typeface="함초롬돋움" panose="020B0604000101010101" pitchFamily="50" charset="-127"/>
-              </a:rPr>
-              <a:t> 재정의 하여 </a:t>
-            </a:r>
-            <a:r>
-              <a:rPr lang="ko-KR" altLang="en-US" dirty="0" err="1" smtClean="0">
-                <a:latin typeface="함초롬돋움" panose="020B0604000101010101" pitchFamily="50" charset="-127"/>
-                <a:ea typeface="함초롬돋움" panose="020B0604000101010101" pitchFamily="50" charset="-127"/>
-                <a:cs typeface="함초롬돋움" panose="020B0604000101010101" pitchFamily="50" charset="-127"/>
-              </a:rPr>
-              <a:t>커스텀</a:t>
-            </a:r>
-            <a:r>
-              <a:rPr lang="ko-KR" altLang="en-US" dirty="0" smtClean="0">
-                <a:latin typeface="함초롬돋움" panose="020B0604000101010101" pitchFamily="50" charset="-127"/>
-                <a:ea typeface="함초롬돋움" panose="020B0604000101010101" pitchFamily="50" charset="-127"/>
-                <a:cs typeface="함초롬돋움" panose="020B0604000101010101" pitchFamily="50" charset="-127"/>
-              </a:rPr>
-              <a:t> </a:t>
-            </a:r>
-            <a:r>
-              <a:rPr lang="en-US" altLang="ko-KR" dirty="0" err="1" smtClean="0">
-                <a:latin typeface="함초롬돋움" panose="020B0604000101010101" pitchFamily="50" charset="-127"/>
-                <a:ea typeface="함초롬돋움" panose="020B0604000101010101" pitchFamily="50" charset="-127"/>
-                <a:cs typeface="함초롬돋움" panose="020B0604000101010101" pitchFamily="50" charset="-127"/>
-              </a:rPr>
-              <a:t>RegionAdapter</a:t>
-            </a:r>
-            <a:r>
-              <a:rPr lang="ko-KR" altLang="en-US" dirty="0" smtClean="0">
-                <a:latin typeface="함초롬돋움" panose="020B0604000101010101" pitchFamily="50" charset="-127"/>
-                <a:ea typeface="함초롬돋움" panose="020B0604000101010101" pitchFamily="50" charset="-127"/>
-                <a:cs typeface="함초롬돋움" panose="020B0604000101010101" pitchFamily="50" charset="-127"/>
-              </a:rPr>
-              <a:t>를 추가</a:t>
-            </a:r>
-            <a:endParaRPr lang="en-US" altLang="ko-KR" dirty="0" smtClean="0">
+              <a:t>에 상속을 하여 오류와 반복적인 코드 작성을 최소화함</a:t>
+            </a:r>
+            <a:endParaRPr lang="en-US" altLang="ko-KR" dirty="0">
               <a:latin typeface="함초롬돋움" panose="020B0604000101010101" pitchFamily="50" charset="-127"/>
               <a:ea typeface="함초롬돋움" panose="020B0604000101010101" pitchFamily="50" charset="-127"/>
               <a:cs typeface="함초롬돋움" panose="020B0604000101010101" pitchFamily="50" charset="-127"/>
@@ -3515,7 +3396,7 @@
     </p:spTree>
     <p:extLst>
       <p:ext uri="{BB962C8B-B14F-4D97-AF65-F5344CB8AC3E}">
-        <p14:creationId xmlns:p14="http://schemas.microsoft.com/office/powerpoint/2010/main" val="324836493"/>
+        <p14:creationId xmlns:p14="http://schemas.microsoft.com/office/powerpoint/2010/main" val="1737015019"/>
       </p:ext>
     </p:extLst>
   </p:cSld>
@@ -3596,6 +3477,2222 @@
                 <a:ea typeface="함초롬돋움" panose="020B0604000101010101" pitchFamily="50" charset="-127"/>
                 <a:cs typeface="함초롬돋움" panose="020B0604000101010101" pitchFamily="50" charset="-127"/>
               </a:rPr>
+              <a:t>ObservableCollection</a:t>
+            </a:r>
+            <a:endParaRPr lang="ko-KR" altLang="en-US" dirty="0">
+              <a:latin typeface="함초롬돋움" panose="020B0604000101010101" pitchFamily="50" charset="-127"/>
+              <a:ea typeface="함초롬돋움" panose="020B0604000101010101" pitchFamily="50" charset="-127"/>
+              <a:cs typeface="함초롬돋움" panose="020B0604000101010101" pitchFamily="50" charset="-127"/>
+            </a:endParaRPr>
+          </a:p>
+        </p:txBody>
+      </p:sp>
+      <p:sp>
+        <p:nvSpPr>
+          <p:cNvPr id="10" name="내용 개체 틀 2"/>
+          <p:cNvSpPr>
+            <a:spLocks noGrp="1"/>
+          </p:cNvSpPr>
+          <p:nvPr>
+            <p:ph idx="1"/>
+          </p:nvPr>
+        </p:nvSpPr>
+        <p:spPr/>
+        <p:txBody>
+          <a:bodyPr>
+            <a:noAutofit/>
+          </a:bodyPr>
+          <a:lstStyle/>
+          <a:p>
+            <a:pPr eaLnBrk="0" fontAlgn="base" latinLnBrk="0" hangingPunct="0">
+              <a:lnSpc>
+                <a:spcPct val="100000"/>
+              </a:lnSpc>
+              <a:spcBef>
+                <a:spcPct val="0"/>
+              </a:spcBef>
+              <a:spcAft>
+                <a:spcPct val="0"/>
+              </a:spcAft>
+            </a:pPr>
+            <a:r>
+              <a:rPr lang="en-US" altLang="ko-KR" dirty="0" err="1" smtClean="0">
+                <a:latin typeface="함초롬돋움" panose="020B0604000101010101" pitchFamily="50" charset="-127"/>
+                <a:ea typeface="함초롬돋움" panose="020B0604000101010101" pitchFamily="50" charset="-127"/>
+                <a:cs typeface="함초롬돋움" panose="020B0604000101010101" pitchFamily="50" charset="-127"/>
+              </a:rPr>
+              <a:t>INotifyCollectionChanged</a:t>
+            </a:r>
+            <a:r>
+              <a:rPr lang="ko-KR" altLang="en-US" dirty="0" smtClean="0">
+                <a:latin typeface="함초롬돋움" panose="020B0604000101010101" pitchFamily="50" charset="-127"/>
+                <a:ea typeface="함초롬돋움" panose="020B0604000101010101" pitchFamily="50" charset="-127"/>
+                <a:cs typeface="함초롬돋움" panose="020B0604000101010101" pitchFamily="50" charset="-127"/>
+              </a:rPr>
+              <a:t>를 구현한 클래스</a:t>
+            </a:r>
+            <a:endParaRPr lang="en-US" altLang="ko-KR" dirty="0" smtClean="0">
+              <a:latin typeface="함초롬돋움" panose="020B0604000101010101" pitchFamily="50" charset="-127"/>
+              <a:ea typeface="함초롬돋움" panose="020B0604000101010101" pitchFamily="50" charset="-127"/>
+              <a:cs typeface="함초롬돋움" panose="020B0604000101010101" pitchFamily="50" charset="-127"/>
+            </a:endParaRPr>
+          </a:p>
+          <a:p>
+            <a:pPr eaLnBrk="0" fontAlgn="base" latinLnBrk="0" hangingPunct="0">
+              <a:lnSpc>
+                <a:spcPct val="100000"/>
+              </a:lnSpc>
+              <a:spcBef>
+                <a:spcPct val="0"/>
+              </a:spcBef>
+              <a:spcAft>
+                <a:spcPct val="0"/>
+              </a:spcAft>
+            </a:pPr>
+            <a:endParaRPr lang="en-US" altLang="ko-KR" dirty="0" smtClean="0">
+              <a:latin typeface="함초롬돋움" panose="020B0604000101010101" pitchFamily="50" charset="-127"/>
+              <a:ea typeface="함초롬돋움" panose="020B0604000101010101" pitchFamily="50" charset="-127"/>
+              <a:cs typeface="함초롬돋움" panose="020B0604000101010101" pitchFamily="50" charset="-127"/>
+            </a:endParaRPr>
+          </a:p>
+          <a:p>
+            <a:pPr eaLnBrk="0" fontAlgn="base" latinLnBrk="0" hangingPunct="0">
+              <a:lnSpc>
+                <a:spcPct val="100000"/>
+              </a:lnSpc>
+              <a:spcBef>
+                <a:spcPct val="0"/>
+              </a:spcBef>
+              <a:spcAft>
+                <a:spcPct val="0"/>
+              </a:spcAft>
+            </a:pPr>
+            <a:r>
+              <a:rPr lang="en-US" altLang="ko-KR" dirty="0" err="1" smtClean="0">
+                <a:latin typeface="함초롬돋움" panose="020B0604000101010101" pitchFamily="50" charset="-127"/>
+                <a:ea typeface="함초롬돋움" panose="020B0604000101010101" pitchFamily="50" charset="-127"/>
+                <a:cs typeface="함초롬돋움" panose="020B0604000101010101" pitchFamily="50" charset="-127"/>
+              </a:rPr>
+              <a:t>ListView</a:t>
+            </a:r>
+            <a:r>
+              <a:rPr lang="en-US" altLang="ko-KR" dirty="0">
+                <a:latin typeface="함초롬돋움" panose="020B0604000101010101" pitchFamily="50" charset="-127"/>
+                <a:ea typeface="함초롬돋움" panose="020B0604000101010101" pitchFamily="50" charset="-127"/>
+                <a:cs typeface="함초롬돋움" panose="020B0604000101010101" pitchFamily="50" charset="-127"/>
+              </a:rPr>
+              <a:t>,</a:t>
+            </a:r>
+            <a:r>
+              <a:rPr lang="ko-KR" altLang="en-US" dirty="0" smtClean="0">
+                <a:latin typeface="함초롬돋움" panose="020B0604000101010101" pitchFamily="50" charset="-127"/>
+                <a:ea typeface="함초롬돋움" panose="020B0604000101010101" pitchFamily="50" charset="-127"/>
+                <a:cs typeface="함초롬돋움" panose="020B0604000101010101" pitchFamily="50" charset="-127"/>
+              </a:rPr>
+              <a:t> </a:t>
+            </a:r>
+            <a:r>
+              <a:rPr lang="en-US" altLang="ko-KR" dirty="0" err="1" smtClean="0">
+                <a:latin typeface="함초롬돋움" panose="020B0604000101010101" pitchFamily="50" charset="-127"/>
+                <a:ea typeface="함초롬돋움" panose="020B0604000101010101" pitchFamily="50" charset="-127"/>
+                <a:cs typeface="함초롬돋움" panose="020B0604000101010101" pitchFamily="50" charset="-127"/>
+              </a:rPr>
+              <a:t>DataGrid</a:t>
+            </a:r>
+            <a:r>
+              <a:rPr lang="ko-KR" altLang="en-US" dirty="0" smtClean="0">
+                <a:latin typeface="함초롬돋움" panose="020B0604000101010101" pitchFamily="50" charset="-127"/>
+                <a:ea typeface="함초롬돋움" panose="020B0604000101010101" pitchFamily="50" charset="-127"/>
+                <a:cs typeface="함초롬돋움" panose="020B0604000101010101" pitchFamily="50" charset="-127"/>
+              </a:rPr>
+              <a:t>와 같은 </a:t>
+            </a:r>
+            <a:r>
+              <a:rPr lang="en-US" altLang="ko-KR" dirty="0" err="1" smtClean="0">
+                <a:latin typeface="함초롬돋움" panose="020B0604000101010101" pitchFamily="50" charset="-127"/>
+                <a:ea typeface="함초롬돋움" panose="020B0604000101010101" pitchFamily="50" charset="-127"/>
+                <a:cs typeface="함초롬돋움" panose="020B0604000101010101" pitchFamily="50" charset="-127"/>
+              </a:rPr>
+              <a:t>ItemsControl</a:t>
+            </a:r>
+            <a:r>
+              <a:rPr lang="ko-KR" altLang="en-US" dirty="0" smtClean="0">
+                <a:latin typeface="함초롬돋움" panose="020B0604000101010101" pitchFamily="50" charset="-127"/>
+                <a:ea typeface="함초롬돋움" panose="020B0604000101010101" pitchFamily="50" charset="-127"/>
+                <a:cs typeface="함초롬돋움" panose="020B0604000101010101" pitchFamily="50" charset="-127"/>
+              </a:rPr>
+              <a:t>은 컬렉션이 추가</a:t>
+            </a:r>
+            <a:r>
+              <a:rPr lang="en-US" altLang="ko-KR" dirty="0" smtClean="0">
+                <a:latin typeface="함초롬돋움" panose="020B0604000101010101" pitchFamily="50" charset="-127"/>
+                <a:ea typeface="함초롬돋움" panose="020B0604000101010101" pitchFamily="50" charset="-127"/>
+                <a:cs typeface="함초롬돋움" panose="020B0604000101010101" pitchFamily="50" charset="-127"/>
+              </a:rPr>
+              <a:t>, </a:t>
+            </a:r>
+            <a:r>
+              <a:rPr lang="ko-KR" altLang="en-US" dirty="0" smtClean="0">
+                <a:latin typeface="함초롬돋움" panose="020B0604000101010101" pitchFamily="50" charset="-127"/>
+                <a:ea typeface="함초롬돋움" panose="020B0604000101010101" pitchFamily="50" charset="-127"/>
+                <a:cs typeface="함초롬돋움" panose="020B0604000101010101" pitchFamily="50" charset="-127"/>
+              </a:rPr>
+              <a:t>삭제</a:t>
+            </a:r>
+            <a:r>
+              <a:rPr lang="en-US" altLang="ko-KR" dirty="0" smtClean="0">
+                <a:latin typeface="함초롬돋움" panose="020B0604000101010101" pitchFamily="50" charset="-127"/>
+                <a:ea typeface="함초롬돋움" panose="020B0604000101010101" pitchFamily="50" charset="-127"/>
+                <a:cs typeface="함초롬돋움" panose="020B0604000101010101" pitchFamily="50" charset="-127"/>
+              </a:rPr>
+              <a:t>, </a:t>
+            </a:r>
+            <a:r>
+              <a:rPr lang="ko-KR" altLang="en-US" dirty="0" err="1" smtClean="0">
+                <a:latin typeface="함초롬돋움" panose="020B0604000101010101" pitchFamily="50" charset="-127"/>
+                <a:ea typeface="함초롬돋움" panose="020B0604000101010101" pitchFamily="50" charset="-127"/>
+                <a:cs typeface="함초롬돋움" panose="020B0604000101010101" pitchFamily="50" charset="-127"/>
+              </a:rPr>
+              <a:t>변경시</a:t>
+            </a:r>
+            <a:r>
+              <a:rPr lang="ko-KR" altLang="en-US" dirty="0" smtClean="0">
+                <a:latin typeface="함초롬돋움" panose="020B0604000101010101" pitchFamily="50" charset="-127"/>
+                <a:ea typeface="함초롬돋움" panose="020B0604000101010101" pitchFamily="50" charset="-127"/>
+                <a:cs typeface="함초롬돋움" panose="020B0604000101010101" pitchFamily="50" charset="-127"/>
+              </a:rPr>
+              <a:t> </a:t>
+            </a:r>
+            <a:r>
+              <a:rPr lang="en-US" altLang="ko-KR" dirty="0" smtClean="0">
+                <a:latin typeface="함초롬돋움" panose="020B0604000101010101" pitchFamily="50" charset="-127"/>
+                <a:ea typeface="함초롬돋움" panose="020B0604000101010101" pitchFamily="50" charset="-127"/>
+                <a:cs typeface="함초롬돋움" panose="020B0604000101010101" pitchFamily="50" charset="-127"/>
+              </a:rPr>
+              <a:t>View</a:t>
+            </a:r>
+            <a:r>
+              <a:rPr lang="ko-KR" altLang="en-US" dirty="0" smtClean="0">
+                <a:latin typeface="함초롬돋움" panose="020B0604000101010101" pitchFamily="50" charset="-127"/>
+                <a:ea typeface="함초롬돋움" panose="020B0604000101010101" pitchFamily="50" charset="-127"/>
+                <a:cs typeface="함초롬돋움" panose="020B0604000101010101" pitchFamily="50" charset="-127"/>
+              </a:rPr>
+              <a:t>에</a:t>
+            </a:r>
+            <a:r>
+              <a:rPr lang="en-US" altLang="ko-KR" dirty="0" smtClean="0">
+                <a:latin typeface="함초롬돋움" panose="020B0604000101010101" pitchFamily="50" charset="-127"/>
+                <a:ea typeface="함초롬돋움" panose="020B0604000101010101" pitchFamily="50" charset="-127"/>
+                <a:cs typeface="함초롬돋움" panose="020B0604000101010101" pitchFamily="50" charset="-127"/>
+              </a:rPr>
+              <a:t> </a:t>
+            </a:r>
+            <a:r>
+              <a:rPr lang="ko-KR" altLang="en-US" dirty="0" smtClean="0">
+                <a:latin typeface="함초롬돋움" panose="020B0604000101010101" pitchFamily="50" charset="-127"/>
+                <a:ea typeface="함초롬돋움" panose="020B0604000101010101" pitchFamily="50" charset="-127"/>
+                <a:cs typeface="함초롬돋움" panose="020B0604000101010101" pitchFamily="50" charset="-127"/>
+              </a:rPr>
+              <a:t>자동으로 변경된 컬렉션을 업데이트</a:t>
+            </a:r>
+            <a:endParaRPr lang="en-US" altLang="ko-KR" dirty="0">
+              <a:latin typeface="함초롬돋움" panose="020B0604000101010101" pitchFamily="50" charset="-127"/>
+              <a:ea typeface="함초롬돋움" panose="020B0604000101010101" pitchFamily="50" charset="-127"/>
+              <a:cs typeface="함초롬돋움" panose="020B0604000101010101" pitchFamily="50" charset="-127"/>
+            </a:endParaRPr>
+          </a:p>
+        </p:txBody>
+      </p:sp>
+      <p:grpSp>
+        <p:nvGrpSpPr>
+          <p:cNvPr id="4" name="그룹 3"/>
+          <p:cNvGrpSpPr/>
+          <p:nvPr/>
+        </p:nvGrpSpPr>
+        <p:grpSpPr>
+          <a:xfrm>
+            <a:off x="2865120" y="4152130"/>
+            <a:ext cx="6461760" cy="2368198"/>
+            <a:chOff x="2607425" y="3957932"/>
+            <a:chExt cx="6977150" cy="2557087"/>
+          </a:xfrm>
+        </p:grpSpPr>
+        <p:pic>
+          <p:nvPicPr>
+            <p:cNvPr id="2" name="그림 1"/>
+            <p:cNvPicPr>
+              <a:picLocks noChangeAspect="1"/>
+            </p:cNvPicPr>
+            <p:nvPr/>
+          </p:nvPicPr>
+          <p:blipFill>
+            <a:blip r:embed="rId2"/>
+            <a:stretch>
+              <a:fillRect/>
+            </a:stretch>
+          </p:blipFill>
+          <p:spPr>
+            <a:xfrm>
+              <a:off x="2607425" y="3957932"/>
+              <a:ext cx="6977150" cy="645740"/>
+            </a:xfrm>
+            <a:prstGeom prst="rect">
+              <a:avLst/>
+            </a:prstGeom>
+          </p:spPr>
+        </p:pic>
+        <p:pic>
+          <p:nvPicPr>
+            <p:cNvPr id="3" name="그림 2"/>
+            <p:cNvPicPr>
+              <a:picLocks noChangeAspect="1"/>
+            </p:cNvPicPr>
+            <p:nvPr/>
+          </p:nvPicPr>
+          <p:blipFill>
+            <a:blip r:embed="rId3"/>
+            <a:stretch>
+              <a:fillRect/>
+            </a:stretch>
+          </p:blipFill>
+          <p:spPr>
+            <a:xfrm>
+              <a:off x="2607425" y="4628017"/>
+              <a:ext cx="6977150" cy="1887002"/>
+            </a:xfrm>
+            <a:prstGeom prst="rect">
+              <a:avLst/>
+            </a:prstGeom>
+          </p:spPr>
+        </p:pic>
+      </p:grpSp>
+    </p:spTree>
+    <p:extLst>
+      <p:ext uri="{BB962C8B-B14F-4D97-AF65-F5344CB8AC3E}">
+        <p14:creationId xmlns:p14="http://schemas.microsoft.com/office/powerpoint/2010/main" val="339017553"/>
+      </p:ext>
+    </p:extLst>
+  </p:cSld>
+  <p:clrMapOvr>
+    <a:masterClrMapping/>
+  </p:clrMapOvr>
+  <p:timing>
+    <p:tnLst>
+      <p:par>
+        <p:cTn id="1" dur="indefinite" restart="never" nodeType="tmRoot"/>
+      </p:par>
+    </p:tnLst>
+  </p:timing>
+</p:sld>
+</file>
+
+<file path=ppt/slides/slide12.xml><?xml version="1.0" encoding="utf-8"?>
+<p:sld xmlns:a="http://schemas.openxmlformats.org/drawingml/2006/main" xmlns:r="http://schemas.openxmlformats.org/officeDocument/2006/relationships" xmlns:p="http://schemas.openxmlformats.org/presentationml/2006/main">
+  <p:cSld>
+    <p:spTree>
+      <p:nvGrpSpPr>
+        <p:cNvPr id="1" name=""/>
+        <p:cNvGrpSpPr/>
+        <p:nvPr/>
+      </p:nvGrpSpPr>
+      <p:grpSpPr>
+        <a:xfrm>
+          <a:off x="0" y="0"/>
+          <a:ext cx="0" cy="0"/>
+          <a:chOff x="0" y="0"/>
+          <a:chExt cx="0" cy="0"/>
+        </a:xfrm>
+      </p:grpSpPr>
+      <p:sp>
+        <p:nvSpPr>
+          <p:cNvPr id="7" name="제목 1"/>
+          <p:cNvSpPr txBox="1">
+            <a:spLocks/>
+          </p:cNvSpPr>
+          <p:nvPr/>
+        </p:nvSpPr>
+        <p:spPr>
+          <a:xfrm>
+            <a:off x="838200" y="365125"/>
+            <a:ext cx="10515600" cy="1090189"/>
+          </a:xfrm>
+          <a:prstGeom prst="rect">
+            <a:avLst/>
+          </a:prstGeom>
+        </p:spPr>
+        <p:txBody>
+          <a:bodyPr vert="horz" lIns="91440" tIns="45720" rIns="91440" bIns="45720" rtlCol="0" anchor="ctr">
+            <a:normAutofit/>
+          </a:bodyPr>
+          <a:lstStyle>
+            <a:lvl1pPr algn="l" defTabSz="914400" rtl="0" eaLnBrk="1" latinLnBrk="1" hangingPunct="1">
+              <a:lnSpc>
+                <a:spcPct val="90000"/>
+              </a:lnSpc>
+              <a:spcBef>
+                <a:spcPct val="0"/>
+              </a:spcBef>
+              <a:buNone/>
+              <a:defRPr sz="4800" kern="1200">
+                <a:solidFill>
+                  <a:schemeClr val="accent4"/>
+                </a:solidFill>
+                <a:latin typeface="+mj-lt"/>
+                <a:ea typeface="+mj-ea"/>
+                <a:cs typeface="+mj-cs"/>
+              </a:defRPr>
+            </a:lvl1pPr>
+          </a:lstStyle>
+          <a:p>
+            <a:r>
+              <a:rPr lang="en-US" altLang="ko-KR" dirty="0" err="1" smtClean="0">
+                <a:latin typeface="함초롬돋움" panose="020B0604000101010101" pitchFamily="50" charset="-127"/>
+                <a:ea typeface="함초롬돋움" panose="020B0604000101010101" pitchFamily="50" charset="-127"/>
+                <a:cs typeface="함초롬돋움" panose="020B0604000101010101" pitchFamily="50" charset="-127"/>
+              </a:rPr>
+              <a:t>ICollectionView</a:t>
+            </a:r>
+            <a:endParaRPr lang="ko-KR" altLang="en-US" dirty="0">
+              <a:latin typeface="함초롬돋움" panose="020B0604000101010101" pitchFamily="50" charset="-127"/>
+              <a:ea typeface="함초롬돋움" panose="020B0604000101010101" pitchFamily="50" charset="-127"/>
+              <a:cs typeface="함초롬돋움" panose="020B0604000101010101" pitchFamily="50" charset="-127"/>
+            </a:endParaRPr>
+          </a:p>
+        </p:txBody>
+      </p:sp>
+      <p:sp>
+        <p:nvSpPr>
+          <p:cNvPr id="10" name="내용 개체 틀 2"/>
+          <p:cNvSpPr>
+            <a:spLocks noGrp="1"/>
+          </p:cNvSpPr>
+          <p:nvPr>
+            <p:ph idx="1"/>
+          </p:nvPr>
+        </p:nvSpPr>
+        <p:spPr/>
+        <p:txBody>
+          <a:bodyPr>
+            <a:noAutofit/>
+          </a:bodyPr>
+          <a:lstStyle/>
+          <a:p>
+            <a:pPr eaLnBrk="0" fontAlgn="base" latinLnBrk="0" hangingPunct="0">
+              <a:lnSpc>
+                <a:spcPct val="100000"/>
+              </a:lnSpc>
+              <a:spcBef>
+                <a:spcPct val="0"/>
+              </a:spcBef>
+              <a:spcAft>
+                <a:spcPct val="0"/>
+              </a:spcAft>
+            </a:pPr>
+            <a:r>
+              <a:rPr lang="en-US" altLang="ko-KR" dirty="0" smtClean="0">
+                <a:latin typeface="함초롬돋움" panose="020B0604000101010101" pitchFamily="50" charset="-127"/>
+                <a:ea typeface="함초롬돋움" panose="020B0604000101010101" pitchFamily="50" charset="-127"/>
+                <a:cs typeface="함초롬돋움" panose="020B0604000101010101" pitchFamily="50" charset="-127"/>
+              </a:rPr>
+              <a:t>View</a:t>
+            </a:r>
+            <a:r>
+              <a:rPr lang="ko-KR" altLang="en-US" dirty="0" smtClean="0">
+                <a:latin typeface="함초롬돋움" panose="020B0604000101010101" pitchFamily="50" charset="-127"/>
+                <a:ea typeface="함초롬돋움" panose="020B0604000101010101" pitchFamily="50" charset="-127"/>
+                <a:cs typeface="함초롬돋움" panose="020B0604000101010101" pitchFamily="50" charset="-127"/>
+              </a:rPr>
+              <a:t>에 표시된 컬렉션을 </a:t>
+            </a:r>
+            <a:r>
+              <a:rPr lang="ko-KR" altLang="en-US" dirty="0" err="1" smtClean="0">
+                <a:latin typeface="함초롬돋움" panose="020B0604000101010101" pitchFamily="50" charset="-127"/>
+                <a:ea typeface="함초롬돋움" panose="020B0604000101010101" pitchFamily="50" charset="-127"/>
+                <a:cs typeface="함초롬돋움" panose="020B0604000101010101" pitchFamily="50" charset="-127"/>
+              </a:rPr>
+              <a:t>필터링</a:t>
+            </a:r>
+            <a:r>
+              <a:rPr lang="en-US" altLang="ko-KR" dirty="0" smtClean="0">
+                <a:latin typeface="함초롬돋움" panose="020B0604000101010101" pitchFamily="50" charset="-127"/>
+                <a:ea typeface="함초롬돋움" panose="020B0604000101010101" pitchFamily="50" charset="-127"/>
+                <a:cs typeface="함초롬돋움" panose="020B0604000101010101" pitchFamily="50" charset="-127"/>
+              </a:rPr>
+              <a:t>, </a:t>
+            </a:r>
+            <a:r>
+              <a:rPr lang="ko-KR" altLang="en-US" dirty="0" smtClean="0">
+                <a:latin typeface="함초롬돋움" panose="020B0604000101010101" pitchFamily="50" charset="-127"/>
+                <a:ea typeface="함초롬돋움" panose="020B0604000101010101" pitchFamily="50" charset="-127"/>
+                <a:cs typeface="함초롬돋움" panose="020B0604000101010101" pitchFamily="50" charset="-127"/>
+              </a:rPr>
+              <a:t>정렬</a:t>
+            </a:r>
+            <a:r>
+              <a:rPr lang="en-US" altLang="ko-KR" dirty="0" smtClean="0">
+                <a:latin typeface="함초롬돋움" panose="020B0604000101010101" pitchFamily="50" charset="-127"/>
+                <a:ea typeface="함초롬돋움" panose="020B0604000101010101" pitchFamily="50" charset="-127"/>
+                <a:cs typeface="함초롬돋움" panose="020B0604000101010101" pitchFamily="50" charset="-127"/>
+              </a:rPr>
+              <a:t>, </a:t>
+            </a:r>
+            <a:r>
+              <a:rPr lang="ko-KR" altLang="en-US" dirty="0" smtClean="0">
+                <a:latin typeface="함초롬돋움" panose="020B0604000101010101" pitchFamily="50" charset="-127"/>
+                <a:ea typeface="함초롬돋움" panose="020B0604000101010101" pitchFamily="50" charset="-127"/>
+                <a:cs typeface="함초롬돋움" panose="020B0604000101010101" pitchFamily="50" charset="-127"/>
+              </a:rPr>
+              <a:t>또는 그룹화하여 현재 선택되어 있는 항목을 추적하거나 변경</a:t>
+            </a:r>
+            <a:endParaRPr lang="en-US" altLang="ko-KR" dirty="0" smtClean="0">
+              <a:latin typeface="함초롬돋움" panose="020B0604000101010101" pitchFamily="50" charset="-127"/>
+              <a:ea typeface="함초롬돋움" panose="020B0604000101010101" pitchFamily="50" charset="-127"/>
+              <a:cs typeface="함초롬돋움" panose="020B0604000101010101" pitchFamily="50" charset="-127"/>
+            </a:endParaRPr>
+          </a:p>
+          <a:p>
+            <a:pPr eaLnBrk="0" fontAlgn="base" latinLnBrk="0" hangingPunct="0">
+              <a:lnSpc>
+                <a:spcPct val="100000"/>
+              </a:lnSpc>
+              <a:spcBef>
+                <a:spcPct val="0"/>
+              </a:spcBef>
+              <a:spcAft>
+                <a:spcPct val="0"/>
+              </a:spcAft>
+            </a:pPr>
+            <a:endParaRPr lang="en-US" altLang="ko-KR" dirty="0">
+              <a:latin typeface="함초롬돋움" panose="020B0604000101010101" pitchFamily="50" charset="-127"/>
+              <a:ea typeface="함초롬돋움" panose="020B0604000101010101" pitchFamily="50" charset="-127"/>
+              <a:cs typeface="함초롬돋움" panose="020B0604000101010101" pitchFamily="50" charset="-127"/>
+            </a:endParaRPr>
+          </a:p>
+          <a:p>
+            <a:pPr eaLnBrk="0" fontAlgn="base" latinLnBrk="0" hangingPunct="0">
+              <a:lnSpc>
+                <a:spcPct val="100000"/>
+              </a:lnSpc>
+              <a:spcBef>
+                <a:spcPct val="0"/>
+              </a:spcBef>
+              <a:spcAft>
+                <a:spcPct val="0"/>
+              </a:spcAft>
+            </a:pPr>
+            <a:r>
+              <a:rPr lang="en-US" altLang="ko-KR" dirty="0" err="1" smtClean="0">
+                <a:latin typeface="함초롬돋움" panose="020B0604000101010101" pitchFamily="50" charset="-127"/>
+                <a:ea typeface="함초롬돋움" panose="020B0604000101010101" pitchFamily="50" charset="-127"/>
+                <a:cs typeface="함초롬돋움" panose="020B0604000101010101" pitchFamily="50" charset="-127"/>
+              </a:rPr>
+              <a:t>CurrentChanged</a:t>
+            </a:r>
+            <a:r>
+              <a:rPr lang="en-US" altLang="ko-KR" dirty="0" smtClean="0">
+                <a:latin typeface="함초롬돋움" panose="020B0604000101010101" pitchFamily="50" charset="-127"/>
+                <a:ea typeface="함초롬돋움" panose="020B0604000101010101" pitchFamily="50" charset="-127"/>
+                <a:cs typeface="함초롬돋움" panose="020B0604000101010101" pitchFamily="50" charset="-127"/>
+              </a:rPr>
+              <a:t> </a:t>
+            </a:r>
+            <a:r>
+              <a:rPr lang="ko-KR" altLang="en-US" dirty="0" smtClean="0">
+                <a:latin typeface="함초롬돋움" panose="020B0604000101010101" pitchFamily="50" charset="-127"/>
+                <a:ea typeface="함초롬돋움" panose="020B0604000101010101" pitchFamily="50" charset="-127"/>
+                <a:cs typeface="함초롬돋움" panose="020B0604000101010101" pitchFamily="50" charset="-127"/>
+              </a:rPr>
+              <a:t>이벤트로 </a:t>
+            </a:r>
+            <a:r>
+              <a:rPr lang="ko-KR" altLang="en-US" dirty="0" err="1" smtClean="0">
+                <a:latin typeface="함초롬돋움" panose="020B0604000101010101" pitchFamily="50" charset="-127"/>
+                <a:ea typeface="함초롬돋움" panose="020B0604000101010101" pitchFamily="50" charset="-127"/>
+                <a:cs typeface="함초롬돋움" panose="020B0604000101010101" pitchFamily="50" charset="-127"/>
+              </a:rPr>
+              <a:t>필터링</a:t>
+            </a:r>
+            <a:r>
+              <a:rPr lang="en-US" altLang="ko-KR" dirty="0" smtClean="0">
+                <a:latin typeface="함초롬돋움" panose="020B0604000101010101" pitchFamily="50" charset="-127"/>
+                <a:ea typeface="함초롬돋움" panose="020B0604000101010101" pitchFamily="50" charset="-127"/>
+                <a:cs typeface="함초롬돋움" panose="020B0604000101010101" pitchFamily="50" charset="-127"/>
+              </a:rPr>
+              <a:t>, </a:t>
+            </a:r>
+            <a:r>
+              <a:rPr lang="ko-KR" altLang="en-US" dirty="0" smtClean="0">
+                <a:latin typeface="함초롬돋움" panose="020B0604000101010101" pitchFamily="50" charset="-127"/>
+                <a:ea typeface="함초롬돋움" panose="020B0604000101010101" pitchFamily="50" charset="-127"/>
+                <a:cs typeface="함초롬돋움" panose="020B0604000101010101" pitchFamily="50" charset="-127"/>
+              </a:rPr>
+              <a:t>정렬 또는 그룹화를 제어</a:t>
+            </a:r>
+            <a:endParaRPr lang="en-US" altLang="ko-KR" dirty="0">
+              <a:latin typeface="함초롬돋움" panose="020B0604000101010101" pitchFamily="50" charset="-127"/>
+              <a:ea typeface="함초롬돋움" panose="020B0604000101010101" pitchFamily="50" charset="-127"/>
+              <a:cs typeface="함초롬돋움" panose="020B0604000101010101" pitchFamily="50" charset="-127"/>
+            </a:endParaRPr>
+          </a:p>
+        </p:txBody>
+      </p:sp>
+    </p:spTree>
+    <p:extLst>
+      <p:ext uri="{BB962C8B-B14F-4D97-AF65-F5344CB8AC3E}">
+        <p14:creationId xmlns:p14="http://schemas.microsoft.com/office/powerpoint/2010/main" val="1305167686"/>
+      </p:ext>
+    </p:extLst>
+  </p:cSld>
+  <p:clrMapOvr>
+    <a:masterClrMapping/>
+  </p:clrMapOvr>
+  <p:timing>
+    <p:tnLst>
+      <p:par>
+        <p:cTn id="1" dur="indefinite" restart="never" nodeType="tmRoot"/>
+      </p:par>
+    </p:tnLst>
+  </p:timing>
+</p:sld>
+</file>
+
+<file path=ppt/slides/slide13.xml><?xml version="1.0" encoding="utf-8"?>
+<p:sld xmlns:a="http://schemas.openxmlformats.org/drawingml/2006/main" xmlns:r="http://schemas.openxmlformats.org/officeDocument/2006/relationships" xmlns:p="http://schemas.openxmlformats.org/presentationml/2006/main">
+  <p:cSld>
+    <p:spTree>
+      <p:nvGrpSpPr>
+        <p:cNvPr id="1" name=""/>
+        <p:cNvGrpSpPr/>
+        <p:nvPr/>
+      </p:nvGrpSpPr>
+      <p:grpSpPr>
+        <a:xfrm>
+          <a:off x="0" y="0"/>
+          <a:ext cx="0" cy="0"/>
+          <a:chOff x="0" y="0"/>
+          <a:chExt cx="0" cy="0"/>
+        </a:xfrm>
+      </p:grpSpPr>
+      <p:sp>
+        <p:nvSpPr>
+          <p:cNvPr id="7" name="제목 1"/>
+          <p:cNvSpPr txBox="1">
+            <a:spLocks/>
+          </p:cNvSpPr>
+          <p:nvPr/>
+        </p:nvSpPr>
+        <p:spPr>
+          <a:xfrm>
+            <a:off x="838200" y="365125"/>
+            <a:ext cx="10515600" cy="1090189"/>
+          </a:xfrm>
+          <a:prstGeom prst="rect">
+            <a:avLst/>
+          </a:prstGeom>
+        </p:spPr>
+        <p:txBody>
+          <a:bodyPr vert="horz" lIns="91440" tIns="45720" rIns="91440" bIns="45720" rtlCol="0" anchor="ctr">
+            <a:normAutofit/>
+          </a:bodyPr>
+          <a:lstStyle>
+            <a:lvl1pPr algn="l" defTabSz="914400" rtl="0" eaLnBrk="1" latinLnBrk="1" hangingPunct="1">
+              <a:lnSpc>
+                <a:spcPct val="90000"/>
+              </a:lnSpc>
+              <a:spcBef>
+                <a:spcPct val="0"/>
+              </a:spcBef>
+              <a:buNone/>
+              <a:defRPr sz="4800" kern="1200">
+                <a:solidFill>
+                  <a:schemeClr val="accent4"/>
+                </a:solidFill>
+                <a:latin typeface="+mj-lt"/>
+                <a:ea typeface="+mj-ea"/>
+                <a:cs typeface="+mj-cs"/>
+              </a:defRPr>
+            </a:lvl1pPr>
+          </a:lstStyle>
+          <a:p>
+            <a:r>
+              <a:rPr lang="en-US" altLang="ko-KR" dirty="0" err="1" smtClean="0">
+                <a:latin typeface="함초롬돋움" panose="020B0604000101010101" pitchFamily="50" charset="-127"/>
+                <a:ea typeface="함초롬돋움" panose="020B0604000101010101" pitchFamily="50" charset="-127"/>
+                <a:cs typeface="함초롬돋움" panose="020B0604000101010101" pitchFamily="50" charset="-127"/>
+              </a:rPr>
+              <a:t>ICollectionView</a:t>
+            </a:r>
+            <a:endParaRPr lang="ko-KR" altLang="en-US" dirty="0">
+              <a:latin typeface="함초롬돋움" panose="020B0604000101010101" pitchFamily="50" charset="-127"/>
+              <a:ea typeface="함초롬돋움" panose="020B0604000101010101" pitchFamily="50" charset="-127"/>
+              <a:cs typeface="함초롬돋움" panose="020B0604000101010101" pitchFamily="50" charset="-127"/>
+            </a:endParaRPr>
+          </a:p>
+        </p:txBody>
+      </p:sp>
+      <p:sp>
+        <p:nvSpPr>
+          <p:cNvPr id="10" name="내용 개체 틀 2"/>
+          <p:cNvSpPr>
+            <a:spLocks noGrp="1"/>
+          </p:cNvSpPr>
+          <p:nvPr>
+            <p:ph idx="1"/>
+          </p:nvPr>
+        </p:nvSpPr>
+        <p:spPr/>
+        <p:txBody>
+          <a:bodyPr>
+            <a:noAutofit/>
+          </a:bodyPr>
+          <a:lstStyle/>
+          <a:p>
+            <a:pPr eaLnBrk="0" fontAlgn="base" latinLnBrk="0" hangingPunct="0">
+              <a:lnSpc>
+                <a:spcPct val="100000"/>
+              </a:lnSpc>
+              <a:spcBef>
+                <a:spcPct val="0"/>
+              </a:spcBef>
+              <a:spcAft>
+                <a:spcPct val="0"/>
+              </a:spcAft>
+            </a:pPr>
+            <a:endParaRPr lang="en-US" altLang="ko-KR" dirty="0">
+              <a:latin typeface="함초롬돋움" panose="020B0604000101010101" pitchFamily="50" charset="-127"/>
+              <a:ea typeface="함초롬돋움" panose="020B0604000101010101" pitchFamily="50" charset="-127"/>
+              <a:cs typeface="함초롬돋움" panose="020B0604000101010101" pitchFamily="50" charset="-127"/>
+            </a:endParaRPr>
+          </a:p>
+        </p:txBody>
+      </p:sp>
+      <p:pic>
+        <p:nvPicPr>
+          <p:cNvPr id="6" name="그림 5"/>
+          <p:cNvPicPr>
+            <a:picLocks noChangeAspect="1"/>
+          </p:cNvPicPr>
+          <p:nvPr/>
+        </p:nvPicPr>
+        <p:blipFill>
+          <a:blip r:embed="rId2"/>
+          <a:stretch>
+            <a:fillRect/>
+          </a:stretch>
+        </p:blipFill>
+        <p:spPr>
+          <a:xfrm>
+            <a:off x="2914996" y="3447046"/>
+            <a:ext cx="5996248" cy="2767500"/>
+          </a:xfrm>
+          <a:prstGeom prst="rect">
+            <a:avLst/>
+          </a:prstGeom>
+        </p:spPr>
+      </p:pic>
+      <p:pic>
+        <p:nvPicPr>
+          <p:cNvPr id="4" name="그림 3"/>
+          <p:cNvPicPr>
+            <a:picLocks noChangeAspect="1"/>
+          </p:cNvPicPr>
+          <p:nvPr/>
+        </p:nvPicPr>
+        <p:blipFill>
+          <a:blip r:embed="rId3"/>
+          <a:stretch>
+            <a:fillRect/>
+          </a:stretch>
+        </p:blipFill>
+        <p:spPr>
+          <a:xfrm>
+            <a:off x="2873433" y="1945761"/>
+            <a:ext cx="6079374" cy="1497518"/>
+          </a:xfrm>
+          <a:prstGeom prst="rect">
+            <a:avLst/>
+          </a:prstGeom>
+        </p:spPr>
+      </p:pic>
+    </p:spTree>
+    <p:extLst>
+      <p:ext uri="{BB962C8B-B14F-4D97-AF65-F5344CB8AC3E}">
+        <p14:creationId xmlns:p14="http://schemas.microsoft.com/office/powerpoint/2010/main" val="2873879264"/>
+      </p:ext>
+    </p:extLst>
+  </p:cSld>
+  <p:clrMapOvr>
+    <a:masterClrMapping/>
+  </p:clrMapOvr>
+  <p:timing>
+    <p:tnLst>
+      <p:par>
+        <p:cTn id="1" dur="indefinite" restart="never" nodeType="tmRoot"/>
+      </p:par>
+    </p:tnLst>
+  </p:timing>
+</p:sld>
+</file>
+
+<file path=ppt/slides/slide14.xml><?xml version="1.0" encoding="utf-8"?>
+<p:sld xmlns:a="http://schemas.openxmlformats.org/drawingml/2006/main" xmlns:r="http://schemas.openxmlformats.org/officeDocument/2006/relationships" xmlns:p="http://schemas.openxmlformats.org/presentationml/2006/main">
+  <p:cSld>
+    <p:spTree>
+      <p:nvGrpSpPr>
+        <p:cNvPr id="1" name=""/>
+        <p:cNvGrpSpPr/>
+        <p:nvPr/>
+      </p:nvGrpSpPr>
+      <p:grpSpPr>
+        <a:xfrm>
+          <a:off x="0" y="0"/>
+          <a:ext cx="0" cy="0"/>
+          <a:chOff x="0" y="0"/>
+          <a:chExt cx="0" cy="0"/>
+        </a:xfrm>
+      </p:grpSpPr>
+      <p:sp>
+        <p:nvSpPr>
+          <p:cNvPr id="7" name="제목 1"/>
+          <p:cNvSpPr txBox="1">
+            <a:spLocks/>
+          </p:cNvSpPr>
+          <p:nvPr/>
+        </p:nvSpPr>
+        <p:spPr>
+          <a:xfrm>
+            <a:off x="838200" y="365125"/>
+            <a:ext cx="10515600" cy="1090189"/>
+          </a:xfrm>
+          <a:prstGeom prst="rect">
+            <a:avLst/>
+          </a:prstGeom>
+        </p:spPr>
+        <p:txBody>
+          <a:bodyPr vert="horz" lIns="91440" tIns="45720" rIns="91440" bIns="45720" rtlCol="0" anchor="ctr">
+            <a:normAutofit/>
+          </a:bodyPr>
+          <a:lstStyle>
+            <a:lvl1pPr algn="l" defTabSz="914400" rtl="0" eaLnBrk="1" latinLnBrk="1" hangingPunct="1">
+              <a:lnSpc>
+                <a:spcPct val="90000"/>
+              </a:lnSpc>
+              <a:spcBef>
+                <a:spcPct val="0"/>
+              </a:spcBef>
+              <a:buNone/>
+              <a:defRPr sz="4800" kern="1200">
+                <a:solidFill>
+                  <a:schemeClr val="accent4"/>
+                </a:solidFill>
+                <a:latin typeface="+mj-lt"/>
+                <a:ea typeface="+mj-ea"/>
+                <a:cs typeface="+mj-cs"/>
+              </a:defRPr>
+            </a:lvl1pPr>
+          </a:lstStyle>
+          <a:p>
+            <a:r>
+              <a:rPr lang="en-US" altLang="ko-KR" dirty="0" err="1" smtClean="0">
+                <a:latin typeface="함초롬돋움" panose="020B0604000101010101" pitchFamily="50" charset="-127"/>
+                <a:ea typeface="함초롬돋움" panose="020B0604000101010101" pitchFamily="50" charset="-127"/>
+                <a:cs typeface="함초롬돋움" panose="020B0604000101010101" pitchFamily="50" charset="-127"/>
+              </a:rPr>
+              <a:t>RegionManager</a:t>
+            </a:r>
+            <a:endParaRPr lang="ko-KR" altLang="en-US" dirty="0">
+              <a:latin typeface="함초롬돋움" panose="020B0604000101010101" pitchFamily="50" charset="-127"/>
+              <a:ea typeface="함초롬돋움" panose="020B0604000101010101" pitchFamily="50" charset="-127"/>
+              <a:cs typeface="함초롬돋움" panose="020B0604000101010101" pitchFamily="50" charset="-127"/>
+            </a:endParaRPr>
+          </a:p>
+        </p:txBody>
+      </p:sp>
+      <p:sp>
+        <p:nvSpPr>
+          <p:cNvPr id="10" name="내용 개체 틀 2"/>
+          <p:cNvSpPr>
+            <a:spLocks noGrp="1"/>
+          </p:cNvSpPr>
+          <p:nvPr>
+            <p:ph idx="1"/>
+          </p:nvPr>
+        </p:nvSpPr>
+        <p:spPr/>
+        <p:txBody>
+          <a:bodyPr>
+            <a:noAutofit/>
+          </a:bodyPr>
+          <a:lstStyle/>
+          <a:p>
+            <a:pPr eaLnBrk="0" fontAlgn="base" latinLnBrk="0" hangingPunct="0">
+              <a:lnSpc>
+                <a:spcPct val="100000"/>
+              </a:lnSpc>
+              <a:spcBef>
+                <a:spcPct val="0"/>
+              </a:spcBef>
+              <a:spcAft>
+                <a:spcPct val="0"/>
+              </a:spcAft>
+            </a:pPr>
+            <a:r>
+              <a:rPr lang="en-US" altLang="ko-KR" dirty="0" smtClean="0">
+                <a:latin typeface="함초롬돋움" panose="020B0604000101010101" pitchFamily="50" charset="-127"/>
+                <a:ea typeface="함초롬돋움" panose="020B0604000101010101" pitchFamily="50" charset="-127"/>
+                <a:cs typeface="함초롬돋움" panose="020B0604000101010101" pitchFamily="50" charset="-127"/>
+              </a:rPr>
+              <a:t>Region </a:t>
+            </a:r>
+            <a:r>
+              <a:rPr lang="ko-KR" altLang="en-US" dirty="0" smtClean="0">
+                <a:latin typeface="함초롬돋움" panose="020B0604000101010101" pitchFamily="50" charset="-127"/>
+                <a:ea typeface="함초롬돋움" panose="020B0604000101010101" pitchFamily="50" charset="-127"/>
+                <a:cs typeface="함초롬돋움" panose="020B0604000101010101" pitchFamily="50" charset="-127"/>
+              </a:rPr>
+              <a:t>컬렉션을 유지</a:t>
+            </a:r>
+            <a:endParaRPr lang="en-US" altLang="ko-KR" dirty="0" smtClean="0">
+              <a:latin typeface="함초롬돋움" panose="020B0604000101010101" pitchFamily="50" charset="-127"/>
+              <a:ea typeface="함초롬돋움" panose="020B0604000101010101" pitchFamily="50" charset="-127"/>
+              <a:cs typeface="함초롬돋움" panose="020B0604000101010101" pitchFamily="50" charset="-127"/>
+            </a:endParaRPr>
+          </a:p>
+          <a:p>
+            <a:pPr eaLnBrk="0" fontAlgn="base" latinLnBrk="0" hangingPunct="0">
+              <a:lnSpc>
+                <a:spcPct val="100000"/>
+              </a:lnSpc>
+              <a:spcBef>
+                <a:spcPct val="0"/>
+              </a:spcBef>
+              <a:spcAft>
+                <a:spcPct val="0"/>
+              </a:spcAft>
+            </a:pPr>
+            <a:endParaRPr lang="en-US" altLang="ko-KR" dirty="0">
+              <a:latin typeface="함초롬돋움" panose="020B0604000101010101" pitchFamily="50" charset="-127"/>
+              <a:ea typeface="함초롬돋움" panose="020B0604000101010101" pitchFamily="50" charset="-127"/>
+              <a:cs typeface="함초롬돋움" panose="020B0604000101010101" pitchFamily="50" charset="-127"/>
+            </a:endParaRPr>
+          </a:p>
+          <a:p>
+            <a:pPr eaLnBrk="0" fontAlgn="base" latinLnBrk="0" hangingPunct="0">
+              <a:lnSpc>
+                <a:spcPct val="100000"/>
+              </a:lnSpc>
+              <a:spcBef>
+                <a:spcPct val="0"/>
+              </a:spcBef>
+              <a:spcAft>
+                <a:spcPct val="0"/>
+              </a:spcAft>
+            </a:pPr>
+            <a:r>
+              <a:rPr lang="en-US" altLang="ko-KR" dirty="0" err="1" smtClean="0">
+                <a:latin typeface="함초롬돋움" panose="020B0604000101010101" pitchFamily="50" charset="-127"/>
+                <a:ea typeface="함초롬돋움" panose="020B0604000101010101" pitchFamily="50" charset="-127"/>
+                <a:cs typeface="함초롬돋움" panose="020B0604000101010101" pitchFamily="50" charset="-127"/>
+              </a:rPr>
+              <a:t>RegionName</a:t>
+            </a:r>
+            <a:r>
+              <a:rPr lang="en-US" altLang="ko-KR" dirty="0" smtClean="0">
+                <a:latin typeface="함초롬돋움" panose="020B0604000101010101" pitchFamily="50" charset="-127"/>
+                <a:ea typeface="함초롬돋움" panose="020B0604000101010101" pitchFamily="50" charset="-127"/>
+                <a:cs typeface="함초롬돋움" panose="020B0604000101010101" pitchFamily="50" charset="-127"/>
+              </a:rPr>
+              <a:t> </a:t>
+            </a:r>
+            <a:r>
+              <a:rPr lang="ko-KR" altLang="en-US" dirty="0" smtClean="0">
+                <a:latin typeface="함초롬돋움" panose="020B0604000101010101" pitchFamily="50" charset="-127"/>
+                <a:ea typeface="함초롬돋움" panose="020B0604000101010101" pitchFamily="50" charset="-127"/>
+                <a:cs typeface="함초롬돋움" panose="020B0604000101010101" pitchFamily="50" charset="-127"/>
+              </a:rPr>
+              <a:t>속성으로 컨트롤에 </a:t>
+            </a:r>
+            <a:r>
+              <a:rPr lang="en-US" altLang="ko-KR" dirty="0" smtClean="0">
+                <a:latin typeface="함초롬돋움" panose="020B0604000101010101" pitchFamily="50" charset="-127"/>
+                <a:ea typeface="함초롬돋움" panose="020B0604000101010101" pitchFamily="50" charset="-127"/>
+                <a:cs typeface="함초롬돋움" panose="020B0604000101010101" pitchFamily="50" charset="-127"/>
+              </a:rPr>
+              <a:t>Region</a:t>
+            </a:r>
+            <a:r>
+              <a:rPr lang="ko-KR" altLang="en-US" dirty="0" smtClean="0">
+                <a:latin typeface="함초롬돋움" panose="020B0604000101010101" pitchFamily="50" charset="-127"/>
+                <a:ea typeface="함초롬돋움" panose="020B0604000101010101" pitchFamily="50" charset="-127"/>
+                <a:cs typeface="함초롬돋움" panose="020B0604000101010101" pitchFamily="50" charset="-127"/>
+              </a:rPr>
+              <a:t>은 생성</a:t>
+            </a:r>
+            <a:endParaRPr lang="en-US" altLang="ko-KR" dirty="0" smtClean="0">
+              <a:latin typeface="함초롬돋움" panose="020B0604000101010101" pitchFamily="50" charset="-127"/>
+              <a:ea typeface="함초롬돋움" panose="020B0604000101010101" pitchFamily="50" charset="-127"/>
+              <a:cs typeface="함초롬돋움" panose="020B0604000101010101" pitchFamily="50" charset="-127"/>
+            </a:endParaRPr>
+          </a:p>
+          <a:p>
+            <a:pPr eaLnBrk="0" fontAlgn="base" latinLnBrk="0" hangingPunct="0">
+              <a:lnSpc>
+                <a:spcPct val="100000"/>
+              </a:lnSpc>
+              <a:spcBef>
+                <a:spcPct val="0"/>
+              </a:spcBef>
+              <a:spcAft>
+                <a:spcPct val="0"/>
+              </a:spcAft>
+            </a:pPr>
+            <a:endParaRPr lang="en-US" altLang="ko-KR" dirty="0">
+              <a:latin typeface="함초롬돋움" panose="020B0604000101010101" pitchFamily="50" charset="-127"/>
+              <a:ea typeface="함초롬돋움" panose="020B0604000101010101" pitchFamily="50" charset="-127"/>
+              <a:cs typeface="함초롬돋움" panose="020B0604000101010101" pitchFamily="50" charset="-127"/>
+            </a:endParaRPr>
+          </a:p>
+          <a:p>
+            <a:pPr eaLnBrk="0" fontAlgn="base" latinLnBrk="0" hangingPunct="0">
+              <a:lnSpc>
+                <a:spcPct val="100000"/>
+              </a:lnSpc>
+              <a:spcBef>
+                <a:spcPct val="0"/>
+              </a:spcBef>
+              <a:spcAft>
+                <a:spcPct val="0"/>
+              </a:spcAft>
+            </a:pPr>
+            <a:r>
+              <a:rPr lang="en-US" altLang="ko-KR" dirty="0" err="1" smtClean="0">
+                <a:latin typeface="함초롬돋움" panose="020B0604000101010101" pitchFamily="50" charset="-127"/>
+                <a:ea typeface="함초롬돋움" panose="020B0604000101010101" pitchFamily="50" charset="-127"/>
+                <a:cs typeface="함초롬돋움" panose="020B0604000101010101" pitchFamily="50" charset="-127"/>
+              </a:rPr>
+              <a:t>RegionAdapter</a:t>
+            </a:r>
+            <a:r>
+              <a:rPr lang="ko-KR" altLang="en-US" dirty="0" smtClean="0">
+                <a:latin typeface="함초롬돋움" panose="020B0604000101010101" pitchFamily="50" charset="-127"/>
+                <a:ea typeface="함초롬돋움" panose="020B0604000101010101" pitchFamily="50" charset="-127"/>
+                <a:cs typeface="함초롬돋움" panose="020B0604000101010101" pitchFamily="50" charset="-127"/>
+              </a:rPr>
+              <a:t>를 컨트롤과 </a:t>
+            </a:r>
+            <a:r>
+              <a:rPr lang="ko-KR" altLang="en-US" dirty="0" err="1" smtClean="0">
+                <a:latin typeface="함초롬돋움" panose="020B0604000101010101" pitchFamily="50" charset="-127"/>
+                <a:ea typeface="함초롬돋움" panose="020B0604000101010101" pitchFamily="50" charset="-127"/>
+                <a:cs typeface="함초롬돋움" panose="020B0604000101010101" pitchFamily="50" charset="-127"/>
+              </a:rPr>
+              <a:t>맵핑</a:t>
+            </a:r>
+            <a:endParaRPr lang="en-US" altLang="ko-KR" dirty="0" smtClean="0">
+              <a:latin typeface="함초롬돋움" panose="020B0604000101010101" pitchFamily="50" charset="-127"/>
+              <a:ea typeface="함초롬돋움" panose="020B0604000101010101" pitchFamily="50" charset="-127"/>
+              <a:cs typeface="함초롬돋움" panose="020B0604000101010101" pitchFamily="50" charset="-127"/>
+            </a:endParaRPr>
+          </a:p>
+          <a:p>
+            <a:pPr eaLnBrk="0" fontAlgn="base" latinLnBrk="0" hangingPunct="0">
+              <a:lnSpc>
+                <a:spcPct val="100000"/>
+              </a:lnSpc>
+              <a:spcBef>
+                <a:spcPct val="0"/>
+              </a:spcBef>
+              <a:spcAft>
+                <a:spcPct val="0"/>
+              </a:spcAft>
+            </a:pPr>
+            <a:endParaRPr lang="en-US" altLang="ko-KR" dirty="0">
+              <a:latin typeface="함초롬돋움" panose="020B0604000101010101" pitchFamily="50" charset="-127"/>
+              <a:ea typeface="함초롬돋움" panose="020B0604000101010101" pitchFamily="50" charset="-127"/>
+              <a:cs typeface="함초롬돋움" panose="020B0604000101010101" pitchFamily="50" charset="-127"/>
+            </a:endParaRPr>
+          </a:p>
+          <a:p>
+            <a:pPr eaLnBrk="0" fontAlgn="base" latinLnBrk="0" hangingPunct="0">
+              <a:lnSpc>
+                <a:spcPct val="100000"/>
+              </a:lnSpc>
+              <a:spcBef>
+                <a:spcPct val="0"/>
+              </a:spcBef>
+              <a:spcAft>
+                <a:spcPct val="0"/>
+              </a:spcAft>
+            </a:pPr>
+            <a:r>
+              <a:rPr lang="en-US" altLang="ko-KR" dirty="0" smtClean="0">
+                <a:latin typeface="함초롬돋움" panose="020B0604000101010101" pitchFamily="50" charset="-127"/>
+                <a:ea typeface="함초롬돋움" panose="020B0604000101010101" pitchFamily="50" charset="-127"/>
+                <a:cs typeface="함초롬돋움" panose="020B0604000101010101" pitchFamily="50" charset="-127"/>
+              </a:rPr>
+              <a:t>Region</a:t>
+            </a:r>
+            <a:r>
+              <a:rPr lang="ko-KR" altLang="en-US" dirty="0" smtClean="0">
+                <a:latin typeface="함초롬돋움" panose="020B0604000101010101" pitchFamily="50" charset="-127"/>
+                <a:ea typeface="함초롬돋움" panose="020B0604000101010101" pitchFamily="50" charset="-127"/>
+                <a:cs typeface="함초롬돋움" panose="020B0604000101010101" pitchFamily="50" charset="-127"/>
+              </a:rPr>
+              <a:t> 생성시 </a:t>
+            </a:r>
+            <a:r>
+              <a:rPr lang="en-US" altLang="ko-KR" dirty="0" smtClean="0">
+                <a:latin typeface="함초롬돋움" panose="020B0604000101010101" pitchFamily="50" charset="-127"/>
+                <a:ea typeface="함초롬돋움" panose="020B0604000101010101" pitchFamily="50" charset="-127"/>
+                <a:cs typeface="함초롬돋움" panose="020B0604000101010101" pitchFamily="50" charset="-127"/>
+              </a:rPr>
+              <a:t>Region</a:t>
+            </a:r>
+            <a:r>
+              <a:rPr lang="ko-KR" altLang="en-US" dirty="0" smtClean="0">
+                <a:latin typeface="함초롬돋움" panose="020B0604000101010101" pitchFamily="50" charset="-127"/>
+                <a:ea typeface="함초롬돋움" panose="020B0604000101010101" pitchFamily="50" charset="-127"/>
+                <a:cs typeface="함초롬돋움" panose="020B0604000101010101" pitchFamily="50" charset="-127"/>
+              </a:rPr>
+              <a:t>은</a:t>
+            </a:r>
+            <a:r>
+              <a:rPr lang="en-US" altLang="ko-KR" dirty="0">
+                <a:latin typeface="함초롬돋움" panose="020B0604000101010101" pitchFamily="50" charset="-127"/>
+                <a:ea typeface="함초롬돋움" panose="020B0604000101010101" pitchFamily="50" charset="-127"/>
+                <a:cs typeface="함초롬돋움" panose="020B0604000101010101" pitchFamily="50" charset="-127"/>
+              </a:rPr>
+              <a:t> </a:t>
+            </a:r>
+            <a:r>
+              <a:rPr lang="ko-KR" altLang="en-US" dirty="0">
+                <a:latin typeface="함초롬돋움" panose="020B0604000101010101" pitchFamily="50" charset="-127"/>
+                <a:ea typeface="함초롬돋움" panose="020B0604000101010101" pitchFamily="50" charset="-127"/>
+                <a:cs typeface="함초롬돋움" panose="020B0604000101010101" pitchFamily="50" charset="-127"/>
+              </a:rPr>
+              <a:t>기본적으로 </a:t>
+            </a:r>
+            <a:r>
+              <a:rPr lang="en-US" altLang="ko-KR" dirty="0" smtClean="0">
+                <a:latin typeface="함초롬돋움" panose="020B0604000101010101" pitchFamily="50" charset="-127"/>
+                <a:ea typeface="함초롬돋움" panose="020B0604000101010101" pitchFamily="50" charset="-127"/>
+                <a:cs typeface="함초롬돋움" panose="020B0604000101010101" pitchFamily="50" charset="-127"/>
+              </a:rPr>
+              <a:t>Root</a:t>
+            </a:r>
+            <a:r>
+              <a:rPr lang="ko-KR" altLang="en-US" dirty="0" smtClean="0">
+                <a:latin typeface="함초롬돋움" panose="020B0604000101010101" pitchFamily="50" charset="-127"/>
+                <a:ea typeface="함초롬돋움" panose="020B0604000101010101" pitchFamily="50" charset="-127"/>
+                <a:cs typeface="함초롬돋움" panose="020B0604000101010101" pitchFamily="50" charset="-127"/>
+              </a:rPr>
+              <a:t>의</a:t>
+            </a:r>
+            <a:r>
+              <a:rPr lang="en-US" altLang="ko-KR" dirty="0" smtClean="0">
+                <a:latin typeface="함초롬돋움" panose="020B0604000101010101" pitchFamily="50" charset="-127"/>
+                <a:ea typeface="함초롬돋움" panose="020B0604000101010101" pitchFamily="50" charset="-127"/>
+                <a:cs typeface="함초롬돋움" panose="020B0604000101010101" pitchFamily="50" charset="-127"/>
+              </a:rPr>
+              <a:t> </a:t>
+            </a:r>
+            <a:r>
+              <a:rPr lang="en-US" altLang="ko-KR" dirty="0" err="1" smtClean="0">
+                <a:latin typeface="함초롬돋움" panose="020B0604000101010101" pitchFamily="50" charset="-127"/>
+                <a:ea typeface="함초롬돋움" panose="020B0604000101010101" pitchFamily="50" charset="-127"/>
+                <a:cs typeface="함초롬돋움" panose="020B0604000101010101" pitchFamily="50" charset="-127"/>
+              </a:rPr>
+              <a:t>RegionManager</a:t>
+            </a:r>
+            <a:r>
+              <a:rPr lang="en-US" altLang="ko-KR" dirty="0" smtClean="0">
+                <a:latin typeface="함초롬돋움" panose="020B0604000101010101" pitchFamily="50" charset="-127"/>
+                <a:ea typeface="함초롬돋움" panose="020B0604000101010101" pitchFamily="50" charset="-127"/>
+                <a:cs typeface="함초롬돋움" panose="020B0604000101010101" pitchFamily="50" charset="-127"/>
+              </a:rPr>
+              <a:t> </a:t>
+            </a:r>
+            <a:r>
+              <a:rPr lang="ko-KR" altLang="en-US" dirty="0" smtClean="0">
+                <a:latin typeface="함초롬돋움" panose="020B0604000101010101" pitchFamily="50" charset="-127"/>
+                <a:ea typeface="함초롬돋움" panose="020B0604000101010101" pitchFamily="50" charset="-127"/>
+                <a:cs typeface="함초롬돋움" panose="020B0604000101010101" pitchFamily="50" charset="-127"/>
+              </a:rPr>
+              <a:t>사용</a:t>
+            </a:r>
+            <a:endParaRPr lang="en-US" altLang="ko-KR" dirty="0">
+              <a:latin typeface="함초롬돋움" panose="020B0604000101010101" pitchFamily="50" charset="-127"/>
+              <a:ea typeface="함초롬돋움" panose="020B0604000101010101" pitchFamily="50" charset="-127"/>
+              <a:cs typeface="함초롬돋움" panose="020B0604000101010101" pitchFamily="50" charset="-127"/>
+            </a:endParaRPr>
+          </a:p>
+          <a:p>
+            <a:pPr eaLnBrk="0" fontAlgn="base" latinLnBrk="0" hangingPunct="0">
+              <a:lnSpc>
+                <a:spcPct val="100000"/>
+              </a:lnSpc>
+              <a:spcBef>
+                <a:spcPct val="0"/>
+              </a:spcBef>
+              <a:spcAft>
+                <a:spcPct val="0"/>
+              </a:spcAft>
+            </a:pPr>
+            <a:endParaRPr lang="en-US" altLang="ko-KR" dirty="0" smtClean="0">
+              <a:latin typeface="함초롬돋움" panose="020B0604000101010101" pitchFamily="50" charset="-127"/>
+              <a:ea typeface="함초롬돋움" panose="020B0604000101010101" pitchFamily="50" charset="-127"/>
+              <a:cs typeface="함초롬돋움" panose="020B0604000101010101" pitchFamily="50" charset="-127"/>
+            </a:endParaRPr>
+          </a:p>
+        </p:txBody>
+      </p:sp>
+    </p:spTree>
+    <p:extLst>
+      <p:ext uri="{BB962C8B-B14F-4D97-AF65-F5344CB8AC3E}">
+        <p14:creationId xmlns:p14="http://schemas.microsoft.com/office/powerpoint/2010/main" val="139845840"/>
+      </p:ext>
+    </p:extLst>
+  </p:cSld>
+  <p:clrMapOvr>
+    <a:masterClrMapping/>
+  </p:clrMapOvr>
+  <p:timing>
+    <p:tnLst>
+      <p:par>
+        <p:cTn id="1" dur="indefinite" restart="never" nodeType="tmRoot"/>
+      </p:par>
+    </p:tnLst>
+  </p:timing>
+</p:sld>
+</file>
+
+<file path=ppt/slides/slide15.xml><?xml version="1.0" encoding="utf-8"?>
+<p:sld xmlns:a="http://schemas.openxmlformats.org/drawingml/2006/main" xmlns:r="http://schemas.openxmlformats.org/officeDocument/2006/relationships" xmlns:p="http://schemas.openxmlformats.org/presentationml/2006/main">
+  <p:cSld>
+    <p:spTree>
+      <p:nvGrpSpPr>
+        <p:cNvPr id="1" name=""/>
+        <p:cNvGrpSpPr/>
+        <p:nvPr/>
+      </p:nvGrpSpPr>
+      <p:grpSpPr>
+        <a:xfrm>
+          <a:off x="0" y="0"/>
+          <a:ext cx="0" cy="0"/>
+          <a:chOff x="0" y="0"/>
+          <a:chExt cx="0" cy="0"/>
+        </a:xfrm>
+      </p:grpSpPr>
+      <p:sp>
+        <p:nvSpPr>
+          <p:cNvPr id="7" name="제목 1"/>
+          <p:cNvSpPr txBox="1">
+            <a:spLocks/>
+          </p:cNvSpPr>
+          <p:nvPr/>
+        </p:nvSpPr>
+        <p:spPr>
+          <a:xfrm>
+            <a:off x="838200" y="365125"/>
+            <a:ext cx="10515600" cy="1090189"/>
+          </a:xfrm>
+          <a:prstGeom prst="rect">
+            <a:avLst/>
+          </a:prstGeom>
+        </p:spPr>
+        <p:txBody>
+          <a:bodyPr vert="horz" lIns="91440" tIns="45720" rIns="91440" bIns="45720" rtlCol="0" anchor="ctr">
+            <a:normAutofit/>
+          </a:bodyPr>
+          <a:lstStyle>
+            <a:lvl1pPr algn="l" defTabSz="914400" rtl="0" eaLnBrk="1" latinLnBrk="1" hangingPunct="1">
+              <a:lnSpc>
+                <a:spcPct val="90000"/>
+              </a:lnSpc>
+              <a:spcBef>
+                <a:spcPct val="0"/>
+              </a:spcBef>
+              <a:buNone/>
+              <a:defRPr sz="4800" kern="1200">
+                <a:solidFill>
+                  <a:schemeClr val="accent4"/>
+                </a:solidFill>
+                <a:latin typeface="+mj-lt"/>
+                <a:ea typeface="+mj-ea"/>
+                <a:cs typeface="+mj-cs"/>
+              </a:defRPr>
+            </a:lvl1pPr>
+          </a:lstStyle>
+          <a:p>
+            <a:r>
+              <a:rPr lang="en-US" altLang="ko-KR" dirty="0" err="1" smtClean="0">
+                <a:latin typeface="함초롬돋움" panose="020B0604000101010101" pitchFamily="50" charset="-127"/>
+                <a:ea typeface="함초롬돋움" panose="020B0604000101010101" pitchFamily="50" charset="-127"/>
+                <a:cs typeface="함초롬돋움" panose="020B0604000101010101" pitchFamily="50" charset="-127"/>
+              </a:rPr>
+              <a:t>RegionAdapter</a:t>
+            </a:r>
+            <a:endParaRPr lang="ko-KR" altLang="en-US" dirty="0">
+              <a:latin typeface="함초롬돋움" panose="020B0604000101010101" pitchFamily="50" charset="-127"/>
+              <a:ea typeface="함초롬돋움" panose="020B0604000101010101" pitchFamily="50" charset="-127"/>
+              <a:cs typeface="함초롬돋움" panose="020B0604000101010101" pitchFamily="50" charset="-127"/>
+            </a:endParaRPr>
+          </a:p>
+        </p:txBody>
+      </p:sp>
+      <p:sp>
+        <p:nvSpPr>
+          <p:cNvPr id="10" name="내용 개체 틀 2"/>
+          <p:cNvSpPr>
+            <a:spLocks noGrp="1"/>
+          </p:cNvSpPr>
+          <p:nvPr>
+            <p:ph idx="1"/>
+          </p:nvPr>
+        </p:nvSpPr>
+        <p:spPr/>
+        <p:txBody>
+          <a:bodyPr>
+            <a:noAutofit/>
+          </a:bodyPr>
+          <a:lstStyle/>
+          <a:p>
+            <a:pPr eaLnBrk="0" fontAlgn="base" latinLnBrk="0" hangingPunct="0">
+              <a:lnSpc>
+                <a:spcPct val="100000"/>
+              </a:lnSpc>
+              <a:spcBef>
+                <a:spcPct val="0"/>
+              </a:spcBef>
+              <a:spcAft>
+                <a:spcPct val="0"/>
+              </a:spcAft>
+            </a:pPr>
+            <a:r>
+              <a:rPr lang="en-US" altLang="ko-KR" dirty="0" smtClean="0">
+                <a:latin typeface="함초롬돋움" panose="020B0604000101010101" pitchFamily="50" charset="-127"/>
+                <a:ea typeface="함초롬돋움" panose="020B0604000101010101" pitchFamily="50" charset="-127"/>
+                <a:cs typeface="함초롬돋움" panose="020B0604000101010101" pitchFamily="50" charset="-127"/>
+              </a:rPr>
+              <a:t>Region</a:t>
+            </a:r>
+            <a:r>
+              <a:rPr lang="ko-KR" altLang="en-US" dirty="0" smtClean="0">
+                <a:latin typeface="함초롬돋움" panose="020B0604000101010101" pitchFamily="50" charset="-127"/>
+                <a:ea typeface="함초롬돋움" panose="020B0604000101010101" pitchFamily="50" charset="-127"/>
+                <a:cs typeface="함초롬돋움" panose="020B0604000101010101" pitchFamily="50" charset="-127"/>
+              </a:rPr>
+              <a:t>과 </a:t>
+            </a:r>
+            <a:r>
+              <a:rPr lang="en-US" altLang="ko-KR" dirty="0" smtClean="0">
+                <a:latin typeface="함초롬돋움" panose="020B0604000101010101" pitchFamily="50" charset="-127"/>
+                <a:ea typeface="함초롬돋움" panose="020B0604000101010101" pitchFamily="50" charset="-127"/>
+                <a:cs typeface="함초롬돋움" panose="020B0604000101010101" pitchFamily="50" charset="-127"/>
+              </a:rPr>
+              <a:t>View</a:t>
+            </a:r>
+            <a:r>
+              <a:rPr lang="ko-KR" altLang="en-US" dirty="0" smtClean="0">
+                <a:latin typeface="함초롬돋움" panose="020B0604000101010101" pitchFamily="50" charset="-127"/>
+                <a:ea typeface="함초롬돋움" panose="020B0604000101010101" pitchFamily="50" charset="-127"/>
+                <a:cs typeface="함초롬돋움" panose="020B0604000101010101" pitchFamily="50" charset="-127"/>
+              </a:rPr>
+              <a:t>를 연결 시켜주는 역할</a:t>
+            </a:r>
+            <a:endParaRPr lang="en-US" altLang="ko-KR" dirty="0" smtClean="0">
+              <a:latin typeface="함초롬돋움" panose="020B0604000101010101" pitchFamily="50" charset="-127"/>
+              <a:ea typeface="함초롬돋움" panose="020B0604000101010101" pitchFamily="50" charset="-127"/>
+              <a:cs typeface="함초롬돋움" panose="020B0604000101010101" pitchFamily="50" charset="-127"/>
+            </a:endParaRPr>
+          </a:p>
+          <a:p>
+            <a:pPr eaLnBrk="0" fontAlgn="base" latinLnBrk="0" hangingPunct="0">
+              <a:lnSpc>
+                <a:spcPct val="100000"/>
+              </a:lnSpc>
+              <a:spcBef>
+                <a:spcPct val="0"/>
+              </a:spcBef>
+              <a:spcAft>
+                <a:spcPct val="0"/>
+              </a:spcAft>
+            </a:pPr>
+            <a:endParaRPr lang="en-US" altLang="ko-KR" dirty="0">
+              <a:latin typeface="함초롬돋움" panose="020B0604000101010101" pitchFamily="50" charset="-127"/>
+              <a:ea typeface="함초롬돋움" panose="020B0604000101010101" pitchFamily="50" charset="-127"/>
+              <a:cs typeface="함초롬돋움" panose="020B0604000101010101" pitchFamily="50" charset="-127"/>
+            </a:endParaRPr>
+          </a:p>
+          <a:p>
+            <a:pPr eaLnBrk="0" fontAlgn="base" latinLnBrk="0" hangingPunct="0">
+              <a:lnSpc>
+                <a:spcPct val="100000"/>
+              </a:lnSpc>
+              <a:spcBef>
+                <a:spcPct val="0"/>
+              </a:spcBef>
+              <a:spcAft>
+                <a:spcPct val="0"/>
+              </a:spcAft>
+            </a:pPr>
+            <a:r>
+              <a:rPr lang="en-US" altLang="ko-KR" dirty="0" err="1" smtClean="0">
+                <a:latin typeface="함초롬돋움" panose="020B0604000101010101" pitchFamily="50" charset="-127"/>
+                <a:ea typeface="함초롬돋움" panose="020B0604000101010101" pitchFamily="50" charset="-127"/>
+                <a:cs typeface="함초롬돋움" panose="020B0604000101010101" pitchFamily="50" charset="-127"/>
+              </a:rPr>
+              <a:t>RegionManager</a:t>
+            </a:r>
+            <a:r>
+              <a:rPr lang="ko-KR" altLang="en-US" dirty="0" smtClean="0">
+                <a:latin typeface="함초롬돋움" panose="020B0604000101010101" pitchFamily="50" charset="-127"/>
+                <a:ea typeface="함초롬돋움" panose="020B0604000101010101" pitchFamily="50" charset="-127"/>
+                <a:cs typeface="함초롬돋움" panose="020B0604000101010101" pitchFamily="50" charset="-127"/>
+              </a:rPr>
+              <a:t>가 관리</a:t>
+            </a:r>
+            <a:endParaRPr lang="en-US" altLang="ko-KR" dirty="0" smtClean="0">
+              <a:latin typeface="함초롬돋움" panose="020B0604000101010101" pitchFamily="50" charset="-127"/>
+              <a:ea typeface="함초롬돋움" panose="020B0604000101010101" pitchFamily="50" charset="-127"/>
+              <a:cs typeface="함초롬돋움" panose="020B0604000101010101" pitchFamily="50" charset="-127"/>
+            </a:endParaRPr>
+          </a:p>
+          <a:p>
+            <a:pPr eaLnBrk="0" fontAlgn="base" latinLnBrk="0" hangingPunct="0">
+              <a:lnSpc>
+                <a:spcPct val="100000"/>
+              </a:lnSpc>
+              <a:spcBef>
+                <a:spcPct val="0"/>
+              </a:spcBef>
+              <a:spcAft>
+                <a:spcPct val="0"/>
+              </a:spcAft>
+            </a:pPr>
+            <a:endParaRPr lang="en-US" altLang="ko-KR" dirty="0">
+              <a:latin typeface="함초롬돋움" panose="020B0604000101010101" pitchFamily="50" charset="-127"/>
+              <a:ea typeface="함초롬돋움" panose="020B0604000101010101" pitchFamily="50" charset="-127"/>
+              <a:cs typeface="함초롬돋움" panose="020B0604000101010101" pitchFamily="50" charset="-127"/>
+            </a:endParaRPr>
+          </a:p>
+          <a:p>
+            <a:pPr eaLnBrk="0" fontAlgn="base" latinLnBrk="0" hangingPunct="0">
+              <a:lnSpc>
+                <a:spcPct val="100000"/>
+              </a:lnSpc>
+              <a:spcBef>
+                <a:spcPct val="0"/>
+              </a:spcBef>
+              <a:spcAft>
+                <a:spcPct val="0"/>
+              </a:spcAft>
+            </a:pPr>
+            <a:r>
+              <a:rPr lang="ko-KR" altLang="en-US" dirty="0" smtClean="0">
+                <a:latin typeface="함초롬돋움" panose="020B0604000101010101" pitchFamily="50" charset="-127"/>
+                <a:ea typeface="함초롬돋움" panose="020B0604000101010101" pitchFamily="50" charset="-127"/>
+                <a:cs typeface="함초롬돋움" panose="020B0604000101010101" pitchFamily="50" charset="-127"/>
+              </a:rPr>
+              <a:t>기본적으로 지원하는 컨트롤</a:t>
+            </a:r>
+            <a:endParaRPr lang="en-US" altLang="ko-KR" dirty="0" smtClean="0">
+              <a:latin typeface="함초롬돋움" panose="020B0604000101010101" pitchFamily="50" charset="-127"/>
+              <a:ea typeface="함초롬돋움" panose="020B0604000101010101" pitchFamily="50" charset="-127"/>
+              <a:cs typeface="함초롬돋움" panose="020B0604000101010101" pitchFamily="50" charset="-127"/>
+            </a:endParaRPr>
+          </a:p>
+          <a:p>
+            <a:pPr lvl="1" eaLnBrk="0" fontAlgn="base" latinLnBrk="0" hangingPunct="0">
+              <a:lnSpc>
+                <a:spcPct val="100000"/>
+              </a:lnSpc>
+              <a:spcBef>
+                <a:spcPct val="0"/>
+              </a:spcBef>
+              <a:spcAft>
+                <a:spcPct val="0"/>
+              </a:spcAft>
+            </a:pPr>
+            <a:r>
+              <a:rPr lang="en-US" altLang="ko-KR" dirty="0" err="1" smtClean="0"/>
+              <a:t>ContentControl</a:t>
+            </a:r>
+            <a:endParaRPr lang="en-US" altLang="ko-KR" dirty="0" smtClean="0"/>
+          </a:p>
+          <a:p>
+            <a:pPr lvl="1" eaLnBrk="0" fontAlgn="base" latinLnBrk="0" hangingPunct="0">
+              <a:lnSpc>
+                <a:spcPct val="100000"/>
+              </a:lnSpc>
+              <a:spcBef>
+                <a:spcPct val="0"/>
+              </a:spcBef>
+              <a:spcAft>
+                <a:spcPct val="0"/>
+              </a:spcAft>
+            </a:pPr>
+            <a:r>
+              <a:rPr lang="en-US" altLang="ko-KR" dirty="0" err="1" smtClean="0"/>
+              <a:t>ItemsControl</a:t>
+            </a:r>
+            <a:endParaRPr lang="en-US" altLang="ko-KR" dirty="0" smtClean="0"/>
+          </a:p>
+          <a:p>
+            <a:pPr lvl="1" eaLnBrk="0" fontAlgn="base" latinLnBrk="0" hangingPunct="0">
+              <a:lnSpc>
+                <a:spcPct val="100000"/>
+              </a:lnSpc>
+              <a:spcBef>
+                <a:spcPct val="0"/>
+              </a:spcBef>
+              <a:spcAft>
+                <a:spcPct val="0"/>
+              </a:spcAft>
+            </a:pPr>
+            <a:r>
+              <a:rPr lang="en-US" altLang="ko-KR" dirty="0" smtClean="0"/>
+              <a:t>Selector</a:t>
+            </a:r>
+          </a:p>
+          <a:p>
+            <a:pPr lvl="1" eaLnBrk="0" fontAlgn="base" latinLnBrk="0" hangingPunct="0">
+              <a:lnSpc>
+                <a:spcPct val="100000"/>
+              </a:lnSpc>
+              <a:spcBef>
+                <a:spcPct val="0"/>
+              </a:spcBef>
+              <a:spcAft>
+                <a:spcPct val="0"/>
+              </a:spcAft>
+            </a:pPr>
+            <a:r>
+              <a:rPr lang="en-US" altLang="ko-KR" dirty="0" err="1" smtClean="0">
+                <a:latin typeface="함초롬돋움" panose="020B0604000101010101" pitchFamily="50" charset="-127"/>
+                <a:ea typeface="함초롬돋움" panose="020B0604000101010101" pitchFamily="50" charset="-127"/>
+                <a:cs typeface="함초롬돋움" panose="020B0604000101010101" pitchFamily="50" charset="-127"/>
+              </a:rPr>
+              <a:t>TabControl</a:t>
+            </a:r>
+            <a:endParaRPr lang="en-US" altLang="ko-KR" dirty="0" smtClean="0">
+              <a:latin typeface="함초롬돋움" panose="020B0604000101010101" pitchFamily="50" charset="-127"/>
+              <a:ea typeface="함초롬돋움" panose="020B0604000101010101" pitchFamily="50" charset="-127"/>
+              <a:cs typeface="함초롬돋움" panose="020B0604000101010101" pitchFamily="50" charset="-127"/>
+            </a:endParaRPr>
+          </a:p>
+        </p:txBody>
+      </p:sp>
+      <p:grpSp>
+        <p:nvGrpSpPr>
+          <p:cNvPr id="3" name="그룹 2"/>
+          <p:cNvGrpSpPr/>
+          <p:nvPr/>
+        </p:nvGrpSpPr>
+        <p:grpSpPr>
+          <a:xfrm>
+            <a:off x="5646141" y="4638502"/>
+            <a:ext cx="5707659" cy="1291764"/>
+            <a:chOff x="5415317" y="4638502"/>
+            <a:chExt cx="5707659" cy="1291764"/>
+          </a:xfrm>
+        </p:grpSpPr>
+        <p:pic>
+          <p:nvPicPr>
+            <p:cNvPr id="5" name="Picture 2" descr="NOte에 대한 이미지 검색결과"/>
+            <p:cNvPicPr>
+              <a:picLocks noChangeAspect="1" noChangeArrowheads="1"/>
+            </p:cNvPicPr>
+            <p:nvPr/>
+          </p:nvPicPr>
+          <p:blipFill>
+            <a:blip r:embed="rId2" cstate="print">
+              <a:extLst>
+                <a:ext uri="{28A0092B-C50C-407E-A947-70E740481C1C}">
+                  <a14:useLocalDpi xmlns:a14="http://schemas.microsoft.com/office/drawing/2010/main" val="0"/>
+                </a:ext>
+              </a:extLst>
+            </a:blip>
+            <a:srcRect/>
+            <a:stretch>
+              <a:fillRect/>
+            </a:stretch>
+          </p:blipFill>
+          <p:spPr bwMode="auto">
+            <a:xfrm>
+              <a:off x="5415317" y="4796444"/>
+              <a:ext cx="975880" cy="975880"/>
+            </a:xfrm>
+            <a:prstGeom prst="rect">
+              <a:avLst/>
+            </a:prstGeom>
+            <a:noFill/>
+            <a:extLst>
+              <a:ext uri="{909E8E84-426E-40DD-AFC4-6F175D3DCCD1}">
+                <a14:hiddenFill xmlns:a14="http://schemas.microsoft.com/office/drawing/2010/main">
+                  <a:solidFill>
+                    <a:srgbClr val="FFFFFF"/>
+                  </a:solidFill>
+                </a14:hiddenFill>
+              </a:ext>
+            </a:extLst>
+          </p:spPr>
+        </p:pic>
+        <p:pic>
+          <p:nvPicPr>
+            <p:cNvPr id="6" name="그림 5"/>
+            <p:cNvPicPr>
+              <a:picLocks noChangeAspect="1"/>
+            </p:cNvPicPr>
+            <p:nvPr/>
+          </p:nvPicPr>
+          <p:blipFill>
+            <a:blip r:embed="rId3"/>
+            <a:stretch>
+              <a:fillRect/>
+            </a:stretch>
+          </p:blipFill>
+          <p:spPr>
+            <a:xfrm>
+              <a:off x="9462984" y="4638502"/>
+              <a:ext cx="1659992" cy="1291764"/>
+            </a:xfrm>
+            <a:prstGeom prst="rect">
+              <a:avLst/>
+            </a:prstGeom>
+          </p:spPr>
+        </p:pic>
+        <p:sp>
+          <p:nvSpPr>
+            <p:cNvPr id="8" name="순서도: 수행의 시작/종료 7"/>
+            <p:cNvSpPr/>
+            <p:nvPr/>
+          </p:nvSpPr>
+          <p:spPr>
+            <a:xfrm>
+              <a:off x="7313652" y="5081949"/>
+              <a:ext cx="1226876" cy="404870"/>
+            </a:xfrm>
+            <a:prstGeom prst="flowChartTerminator">
+              <a:avLst/>
+            </a:prstGeom>
+            <a:solidFill>
+              <a:schemeClr val="accent2"/>
+            </a:solidFill>
+            <a:ln>
+              <a:solidFill>
+                <a:srgbClr val="FF6600"/>
+              </a:solidFill>
+            </a:ln>
+          </p:spPr>
+          <p:style>
+            <a:lnRef idx="2">
+              <a:schemeClr val="accent1">
+                <a:shade val="50000"/>
+              </a:schemeClr>
+            </a:lnRef>
+            <a:fillRef idx="1">
+              <a:schemeClr val="accent1"/>
+            </a:fillRef>
+            <a:effectRef idx="0">
+              <a:schemeClr val="accent1"/>
+            </a:effectRef>
+            <a:fontRef idx="minor">
+              <a:schemeClr val="lt1"/>
+            </a:fontRef>
+          </p:style>
+          <p:txBody>
+            <a:bodyPr rtlCol="0" anchor="ctr"/>
+            <a:lstStyle/>
+            <a:p>
+              <a:pPr algn="ctr"/>
+              <a:r>
+                <a:rPr lang="en-US" altLang="ko-KR" sz="1000" dirty="0" err="1" smtClean="0"/>
+                <a:t>RegionAdapter</a:t>
+              </a:r>
+              <a:endParaRPr lang="ko-KR" altLang="en-US" sz="1000" dirty="0"/>
+            </a:p>
+          </p:txBody>
+        </p:sp>
+        <p:cxnSp>
+          <p:nvCxnSpPr>
+            <p:cNvPr id="11" name="직선 화살표 연결선 10"/>
+            <p:cNvCxnSpPr/>
+            <p:nvPr/>
+          </p:nvCxnSpPr>
+          <p:spPr>
+            <a:xfrm>
+              <a:off x="8698376" y="5284384"/>
+              <a:ext cx="606759" cy="0"/>
+            </a:xfrm>
+            <a:prstGeom prst="straightConnector1">
+              <a:avLst/>
+            </a:prstGeom>
+            <a:ln w="76200">
+              <a:solidFill>
+                <a:schemeClr val="accent2"/>
+              </a:solidFill>
+              <a:tailEnd type="triangle"/>
+            </a:ln>
+          </p:spPr>
+          <p:style>
+            <a:lnRef idx="1">
+              <a:schemeClr val="accent1"/>
+            </a:lnRef>
+            <a:fillRef idx="0">
+              <a:schemeClr val="accent1"/>
+            </a:fillRef>
+            <a:effectRef idx="0">
+              <a:schemeClr val="accent1"/>
+            </a:effectRef>
+            <a:fontRef idx="minor">
+              <a:schemeClr val="tx1"/>
+            </a:fontRef>
+          </p:style>
+        </p:cxnSp>
+        <p:cxnSp>
+          <p:nvCxnSpPr>
+            <p:cNvPr id="12" name="직선 화살표 연결선 11"/>
+            <p:cNvCxnSpPr/>
+            <p:nvPr/>
+          </p:nvCxnSpPr>
+          <p:spPr>
+            <a:xfrm>
+              <a:off x="6549045" y="5284384"/>
+              <a:ext cx="606759" cy="0"/>
+            </a:xfrm>
+            <a:prstGeom prst="straightConnector1">
+              <a:avLst/>
+            </a:prstGeom>
+            <a:ln w="76200">
+              <a:solidFill>
+                <a:schemeClr val="accent2"/>
+              </a:solidFill>
+              <a:tailEnd type="triangle"/>
+            </a:ln>
+          </p:spPr>
+          <p:style>
+            <a:lnRef idx="1">
+              <a:schemeClr val="accent1"/>
+            </a:lnRef>
+            <a:fillRef idx="0">
+              <a:schemeClr val="accent1"/>
+            </a:fillRef>
+            <a:effectRef idx="0">
+              <a:schemeClr val="accent1"/>
+            </a:effectRef>
+            <a:fontRef idx="minor">
+              <a:schemeClr val="tx1"/>
+            </a:fontRef>
+          </p:style>
+        </p:cxnSp>
+      </p:grpSp>
+    </p:spTree>
+    <p:extLst>
+      <p:ext uri="{BB962C8B-B14F-4D97-AF65-F5344CB8AC3E}">
+        <p14:creationId xmlns:p14="http://schemas.microsoft.com/office/powerpoint/2010/main" val="4077797484"/>
+      </p:ext>
+    </p:extLst>
+  </p:cSld>
+  <p:clrMapOvr>
+    <a:masterClrMapping/>
+  </p:clrMapOvr>
+  <p:timing>
+    <p:tnLst>
+      <p:par>
+        <p:cTn id="1" dur="indefinite" restart="never" nodeType="tmRoot"/>
+      </p:par>
+    </p:tnLst>
+  </p:timing>
+</p:sld>
+</file>
+
+<file path=ppt/slides/slide16.xml><?xml version="1.0" encoding="utf-8"?>
+<p:sld xmlns:a="http://schemas.openxmlformats.org/drawingml/2006/main" xmlns:r="http://schemas.openxmlformats.org/officeDocument/2006/relationships" xmlns:p="http://schemas.openxmlformats.org/presentationml/2006/main">
+  <p:cSld>
+    <p:spTree>
+      <p:nvGrpSpPr>
+        <p:cNvPr id="1" name=""/>
+        <p:cNvGrpSpPr/>
+        <p:nvPr/>
+      </p:nvGrpSpPr>
+      <p:grpSpPr>
+        <a:xfrm>
+          <a:off x="0" y="0"/>
+          <a:ext cx="0" cy="0"/>
+          <a:chOff x="0" y="0"/>
+          <a:chExt cx="0" cy="0"/>
+        </a:xfrm>
+      </p:grpSpPr>
+      <p:sp>
+        <p:nvSpPr>
+          <p:cNvPr id="7" name="제목 1"/>
+          <p:cNvSpPr txBox="1">
+            <a:spLocks/>
+          </p:cNvSpPr>
+          <p:nvPr/>
+        </p:nvSpPr>
+        <p:spPr>
+          <a:xfrm>
+            <a:off x="838200" y="365125"/>
+            <a:ext cx="10515600" cy="1090189"/>
+          </a:xfrm>
+          <a:prstGeom prst="rect">
+            <a:avLst/>
+          </a:prstGeom>
+        </p:spPr>
+        <p:txBody>
+          <a:bodyPr vert="horz" lIns="91440" tIns="45720" rIns="91440" bIns="45720" rtlCol="0" anchor="ctr">
+            <a:normAutofit/>
+          </a:bodyPr>
+          <a:lstStyle>
+            <a:lvl1pPr algn="l" defTabSz="914400" rtl="0" eaLnBrk="1" latinLnBrk="1" hangingPunct="1">
+              <a:lnSpc>
+                <a:spcPct val="90000"/>
+              </a:lnSpc>
+              <a:spcBef>
+                <a:spcPct val="0"/>
+              </a:spcBef>
+              <a:buNone/>
+              <a:defRPr sz="4800" kern="1200">
+                <a:solidFill>
+                  <a:schemeClr val="accent4"/>
+                </a:solidFill>
+                <a:latin typeface="+mj-lt"/>
+                <a:ea typeface="+mj-ea"/>
+                <a:cs typeface="+mj-cs"/>
+              </a:defRPr>
+            </a:lvl1pPr>
+          </a:lstStyle>
+          <a:p>
+            <a:r>
+              <a:rPr lang="en-US" altLang="ko-KR" dirty="0" err="1" smtClean="0">
+                <a:latin typeface="함초롬돋움" panose="020B0604000101010101" pitchFamily="50" charset="-127"/>
+                <a:ea typeface="함초롬돋움" panose="020B0604000101010101" pitchFamily="50" charset="-127"/>
+                <a:cs typeface="함초롬돋움" panose="020B0604000101010101" pitchFamily="50" charset="-127"/>
+              </a:rPr>
+              <a:t>RegionAdapter</a:t>
+            </a:r>
+            <a:endParaRPr lang="ko-KR" altLang="en-US" dirty="0">
+              <a:latin typeface="함초롬돋움" panose="020B0604000101010101" pitchFamily="50" charset="-127"/>
+              <a:ea typeface="함초롬돋움" panose="020B0604000101010101" pitchFamily="50" charset="-127"/>
+              <a:cs typeface="함초롬돋움" panose="020B0604000101010101" pitchFamily="50" charset="-127"/>
+            </a:endParaRPr>
+          </a:p>
+        </p:txBody>
+      </p:sp>
+      <p:sp>
+        <p:nvSpPr>
+          <p:cNvPr id="10" name="내용 개체 틀 2"/>
+          <p:cNvSpPr>
+            <a:spLocks noGrp="1"/>
+          </p:cNvSpPr>
+          <p:nvPr>
+            <p:ph idx="1"/>
+          </p:nvPr>
+        </p:nvSpPr>
+        <p:spPr/>
+        <p:txBody>
+          <a:bodyPr>
+            <a:noAutofit/>
+          </a:bodyPr>
+          <a:lstStyle/>
+          <a:p>
+            <a:pPr eaLnBrk="0" fontAlgn="base" latinLnBrk="0" hangingPunct="0">
+              <a:lnSpc>
+                <a:spcPct val="100000"/>
+              </a:lnSpc>
+              <a:spcBef>
+                <a:spcPct val="0"/>
+              </a:spcBef>
+              <a:spcAft>
+                <a:spcPct val="0"/>
+              </a:spcAft>
+            </a:pPr>
+            <a:r>
+              <a:rPr lang="ko-KR" altLang="en-US" dirty="0" smtClean="0">
+                <a:latin typeface="함초롬돋움" panose="020B0604000101010101" pitchFamily="50" charset="-127"/>
+                <a:ea typeface="함초롬돋움" panose="020B0604000101010101" pitchFamily="50" charset="-127"/>
+                <a:cs typeface="함초롬돋움" panose="020B0604000101010101" pitchFamily="50" charset="-127"/>
+              </a:rPr>
+              <a:t>지원 하지 않는 컨트롤들은 </a:t>
+            </a:r>
+            <a:r>
+              <a:rPr lang="en-US" altLang="ko-KR" dirty="0" err="1" smtClean="0">
+                <a:latin typeface="함초롬돋움" panose="020B0604000101010101" pitchFamily="50" charset="-127"/>
+                <a:ea typeface="함초롬돋움" panose="020B0604000101010101" pitchFamily="50" charset="-127"/>
+                <a:cs typeface="함초롬돋움" panose="020B0604000101010101" pitchFamily="50" charset="-127"/>
+              </a:rPr>
+              <a:t>RegionAdapterBase</a:t>
+            </a:r>
+            <a:r>
+              <a:rPr lang="ko-KR" altLang="en-US" dirty="0" smtClean="0">
+                <a:latin typeface="함초롬돋움" panose="020B0604000101010101" pitchFamily="50" charset="-127"/>
+                <a:ea typeface="함초롬돋움" panose="020B0604000101010101" pitchFamily="50" charset="-127"/>
+                <a:cs typeface="함초롬돋움" panose="020B0604000101010101" pitchFamily="50" charset="-127"/>
+              </a:rPr>
+              <a:t>를 상속받아 직접 구현</a:t>
+            </a:r>
+            <a:endParaRPr lang="en-US" altLang="ko-KR" dirty="0" smtClean="0">
+              <a:latin typeface="함초롬돋움" panose="020B0604000101010101" pitchFamily="50" charset="-127"/>
+              <a:ea typeface="함초롬돋움" panose="020B0604000101010101" pitchFamily="50" charset="-127"/>
+              <a:cs typeface="함초롬돋움" panose="020B0604000101010101" pitchFamily="50" charset="-127"/>
+            </a:endParaRPr>
+          </a:p>
+          <a:p>
+            <a:pPr eaLnBrk="0" fontAlgn="base" latinLnBrk="0" hangingPunct="0">
+              <a:lnSpc>
+                <a:spcPct val="100000"/>
+              </a:lnSpc>
+              <a:spcBef>
+                <a:spcPct val="0"/>
+              </a:spcBef>
+              <a:spcAft>
+                <a:spcPct val="0"/>
+              </a:spcAft>
+            </a:pPr>
+            <a:endParaRPr lang="en-US" altLang="ko-KR" dirty="0">
+              <a:latin typeface="함초롬돋움" panose="020B0604000101010101" pitchFamily="50" charset="-127"/>
+              <a:ea typeface="함초롬돋움" panose="020B0604000101010101" pitchFamily="50" charset="-127"/>
+              <a:cs typeface="함초롬돋움" panose="020B0604000101010101" pitchFamily="50" charset="-127"/>
+            </a:endParaRPr>
+          </a:p>
+          <a:p>
+            <a:pPr eaLnBrk="0" fontAlgn="base" latinLnBrk="0" hangingPunct="0">
+              <a:lnSpc>
+                <a:spcPct val="100000"/>
+              </a:lnSpc>
+              <a:spcBef>
+                <a:spcPct val="0"/>
+              </a:spcBef>
+              <a:spcAft>
+                <a:spcPct val="0"/>
+              </a:spcAft>
+            </a:pPr>
+            <a:r>
+              <a:rPr lang="ko-KR" altLang="en-US" dirty="0" smtClean="0">
+                <a:latin typeface="함초롬돋움" panose="020B0604000101010101" pitchFamily="50" charset="-127"/>
+                <a:ea typeface="함초롬돋움" panose="020B0604000101010101" pitchFamily="50" charset="-127"/>
+                <a:cs typeface="함초롬돋움" panose="020B0604000101010101" pitchFamily="50" charset="-127"/>
+              </a:rPr>
+              <a:t>다음 </a:t>
+            </a:r>
+            <a:r>
+              <a:rPr lang="ko-KR" altLang="en-US" dirty="0" err="1" smtClean="0">
+                <a:latin typeface="함초롬돋움" panose="020B0604000101010101" pitchFamily="50" charset="-127"/>
+                <a:ea typeface="함초롬돋움" panose="020B0604000101010101" pitchFamily="50" charset="-127"/>
+                <a:cs typeface="함초롬돋움" panose="020B0604000101010101" pitchFamily="50" charset="-127"/>
+              </a:rPr>
+              <a:t>메소드를</a:t>
+            </a:r>
+            <a:r>
+              <a:rPr lang="ko-KR" altLang="en-US" dirty="0" smtClean="0">
+                <a:latin typeface="함초롬돋움" panose="020B0604000101010101" pitchFamily="50" charset="-127"/>
+                <a:ea typeface="함초롬돋움" panose="020B0604000101010101" pitchFamily="50" charset="-127"/>
+                <a:cs typeface="함초롬돋움" panose="020B0604000101010101" pitchFamily="50" charset="-127"/>
+              </a:rPr>
+              <a:t> 재정의 함</a:t>
+            </a:r>
+            <a:endParaRPr lang="en-US" altLang="ko-KR" dirty="0" smtClean="0">
+              <a:latin typeface="함초롬돋움" panose="020B0604000101010101" pitchFamily="50" charset="-127"/>
+              <a:ea typeface="함초롬돋움" panose="020B0604000101010101" pitchFamily="50" charset="-127"/>
+              <a:cs typeface="함초롬돋움" panose="020B0604000101010101" pitchFamily="50" charset="-127"/>
+            </a:endParaRPr>
+          </a:p>
+          <a:p>
+            <a:pPr lvl="1" eaLnBrk="0" fontAlgn="base" latinLnBrk="0" hangingPunct="0">
+              <a:lnSpc>
+                <a:spcPct val="100000"/>
+              </a:lnSpc>
+              <a:spcBef>
+                <a:spcPct val="0"/>
+              </a:spcBef>
+              <a:spcAft>
+                <a:spcPct val="0"/>
+              </a:spcAft>
+            </a:pPr>
+            <a:r>
+              <a:rPr lang="en-US" altLang="ko-KR" dirty="0" err="1" smtClean="0">
+                <a:latin typeface="함초롬돋움" panose="020B0604000101010101" pitchFamily="50" charset="-127"/>
+                <a:ea typeface="함초롬돋움" panose="020B0604000101010101" pitchFamily="50" charset="-127"/>
+                <a:cs typeface="함초롬돋움" panose="020B0604000101010101" pitchFamily="50" charset="-127"/>
+              </a:rPr>
+              <a:t>CreateRegion</a:t>
+            </a:r>
+            <a:endParaRPr lang="en-US" altLang="ko-KR" dirty="0" smtClean="0">
+              <a:latin typeface="함초롬돋움" panose="020B0604000101010101" pitchFamily="50" charset="-127"/>
+              <a:ea typeface="함초롬돋움" panose="020B0604000101010101" pitchFamily="50" charset="-127"/>
+              <a:cs typeface="함초롬돋움" panose="020B0604000101010101" pitchFamily="50" charset="-127"/>
+            </a:endParaRPr>
+          </a:p>
+          <a:p>
+            <a:pPr lvl="1" eaLnBrk="0" fontAlgn="base" latinLnBrk="0" hangingPunct="0">
+              <a:lnSpc>
+                <a:spcPct val="100000"/>
+              </a:lnSpc>
+              <a:spcBef>
+                <a:spcPct val="0"/>
+              </a:spcBef>
+              <a:spcAft>
+                <a:spcPct val="0"/>
+              </a:spcAft>
+            </a:pPr>
+            <a:r>
+              <a:rPr lang="en-US" altLang="ko-KR" dirty="0" smtClean="0">
+                <a:latin typeface="함초롬돋움" panose="020B0604000101010101" pitchFamily="50" charset="-127"/>
+                <a:ea typeface="함초롬돋움" panose="020B0604000101010101" pitchFamily="50" charset="-127"/>
+                <a:cs typeface="함초롬돋움" panose="020B0604000101010101" pitchFamily="50" charset="-127"/>
+              </a:rPr>
+              <a:t>Adapt</a:t>
+            </a:r>
+          </a:p>
+          <a:p>
+            <a:pPr lvl="1" eaLnBrk="0" fontAlgn="base" latinLnBrk="0" hangingPunct="0">
+              <a:lnSpc>
+                <a:spcPct val="100000"/>
+              </a:lnSpc>
+              <a:spcBef>
+                <a:spcPct val="0"/>
+              </a:spcBef>
+              <a:spcAft>
+                <a:spcPct val="0"/>
+              </a:spcAft>
+            </a:pPr>
+            <a:r>
+              <a:rPr lang="en-US" altLang="ko-KR" dirty="0" err="1" smtClean="0">
+                <a:latin typeface="함초롬돋움" panose="020B0604000101010101" pitchFamily="50" charset="-127"/>
+                <a:ea typeface="함초롬돋움" panose="020B0604000101010101" pitchFamily="50" charset="-127"/>
+                <a:cs typeface="함초롬돋움" panose="020B0604000101010101" pitchFamily="50" charset="-127"/>
+              </a:rPr>
+              <a:t>AttachBehavior</a:t>
+            </a:r>
+            <a:r>
+              <a:rPr lang="en-US" altLang="ko-KR" dirty="0" smtClean="0">
+                <a:latin typeface="함초롬돋움" panose="020B0604000101010101" pitchFamily="50" charset="-127"/>
+                <a:ea typeface="함초롬돋움" panose="020B0604000101010101" pitchFamily="50" charset="-127"/>
+                <a:cs typeface="함초롬돋움" panose="020B0604000101010101" pitchFamily="50" charset="-127"/>
+              </a:rPr>
+              <a:t>(</a:t>
+            </a:r>
+            <a:r>
+              <a:rPr lang="ko-KR" altLang="en-US" dirty="0" smtClean="0">
+                <a:latin typeface="함초롬돋움" panose="020B0604000101010101" pitchFamily="50" charset="-127"/>
+                <a:ea typeface="함초롬돋움" panose="020B0604000101010101" pitchFamily="50" charset="-127"/>
+                <a:cs typeface="함초롬돋움" panose="020B0604000101010101" pitchFamily="50" charset="-127"/>
+              </a:rPr>
+              <a:t>옵션</a:t>
+            </a:r>
+            <a:r>
+              <a:rPr lang="en-US" altLang="ko-KR" dirty="0" smtClean="0">
+                <a:latin typeface="함초롬돋움" panose="020B0604000101010101" pitchFamily="50" charset="-127"/>
+                <a:ea typeface="함초롬돋움" panose="020B0604000101010101" pitchFamily="50" charset="-127"/>
+                <a:cs typeface="함초롬돋움" panose="020B0604000101010101" pitchFamily="50" charset="-127"/>
+              </a:rPr>
+              <a:t>)</a:t>
+            </a:r>
+          </a:p>
+          <a:p>
+            <a:pPr lvl="1" eaLnBrk="0" fontAlgn="base" latinLnBrk="0" hangingPunct="0">
+              <a:lnSpc>
+                <a:spcPct val="100000"/>
+              </a:lnSpc>
+              <a:spcBef>
+                <a:spcPct val="0"/>
+              </a:spcBef>
+              <a:spcAft>
+                <a:spcPct val="0"/>
+              </a:spcAft>
+            </a:pPr>
+            <a:endParaRPr lang="en-US" altLang="ko-KR" dirty="0" smtClean="0">
+              <a:latin typeface="함초롬돋움" panose="020B0604000101010101" pitchFamily="50" charset="-127"/>
+              <a:ea typeface="함초롬돋움" panose="020B0604000101010101" pitchFamily="50" charset="-127"/>
+              <a:cs typeface="함초롬돋움" panose="020B0604000101010101" pitchFamily="50" charset="-127"/>
+            </a:endParaRPr>
+          </a:p>
+          <a:p>
+            <a:pPr eaLnBrk="0" fontAlgn="base" latinLnBrk="0" hangingPunct="0">
+              <a:lnSpc>
+                <a:spcPct val="100000"/>
+              </a:lnSpc>
+              <a:spcBef>
+                <a:spcPct val="0"/>
+              </a:spcBef>
+              <a:spcAft>
+                <a:spcPct val="0"/>
+              </a:spcAft>
+            </a:pPr>
+            <a:r>
+              <a:rPr lang="en-US" altLang="ko-KR" dirty="0" err="1" smtClean="0">
+                <a:latin typeface="함초롬돋움" panose="020B0604000101010101" pitchFamily="50" charset="-127"/>
+                <a:ea typeface="함초롬돋움" panose="020B0604000101010101" pitchFamily="50" charset="-127"/>
+                <a:cs typeface="함초롬돋움" panose="020B0604000101010101" pitchFamily="50" charset="-127"/>
+              </a:rPr>
+              <a:t>Bootstrapper</a:t>
+            </a:r>
+            <a:r>
+              <a:rPr lang="ko-KR" altLang="en-US" dirty="0" smtClean="0">
+                <a:latin typeface="함초롬돋움" panose="020B0604000101010101" pitchFamily="50" charset="-127"/>
+                <a:ea typeface="함초롬돋움" panose="020B0604000101010101" pitchFamily="50" charset="-127"/>
+                <a:cs typeface="함초롬돋움" panose="020B0604000101010101" pitchFamily="50" charset="-127"/>
+              </a:rPr>
+              <a:t>에 </a:t>
+            </a:r>
+            <a:r>
+              <a:rPr lang="en-US" altLang="ko-KR" dirty="0" err="1" smtClean="0">
+                <a:latin typeface="함초롬돋움" panose="020B0604000101010101" pitchFamily="50" charset="-127"/>
+                <a:ea typeface="함초롬돋움" panose="020B0604000101010101" pitchFamily="50" charset="-127"/>
+                <a:cs typeface="함초롬돋움" panose="020B0604000101010101" pitchFamily="50" charset="-127"/>
+              </a:rPr>
+              <a:t>ConfigurationRegionAdapterMapping</a:t>
+            </a:r>
+            <a:r>
+              <a:rPr lang="en-US" altLang="ko-KR" dirty="0" smtClean="0">
+                <a:latin typeface="함초롬돋움" panose="020B0604000101010101" pitchFamily="50" charset="-127"/>
+                <a:ea typeface="함초롬돋움" panose="020B0604000101010101" pitchFamily="50" charset="-127"/>
+                <a:cs typeface="함초롬돋움" panose="020B0604000101010101" pitchFamily="50" charset="-127"/>
+              </a:rPr>
+              <a:t> </a:t>
+            </a:r>
+            <a:r>
+              <a:rPr lang="ko-KR" altLang="en-US" dirty="0" err="1" smtClean="0">
+                <a:latin typeface="함초롬돋움" panose="020B0604000101010101" pitchFamily="50" charset="-127"/>
+                <a:ea typeface="함초롬돋움" panose="020B0604000101010101" pitchFamily="50" charset="-127"/>
+                <a:cs typeface="함초롬돋움" panose="020B0604000101010101" pitchFamily="50" charset="-127"/>
+              </a:rPr>
+              <a:t>메소드를</a:t>
+            </a:r>
+            <a:r>
+              <a:rPr lang="ko-KR" altLang="en-US" dirty="0" smtClean="0">
+                <a:latin typeface="함초롬돋움" panose="020B0604000101010101" pitchFamily="50" charset="-127"/>
+                <a:ea typeface="함초롬돋움" panose="020B0604000101010101" pitchFamily="50" charset="-127"/>
+                <a:cs typeface="함초롬돋움" panose="020B0604000101010101" pitchFamily="50" charset="-127"/>
+              </a:rPr>
+              <a:t> 재정의 하여 </a:t>
+            </a:r>
+            <a:r>
+              <a:rPr lang="ko-KR" altLang="en-US" dirty="0" err="1" smtClean="0">
+                <a:latin typeface="함초롬돋움" panose="020B0604000101010101" pitchFamily="50" charset="-127"/>
+                <a:ea typeface="함초롬돋움" panose="020B0604000101010101" pitchFamily="50" charset="-127"/>
+                <a:cs typeface="함초롬돋움" panose="020B0604000101010101" pitchFamily="50" charset="-127"/>
+              </a:rPr>
+              <a:t>커스텀</a:t>
+            </a:r>
+            <a:r>
+              <a:rPr lang="ko-KR" altLang="en-US" dirty="0" smtClean="0">
+                <a:latin typeface="함초롬돋움" panose="020B0604000101010101" pitchFamily="50" charset="-127"/>
+                <a:ea typeface="함초롬돋움" panose="020B0604000101010101" pitchFamily="50" charset="-127"/>
+                <a:cs typeface="함초롬돋움" panose="020B0604000101010101" pitchFamily="50" charset="-127"/>
+              </a:rPr>
+              <a:t> </a:t>
+            </a:r>
+            <a:r>
+              <a:rPr lang="en-US" altLang="ko-KR" dirty="0" err="1" smtClean="0">
+                <a:latin typeface="함초롬돋움" panose="020B0604000101010101" pitchFamily="50" charset="-127"/>
+                <a:ea typeface="함초롬돋움" panose="020B0604000101010101" pitchFamily="50" charset="-127"/>
+                <a:cs typeface="함초롬돋움" panose="020B0604000101010101" pitchFamily="50" charset="-127"/>
+              </a:rPr>
+              <a:t>RegionAdapter</a:t>
+            </a:r>
+            <a:r>
+              <a:rPr lang="ko-KR" altLang="en-US" dirty="0" smtClean="0">
+                <a:latin typeface="함초롬돋움" panose="020B0604000101010101" pitchFamily="50" charset="-127"/>
+                <a:ea typeface="함초롬돋움" panose="020B0604000101010101" pitchFamily="50" charset="-127"/>
+                <a:cs typeface="함초롬돋움" panose="020B0604000101010101" pitchFamily="50" charset="-127"/>
+              </a:rPr>
+              <a:t>를 추가</a:t>
+            </a:r>
+            <a:endParaRPr lang="en-US" altLang="ko-KR" dirty="0" smtClean="0">
+              <a:latin typeface="함초롬돋움" panose="020B0604000101010101" pitchFamily="50" charset="-127"/>
+              <a:ea typeface="함초롬돋움" panose="020B0604000101010101" pitchFamily="50" charset="-127"/>
+              <a:cs typeface="함초롬돋움" panose="020B0604000101010101" pitchFamily="50" charset="-127"/>
+            </a:endParaRPr>
+          </a:p>
+        </p:txBody>
+      </p:sp>
+    </p:spTree>
+    <p:extLst>
+      <p:ext uri="{BB962C8B-B14F-4D97-AF65-F5344CB8AC3E}">
+        <p14:creationId xmlns:p14="http://schemas.microsoft.com/office/powerpoint/2010/main" val="324836493"/>
+      </p:ext>
+    </p:extLst>
+  </p:cSld>
+  <p:clrMapOvr>
+    <a:masterClrMapping/>
+  </p:clrMapOvr>
+  <p:timing>
+    <p:tnLst>
+      <p:par>
+        <p:cTn id="1" dur="indefinite" restart="never" nodeType="tmRoot"/>
+      </p:par>
+    </p:tnLst>
+  </p:timing>
+</p:sld>
+</file>
+
+<file path=ppt/slides/slide17.xml><?xml version="1.0" encoding="utf-8"?>
+<p:sld xmlns:a="http://schemas.openxmlformats.org/drawingml/2006/main" xmlns:r="http://schemas.openxmlformats.org/officeDocument/2006/relationships" xmlns:p="http://schemas.openxmlformats.org/presentationml/2006/main">
+  <p:cSld>
+    <p:spTree>
+      <p:nvGrpSpPr>
+        <p:cNvPr id="1" name=""/>
+        <p:cNvGrpSpPr/>
+        <p:nvPr/>
+      </p:nvGrpSpPr>
+      <p:grpSpPr>
+        <a:xfrm>
+          <a:off x="0" y="0"/>
+          <a:ext cx="0" cy="0"/>
+          <a:chOff x="0" y="0"/>
+          <a:chExt cx="0" cy="0"/>
+        </a:xfrm>
+      </p:grpSpPr>
+      <p:sp>
+        <p:nvSpPr>
+          <p:cNvPr id="7" name="제목 1"/>
+          <p:cNvSpPr txBox="1">
+            <a:spLocks/>
+          </p:cNvSpPr>
+          <p:nvPr/>
+        </p:nvSpPr>
+        <p:spPr>
+          <a:xfrm>
+            <a:off x="838200" y="365125"/>
+            <a:ext cx="10515600" cy="1090189"/>
+          </a:xfrm>
+          <a:prstGeom prst="rect">
+            <a:avLst/>
+          </a:prstGeom>
+        </p:spPr>
+        <p:txBody>
+          <a:bodyPr vert="horz" lIns="91440" tIns="45720" rIns="91440" bIns="45720" rtlCol="0" anchor="ctr">
+            <a:normAutofit/>
+          </a:bodyPr>
+          <a:lstStyle>
+            <a:lvl1pPr algn="l" defTabSz="914400" rtl="0" eaLnBrk="1" latinLnBrk="1" hangingPunct="1">
+              <a:lnSpc>
+                <a:spcPct val="90000"/>
+              </a:lnSpc>
+              <a:spcBef>
+                <a:spcPct val="0"/>
+              </a:spcBef>
+              <a:buNone/>
+              <a:defRPr sz="4800" kern="1200">
+                <a:solidFill>
+                  <a:schemeClr val="accent4"/>
+                </a:solidFill>
+                <a:latin typeface="+mj-lt"/>
+                <a:ea typeface="+mj-ea"/>
+                <a:cs typeface="+mj-cs"/>
+              </a:defRPr>
+            </a:lvl1pPr>
+          </a:lstStyle>
+          <a:p>
+            <a:r>
+              <a:rPr lang="en-US" altLang="ko-KR" dirty="0" err="1" smtClean="0">
+                <a:latin typeface="함초롬돋움" panose="020B0604000101010101" pitchFamily="50" charset="-127"/>
+                <a:ea typeface="함초롬돋움" panose="020B0604000101010101" pitchFamily="50" charset="-127"/>
+                <a:cs typeface="함초롬돋움" panose="020B0604000101010101" pitchFamily="50" charset="-127"/>
+              </a:rPr>
               <a:t>CreateRegion</a:t>
             </a:r>
             <a:endParaRPr lang="ko-KR" altLang="en-US" dirty="0">
@@ -3964,7 +6061,7 @@
 </p:sld>
 </file>
 
-<file path=ppt/slides/slide12.xml><?xml version="1.0" encoding="utf-8"?>
+<file path=ppt/slides/slide18.xml><?xml version="1.0" encoding="utf-8"?>
 <p:sld xmlns:a="http://schemas.openxmlformats.org/drawingml/2006/main" xmlns:r="http://schemas.openxmlformats.org/officeDocument/2006/relationships" xmlns:p="http://schemas.openxmlformats.org/presentationml/2006/main">
   <p:cSld>
     <p:spTree>
@@ -4663,7 +6760,7 @@
 </p:sld>
 </file>
 
-<file path=ppt/slides/slide13.xml><?xml version="1.0" encoding="utf-8"?>
+<file path=ppt/slides/slide19.xml><?xml version="1.0" encoding="utf-8"?>
 <p:sld xmlns:a="http://schemas.openxmlformats.org/drawingml/2006/main" xmlns:r="http://schemas.openxmlformats.org/officeDocument/2006/relationships" xmlns:p="http://schemas.openxmlformats.org/presentationml/2006/main">
   <p:cSld>
     <p:spTree>
@@ -4853,7 +6950,7 @@
 </p:sld>
 </file>
 
-<file path=ppt/slides/slide14.xml><?xml version="1.0" encoding="utf-8"?>
+<file path=ppt/slides/slide2.xml><?xml version="1.0" encoding="utf-8"?>
 <p:sld xmlns:a="http://schemas.openxmlformats.org/drawingml/2006/main" xmlns:r="http://schemas.openxmlformats.org/officeDocument/2006/relationships" xmlns:p="http://schemas.openxmlformats.org/presentationml/2006/main">
   <p:cSld>
     <p:spTree>
@@ -4912,20 +7009,237 @@
           </a:lstStyle>
           <a:p>
             <a:r>
+              <a:rPr lang="en-US" altLang="ko-KR" dirty="0" smtClean="0">
+                <a:latin typeface="함초롬돋움" panose="020B0604000101010101" pitchFamily="50" charset="-127"/>
+                <a:ea typeface="함초롬돋움" panose="020B0604000101010101" pitchFamily="50" charset="-127"/>
+                <a:cs typeface="함초롬돋움" panose="020B0604000101010101" pitchFamily="50" charset="-127"/>
+              </a:rPr>
+              <a:t>Module</a:t>
+            </a:r>
+            <a:r>
+              <a:rPr lang="ko-KR" altLang="en-US" dirty="0" smtClean="0">
+                <a:latin typeface="함초롬돋움" panose="020B0604000101010101" pitchFamily="50" charset="-127"/>
+                <a:ea typeface="함초롬돋움" panose="020B0604000101010101" pitchFamily="50" charset="-127"/>
+                <a:cs typeface="함초롬돋움" panose="020B0604000101010101" pitchFamily="50" charset="-127"/>
+              </a:rPr>
+              <a:t>간의 통신 방법</a:t>
+            </a:r>
+            <a:endParaRPr lang="ko-KR" altLang="en-US" dirty="0">
+              <a:latin typeface="함초롬돋움" panose="020B0604000101010101" pitchFamily="50" charset="-127"/>
+              <a:ea typeface="함초롬돋움" panose="020B0604000101010101" pitchFamily="50" charset="-127"/>
+              <a:cs typeface="함초롬돋움" panose="020B0604000101010101" pitchFamily="50" charset="-127"/>
+            </a:endParaRPr>
+          </a:p>
+        </p:txBody>
+      </p:sp>
+      <p:sp>
+        <p:nvSpPr>
+          <p:cNvPr id="8" name="Rectangle 1"/>
+          <p:cNvSpPr>
+            <a:spLocks noChangeArrowheads="1"/>
+          </p:cNvSpPr>
+          <p:nvPr/>
+        </p:nvSpPr>
+        <p:spPr bwMode="auto">
+          <a:xfrm>
+            <a:off x="0" y="-138499"/>
+            <a:ext cx="65" cy="276999"/>
+          </a:xfrm>
+          <a:prstGeom prst="rect">
+            <a:avLst/>
+          </a:prstGeom>
+          <a:solidFill>
+            <a:srgbClr val="FFFFFF"/>
+          </a:solidFill>
+          <a:ln>
+            <a:noFill/>
+          </a:ln>
+          <a:effectLst/>
+          <a:extLst>
+            <a:ext uri="{91240B29-F687-4F45-9708-019B960494DF}">
+              <a14:hiddenLine xmlns:a14="http://schemas.microsoft.com/office/drawing/2010/main" w="9525">
+                <a:solidFill>
+                  <a:schemeClr val="tx1"/>
+                </a:solidFill>
+                <a:miter lim="800000"/>
+                <a:headEnd/>
+                <a:tailEnd/>
+              </a14:hiddenLine>
+            </a:ext>
+            <a:ext uri="{AF507438-7753-43E0-B8FC-AC1667EBCBE1}">
+              <a14:hiddenEffects xmlns:a14="http://schemas.microsoft.com/office/drawing/2010/main">
+                <a:effectLst>
+                  <a:outerShdw dist="35921" dir="2700000" algn="ctr" rotWithShape="0">
+                    <a:schemeClr val="bg2"/>
+                  </a:outerShdw>
+                </a:effectLst>
+              </a14:hiddenEffects>
+            </a:ext>
+          </a:extLst>
+        </p:spPr>
+        <p:txBody>
+          <a:bodyPr vert="horz" wrap="none" lIns="0" tIns="0" rIns="0" bIns="0" numCol="1" anchor="ctr" anchorCtr="0" compatLnSpc="1">
+            <a:prstTxWarp prst="textNoShape">
+              <a:avLst/>
+            </a:prstTxWarp>
+            <a:spAutoFit/>
+          </a:bodyPr>
+          <a:lstStyle/>
+          <a:p>
+            <a:pPr marL="0" marR="0" lvl="0" indent="0" algn="l" defTabSz="914400" rtl="0" eaLnBrk="0" fontAlgn="base" latinLnBrk="0" hangingPunct="0">
+              <a:lnSpc>
+                <a:spcPct val="100000"/>
+              </a:lnSpc>
+              <a:spcBef>
+                <a:spcPct val="0"/>
+              </a:spcBef>
+              <a:spcAft>
+                <a:spcPct val="0"/>
+              </a:spcAft>
+              <a:buClrTx/>
+              <a:buSzTx/>
+              <a:buFontTx/>
+              <a:buNone/>
+              <a:tabLst/>
+            </a:pPr>
+            <a:endParaRPr kumimoji="0" lang="ko-KR" altLang="ko-KR" sz="1800" b="0" i="0" u="none" strike="noStrike" cap="none" normalizeH="0" baseline="0" dirty="0" smtClean="0">
+              <a:ln>
+                <a:noFill/>
+              </a:ln>
+              <a:solidFill>
+                <a:schemeClr val="tx1"/>
+              </a:solidFill>
+              <a:effectLst/>
+              <a:latin typeface="Arial" panose="020B0604020202020204" pitchFamily="34" charset="0"/>
+            </a:endParaRPr>
+          </a:p>
+        </p:txBody>
+      </p:sp>
+      <p:sp>
+        <p:nvSpPr>
+          <p:cNvPr id="11" name="내용 개체 틀 10"/>
+          <p:cNvSpPr>
+            <a:spLocks noGrp="1"/>
+          </p:cNvSpPr>
+          <p:nvPr>
+            <p:ph idx="1"/>
+          </p:nvPr>
+        </p:nvSpPr>
+        <p:spPr/>
+        <p:txBody>
+          <a:bodyPr>
+            <a:normAutofit/>
+          </a:bodyPr>
+          <a:lstStyle/>
+          <a:p>
+            <a:r>
+              <a:rPr lang="en-US" altLang="ko-KR" dirty="0" smtClean="0"/>
+              <a:t>Service</a:t>
+            </a:r>
+            <a:r>
+              <a:rPr lang="ko-KR" altLang="en-US" dirty="0" smtClean="0"/>
+              <a:t>를 사용하는 방법</a:t>
+            </a:r>
+            <a:endParaRPr lang="en-US" altLang="ko-KR" dirty="0" smtClean="0"/>
+          </a:p>
+          <a:p>
+            <a:r>
+              <a:rPr lang="en-US" altLang="ko-KR" dirty="0" smtClean="0"/>
+              <a:t>Event Aggregator</a:t>
+            </a:r>
+            <a:r>
+              <a:rPr lang="ko-KR" altLang="en-US" dirty="0" smtClean="0"/>
+              <a:t>를 사용하는 방법</a:t>
+            </a:r>
+            <a:endParaRPr lang="en-US" altLang="ko-KR" dirty="0" smtClean="0"/>
+          </a:p>
+        </p:txBody>
+      </p:sp>
+    </p:spTree>
+    <p:extLst>
+      <p:ext uri="{BB962C8B-B14F-4D97-AF65-F5344CB8AC3E}">
+        <p14:creationId xmlns:p14="http://schemas.microsoft.com/office/powerpoint/2010/main" val="1251003706"/>
+      </p:ext>
+    </p:extLst>
+  </p:cSld>
+  <p:clrMapOvr>
+    <a:masterClrMapping/>
+  </p:clrMapOvr>
+  <p:timing>
+    <p:tnLst>
+      <p:par>
+        <p:cTn id="1" dur="indefinite" restart="never" nodeType="tmRoot"/>
+      </p:par>
+    </p:tnLst>
+  </p:timing>
+</p:sld>
+</file>
+
+<file path=ppt/slides/slide20.xml><?xml version="1.0" encoding="utf-8"?>
+<p:sld xmlns:a="http://schemas.openxmlformats.org/drawingml/2006/main" xmlns:r="http://schemas.openxmlformats.org/officeDocument/2006/relationships" xmlns:p="http://schemas.openxmlformats.org/presentationml/2006/main">
+  <p:cSld>
+    <p:spTree>
+      <p:nvGrpSpPr>
+        <p:cNvPr id="1" name=""/>
+        <p:cNvGrpSpPr/>
+        <p:nvPr/>
+      </p:nvGrpSpPr>
+      <p:grpSpPr>
+        <a:xfrm>
+          <a:off x="0" y="0"/>
+          <a:ext cx="0" cy="0"/>
+          <a:chOff x="0" y="0"/>
+          <a:chExt cx="0" cy="0"/>
+        </a:xfrm>
+      </p:grpSpPr>
+      <p:sp>
+        <p:nvSpPr>
+          <p:cNvPr id="7" name="제목 1"/>
+          <p:cNvSpPr txBox="1">
+            <a:spLocks/>
+          </p:cNvSpPr>
+          <p:nvPr/>
+        </p:nvSpPr>
+        <p:spPr>
+          <a:xfrm>
+            <a:off x="838200" y="365125"/>
+            <a:ext cx="10515600" cy="1090189"/>
+          </a:xfrm>
+          <a:prstGeom prst="rect">
+            <a:avLst/>
+          </a:prstGeom>
+        </p:spPr>
+        <p:txBody>
+          <a:bodyPr vert="horz" lIns="91440" tIns="45720" rIns="91440" bIns="45720" rtlCol="0" anchor="ctr">
+            <a:normAutofit/>
+          </a:bodyPr>
+          <a:lstStyle>
+            <a:lvl1pPr algn="l" defTabSz="914400" rtl="0" eaLnBrk="1" latinLnBrk="1" hangingPunct="1">
+              <a:lnSpc>
+                <a:spcPct val="90000"/>
+              </a:lnSpc>
+              <a:spcBef>
+                <a:spcPct val="0"/>
+              </a:spcBef>
+              <a:buNone/>
+              <a:defRPr sz="4800" kern="1200">
+                <a:solidFill>
+                  <a:schemeClr val="accent4"/>
+                </a:solidFill>
+                <a:latin typeface="+mj-lt"/>
+                <a:ea typeface="+mj-ea"/>
+                <a:cs typeface="+mj-cs"/>
+              </a:defRPr>
+            </a:lvl1pPr>
+          </a:lstStyle>
+          <a:p>
+            <a:r>
               <a:rPr lang="en-US" altLang="ko-KR" dirty="0" err="1" smtClean="0">
                 <a:latin typeface="함초롬돋움" panose="020B0604000101010101" pitchFamily="50" charset="-127"/>
                 <a:ea typeface="함초롬돋움" panose="020B0604000101010101" pitchFamily="50" charset="-127"/>
                 <a:cs typeface="함초롬돋움" panose="020B0604000101010101" pitchFamily="50" charset="-127"/>
               </a:rPr>
-              <a:t>Region</a:t>
-            </a:r>
-            <a:r>
-              <a:rPr lang="en-US" altLang="ko-KR" dirty="0" err="1" smtClean="0">
-                <a:latin typeface="함초롬돋움" panose="020B0604000101010101" pitchFamily="50" charset="-127"/>
-                <a:ea typeface="함초롬돋움" panose="020B0604000101010101" pitchFamily="50" charset="-127"/>
-                <a:cs typeface="함초롬돋움" panose="020B0604000101010101" pitchFamily="50" charset="-127"/>
-              </a:rPr>
-              <a:t>Behaviors</a:t>
+              <a:t>RegionBehaviors</a:t>
             </a:r>
             <a:endParaRPr lang="ko-KR" altLang="en-US" dirty="0">
               <a:latin typeface="함초롬돋움" panose="020B0604000101010101" pitchFamily="50" charset="-127"/>
@@ -5085,15 +7399,7 @@
                 <a:ea typeface="함초롬돋움" panose="020B0604000101010101" pitchFamily="50" charset="-127"/>
                 <a:cs typeface="함초롬돋움" panose="020B0604000101010101" pitchFamily="50" charset="-127"/>
               </a:rPr>
-              <a:t>메소드에</a:t>
-            </a:r>
-            <a:r>
-              <a:rPr lang="ko-KR" altLang="en-US" dirty="0" err="1" smtClean="0">
-                <a:latin typeface="함초롬돋움" panose="020B0604000101010101" pitchFamily="50" charset="-127"/>
-                <a:ea typeface="함초롬돋움" panose="020B0604000101010101" pitchFamily="50" charset="-127"/>
-                <a:cs typeface="함초롬돋움" panose="020B0604000101010101" pitchFamily="50" charset="-127"/>
-              </a:rPr>
-              <a:t>서</a:t>
+              <a:t>메소드에서</a:t>
             </a:r>
             <a:r>
               <a:rPr lang="ko-KR" altLang="en-US" dirty="0" smtClean="0">
@@ -5471,7 +7777,7 @@
 </p:sld>
 </file>
 
-<file path=ppt/slides/slide15.xml><?xml version="1.0" encoding="utf-8"?>
+<file path=ppt/slides/slide21.xml><?xml version="1.0" encoding="utf-8"?>
 <p:sld xmlns:a="http://schemas.openxmlformats.org/drawingml/2006/main" xmlns:r="http://schemas.openxmlformats.org/officeDocument/2006/relationships" xmlns:p="http://schemas.openxmlformats.org/presentationml/2006/main">
   <p:cSld>
     <p:spTree>
@@ -5535,15 +7841,7 @@
                 <a:ea typeface="함초롬돋움" panose="020B0604000101010101" pitchFamily="50" charset="-127"/>
                 <a:cs typeface="함초롬돋움" panose="020B0604000101010101" pitchFamily="50" charset="-127"/>
               </a:rPr>
-              <a:t>Region</a:t>
-            </a:r>
-            <a:r>
-              <a:rPr lang="en-US" altLang="ko-KR" dirty="0" err="1" smtClean="0">
-                <a:latin typeface="함초롬돋움" panose="020B0604000101010101" pitchFamily="50" charset="-127"/>
-                <a:ea typeface="함초롬돋움" panose="020B0604000101010101" pitchFamily="50" charset="-127"/>
-                <a:cs typeface="함초롬돋움" panose="020B0604000101010101" pitchFamily="50" charset="-127"/>
-              </a:rPr>
-              <a:t>Behaviors</a:t>
+              <a:t>RegionBehaviors</a:t>
             </a:r>
             <a:endParaRPr lang="ko-KR" altLang="en-US" dirty="0">
               <a:latin typeface="함초롬돋움" panose="020B0604000101010101" pitchFamily="50" charset="-127"/>
@@ -5954,12 +8252,12 @@
               <a:t>에서 </a:t>
             </a:r>
             <a:r>
-              <a:rPr lang="en-US" altLang="ko-KR" dirty="0" smtClean="0">
-                <a:latin typeface="함초롬돋움" panose="020B0604000101010101" pitchFamily="50" charset="-127"/>
-                <a:ea typeface="함초롬돋움" panose="020B0604000101010101" pitchFamily="50" charset="-127"/>
-                <a:cs typeface="함초롬돋움" panose="020B0604000101010101" pitchFamily="50" charset="-127"/>
-              </a:rPr>
-              <a:t>Attach </a:t>
+              <a:rPr lang="en-US" altLang="ko-KR" dirty="0" err="1" smtClean="0"/>
+              <a:t>AttachBehaviors</a:t>
+            </a:r>
+            <a:r>
+              <a:rPr lang="en-US" altLang="ko-KR" dirty="0" smtClean="0"/>
+              <a:t> </a:t>
             </a:r>
             <a:r>
               <a:rPr lang="ko-KR" altLang="en-US" dirty="0" err="1" smtClean="0">
@@ -5988,7 +8286,7 @@
     </p:spTree>
     <p:extLst>
       <p:ext uri="{BB962C8B-B14F-4D97-AF65-F5344CB8AC3E}">
-        <p14:creationId xmlns:p14="http://schemas.microsoft.com/office/powerpoint/2010/main" val="2473375911"/>
+        <p14:creationId xmlns:p14="http://schemas.microsoft.com/office/powerpoint/2010/main" val="2266904736"/>
       </p:ext>
     </p:extLst>
   </p:cSld>
@@ -6005,7 +8303,7 @@
 </p:sld>
 </file>
 
-<file path=ppt/slides/slide16.xml><?xml version="1.0" encoding="utf-8"?>
+<file path=ppt/slides/slide22.xml><?xml version="1.0" encoding="utf-8"?>
 <p:sld xmlns:a="http://schemas.openxmlformats.org/drawingml/2006/main" xmlns:r="http://schemas.openxmlformats.org/officeDocument/2006/relationships" xmlns:p="http://schemas.openxmlformats.org/presentationml/2006/main">
   <p:cSld>
     <p:spTree>
@@ -6069,549 +8367,7 @@
                 <a:ea typeface="함초롬돋움" panose="020B0604000101010101" pitchFamily="50" charset="-127"/>
                 <a:cs typeface="함초롬돋움" panose="020B0604000101010101" pitchFamily="50" charset="-127"/>
               </a:rPr>
-              <a:t>Region</a:t>
-            </a:r>
-            <a:r>
-              <a:rPr lang="en-US" altLang="ko-KR" dirty="0" err="1" smtClean="0">
-                <a:latin typeface="함초롬돋움" panose="020B0604000101010101" pitchFamily="50" charset="-127"/>
-                <a:ea typeface="함초롬돋움" panose="020B0604000101010101" pitchFamily="50" charset="-127"/>
-                <a:cs typeface="함초롬돋움" panose="020B0604000101010101" pitchFamily="50" charset="-127"/>
-              </a:rPr>
-              <a:t>Behaviors</a:t>
-            </a:r>
-            <a:endParaRPr lang="ko-KR" altLang="en-US" dirty="0">
-              <a:latin typeface="함초롬돋움" panose="020B0604000101010101" pitchFamily="50" charset="-127"/>
-              <a:ea typeface="함초롬돋움" panose="020B0604000101010101" pitchFamily="50" charset="-127"/>
-              <a:cs typeface="함초롬돋움" panose="020B0604000101010101" pitchFamily="50" charset="-127"/>
-            </a:endParaRPr>
-          </a:p>
-        </p:txBody>
-      </p:sp>
-      <p:sp>
-        <p:nvSpPr>
-          <p:cNvPr id="10" name="내용 개체 틀 2"/>
-          <p:cNvSpPr>
-            <a:spLocks noGrp="1"/>
-          </p:cNvSpPr>
-          <p:nvPr>
-            <p:ph idx="1"/>
-          </p:nvPr>
-        </p:nvSpPr>
-        <p:spPr/>
-        <p:txBody>
-          <a:bodyPr>
-            <a:noAutofit/>
-          </a:bodyPr>
-          <a:lstStyle/>
-          <a:p>
-            <a:pPr eaLnBrk="0" fontAlgn="base" latinLnBrk="0" hangingPunct="0">
-              <a:lnSpc>
-                <a:spcPct val="100000"/>
-              </a:lnSpc>
-              <a:spcBef>
-                <a:spcPct val="0"/>
-              </a:spcBef>
-              <a:spcAft>
-                <a:spcPct val="0"/>
-              </a:spcAft>
-            </a:pPr>
-            <a:r>
-              <a:rPr lang="en-US" altLang="ko-KR" dirty="0" smtClean="0">
-                <a:latin typeface="함초롬돋움" panose="020B0604000101010101" pitchFamily="50" charset="-127"/>
-                <a:ea typeface="함초롬돋움" panose="020B0604000101010101" pitchFamily="50" charset="-127"/>
-                <a:cs typeface="함초롬돋움" panose="020B0604000101010101" pitchFamily="50" charset="-127"/>
-              </a:rPr>
-              <a:t>Behavior</a:t>
-            </a:r>
-            <a:r>
-              <a:rPr lang="ko-KR" altLang="en-US" dirty="0" smtClean="0">
-                <a:latin typeface="함초롬돋움" panose="020B0604000101010101" pitchFamily="50" charset="-127"/>
-                <a:ea typeface="함초롬돋움" panose="020B0604000101010101" pitchFamily="50" charset="-127"/>
-                <a:cs typeface="함초롬돋움" panose="020B0604000101010101" pitchFamily="50" charset="-127"/>
-              </a:rPr>
-              <a:t>를 적용시키는 방법</a:t>
-            </a:r>
-            <a:endParaRPr lang="en-US" altLang="ko-KR" dirty="0" smtClean="0">
-              <a:latin typeface="함초롬돋움" panose="020B0604000101010101" pitchFamily="50" charset="-127"/>
-              <a:ea typeface="함초롬돋움" panose="020B0604000101010101" pitchFamily="50" charset="-127"/>
-              <a:cs typeface="함초롬돋움" panose="020B0604000101010101" pitchFamily="50" charset="-127"/>
-            </a:endParaRPr>
-          </a:p>
-          <a:p>
-            <a:pPr lvl="1" eaLnBrk="0" fontAlgn="base" latinLnBrk="0" hangingPunct="0">
-              <a:lnSpc>
-                <a:spcPct val="100000"/>
-              </a:lnSpc>
-              <a:spcBef>
-                <a:spcPct val="0"/>
-              </a:spcBef>
-              <a:spcAft>
-                <a:spcPct val="0"/>
-              </a:spcAft>
-            </a:pPr>
-            <a:r>
-              <a:rPr lang="ko-KR" altLang="en-US" dirty="0" smtClean="0">
-                <a:latin typeface="함초롬돋움" panose="020B0604000101010101" pitchFamily="50" charset="-127"/>
-                <a:ea typeface="함초롬돋움" panose="020B0604000101010101" pitchFamily="50" charset="-127"/>
-                <a:cs typeface="함초롬돋움" panose="020B0604000101010101" pitchFamily="50" charset="-127"/>
-              </a:rPr>
-              <a:t>모든 </a:t>
-            </a:r>
-            <a:r>
-              <a:rPr lang="en-US" altLang="ko-KR" dirty="0" smtClean="0">
-                <a:latin typeface="함초롬돋움" panose="020B0604000101010101" pitchFamily="50" charset="-127"/>
-                <a:ea typeface="함초롬돋움" panose="020B0604000101010101" pitchFamily="50" charset="-127"/>
-                <a:cs typeface="함초롬돋움" panose="020B0604000101010101" pitchFamily="50" charset="-127"/>
-              </a:rPr>
-              <a:t>Region</a:t>
-            </a:r>
-            <a:r>
-              <a:rPr lang="ko-KR" altLang="en-US" dirty="0" smtClean="0">
-                <a:latin typeface="함초롬돋움" panose="020B0604000101010101" pitchFamily="50" charset="-127"/>
-                <a:ea typeface="함초롬돋움" panose="020B0604000101010101" pitchFamily="50" charset="-127"/>
-                <a:cs typeface="함초롬돋움" panose="020B0604000101010101" pitchFamily="50" charset="-127"/>
-              </a:rPr>
-              <a:t>에 대해 </a:t>
-            </a:r>
-            <a:r>
-              <a:rPr lang="en-US" altLang="ko-KR" dirty="0" smtClean="0">
-                <a:latin typeface="함초롬돋움" panose="020B0604000101010101" pitchFamily="50" charset="-127"/>
-                <a:ea typeface="함초롬돋움" panose="020B0604000101010101" pitchFamily="50" charset="-127"/>
-                <a:cs typeface="함초롬돋움" panose="020B0604000101010101" pitchFamily="50" charset="-127"/>
-              </a:rPr>
-              <a:t>Region Behavior</a:t>
-            </a:r>
-            <a:r>
-              <a:rPr lang="ko-KR" altLang="en-US" dirty="0" smtClean="0">
-                <a:latin typeface="함초롬돋움" panose="020B0604000101010101" pitchFamily="50" charset="-127"/>
-                <a:ea typeface="함초롬돋움" panose="020B0604000101010101" pitchFamily="50" charset="-127"/>
-                <a:cs typeface="함초롬돋움" panose="020B0604000101010101" pitchFamily="50" charset="-127"/>
-              </a:rPr>
-              <a:t> 적용</a:t>
-            </a:r>
-            <a:endParaRPr lang="en-US" altLang="ko-KR" dirty="0" smtClean="0"/>
-          </a:p>
-          <a:p>
-            <a:pPr lvl="1" eaLnBrk="0" fontAlgn="base" latinLnBrk="0" hangingPunct="0">
-              <a:lnSpc>
-                <a:spcPct val="100000"/>
-              </a:lnSpc>
-              <a:spcBef>
-                <a:spcPct val="0"/>
-              </a:spcBef>
-              <a:spcAft>
-                <a:spcPct val="0"/>
-              </a:spcAft>
-            </a:pPr>
-            <a:r>
-              <a:rPr lang="ko-KR" altLang="en-US" dirty="0" smtClean="0">
-                <a:latin typeface="함초롬돋움" panose="020B0604000101010101" pitchFamily="50" charset="-127"/>
-                <a:ea typeface="함초롬돋움" panose="020B0604000101010101" pitchFamily="50" charset="-127"/>
-                <a:cs typeface="함초롬돋움" panose="020B0604000101010101" pitchFamily="50" charset="-127"/>
-              </a:rPr>
-              <a:t>하나의 </a:t>
-            </a:r>
-            <a:r>
-              <a:rPr lang="en-US" altLang="ko-KR" dirty="0" smtClean="0">
-                <a:latin typeface="함초롬돋움" panose="020B0604000101010101" pitchFamily="50" charset="-127"/>
-                <a:ea typeface="함초롬돋움" panose="020B0604000101010101" pitchFamily="50" charset="-127"/>
-                <a:cs typeface="함초롬돋움" panose="020B0604000101010101" pitchFamily="50" charset="-127"/>
-              </a:rPr>
-              <a:t>Region</a:t>
-            </a:r>
-            <a:r>
-              <a:rPr lang="ko-KR" altLang="en-US" dirty="0" smtClean="0">
-                <a:latin typeface="함초롬돋움" panose="020B0604000101010101" pitchFamily="50" charset="-127"/>
-                <a:ea typeface="함초롬돋움" panose="020B0604000101010101" pitchFamily="50" charset="-127"/>
-                <a:cs typeface="함초롬돋움" panose="020B0604000101010101" pitchFamily="50" charset="-127"/>
-              </a:rPr>
-              <a:t>에 대해 </a:t>
-            </a:r>
-            <a:r>
-              <a:rPr lang="en-US" altLang="ko-KR" dirty="0" smtClean="0">
-                <a:latin typeface="함초롬돋움" panose="020B0604000101010101" pitchFamily="50" charset="-127"/>
-                <a:ea typeface="함초롬돋움" panose="020B0604000101010101" pitchFamily="50" charset="-127"/>
-                <a:cs typeface="함초롬돋움" panose="020B0604000101010101" pitchFamily="50" charset="-127"/>
-              </a:rPr>
-              <a:t>Region Behavior </a:t>
-            </a:r>
-            <a:r>
-              <a:rPr lang="ko-KR" altLang="en-US" dirty="0" smtClean="0">
-                <a:latin typeface="함초롬돋움" panose="020B0604000101010101" pitchFamily="50" charset="-127"/>
-                <a:ea typeface="함초롬돋움" panose="020B0604000101010101" pitchFamily="50" charset="-127"/>
-                <a:cs typeface="함초롬돋움" panose="020B0604000101010101" pitchFamily="50" charset="-127"/>
-              </a:rPr>
-              <a:t>적용</a:t>
-            </a:r>
-            <a:endParaRPr lang="en-US" altLang="ko-KR" dirty="0" smtClean="0">
-              <a:latin typeface="함초롬돋움" panose="020B0604000101010101" pitchFamily="50" charset="-127"/>
-              <a:ea typeface="함초롬돋움" panose="020B0604000101010101" pitchFamily="50" charset="-127"/>
-              <a:cs typeface="함초롬돋움" panose="020B0604000101010101" pitchFamily="50" charset="-127"/>
-            </a:endParaRPr>
-          </a:p>
-          <a:p>
-            <a:pPr lvl="1" eaLnBrk="0" fontAlgn="base" latinLnBrk="0" hangingPunct="0">
-              <a:lnSpc>
-                <a:spcPct val="100000"/>
-              </a:lnSpc>
-              <a:spcBef>
-                <a:spcPct val="0"/>
-              </a:spcBef>
-              <a:spcAft>
-                <a:spcPct val="0"/>
-              </a:spcAft>
-            </a:pPr>
-            <a:endParaRPr lang="en-US" altLang="ko-KR" dirty="0">
-              <a:latin typeface="함초롬돋움" panose="020B0604000101010101" pitchFamily="50" charset="-127"/>
-              <a:ea typeface="함초롬돋움" panose="020B0604000101010101" pitchFamily="50" charset="-127"/>
-              <a:cs typeface="함초롬돋움" panose="020B0604000101010101" pitchFamily="50" charset="-127"/>
-            </a:endParaRPr>
-          </a:p>
-          <a:p>
-            <a:pPr eaLnBrk="0" fontAlgn="base" latinLnBrk="0" hangingPunct="0">
-              <a:lnSpc>
-                <a:spcPct val="100000"/>
-              </a:lnSpc>
-              <a:spcBef>
-                <a:spcPct val="0"/>
-              </a:spcBef>
-              <a:spcAft>
-                <a:spcPct val="0"/>
-              </a:spcAft>
-            </a:pPr>
-            <a:r>
-              <a:rPr lang="ko-KR" altLang="en-US" dirty="0">
-                <a:latin typeface="함초롬돋움" panose="020B0604000101010101" pitchFamily="50" charset="-127"/>
-                <a:ea typeface="함초롬돋움" panose="020B0604000101010101" pitchFamily="50" charset="-127"/>
-                <a:cs typeface="함초롬돋움" panose="020B0604000101010101" pitchFamily="50" charset="-127"/>
-              </a:rPr>
-              <a:t>모든 </a:t>
-            </a:r>
-            <a:r>
-              <a:rPr lang="en-US" altLang="ko-KR" dirty="0">
-                <a:latin typeface="함초롬돋움" panose="020B0604000101010101" pitchFamily="50" charset="-127"/>
-                <a:ea typeface="함초롬돋움" panose="020B0604000101010101" pitchFamily="50" charset="-127"/>
-                <a:cs typeface="함초롬돋움" panose="020B0604000101010101" pitchFamily="50" charset="-127"/>
-              </a:rPr>
-              <a:t>Region</a:t>
-            </a:r>
-            <a:r>
-              <a:rPr lang="ko-KR" altLang="en-US" dirty="0">
-                <a:latin typeface="함초롬돋움" panose="020B0604000101010101" pitchFamily="50" charset="-127"/>
-                <a:ea typeface="함초롬돋움" panose="020B0604000101010101" pitchFamily="50" charset="-127"/>
-                <a:cs typeface="함초롬돋움" panose="020B0604000101010101" pitchFamily="50" charset="-127"/>
-              </a:rPr>
-              <a:t>에 대해 </a:t>
-            </a:r>
-            <a:r>
-              <a:rPr lang="en-US" altLang="ko-KR" dirty="0">
-                <a:latin typeface="함초롬돋움" panose="020B0604000101010101" pitchFamily="50" charset="-127"/>
-                <a:ea typeface="함초롬돋움" panose="020B0604000101010101" pitchFamily="50" charset="-127"/>
-                <a:cs typeface="함초롬돋움" panose="020B0604000101010101" pitchFamily="50" charset="-127"/>
-              </a:rPr>
-              <a:t>Region Behavior</a:t>
-            </a:r>
-            <a:r>
-              <a:rPr lang="ko-KR" altLang="en-US" dirty="0">
-                <a:latin typeface="함초롬돋움" panose="020B0604000101010101" pitchFamily="50" charset="-127"/>
-                <a:ea typeface="함초롬돋움" panose="020B0604000101010101" pitchFamily="50" charset="-127"/>
-                <a:cs typeface="함초롬돋움" panose="020B0604000101010101" pitchFamily="50" charset="-127"/>
-              </a:rPr>
-              <a:t> 적용</a:t>
-            </a:r>
-            <a:endParaRPr lang="en-US" altLang="ko-KR" dirty="0"/>
-          </a:p>
-          <a:p>
-            <a:pPr lvl="1" eaLnBrk="0" fontAlgn="base" latinLnBrk="0" hangingPunct="0">
-              <a:lnSpc>
-                <a:spcPct val="100000"/>
-              </a:lnSpc>
-              <a:spcBef>
-                <a:spcPct val="0"/>
-              </a:spcBef>
-              <a:spcAft>
-                <a:spcPct val="0"/>
-              </a:spcAft>
-            </a:pPr>
-            <a:r>
-              <a:rPr lang="en-US" altLang="ko-KR" dirty="0" err="1" smtClean="0">
-                <a:latin typeface="함초롬돋움" panose="020B0604000101010101" pitchFamily="50" charset="-127"/>
-                <a:ea typeface="함초롬돋움" panose="020B0604000101010101" pitchFamily="50" charset="-127"/>
-                <a:cs typeface="함초롬돋움" panose="020B0604000101010101" pitchFamily="50" charset="-127"/>
-              </a:rPr>
-              <a:t>Bootstrapper</a:t>
-            </a:r>
-            <a:r>
-              <a:rPr lang="ko-KR" altLang="en-US" dirty="0" smtClean="0">
-                <a:latin typeface="함초롬돋움" panose="020B0604000101010101" pitchFamily="50" charset="-127"/>
-                <a:ea typeface="함초롬돋움" panose="020B0604000101010101" pitchFamily="50" charset="-127"/>
-                <a:cs typeface="함초롬돋움" panose="020B0604000101010101" pitchFamily="50" charset="-127"/>
-              </a:rPr>
-              <a:t>에서 </a:t>
-            </a:r>
-            <a:r>
-              <a:rPr lang="en-US" altLang="ko-KR" dirty="0" err="1" smtClean="0"/>
-              <a:t>ConfigureDefaultRegionBehaviors</a:t>
-            </a:r>
-            <a:r>
-              <a:rPr lang="ko-KR" altLang="en-US" dirty="0" smtClean="0"/>
-              <a:t> </a:t>
-            </a:r>
-            <a:r>
-              <a:rPr lang="ko-KR" altLang="en-US" dirty="0" err="1" smtClean="0"/>
-              <a:t>메소드</a:t>
-            </a:r>
-            <a:r>
-              <a:rPr lang="ko-KR" altLang="en-US" dirty="0" smtClean="0"/>
-              <a:t> 재정의</a:t>
-            </a:r>
-            <a:endParaRPr lang="en-US" altLang="ko-KR" dirty="0" smtClean="0"/>
-          </a:p>
-          <a:p>
-            <a:pPr lvl="1" eaLnBrk="0" fontAlgn="base" latinLnBrk="0" hangingPunct="0">
-              <a:lnSpc>
-                <a:spcPct val="100000"/>
-              </a:lnSpc>
-              <a:spcBef>
-                <a:spcPct val="0"/>
-              </a:spcBef>
-              <a:spcAft>
-                <a:spcPct val="0"/>
-              </a:spcAft>
-            </a:pPr>
-            <a:endParaRPr lang="en-US" altLang="ko-KR" dirty="0">
-              <a:latin typeface="함초롬돋움" panose="020B0604000101010101" pitchFamily="50" charset="-127"/>
-              <a:ea typeface="함초롬돋움" panose="020B0604000101010101" pitchFamily="50" charset="-127"/>
-              <a:cs typeface="함초롬돋움" panose="020B0604000101010101" pitchFamily="50" charset="-127"/>
-            </a:endParaRPr>
-          </a:p>
-          <a:p>
-            <a:pPr eaLnBrk="0" fontAlgn="base" latinLnBrk="0" hangingPunct="0">
-              <a:lnSpc>
-                <a:spcPct val="100000"/>
-              </a:lnSpc>
-              <a:spcBef>
-                <a:spcPct val="0"/>
-              </a:spcBef>
-              <a:spcAft>
-                <a:spcPct val="0"/>
-              </a:spcAft>
-            </a:pPr>
-            <a:r>
-              <a:rPr lang="ko-KR" altLang="en-US" dirty="0">
-                <a:latin typeface="함초롬돋움" panose="020B0604000101010101" pitchFamily="50" charset="-127"/>
-                <a:ea typeface="함초롬돋움" panose="020B0604000101010101" pitchFamily="50" charset="-127"/>
-                <a:cs typeface="함초롬돋움" panose="020B0604000101010101" pitchFamily="50" charset="-127"/>
-              </a:rPr>
-              <a:t>하나의 </a:t>
-            </a:r>
-            <a:r>
-              <a:rPr lang="en-US" altLang="ko-KR" dirty="0">
-                <a:latin typeface="함초롬돋움" panose="020B0604000101010101" pitchFamily="50" charset="-127"/>
-                <a:ea typeface="함초롬돋움" panose="020B0604000101010101" pitchFamily="50" charset="-127"/>
-                <a:cs typeface="함초롬돋움" panose="020B0604000101010101" pitchFamily="50" charset="-127"/>
-              </a:rPr>
-              <a:t>Region</a:t>
-            </a:r>
-            <a:r>
-              <a:rPr lang="ko-KR" altLang="en-US" dirty="0">
-                <a:latin typeface="함초롬돋움" panose="020B0604000101010101" pitchFamily="50" charset="-127"/>
-                <a:ea typeface="함초롬돋움" panose="020B0604000101010101" pitchFamily="50" charset="-127"/>
-                <a:cs typeface="함초롬돋움" panose="020B0604000101010101" pitchFamily="50" charset="-127"/>
-              </a:rPr>
-              <a:t>에 대해 </a:t>
-            </a:r>
-            <a:r>
-              <a:rPr lang="en-US" altLang="ko-KR" dirty="0">
-                <a:latin typeface="함초롬돋움" panose="020B0604000101010101" pitchFamily="50" charset="-127"/>
-                <a:ea typeface="함초롬돋움" panose="020B0604000101010101" pitchFamily="50" charset="-127"/>
-                <a:cs typeface="함초롬돋움" panose="020B0604000101010101" pitchFamily="50" charset="-127"/>
-              </a:rPr>
-              <a:t>Region Behavior </a:t>
-            </a:r>
-            <a:r>
-              <a:rPr lang="ko-KR" altLang="en-US" dirty="0">
-                <a:latin typeface="함초롬돋움" panose="020B0604000101010101" pitchFamily="50" charset="-127"/>
-                <a:ea typeface="함초롬돋움" panose="020B0604000101010101" pitchFamily="50" charset="-127"/>
-                <a:cs typeface="함초롬돋움" panose="020B0604000101010101" pitchFamily="50" charset="-127"/>
-              </a:rPr>
-              <a:t>적용</a:t>
-            </a:r>
-            <a:endParaRPr lang="en-US" altLang="ko-KR" dirty="0">
-              <a:latin typeface="함초롬돋움" panose="020B0604000101010101" pitchFamily="50" charset="-127"/>
-              <a:ea typeface="함초롬돋움" panose="020B0604000101010101" pitchFamily="50" charset="-127"/>
-              <a:cs typeface="함초롬돋움" panose="020B0604000101010101" pitchFamily="50" charset="-127"/>
-            </a:endParaRPr>
-          </a:p>
-          <a:p>
-            <a:pPr lvl="1" eaLnBrk="0" fontAlgn="base" latinLnBrk="0" hangingPunct="0">
-              <a:lnSpc>
-                <a:spcPct val="100000"/>
-              </a:lnSpc>
-              <a:spcBef>
-                <a:spcPct val="0"/>
-              </a:spcBef>
-              <a:spcAft>
-                <a:spcPct val="0"/>
-              </a:spcAft>
-            </a:pPr>
-            <a:r>
-              <a:rPr lang="ko-KR" altLang="en-US" dirty="0" err="1" smtClean="0">
-                <a:latin typeface="함초롬돋움" panose="020B0604000101010101" pitchFamily="50" charset="-127"/>
-                <a:ea typeface="함초롬돋움" panose="020B0604000101010101" pitchFamily="50" charset="-127"/>
-                <a:cs typeface="함초롬돋움" panose="020B0604000101010101" pitchFamily="50" charset="-127"/>
-              </a:rPr>
-              <a:t>커스텀</a:t>
-            </a:r>
-            <a:r>
-              <a:rPr lang="ko-KR" altLang="en-US" dirty="0" smtClean="0">
-                <a:latin typeface="함초롬돋움" panose="020B0604000101010101" pitchFamily="50" charset="-127"/>
-                <a:ea typeface="함초롬돋움" panose="020B0604000101010101" pitchFamily="50" charset="-127"/>
-                <a:cs typeface="함초롬돋움" panose="020B0604000101010101" pitchFamily="50" charset="-127"/>
-              </a:rPr>
-              <a:t> </a:t>
-            </a:r>
-            <a:r>
-              <a:rPr lang="en-US" altLang="ko-KR" dirty="0" err="1" smtClean="0">
-                <a:latin typeface="함초롬돋움" panose="020B0604000101010101" pitchFamily="50" charset="-127"/>
-                <a:ea typeface="함초롬돋움" panose="020B0604000101010101" pitchFamily="50" charset="-127"/>
-                <a:cs typeface="함초롬돋움" panose="020B0604000101010101" pitchFamily="50" charset="-127"/>
-              </a:rPr>
-              <a:t>RegionAdapter</a:t>
-            </a:r>
-            <a:r>
-              <a:rPr lang="ko-KR" altLang="en-US" dirty="0" smtClean="0">
-                <a:latin typeface="함초롬돋움" panose="020B0604000101010101" pitchFamily="50" charset="-127"/>
-                <a:ea typeface="함초롬돋움" panose="020B0604000101010101" pitchFamily="50" charset="-127"/>
-                <a:cs typeface="함초롬돋움" panose="020B0604000101010101" pitchFamily="50" charset="-127"/>
-              </a:rPr>
-              <a:t>에서 </a:t>
-            </a:r>
-            <a:r>
-              <a:rPr lang="en-US" altLang="ko-KR" dirty="0" err="1" smtClean="0"/>
-              <a:t>AttachBehaviors</a:t>
-            </a:r>
-            <a:r>
-              <a:rPr lang="en-US" altLang="ko-KR" dirty="0" smtClean="0"/>
-              <a:t> </a:t>
-            </a:r>
-            <a:r>
-              <a:rPr lang="ko-KR" altLang="en-US" dirty="0" err="1" smtClean="0">
-                <a:latin typeface="함초롬돋움" panose="020B0604000101010101" pitchFamily="50" charset="-127"/>
-                <a:ea typeface="함초롬돋움" panose="020B0604000101010101" pitchFamily="50" charset="-127"/>
-                <a:cs typeface="함초롬돋움" panose="020B0604000101010101" pitchFamily="50" charset="-127"/>
-              </a:rPr>
-              <a:t>메소드</a:t>
-            </a:r>
-            <a:r>
-              <a:rPr lang="ko-KR" altLang="en-US" dirty="0" smtClean="0">
-                <a:latin typeface="함초롬돋움" panose="020B0604000101010101" pitchFamily="50" charset="-127"/>
-                <a:ea typeface="함초롬돋움" panose="020B0604000101010101" pitchFamily="50" charset="-127"/>
-                <a:cs typeface="함초롬돋움" panose="020B0604000101010101" pitchFamily="50" charset="-127"/>
-              </a:rPr>
-              <a:t> 재정의</a:t>
-            </a:r>
-            <a:endParaRPr lang="en-US" altLang="ko-KR" dirty="0" smtClean="0">
-              <a:latin typeface="함초롬돋움" panose="020B0604000101010101" pitchFamily="50" charset="-127"/>
-              <a:ea typeface="함초롬돋움" panose="020B0604000101010101" pitchFamily="50" charset="-127"/>
-              <a:cs typeface="함초롬돋움" panose="020B0604000101010101" pitchFamily="50" charset="-127"/>
-            </a:endParaRPr>
-          </a:p>
-        </p:txBody>
-      </p:sp>
-    </p:spTree>
-    <p:extLst>
-      <p:ext uri="{BB962C8B-B14F-4D97-AF65-F5344CB8AC3E}">
-        <p14:creationId xmlns:p14="http://schemas.microsoft.com/office/powerpoint/2010/main" val="2266904736"/>
-      </p:ext>
-    </p:extLst>
-  </p:cSld>
-  <p:clrMapOvr>
-    <a:masterClrMapping/>
-  </p:clrMapOvr>
-  <p:timing>
-    <p:tnLst>
-      <p:par>
-        <p:cTn id="1" dur="indefinite" restart="never" nodeType="tmRoot"/>
-      </p:par>
-    </p:tnLst>
-  </p:timing>
-</p:sld>
-</file>
-
-<file path=ppt/slides/slide17.xml><?xml version="1.0" encoding="utf-8"?>
-<p:sld xmlns:a="http://schemas.openxmlformats.org/drawingml/2006/main" xmlns:r="http://schemas.openxmlformats.org/officeDocument/2006/relationships" xmlns:p="http://schemas.openxmlformats.org/presentationml/2006/main">
-  <p:cSld>
-    <p:spTree>
-      <p:nvGrpSpPr>
-        <p:cNvPr id="1" name=""/>
-        <p:cNvGrpSpPr/>
-        <p:nvPr/>
-      </p:nvGrpSpPr>
-      <p:grpSpPr>
-        <a:xfrm>
-          <a:off x="0" y="0"/>
-          <a:ext cx="0" cy="0"/>
-          <a:chOff x="0" y="0"/>
-          <a:chExt cx="0" cy="0"/>
-        </a:xfrm>
-      </p:grpSpPr>
-      <p:sp>
-        <p:nvSpPr>
-          <p:cNvPr id="7" name="제목 1"/>
-          <p:cNvSpPr txBox="1">
-            <a:spLocks/>
-          </p:cNvSpPr>
-          <p:nvPr/>
-        </p:nvSpPr>
-        <p:spPr>
-          <a:xfrm>
-            <a:off x="838200" y="365125"/>
-            <a:ext cx="10515600" cy="1090189"/>
-          </a:xfrm>
-          <a:prstGeom prst="rect">
-            <a:avLst/>
-          </a:prstGeom>
-        </p:spPr>
-        <p:txBody>
-          <a:bodyPr vert="horz" lIns="91440" tIns="45720" rIns="91440" bIns="45720" rtlCol="0" anchor="ctr">
-            <a:normAutofit/>
-          </a:bodyPr>
-          <a:lstStyle>
-            <a:lvl1pPr algn="l" defTabSz="914400" rtl="0" eaLnBrk="1" latinLnBrk="1" hangingPunct="1">
-              <a:lnSpc>
-                <a:spcPct val="90000"/>
-              </a:lnSpc>
-              <a:spcBef>
-                <a:spcPct val="0"/>
-              </a:spcBef>
-              <a:buNone/>
-              <a:defRPr sz="4800" kern="1200">
-                <a:solidFill>
-                  <a:schemeClr val="accent4"/>
-                </a:solidFill>
-                <a:latin typeface="+mj-lt"/>
-                <a:ea typeface="+mj-ea"/>
-                <a:cs typeface="+mj-cs"/>
-              </a:defRPr>
-            </a:lvl1pPr>
-          </a:lstStyle>
-          <a:p>
-            <a:r>
-              <a:rPr lang="en-US" altLang="ko-KR" dirty="0" err="1" smtClean="0">
-                <a:latin typeface="함초롬돋움" panose="020B0604000101010101" pitchFamily="50" charset="-127"/>
-                <a:ea typeface="함초롬돋움" panose="020B0604000101010101" pitchFamily="50" charset="-127"/>
-                <a:cs typeface="함초롬돋움" panose="020B0604000101010101" pitchFamily="50" charset="-127"/>
-              </a:rPr>
-              <a:t>Region</a:t>
-            </a:r>
-            <a:r>
-              <a:rPr lang="en-US" altLang="ko-KR" dirty="0" err="1" smtClean="0">
-                <a:latin typeface="함초롬돋움" panose="020B0604000101010101" pitchFamily="50" charset="-127"/>
-                <a:ea typeface="함초롬돋움" panose="020B0604000101010101" pitchFamily="50" charset="-127"/>
-                <a:cs typeface="함초롬돋움" panose="020B0604000101010101" pitchFamily="50" charset="-127"/>
-              </a:rPr>
-              <a:t>Behaviors</a:t>
+              <a:t>RegionBehaviors</a:t>
             </a:r>
             <a:endParaRPr lang="ko-KR" altLang="en-US" dirty="0">
               <a:latin typeface="함초롬돋움" panose="020B0604000101010101" pitchFamily="50" charset="-127"/>
@@ -6665,7 +8421,7 @@
 </p:sld>
 </file>
 
-<file path=ppt/slides/slide18.xml><?xml version="1.0" encoding="utf-8"?>
+<file path=ppt/slides/slide23.xml><?xml version="1.0" encoding="utf-8"?>
 <p:sld xmlns:a="http://schemas.openxmlformats.org/drawingml/2006/main" xmlns:r="http://schemas.openxmlformats.org/officeDocument/2006/relationships" xmlns:p="http://schemas.openxmlformats.org/presentationml/2006/main">
   <p:cSld>
     <p:spTree>
@@ -6729,15 +8485,7 @@
                 <a:ea typeface="함초롬돋움" panose="020B0604000101010101" pitchFamily="50" charset="-127"/>
                 <a:cs typeface="함초롬돋움" panose="020B0604000101010101" pitchFamily="50" charset="-127"/>
               </a:rPr>
-              <a:t>Region</a:t>
-            </a:r>
-            <a:r>
-              <a:rPr lang="en-US" altLang="ko-KR" dirty="0" err="1" smtClean="0">
-                <a:latin typeface="함초롬돋움" panose="020B0604000101010101" pitchFamily="50" charset="-127"/>
-                <a:ea typeface="함초롬돋움" panose="020B0604000101010101" pitchFamily="50" charset="-127"/>
-                <a:cs typeface="함초롬돋움" panose="020B0604000101010101" pitchFamily="50" charset="-127"/>
-              </a:rPr>
-              <a:t>Behaviors</a:t>
+              <a:t>RegionBehaviors</a:t>
             </a:r>
             <a:endParaRPr lang="ko-KR" altLang="en-US" dirty="0">
               <a:latin typeface="함초롬돋움" panose="020B0604000101010101" pitchFamily="50" charset="-127"/>
@@ -6833,9 +8581,9 @@
         <p:grpSpPr>
           <a:xfrm>
             <a:off x="6536982" y="1962319"/>
-            <a:ext cx="4779538" cy="4795722"/>
+            <a:ext cx="4779538" cy="4488357"/>
             <a:chOff x="6536982" y="1962319"/>
-            <a:chExt cx="4779538" cy="4795722"/>
+            <a:chExt cx="4779538" cy="4488357"/>
           </a:xfrm>
         </p:grpSpPr>
         <p:pic>
@@ -6855,7 +8603,7 @@
           <p:spPr>
             <a:xfrm>
               <a:off x="6536982" y="2310939"/>
-              <a:ext cx="4779538" cy="4447102"/>
+              <a:ext cx="4779538" cy="4139737"/>
             </a:xfrm>
             <a:prstGeom prst="rect">
               <a:avLst/>
@@ -6921,7 +8669,7 @@
 </p:sld>
 </file>
 
-<file path=ppt/slides/slide19.xml><?xml version="1.0" encoding="utf-8"?>
+<file path=ppt/slides/slide24.xml><?xml version="1.0" encoding="utf-8"?>
 <p:sld xmlns:a="http://schemas.openxmlformats.org/drawingml/2006/main" xmlns:r="http://schemas.openxmlformats.org/officeDocument/2006/relationships" xmlns:p="http://schemas.openxmlformats.org/presentationml/2006/main">
   <p:cSld>
     <p:spTree>
@@ -7005,7 +8753,12 @@
             <p:ph idx="1"/>
           </p:nvPr>
         </p:nvSpPr>
-        <p:spPr/>
+        <p:spPr>
+          <a:xfrm>
+            <a:off x="838200" y="1983345"/>
+            <a:ext cx="10515600" cy="4731354"/>
+          </a:xfrm>
+        </p:spPr>
         <p:txBody>
           <a:bodyPr>
             <a:noAutofit/>
@@ -7013,6 +8766,9 @@
           <a:lstStyle/>
           <a:p>
             <a:pPr marL="342900" indent="-342900" eaLnBrk="0" fontAlgn="base" latinLnBrk="0" hangingPunct="0">
+              <a:lnSpc>
+                <a:spcPct val="100000"/>
+              </a:lnSpc>
               <a:spcBef>
                 <a:spcPct val="0"/>
               </a:spcBef>
@@ -7037,6 +8793,9 @@
           </a:p>
           <a:p>
             <a:pPr marL="800100" lvl="1" indent="-342900" eaLnBrk="0" fontAlgn="base" latinLnBrk="0" hangingPunct="0">
+              <a:lnSpc>
+                <a:spcPct val="100000"/>
+              </a:lnSpc>
               <a:spcBef>
                 <a:spcPct val="0"/>
               </a:spcBef>
@@ -7044,16 +8803,6 @@
                 <a:spcPct val="0"/>
               </a:spcAft>
             </a:pPr>
-            <a:r>
-              <a:rPr lang="ko-KR" altLang="ko-KR" dirty="0" err="1" smtClean="0">
-                <a:solidFill>
-                  <a:srgbClr val="000000"/>
-                </a:solidFill>
-                <a:latin typeface="+mn-ea"/>
-                <a:cs typeface="함초롬돋움" panose="020B0604000101010101" pitchFamily="50" charset="-127"/>
-              </a:rPr>
-              <a:t>IsNavigationTarget</a:t>
-            </a:r>
             <a:r>
               <a:rPr lang="ko-KR" altLang="ko-KR" dirty="0" smtClean="0">
                 <a:solidFill>
@@ -7062,17 +8811,17 @@
                 <a:latin typeface="+mn-ea"/>
                 <a:cs typeface="함초롬돋움" panose="020B0604000101010101" pitchFamily="50" charset="-127"/>
               </a:rPr>
-              <a:t>(</a:t>
-            </a:r>
-            <a:r>
-              <a:rPr lang="ko-KR" altLang="ko-KR" dirty="0" err="1" smtClean="0">
+              <a:t>IsNavigationTarget(NavigationContext </a:t>
+            </a:r>
+            <a:r>
+              <a:rPr lang="ko-KR" altLang="ko-KR" dirty="0">
                 <a:solidFill>
                   <a:srgbClr val="000000"/>
                 </a:solidFill>
                 <a:latin typeface="+mn-ea"/>
                 <a:cs typeface="함초롬돋움" panose="020B0604000101010101" pitchFamily="50" charset="-127"/>
               </a:rPr>
-              <a:t>NavigationContext</a:t>
+              <a:t>navigationContext</a:t>
             </a:r>
             <a:r>
               <a:rPr lang="ko-KR" altLang="ko-KR" dirty="0" smtClean="0">
@@ -7082,27 +8831,81 @@
                 <a:latin typeface="+mn-ea"/>
                 <a:cs typeface="함초롬돋움" panose="020B0604000101010101" pitchFamily="50" charset="-127"/>
               </a:rPr>
-              <a:t> </a:t>
-            </a:r>
-            <a:r>
-              <a:rPr lang="ko-KR" altLang="ko-KR" dirty="0" err="1">
+              <a:t>)</a:t>
+            </a:r>
+            <a:r>
+              <a:rPr lang="en-US" altLang="ko-KR" dirty="0" smtClean="0">
                 <a:solidFill>
                   <a:srgbClr val="000000"/>
                 </a:solidFill>
                 <a:latin typeface="+mn-ea"/>
                 <a:cs typeface="함초롬돋움" panose="020B0604000101010101" pitchFamily="50" charset="-127"/>
               </a:rPr>
-              <a:t>navigationContext</a:t>
-            </a:r>
-            <a:r>
-              <a:rPr lang="ko-KR" altLang="ko-KR" dirty="0" smtClean="0">
+              <a:t> :</a:t>
+            </a:r>
+          </a:p>
+          <a:p>
+            <a:pPr marL="457200" lvl="1" indent="0" eaLnBrk="0" fontAlgn="base" latinLnBrk="0" hangingPunct="0">
+              <a:lnSpc>
+                <a:spcPct val="100000"/>
+              </a:lnSpc>
+              <a:spcBef>
+                <a:spcPct val="0"/>
+              </a:spcBef>
+              <a:spcAft>
+                <a:spcPct val="0"/>
+              </a:spcAft>
+              <a:buNone/>
+            </a:pPr>
+            <a:r>
+              <a:rPr lang="en-US" altLang="ko-KR" dirty="0">
                 <a:solidFill>
                   <a:srgbClr val="000000"/>
                 </a:solidFill>
                 <a:latin typeface="+mn-ea"/>
                 <a:cs typeface="함초롬돋움" panose="020B0604000101010101" pitchFamily="50" charset="-127"/>
               </a:rPr>
-              <a:t>)</a:t>
+              <a:t> </a:t>
+            </a:r>
+            <a:r>
+              <a:rPr lang="en-US" altLang="ko-KR" dirty="0" smtClean="0">
+                <a:solidFill>
+                  <a:srgbClr val="000000"/>
+                </a:solidFill>
+                <a:latin typeface="+mn-ea"/>
+                <a:cs typeface="함초롬돋움" panose="020B0604000101010101" pitchFamily="50" charset="-127"/>
+              </a:rPr>
+              <a:t>   </a:t>
+            </a:r>
+            <a:r>
+              <a:rPr lang="ko-KR" altLang="en-US" dirty="0" err="1" smtClean="0">
+                <a:solidFill>
+                  <a:srgbClr val="000000"/>
+                </a:solidFill>
+                <a:latin typeface="+mn-ea"/>
+                <a:cs typeface="함초롬돋움" panose="020B0604000101010101" pitchFamily="50" charset="-127"/>
+              </a:rPr>
+              <a:t>타겟이</a:t>
+            </a:r>
+            <a:r>
+              <a:rPr lang="ko-KR" altLang="en-US" dirty="0" smtClean="0">
+                <a:solidFill>
+                  <a:srgbClr val="000000"/>
+                </a:solidFill>
+                <a:latin typeface="+mn-ea"/>
+                <a:cs typeface="함초롬돋움" panose="020B0604000101010101" pitchFamily="50" charset="-127"/>
+              </a:rPr>
+              <a:t> 맞는지 판단하는 </a:t>
+            </a:r>
+            <a:r>
+              <a:rPr lang="ko-KR" altLang="en-US" dirty="0" err="1" smtClean="0">
+                <a:solidFill>
+                  <a:srgbClr val="000000"/>
+                </a:solidFill>
+                <a:latin typeface="+mn-ea"/>
+                <a:cs typeface="함초롬돋움" panose="020B0604000101010101" pitchFamily="50" charset="-127"/>
+              </a:rPr>
+              <a:t>메서드</a:t>
             </a:r>
             <a:endParaRPr lang="en-US" altLang="ko-KR" dirty="0" smtClean="0">
               <a:solidFill>
@@ -7114,6 +8917,9 @@
           </a:p>
           <a:p>
             <a:pPr marL="800100" lvl="1" indent="-342900" eaLnBrk="0" fontAlgn="base" latinLnBrk="0" hangingPunct="0">
+              <a:lnSpc>
+                <a:spcPct val="100000"/>
+              </a:lnSpc>
               <a:spcBef>
                 <a:spcPct val="0"/>
               </a:spcBef>
@@ -7121,16 +8927,6 @@
                 <a:spcPct val="0"/>
               </a:spcAft>
             </a:pPr>
-            <a:r>
-              <a:rPr lang="ko-KR" altLang="ko-KR" dirty="0" err="1" smtClean="0">
-                <a:solidFill>
-                  <a:srgbClr val="000000"/>
-                </a:solidFill>
-                <a:latin typeface="+mn-ea"/>
-                <a:cs typeface="함초롬돋움" panose="020B0604000101010101" pitchFamily="50" charset="-127"/>
-              </a:rPr>
-              <a:t>OnNavigatedTo</a:t>
-            </a:r>
             <a:r>
               <a:rPr lang="ko-KR" altLang="ko-KR" dirty="0" smtClean="0">
                 <a:solidFill>
@@ -7139,17 +8935,17 @@
                 <a:latin typeface="+mn-ea"/>
                 <a:cs typeface="함초롬돋움" panose="020B0604000101010101" pitchFamily="50" charset="-127"/>
               </a:rPr>
-              <a:t>(</a:t>
-            </a:r>
-            <a:r>
-              <a:rPr lang="ko-KR" altLang="ko-KR" dirty="0" err="1" smtClean="0">
+              <a:t>OnNavigatedTo(NavigationContext </a:t>
+            </a:r>
+            <a:r>
+              <a:rPr lang="ko-KR" altLang="ko-KR" dirty="0">
                 <a:solidFill>
                   <a:srgbClr val="000000"/>
                 </a:solidFill>
                 <a:latin typeface="+mn-ea"/>
                 <a:cs typeface="함초롬돋움" panose="020B0604000101010101" pitchFamily="50" charset="-127"/>
               </a:rPr>
-              <a:t>NavigationContext</a:t>
+              <a:t>navigationContext</a:t>
             </a:r>
             <a:r>
               <a:rPr lang="ko-KR" altLang="ko-KR" dirty="0" smtClean="0">
@@ -7159,27 +8955,71 @@
                 <a:latin typeface="+mn-ea"/>
                 <a:cs typeface="함초롬돋움" panose="020B0604000101010101" pitchFamily="50" charset="-127"/>
               </a:rPr>
-              <a:t> </a:t>
-            </a:r>
-            <a:r>
-              <a:rPr lang="ko-KR" altLang="ko-KR" dirty="0" err="1">
+              <a:t>)</a:t>
+            </a:r>
+            <a:r>
+              <a:rPr lang="en-US" altLang="ko-KR" dirty="0" smtClean="0">
                 <a:solidFill>
                   <a:srgbClr val="000000"/>
                 </a:solidFill>
                 <a:latin typeface="+mn-ea"/>
                 <a:cs typeface="함초롬돋움" panose="020B0604000101010101" pitchFamily="50" charset="-127"/>
               </a:rPr>
-              <a:t>navigationContext</a:t>
-            </a:r>
-            <a:r>
-              <a:rPr lang="ko-KR" altLang="ko-KR" dirty="0" smtClean="0">
+              <a:t> :</a:t>
+            </a:r>
+          </a:p>
+          <a:p>
+            <a:pPr marL="457200" lvl="1" indent="0" eaLnBrk="0" fontAlgn="base" latinLnBrk="0" hangingPunct="0">
+              <a:lnSpc>
+                <a:spcPct val="100000"/>
+              </a:lnSpc>
+              <a:spcBef>
+                <a:spcPct val="0"/>
+              </a:spcBef>
+              <a:spcAft>
+                <a:spcPct val="0"/>
+              </a:spcAft>
+              <a:buNone/>
+            </a:pPr>
+            <a:r>
+              <a:rPr lang="en-US" altLang="ko-KR" dirty="0">
                 <a:solidFill>
                   <a:srgbClr val="000000"/>
                 </a:solidFill>
                 <a:latin typeface="+mn-ea"/>
                 <a:cs typeface="함초롬돋움" panose="020B0604000101010101" pitchFamily="50" charset="-127"/>
               </a:rPr>
-              <a:t>)</a:t>
+              <a:t> </a:t>
+            </a:r>
+            <a:r>
+              <a:rPr lang="en-US" altLang="ko-KR" dirty="0" smtClean="0">
+                <a:solidFill>
+                  <a:srgbClr val="000000"/>
+                </a:solidFill>
+                <a:latin typeface="+mn-ea"/>
+                <a:cs typeface="함초롬돋움" panose="020B0604000101010101" pitchFamily="50" charset="-127"/>
+              </a:rPr>
+              <a:t>   View</a:t>
+            </a:r>
+            <a:r>
+              <a:rPr lang="ko-KR" altLang="en-US" dirty="0" smtClean="0">
+                <a:solidFill>
+                  <a:srgbClr val="000000"/>
+                </a:solidFill>
+                <a:latin typeface="+mn-ea"/>
+                <a:cs typeface="함초롬돋움" panose="020B0604000101010101" pitchFamily="50" charset="-127"/>
+              </a:rPr>
+              <a:t>가 활성화 될 때 실행되는 </a:t>
+            </a:r>
+            <a:r>
+              <a:rPr lang="ko-KR" altLang="en-US" dirty="0" err="1" smtClean="0">
+                <a:solidFill>
+                  <a:srgbClr val="000000"/>
+                </a:solidFill>
+                <a:latin typeface="+mn-ea"/>
+                <a:cs typeface="함초롬돋움" panose="020B0604000101010101" pitchFamily="50" charset="-127"/>
+              </a:rPr>
+              <a:t>메서드</a:t>
             </a:r>
             <a:endParaRPr lang="en-US" altLang="ko-KR" dirty="0" smtClean="0">
               <a:solidFill>
@@ -7191,6 +9031,9 @@
           </a:p>
           <a:p>
             <a:pPr marL="800100" lvl="1" indent="-342900" eaLnBrk="0" fontAlgn="base" latinLnBrk="0" hangingPunct="0">
+              <a:lnSpc>
+                <a:spcPct val="100000"/>
+              </a:lnSpc>
               <a:spcBef>
                 <a:spcPct val="0"/>
               </a:spcBef>
@@ -7198,16 +9041,6 @@
                 <a:spcPct val="0"/>
               </a:spcAft>
             </a:pPr>
-            <a:r>
-              <a:rPr lang="ko-KR" altLang="ko-KR" dirty="0" err="1" smtClean="0">
-                <a:solidFill>
-                  <a:srgbClr val="000000"/>
-                </a:solidFill>
-                <a:latin typeface="+mn-ea"/>
-                <a:cs typeface="함초롬돋움" panose="020B0604000101010101" pitchFamily="50" charset="-127"/>
-              </a:rPr>
-              <a:t>OnNavigatedFrom</a:t>
-            </a:r>
             <a:r>
               <a:rPr lang="ko-KR" altLang="ko-KR" dirty="0" smtClean="0">
                 <a:solidFill>
@@ -7216,17 +9049,17 @@
                 <a:latin typeface="+mn-ea"/>
                 <a:cs typeface="함초롬돋움" panose="020B0604000101010101" pitchFamily="50" charset="-127"/>
               </a:rPr>
-              <a:t>(</a:t>
-            </a:r>
-            <a:r>
-              <a:rPr lang="ko-KR" altLang="ko-KR" dirty="0" err="1" smtClean="0">
+              <a:t>OnNavigatedFrom(NavigationContext </a:t>
+            </a:r>
+            <a:r>
+              <a:rPr lang="ko-KR" altLang="ko-KR" dirty="0">
                 <a:solidFill>
                   <a:srgbClr val="000000"/>
                 </a:solidFill>
                 <a:latin typeface="+mn-ea"/>
                 <a:cs typeface="함초롬돋움" panose="020B0604000101010101" pitchFamily="50" charset="-127"/>
               </a:rPr>
-              <a:t>NavigationContext</a:t>
+              <a:t>navigationContext</a:t>
             </a:r>
             <a:r>
               <a:rPr lang="ko-KR" altLang="ko-KR" dirty="0" smtClean="0">
@@ -7236,27 +9069,71 @@
                 <a:latin typeface="+mn-ea"/>
                 <a:cs typeface="함초롬돋움" panose="020B0604000101010101" pitchFamily="50" charset="-127"/>
               </a:rPr>
-              <a:t> </a:t>
-            </a:r>
-            <a:r>
-              <a:rPr lang="ko-KR" altLang="ko-KR" dirty="0" err="1">
+              <a:t>)</a:t>
+            </a:r>
+            <a:r>
+              <a:rPr lang="en-US" altLang="ko-KR" dirty="0" smtClean="0">
                 <a:solidFill>
                   <a:srgbClr val="000000"/>
                 </a:solidFill>
                 <a:latin typeface="+mn-ea"/>
                 <a:cs typeface="함초롬돋움" panose="020B0604000101010101" pitchFamily="50" charset="-127"/>
               </a:rPr>
-              <a:t>navigationContext</a:t>
-            </a:r>
-            <a:r>
-              <a:rPr lang="ko-KR" altLang="ko-KR" dirty="0" smtClean="0">
+              <a:t> :</a:t>
+            </a:r>
+          </a:p>
+          <a:p>
+            <a:pPr marL="457200" lvl="1" indent="0" eaLnBrk="0" fontAlgn="base" latinLnBrk="0" hangingPunct="0">
+              <a:lnSpc>
+                <a:spcPct val="100000"/>
+              </a:lnSpc>
+              <a:spcBef>
+                <a:spcPct val="0"/>
+              </a:spcBef>
+              <a:spcAft>
+                <a:spcPct val="0"/>
+              </a:spcAft>
+              <a:buNone/>
+            </a:pPr>
+            <a:r>
+              <a:rPr lang="en-US" altLang="ko-KR" dirty="0">
                 <a:solidFill>
                   <a:srgbClr val="000000"/>
                 </a:solidFill>
                 <a:latin typeface="+mn-ea"/>
                 <a:cs typeface="함초롬돋움" panose="020B0604000101010101" pitchFamily="50" charset="-127"/>
               </a:rPr>
-              <a:t>)</a:t>
+              <a:t> </a:t>
+            </a:r>
+            <a:r>
+              <a:rPr lang="en-US" altLang="ko-KR" dirty="0" smtClean="0">
+                <a:solidFill>
+                  <a:srgbClr val="000000"/>
+                </a:solidFill>
+                <a:latin typeface="+mn-ea"/>
+                <a:cs typeface="함초롬돋움" panose="020B0604000101010101" pitchFamily="50" charset="-127"/>
+              </a:rPr>
+              <a:t>   View</a:t>
+            </a:r>
+            <a:r>
+              <a:rPr lang="ko-KR" altLang="en-US" dirty="0" smtClean="0">
+                <a:solidFill>
+                  <a:srgbClr val="000000"/>
+                </a:solidFill>
+                <a:latin typeface="+mn-ea"/>
+                <a:cs typeface="함초롬돋움" panose="020B0604000101010101" pitchFamily="50" charset="-127"/>
+              </a:rPr>
+              <a:t>가 비활성화 될 때 실행되는 </a:t>
+            </a:r>
+            <a:r>
+              <a:rPr lang="ko-KR" altLang="en-US" dirty="0" err="1" smtClean="0">
+                <a:solidFill>
+                  <a:srgbClr val="000000"/>
+                </a:solidFill>
+                <a:latin typeface="+mn-ea"/>
+                <a:cs typeface="함초롬돋움" panose="020B0604000101010101" pitchFamily="50" charset="-127"/>
+              </a:rPr>
+              <a:t>메서드</a:t>
             </a:r>
             <a:endParaRPr lang="en-US" altLang="ko-KR" dirty="0" smtClean="0">
               <a:solidFill>
@@ -7267,7 +9144,145 @@
             </a:endParaRPr>
           </a:p>
           <a:p>
+            <a:pPr marL="457200" lvl="1" indent="0" eaLnBrk="0" fontAlgn="base" latinLnBrk="0" hangingPunct="0">
+              <a:lnSpc>
+                <a:spcPct val="100000"/>
+              </a:lnSpc>
+              <a:spcBef>
+                <a:spcPct val="0"/>
+              </a:spcBef>
+              <a:spcAft>
+                <a:spcPct val="0"/>
+              </a:spcAft>
+              <a:buNone/>
+            </a:pPr>
+            <a:endParaRPr lang="en-US" altLang="ko-KR" dirty="0" smtClean="0">
+              <a:solidFill>
+                <a:srgbClr val="000000"/>
+              </a:solidFill>
+              <a:latin typeface="+mn-ea"/>
+              <a:cs typeface="함초롬돋움" panose="020B0604000101010101" pitchFamily="50" charset="-127"/>
+            </a:endParaRPr>
+          </a:p>
+          <a:p>
+            <a:pPr marL="342900" lvl="0" indent="-342900" eaLnBrk="0" fontAlgn="base" latinLnBrk="0" hangingPunct="0">
+              <a:lnSpc>
+                <a:spcPct val="100000"/>
+              </a:lnSpc>
+              <a:spcBef>
+                <a:spcPct val="0"/>
+              </a:spcBef>
+              <a:spcAft>
+                <a:spcPct val="0"/>
+              </a:spcAft>
+            </a:pPr>
+            <a:r>
+              <a:rPr lang="ko-KR" altLang="ko-KR" dirty="0">
+                <a:solidFill>
+                  <a:srgbClr val="000000"/>
+                </a:solidFill>
+                <a:latin typeface="+mn-ea"/>
+                <a:cs typeface="Consolas" panose="020B0609020204030204" pitchFamily="49" charset="0"/>
+              </a:rPr>
+              <a:t>IRegionMemberLifetime</a:t>
+            </a:r>
+            <a:endParaRPr lang="en-US" altLang="ko-KR" dirty="0">
+              <a:solidFill>
+                <a:srgbClr val="000000"/>
+              </a:solidFill>
+              <a:latin typeface="+mn-ea"/>
+              <a:cs typeface="Consolas" panose="020B0609020204030204" pitchFamily="49" charset="0"/>
+            </a:endParaRPr>
+          </a:p>
+          <a:p>
             <a:pPr marL="800100" lvl="1" indent="-342900" eaLnBrk="0" fontAlgn="base" latinLnBrk="0" hangingPunct="0">
+              <a:lnSpc>
+                <a:spcPct val="100000"/>
+              </a:lnSpc>
+              <a:spcBef>
+                <a:spcPct val="0"/>
+              </a:spcBef>
+              <a:spcAft>
+                <a:spcPct val="0"/>
+              </a:spcAft>
+            </a:pPr>
+            <a:r>
+              <a:rPr lang="en-US" altLang="ko-KR" dirty="0" err="1">
+                <a:latin typeface="+mn-ea"/>
+              </a:rPr>
+              <a:t>KeepAlive</a:t>
+            </a:r>
+            <a:r>
+              <a:rPr lang="en-US" altLang="ko-KR" dirty="0">
+                <a:latin typeface="+mn-ea"/>
+              </a:rPr>
+              <a:t> : Instance</a:t>
+            </a:r>
+            <a:r>
+              <a:rPr lang="ko-KR" altLang="en-US" dirty="0">
+                <a:latin typeface="+mn-ea"/>
+              </a:rPr>
+              <a:t>를 유지할지 새로 생성할지 결정</a:t>
+            </a:r>
+            <a:endParaRPr lang="en-US" altLang="ko-KR" dirty="0">
+              <a:latin typeface="+mn-ea"/>
+            </a:endParaRPr>
+          </a:p>
+          <a:p>
+            <a:pPr eaLnBrk="0" fontAlgn="base" latinLnBrk="0" hangingPunct="0">
+              <a:lnSpc>
+                <a:spcPct val="100000"/>
+              </a:lnSpc>
+              <a:spcBef>
+                <a:spcPct val="0"/>
+              </a:spcBef>
+              <a:spcAft>
+                <a:spcPct val="0"/>
+              </a:spcAft>
+            </a:pPr>
+            <a:endParaRPr lang="en-US" altLang="ko-KR" dirty="0"/>
+          </a:p>
+          <a:p>
+            <a:pPr eaLnBrk="0" fontAlgn="base" latinLnBrk="0" hangingPunct="0">
+              <a:lnSpc>
+                <a:spcPct val="100000"/>
+              </a:lnSpc>
+              <a:spcBef>
+                <a:spcPct val="0"/>
+              </a:spcBef>
+              <a:spcAft>
+                <a:spcPct val="0"/>
+              </a:spcAft>
+            </a:pPr>
+            <a:r>
+              <a:rPr lang="en-US" altLang="ko-KR" dirty="0" err="1" smtClean="0"/>
+              <a:t>NavigationParameters</a:t>
+            </a:r>
+            <a:r>
+              <a:rPr lang="en-US" altLang="ko-KR" dirty="0" smtClean="0"/>
+              <a:t> : </a:t>
+            </a:r>
+            <a:r>
+              <a:rPr lang="ko-KR" altLang="en-US" dirty="0" smtClean="0"/>
+              <a:t>매개변수 </a:t>
+            </a:r>
+            <a:r>
+              <a:rPr lang="ko-KR" altLang="en-US" dirty="0"/>
+              <a:t>전달 방법</a:t>
+            </a:r>
+            <a:endParaRPr lang="en-US" altLang="ko-KR" dirty="0">
+              <a:solidFill>
+                <a:srgbClr val="000000"/>
+              </a:solidFill>
+              <a:latin typeface="+mn-ea"/>
+              <a:cs typeface="함초롬돋움" panose="020B0604000101010101" pitchFamily="50" charset="-127"/>
+            </a:endParaRPr>
+          </a:p>
+          <a:p>
+            <a:pPr marL="800100" lvl="1" indent="-342900" eaLnBrk="0" fontAlgn="base" latinLnBrk="0" hangingPunct="0">
+              <a:lnSpc>
+                <a:spcPct val="100000"/>
+              </a:lnSpc>
               <a:spcBef>
                 <a:spcPct val="0"/>
               </a:spcBef>
@@ -7283,64 +9298,12 @@
               <a:cs typeface="함초롬돋움" panose="020B0604000101010101" pitchFamily="50" charset="-127"/>
             </a:endParaRPr>
           </a:p>
-          <a:p>
-            <a:pPr marL="342900" lvl="0" indent="-342900" eaLnBrk="0" fontAlgn="base" latinLnBrk="0" hangingPunct="0">
-              <a:lnSpc>
-                <a:spcPct val="100000"/>
-              </a:lnSpc>
-              <a:spcBef>
-                <a:spcPct val="0"/>
-              </a:spcBef>
-              <a:spcAft>
-                <a:spcPct val="0"/>
-              </a:spcAft>
-            </a:pPr>
-            <a:r>
-              <a:rPr lang="ko-KR" altLang="ko-KR" dirty="0" err="1" smtClean="0">
-                <a:solidFill>
-                  <a:srgbClr val="000000"/>
-                </a:solidFill>
-                <a:latin typeface="+mn-ea"/>
-                <a:cs typeface="Consolas" panose="020B0609020204030204" pitchFamily="49" charset="0"/>
-              </a:rPr>
-              <a:t>IRegionMemberLifetime</a:t>
-            </a:r>
-            <a:endParaRPr lang="en-US" altLang="ko-KR" dirty="0" smtClean="0">
-              <a:solidFill>
-                <a:srgbClr val="000000"/>
-              </a:solidFill>
-              <a:latin typeface="+mn-ea"/>
-              <a:cs typeface="Consolas" panose="020B0609020204030204" pitchFamily="49" charset="0"/>
-            </a:endParaRPr>
-          </a:p>
-          <a:p>
-            <a:pPr marL="800100" lvl="1" indent="-342900" eaLnBrk="0" fontAlgn="base" latinLnBrk="0" hangingPunct="0">
-              <a:lnSpc>
-                <a:spcPct val="100000"/>
-              </a:lnSpc>
-              <a:spcBef>
-                <a:spcPct val="0"/>
-              </a:spcBef>
-              <a:spcAft>
-                <a:spcPct val="0"/>
-              </a:spcAft>
-            </a:pPr>
-            <a:r>
-              <a:rPr lang="en-US" altLang="ko-KR" dirty="0" err="1" smtClean="0">
-                <a:latin typeface="+mn-ea"/>
-              </a:rPr>
-              <a:t>KeepAlive</a:t>
-            </a:r>
-            <a:endParaRPr lang="en-US" altLang="ko-KR" dirty="0" smtClean="0">
-              <a:latin typeface="+mn-ea"/>
-            </a:endParaRPr>
-          </a:p>
         </p:txBody>
       </p:sp>
     </p:spTree>
     <p:extLst>
       <p:ext uri="{BB962C8B-B14F-4D97-AF65-F5344CB8AC3E}">
-        <p14:creationId xmlns:p14="http://schemas.microsoft.com/office/powerpoint/2010/main" val="4097152479"/>
+        <p14:creationId xmlns:p14="http://schemas.microsoft.com/office/powerpoint/2010/main" val="3441434134"/>
       </p:ext>
     </p:extLst>
   </p:cSld>
@@ -7357,232 +9320,7 @@
 </p:sld>
 </file>
 
-<file path=ppt/slides/slide2.xml><?xml version="1.0" encoding="utf-8"?>
-<p:sld xmlns:a="http://schemas.openxmlformats.org/drawingml/2006/main" xmlns:r="http://schemas.openxmlformats.org/officeDocument/2006/relationships" xmlns:p="http://schemas.openxmlformats.org/presentationml/2006/main">
-  <p:cSld>
-    <p:spTree>
-      <p:nvGrpSpPr>
-        <p:cNvPr id="1" name=""/>
-        <p:cNvGrpSpPr/>
-        <p:nvPr/>
-      </p:nvGrpSpPr>
-      <p:grpSpPr>
-        <a:xfrm>
-          <a:off x="0" y="0"/>
-          <a:ext cx="0" cy="0"/>
-          <a:chOff x="0" y="0"/>
-          <a:chExt cx="0" cy="0"/>
-        </a:xfrm>
-      </p:grpSpPr>
-      <p:sp>
-        <p:nvSpPr>
-          <p:cNvPr id="7" name="제목 1"/>
-          <p:cNvSpPr txBox="1">
-            <a:spLocks/>
-          </p:cNvSpPr>
-          <p:nvPr/>
-        </p:nvSpPr>
-        <p:spPr>
-          <a:xfrm>
-            <a:off x="838200" y="365125"/>
-            <a:ext cx="10515600" cy="1090189"/>
-          </a:xfrm>
-          <a:prstGeom prst="rect">
-            <a:avLst/>
-          </a:prstGeom>
-        </p:spPr>
-        <p:txBody>
-          <a:bodyPr vert="horz" lIns="91440" tIns="45720" rIns="91440" bIns="45720" rtlCol="0" anchor="ctr">
-            <a:normAutofit/>
-          </a:bodyPr>
-          <a:lstStyle>
-            <a:lvl1pPr algn="l" defTabSz="914400" rtl="0" eaLnBrk="1" latinLnBrk="1" hangingPunct="1">
-              <a:lnSpc>
-                <a:spcPct val="90000"/>
-              </a:lnSpc>
-              <a:spcBef>
-                <a:spcPct val="0"/>
-              </a:spcBef>
-              <a:buNone/>
-              <a:defRPr sz="4800" kern="1200">
-                <a:solidFill>
-                  <a:schemeClr val="accent4"/>
-                </a:solidFill>
-                <a:latin typeface="+mj-lt"/>
-                <a:ea typeface="+mj-ea"/>
-                <a:cs typeface="+mj-cs"/>
-              </a:defRPr>
-            </a:lvl1pPr>
-          </a:lstStyle>
-          <a:p>
-            <a:r>
-              <a:rPr lang="en-US" altLang="ko-KR" dirty="0" smtClean="0">
-                <a:latin typeface="함초롬돋움" panose="020B0604000101010101" pitchFamily="50" charset="-127"/>
-                <a:ea typeface="함초롬돋움" panose="020B0604000101010101" pitchFamily="50" charset="-127"/>
-                <a:cs typeface="함초롬돋움" panose="020B0604000101010101" pitchFamily="50" charset="-127"/>
-              </a:rPr>
-              <a:t>Module</a:t>
-            </a:r>
-            <a:r>
-              <a:rPr lang="ko-KR" altLang="en-US" dirty="0" smtClean="0">
-                <a:latin typeface="함초롬돋움" panose="020B0604000101010101" pitchFamily="50" charset="-127"/>
-                <a:ea typeface="함초롬돋움" panose="020B0604000101010101" pitchFamily="50" charset="-127"/>
-                <a:cs typeface="함초롬돋움" panose="020B0604000101010101" pitchFamily="50" charset="-127"/>
-              </a:rPr>
-              <a:t>간의 통신 방법</a:t>
-            </a:r>
-            <a:endParaRPr lang="ko-KR" altLang="en-US" dirty="0">
-              <a:latin typeface="함초롬돋움" panose="020B0604000101010101" pitchFamily="50" charset="-127"/>
-              <a:ea typeface="함초롬돋움" panose="020B0604000101010101" pitchFamily="50" charset="-127"/>
-              <a:cs typeface="함초롬돋움" panose="020B0604000101010101" pitchFamily="50" charset="-127"/>
-            </a:endParaRPr>
-          </a:p>
-        </p:txBody>
-      </p:sp>
-      <p:sp>
-        <p:nvSpPr>
-          <p:cNvPr id="8" name="Rectangle 1"/>
-          <p:cNvSpPr>
-            <a:spLocks noChangeArrowheads="1"/>
-          </p:cNvSpPr>
-          <p:nvPr/>
-        </p:nvSpPr>
-        <p:spPr bwMode="auto">
-          <a:xfrm>
-            <a:off x="0" y="-138499"/>
-            <a:ext cx="65" cy="276999"/>
-          </a:xfrm>
-          <a:prstGeom prst="rect">
-            <a:avLst/>
-          </a:prstGeom>
-          <a:solidFill>
-            <a:srgbClr val="FFFFFF"/>
-          </a:solidFill>
-          <a:ln>
-            <a:noFill/>
-          </a:ln>
-          <a:effectLst/>
-          <a:extLst>
-            <a:ext uri="{91240B29-F687-4F45-9708-019B960494DF}">
-              <a14:hiddenLine xmlns:a14="http://schemas.microsoft.com/office/drawing/2010/main" w="9525">
-                <a:solidFill>
-                  <a:schemeClr val="tx1"/>
-                </a:solidFill>
-                <a:miter lim="800000"/>
-                <a:headEnd/>
-                <a:tailEnd/>
-              </a14:hiddenLine>
-            </a:ext>
-            <a:ext uri="{AF507438-7753-43E0-B8FC-AC1667EBCBE1}">
-              <a14:hiddenEffects xmlns:a14="http://schemas.microsoft.com/office/drawing/2010/main">
-                <a:effectLst>
-                  <a:outerShdw dist="35921" dir="2700000" algn="ctr" rotWithShape="0">
-                    <a:schemeClr val="bg2"/>
-                  </a:outerShdw>
-                </a:effectLst>
-              </a14:hiddenEffects>
-            </a:ext>
-          </a:extLst>
-        </p:spPr>
-        <p:txBody>
-          <a:bodyPr vert="horz" wrap="none" lIns="0" tIns="0" rIns="0" bIns="0" numCol="1" anchor="ctr" anchorCtr="0" compatLnSpc="1">
-            <a:prstTxWarp prst="textNoShape">
-              <a:avLst/>
-            </a:prstTxWarp>
-            <a:spAutoFit/>
-          </a:bodyPr>
-          <a:lstStyle/>
-          <a:p>
-            <a:pPr marL="0" marR="0" lvl="0" indent="0" algn="l" defTabSz="914400" rtl="0" eaLnBrk="0" fontAlgn="base" latinLnBrk="0" hangingPunct="0">
-              <a:lnSpc>
-                <a:spcPct val="100000"/>
-              </a:lnSpc>
-              <a:spcBef>
-                <a:spcPct val="0"/>
-              </a:spcBef>
-              <a:spcAft>
-                <a:spcPct val="0"/>
-              </a:spcAft>
-              <a:buClrTx/>
-              <a:buSzTx/>
-              <a:buFontTx/>
-              <a:buNone/>
-              <a:tabLst/>
-            </a:pPr>
-            <a:endParaRPr kumimoji="0" lang="ko-KR" altLang="ko-KR" sz="1800" b="0" i="0" u="none" strike="noStrike" cap="none" normalizeH="0" baseline="0" dirty="0" smtClean="0">
-              <a:ln>
-                <a:noFill/>
-              </a:ln>
-              <a:solidFill>
-                <a:schemeClr val="tx1"/>
-              </a:solidFill>
-              <a:effectLst/>
-              <a:latin typeface="Arial" panose="020B0604020202020204" pitchFamily="34" charset="0"/>
-            </a:endParaRPr>
-          </a:p>
-        </p:txBody>
-      </p:sp>
-      <p:sp>
-        <p:nvSpPr>
-          <p:cNvPr id="11" name="내용 개체 틀 10"/>
-          <p:cNvSpPr>
-            <a:spLocks noGrp="1"/>
-          </p:cNvSpPr>
-          <p:nvPr>
-            <p:ph idx="1"/>
-          </p:nvPr>
-        </p:nvSpPr>
-        <p:spPr/>
-        <p:txBody>
-          <a:bodyPr>
-            <a:normAutofit/>
-          </a:bodyPr>
-          <a:lstStyle/>
-          <a:p>
-            <a:r>
-              <a:rPr lang="en-US" altLang="ko-KR" dirty="0" smtClean="0"/>
-              <a:t>Service</a:t>
-            </a:r>
-            <a:r>
-              <a:rPr lang="ko-KR" altLang="en-US" dirty="0" smtClean="0"/>
-              <a:t>를 사용하는 방법</a:t>
-            </a:r>
-            <a:endParaRPr lang="en-US" altLang="ko-KR" dirty="0" smtClean="0"/>
-          </a:p>
-          <a:p>
-            <a:r>
-              <a:rPr lang="en-US" altLang="ko-KR" dirty="0" smtClean="0"/>
-              <a:t>Event Aggregator</a:t>
-            </a:r>
-            <a:r>
-              <a:rPr lang="ko-KR" altLang="en-US" dirty="0" smtClean="0"/>
-              <a:t>를 사용하는 방법</a:t>
-            </a:r>
-            <a:endParaRPr lang="en-US" altLang="ko-KR" dirty="0" smtClean="0"/>
-          </a:p>
-        </p:txBody>
-      </p:sp>
-    </p:spTree>
-    <p:extLst>
-      <p:ext uri="{BB962C8B-B14F-4D97-AF65-F5344CB8AC3E}">
-        <p14:creationId xmlns:p14="http://schemas.microsoft.com/office/powerpoint/2010/main" val="4134589178"/>
-      </p:ext>
-    </p:extLst>
-  </p:cSld>
-  <p:clrMapOvr>
-    <a:masterClrMapping/>
-  </p:clrMapOvr>
-  <p:timing>
-    <p:tnLst>
-      <p:par>
-        <p:cTn id="1" dur="indefinite" restart="never" nodeType="tmRoot"/>
-      </p:par>
-    </p:tnLst>
-  </p:timing>
-</p:sld>
-</file>
-
-<file path=ppt/slides/slide20.xml><?xml version="1.0" encoding="utf-8"?>
+<file path=ppt/slides/slide25.xml><?xml version="1.0" encoding="utf-8"?>
 <p:sld xmlns:a="http://schemas.openxmlformats.org/drawingml/2006/main" xmlns:r="http://schemas.openxmlformats.org/officeDocument/2006/relationships" xmlns:p="http://schemas.openxmlformats.org/presentationml/2006/main">
   <p:cSld>
     <p:spTree>
@@ -7759,7 +9497,12 @@
             <p:ph idx="1"/>
           </p:nvPr>
         </p:nvSpPr>
-        <p:spPr/>
+        <p:spPr>
+          <a:xfrm>
+            <a:off x="838200" y="1983346"/>
+            <a:ext cx="10515600" cy="4137368"/>
+          </a:xfrm>
+        </p:spPr>
         <p:txBody>
           <a:bodyPr>
             <a:normAutofit/>
@@ -7782,7 +9525,7 @@
                 <a:latin typeface="+mn-ea"/>
                 <a:cs typeface="함초롬돋움" panose="020B0604000101010101" pitchFamily="50" charset="-127"/>
               </a:rPr>
-              <a:t>서비스의 개념</a:t>
+              <a:t>응용 프로그램의 기능 확장을 목적으로 만들어진 소프트웨어</a:t>
             </a:r>
             <a:endParaRPr lang="en-US" altLang="ko-KR" dirty="0" smtClean="0">
               <a:latin typeface="+mn-ea"/>
@@ -7790,6 +9533,24 @@
             </a:endParaRPr>
           </a:p>
           <a:p>
+            <a:pPr marL="0" indent="0" eaLnBrk="0" fontAlgn="base" latinLnBrk="0" hangingPunct="0">
+              <a:lnSpc>
+                <a:spcPct val="100000"/>
+              </a:lnSpc>
+              <a:spcBef>
+                <a:spcPct val="0"/>
+              </a:spcBef>
+              <a:spcAft>
+                <a:spcPct val="0"/>
+              </a:spcAft>
+              <a:buNone/>
+            </a:pPr>
+            <a:endParaRPr lang="en-US" altLang="ko-KR" dirty="0" smtClean="0">
+              <a:latin typeface="+mn-ea"/>
+              <a:cs typeface="함초롬돋움" panose="020B0604000101010101" pitchFamily="50" charset="-127"/>
+            </a:endParaRPr>
+          </a:p>
+          <a:p>
             <a:pPr eaLnBrk="0" fontAlgn="base" latinLnBrk="0" hangingPunct="0">
               <a:lnSpc>
                 <a:spcPct val="100000"/>
@@ -7801,6 +9562,68 @@
                 <a:spcPct val="0"/>
               </a:spcAft>
             </a:pPr>
+            <a:r>
+              <a:rPr lang="ko-KR" altLang="en-US" dirty="0" smtClean="0">
+                <a:latin typeface="+mn-ea"/>
+                <a:cs typeface="함초롬돋움" panose="020B0604000101010101" pitchFamily="50" charset="-127"/>
+              </a:rPr>
+              <a:t>어떻게 </a:t>
+            </a:r>
+            <a:r>
+              <a:rPr lang="en-US" altLang="ko-KR" dirty="0" smtClean="0">
+                <a:latin typeface="+mn-ea"/>
+                <a:cs typeface="함초롬돋움" panose="020B0604000101010101" pitchFamily="50" charset="-127"/>
+              </a:rPr>
+              <a:t>service</a:t>
+            </a:r>
+            <a:r>
+              <a:rPr lang="ko-KR" altLang="en-US" dirty="0" smtClean="0">
+                <a:latin typeface="+mn-ea"/>
+                <a:cs typeface="함초롬돋움" panose="020B0604000101010101" pitchFamily="50" charset="-127"/>
+              </a:rPr>
+              <a:t>를 사용할까</a:t>
+            </a:r>
+            <a:r>
+              <a:rPr lang="en-US" altLang="ko-KR" dirty="0" smtClean="0">
+                <a:latin typeface="+mn-ea"/>
+                <a:cs typeface="함초롬돋움" panose="020B0604000101010101" pitchFamily="50" charset="-127"/>
+              </a:rPr>
+              <a:t>?</a:t>
+            </a:r>
+          </a:p>
+          <a:p>
+            <a:pPr lvl="1" eaLnBrk="0" fontAlgn="base" latinLnBrk="0" hangingPunct="0">
+              <a:lnSpc>
+                <a:spcPct val="100000"/>
+              </a:lnSpc>
+              <a:spcBef>
+                <a:spcPct val="0"/>
+              </a:spcBef>
+              <a:spcAft>
+                <a:spcPct val="0"/>
+              </a:spcAft>
+            </a:pPr>
+            <a:r>
+              <a:rPr lang="en-US" altLang="ko-KR" dirty="0" err="1" smtClean="0">
+                <a:latin typeface="+mn-ea"/>
+                <a:cs typeface="함초롬돋움" panose="020B0604000101010101" pitchFamily="50" charset="-127"/>
+              </a:rPr>
+              <a:t>IoC</a:t>
+            </a:r>
+            <a:r>
+              <a:rPr lang="en-US" altLang="ko-KR" dirty="0" smtClean="0">
+                <a:latin typeface="+mn-ea"/>
+                <a:cs typeface="함초롬돋움" panose="020B0604000101010101" pitchFamily="50" charset="-127"/>
+              </a:rPr>
+              <a:t> Container </a:t>
+            </a:r>
+            <a:r>
+              <a:rPr lang="ko-KR" altLang="en-US" dirty="0" smtClean="0">
+                <a:latin typeface="+mn-ea"/>
+                <a:cs typeface="함초롬돋움" panose="020B0604000101010101" pitchFamily="50" charset="-127"/>
+              </a:rPr>
+              <a:t>이용</a:t>
+            </a:r>
             <a:endParaRPr lang="en-US" altLang="ko-KR" dirty="0">
               <a:latin typeface="+mn-ea"/>
               <a:cs typeface="함초롬돋움" panose="020B0604000101010101" pitchFamily="50" charset="-127"/>
@@ -7855,7 +9678,7 @@
     </p:spTree>
     <p:extLst>
       <p:ext uri="{BB962C8B-B14F-4D97-AF65-F5344CB8AC3E}">
-        <p14:creationId xmlns:p14="http://schemas.microsoft.com/office/powerpoint/2010/main" val="3888000593"/>
+        <p14:creationId xmlns:p14="http://schemas.microsoft.com/office/powerpoint/2010/main" val="396316906"/>
       </p:ext>
     </p:extLst>
   </p:cSld>
@@ -7918,6 +9741,428 @@
               </a:spcAft>
             </a:pPr>
             <a:r>
+              <a:rPr lang="ko-KR" altLang="en-US" dirty="0" smtClean="0">
+                <a:latin typeface="+mn-ea"/>
+                <a:cs typeface="함초롬돋움" panose="020B0604000101010101" pitchFamily="50" charset="-127"/>
+              </a:rPr>
+              <a:t>제어의 흐름이 유저에서 프레임워크로 역전된 것</a:t>
+            </a:r>
+            <a:endParaRPr lang="en-US" altLang="ko-KR" dirty="0">
+              <a:latin typeface="+mn-ea"/>
+              <a:cs typeface="함초롬돋움" panose="020B0604000101010101" pitchFamily="50" charset="-127"/>
+            </a:endParaRPr>
+          </a:p>
+          <a:p>
+            <a:pPr eaLnBrk="0" fontAlgn="base" latinLnBrk="0" hangingPunct="0">
+              <a:lnSpc>
+                <a:spcPct val="100000"/>
+              </a:lnSpc>
+              <a:spcBef>
+                <a:spcPct val="0"/>
+              </a:spcBef>
+              <a:spcAft>
+                <a:spcPct val="0"/>
+              </a:spcAft>
+            </a:pPr>
+            <a:endParaRPr lang="en-US" altLang="ko-KR" dirty="0" smtClean="0">
+              <a:latin typeface="+mn-ea"/>
+              <a:cs typeface="함초롬돋움" panose="020B0604000101010101" pitchFamily="50" charset="-127"/>
+            </a:endParaRPr>
+          </a:p>
+        </p:txBody>
+      </p:sp>
+      <p:sp>
+        <p:nvSpPr>
+          <p:cNvPr id="2" name="제목 1"/>
+          <p:cNvSpPr>
+            <a:spLocks noGrp="1"/>
+          </p:cNvSpPr>
+          <p:nvPr>
+            <p:ph type="title"/>
+          </p:nvPr>
+        </p:nvSpPr>
+        <p:spPr/>
+        <p:txBody>
+          <a:bodyPr/>
+          <a:lstStyle/>
+          <a:p>
+            <a:r>
+              <a:rPr lang="en-US" altLang="ko-KR" dirty="0"/>
+              <a:t>Inversion of Control</a:t>
+            </a:r>
+          </a:p>
+        </p:txBody>
+      </p:sp>
+    </p:spTree>
+    <p:extLst>
+      <p:ext uri="{BB962C8B-B14F-4D97-AF65-F5344CB8AC3E}">
+        <p14:creationId xmlns:p14="http://schemas.microsoft.com/office/powerpoint/2010/main" val="2844497542"/>
+      </p:ext>
+    </p:extLst>
+  </p:cSld>
+  <p:clrMapOvr>
+    <a:masterClrMapping/>
+  </p:clrMapOvr>
+  <p:timing>
+    <p:tnLst>
+      <p:par>
+        <p:cTn id="1" dur="indefinite" restart="never" nodeType="tmRoot"/>
+      </p:par>
+    </p:tnLst>
+  </p:timing>
+</p:sld>
+</file>
+
+<file path=ppt/slides/slide5.xml><?xml version="1.0" encoding="utf-8"?>
+<p:sld xmlns:a="http://schemas.openxmlformats.org/drawingml/2006/main" xmlns:r="http://schemas.openxmlformats.org/officeDocument/2006/relationships" xmlns:p="http://schemas.openxmlformats.org/presentationml/2006/main">
+  <p:cSld>
+    <p:spTree>
+      <p:nvGrpSpPr>
+        <p:cNvPr id="1" name=""/>
+        <p:cNvGrpSpPr/>
+        <p:nvPr/>
+      </p:nvGrpSpPr>
+      <p:grpSpPr>
+        <a:xfrm>
+          <a:off x="0" y="0"/>
+          <a:ext cx="0" cy="0"/>
+          <a:chOff x="0" y="0"/>
+          <a:chExt cx="0" cy="0"/>
+        </a:xfrm>
+      </p:grpSpPr>
+      <p:sp>
+        <p:nvSpPr>
+          <p:cNvPr id="3" name="내용 개체 틀 2"/>
+          <p:cNvSpPr>
+            <a:spLocks noGrp="1"/>
+          </p:cNvSpPr>
+          <p:nvPr>
+            <p:ph idx="1"/>
+          </p:nvPr>
+        </p:nvSpPr>
+        <p:spPr/>
+        <p:txBody>
+          <a:bodyPr>
+            <a:normAutofit/>
+          </a:bodyPr>
+          <a:lstStyle/>
+          <a:p>
+            <a:pPr eaLnBrk="0" fontAlgn="base" latinLnBrk="0" hangingPunct="0">
+              <a:lnSpc>
+                <a:spcPct val="100000"/>
+              </a:lnSpc>
+              <a:spcBef>
+                <a:spcPct val="0"/>
+              </a:spcBef>
+              <a:spcAft>
+                <a:spcPct val="0"/>
+              </a:spcAft>
+            </a:pPr>
+            <a:r>
+              <a:rPr lang="ko-KR" altLang="en-US" dirty="0" smtClean="0">
+                <a:latin typeface="+mn-ea"/>
+                <a:cs typeface="함초롬돋움" panose="020B0604000101010101" pitchFamily="50" charset="-127"/>
+              </a:rPr>
+              <a:t>실제 구현체를 관리하는 역할</a:t>
+            </a:r>
+            <a:endParaRPr lang="en-US" altLang="ko-KR" dirty="0" smtClean="0">
+              <a:latin typeface="+mn-ea"/>
+              <a:cs typeface="함초롬돋움" panose="020B0604000101010101" pitchFamily="50" charset="-127"/>
+            </a:endParaRPr>
+          </a:p>
+          <a:p>
+            <a:pPr marL="0" indent="0" eaLnBrk="0" fontAlgn="base" latinLnBrk="0" hangingPunct="0">
+              <a:lnSpc>
+                <a:spcPct val="100000"/>
+              </a:lnSpc>
+              <a:spcBef>
+                <a:spcPct val="0"/>
+              </a:spcBef>
+              <a:spcAft>
+                <a:spcPct val="0"/>
+              </a:spcAft>
+              <a:buNone/>
+            </a:pPr>
+            <a:endParaRPr lang="en-US" altLang="ko-KR" dirty="0" smtClean="0">
+              <a:latin typeface="+mn-ea"/>
+              <a:cs typeface="함초롬돋움" panose="020B0604000101010101" pitchFamily="50" charset="-127"/>
+            </a:endParaRPr>
+          </a:p>
+          <a:p>
+            <a:pPr eaLnBrk="0" fontAlgn="base" latinLnBrk="0" hangingPunct="0">
+              <a:lnSpc>
+                <a:spcPct val="100000"/>
+              </a:lnSpc>
+              <a:spcBef>
+                <a:spcPct val="0"/>
+              </a:spcBef>
+              <a:spcAft>
+                <a:spcPct val="0"/>
+              </a:spcAft>
+            </a:pPr>
+            <a:r>
+              <a:rPr lang="en-US" altLang="ko-KR" dirty="0" err="1" smtClean="0">
+                <a:latin typeface="+mn-ea"/>
+                <a:cs typeface="함초롬돋움" panose="020B0604000101010101" pitchFamily="50" charset="-127"/>
+              </a:rPr>
+              <a:t>IoC</a:t>
+            </a:r>
+            <a:r>
+              <a:rPr lang="en-US" altLang="ko-KR" dirty="0" smtClean="0">
+                <a:latin typeface="+mn-ea"/>
+                <a:cs typeface="함초롬돋움" panose="020B0604000101010101" pitchFamily="50" charset="-127"/>
+              </a:rPr>
+              <a:t> Container</a:t>
+            </a:r>
+            <a:r>
+              <a:rPr lang="ko-KR" altLang="en-US" dirty="0" smtClean="0">
+                <a:latin typeface="+mn-ea"/>
+                <a:cs typeface="함초롬돋움" panose="020B0604000101010101" pitchFamily="50" charset="-127"/>
+              </a:rPr>
+              <a:t>의 일종</a:t>
+            </a:r>
+            <a:endParaRPr lang="en-US" altLang="ko-KR" dirty="0" smtClean="0">
+              <a:latin typeface="+mn-ea"/>
+              <a:cs typeface="함초롬돋움" panose="020B0604000101010101" pitchFamily="50" charset="-127"/>
+            </a:endParaRPr>
+          </a:p>
+          <a:p>
+            <a:pPr lvl="1" eaLnBrk="0" fontAlgn="base" latinLnBrk="0" hangingPunct="0">
+              <a:lnSpc>
+                <a:spcPct val="100000"/>
+              </a:lnSpc>
+              <a:spcBef>
+                <a:spcPct val="0"/>
+              </a:spcBef>
+              <a:spcAft>
+                <a:spcPct val="0"/>
+              </a:spcAft>
+            </a:pPr>
+            <a:r>
+              <a:rPr lang="en-US" altLang="ko-KR" dirty="0"/>
+              <a:t>Dependency </a:t>
+            </a:r>
+            <a:r>
+              <a:rPr lang="en-US" altLang="ko-KR" dirty="0" smtClean="0"/>
+              <a:t>Injection : </a:t>
+            </a:r>
+          </a:p>
+          <a:p>
+            <a:pPr marL="457200" lvl="1" indent="0" eaLnBrk="0" fontAlgn="base" latinLnBrk="0" hangingPunct="0">
+              <a:lnSpc>
+                <a:spcPct val="100000"/>
+              </a:lnSpc>
+              <a:spcBef>
+                <a:spcPct val="0"/>
+              </a:spcBef>
+              <a:spcAft>
+                <a:spcPct val="0"/>
+              </a:spcAft>
+              <a:buNone/>
+            </a:pPr>
+            <a:r>
+              <a:rPr lang="en-US" altLang="ko-KR" dirty="0"/>
+              <a:t> </a:t>
+            </a:r>
+            <a:r>
+              <a:rPr lang="en-US" altLang="ko-KR" dirty="0" smtClean="0"/>
+              <a:t>  </a:t>
+            </a:r>
+            <a:r>
+              <a:rPr lang="ko-KR" altLang="en-US" dirty="0" smtClean="0"/>
+              <a:t>분리된 객체를 연결해주는 별도의 </a:t>
+            </a:r>
+            <a:r>
+              <a:rPr lang="ko-KR" altLang="en-US" dirty="0" err="1" smtClean="0"/>
+              <a:t>조립기</a:t>
+            </a:r>
+            <a:r>
+              <a:rPr lang="ko-KR" altLang="en-US" dirty="0" smtClean="0"/>
+              <a:t> 객체를 갖는 것</a:t>
+            </a:r>
+            <a:endParaRPr lang="en-US" altLang="ko-KR" dirty="0"/>
+          </a:p>
+          <a:p>
+            <a:pPr lvl="1" eaLnBrk="0" fontAlgn="base" latinLnBrk="0" hangingPunct="0">
+              <a:lnSpc>
+                <a:spcPct val="100000"/>
+              </a:lnSpc>
+              <a:spcBef>
+                <a:spcPct val="0"/>
+              </a:spcBef>
+              <a:spcAft>
+                <a:spcPct val="0"/>
+              </a:spcAft>
+            </a:pPr>
+            <a:r>
+              <a:rPr lang="en-US" altLang="ko-KR" dirty="0"/>
+              <a:t>Service </a:t>
+            </a:r>
+            <a:r>
+              <a:rPr lang="en-US" altLang="ko-KR" dirty="0" smtClean="0"/>
+              <a:t>Locator :</a:t>
+            </a:r>
+          </a:p>
+          <a:p>
+            <a:pPr marL="457200" lvl="1" indent="0" eaLnBrk="0" fontAlgn="base" latinLnBrk="0" hangingPunct="0">
+              <a:lnSpc>
+                <a:spcPct val="100000"/>
+              </a:lnSpc>
+              <a:spcBef>
+                <a:spcPct val="0"/>
+              </a:spcBef>
+              <a:spcAft>
+                <a:spcPct val="0"/>
+              </a:spcAft>
+              <a:buNone/>
+            </a:pPr>
+            <a:r>
+              <a:rPr lang="en-US" altLang="ko-KR" dirty="0"/>
+              <a:t> </a:t>
+            </a:r>
+            <a:r>
+              <a:rPr lang="en-US" altLang="ko-KR" dirty="0" smtClean="0"/>
+              <a:t>  </a:t>
+            </a:r>
+            <a:r>
+              <a:rPr lang="ko-KR" altLang="en-US" dirty="0" smtClean="0"/>
+              <a:t>필요한 서비스를 모두 포함하는 객체를 갖는 것</a:t>
+            </a:r>
+            <a:endParaRPr lang="en-US" altLang="ko-KR" dirty="0"/>
+          </a:p>
+          <a:p>
+            <a:pPr lvl="1" eaLnBrk="0" fontAlgn="base" latinLnBrk="0" hangingPunct="0">
+              <a:lnSpc>
+                <a:spcPct val="100000"/>
+              </a:lnSpc>
+              <a:spcBef>
+                <a:spcPct val="0"/>
+              </a:spcBef>
+              <a:spcAft>
+                <a:spcPct val="0"/>
+              </a:spcAft>
+            </a:pPr>
+            <a:endParaRPr lang="en-US" altLang="ko-KR" dirty="0">
+              <a:latin typeface="+mn-ea"/>
+              <a:cs typeface="함초롬돋움" panose="020B0604000101010101" pitchFamily="50" charset="-127"/>
+            </a:endParaRPr>
+          </a:p>
+          <a:p>
+            <a:pPr eaLnBrk="0" fontAlgn="base" latinLnBrk="0" hangingPunct="0">
+              <a:lnSpc>
+                <a:spcPct val="100000"/>
+              </a:lnSpc>
+              <a:spcBef>
+                <a:spcPct val="0"/>
+              </a:spcBef>
+              <a:spcAft>
+                <a:spcPct val="0"/>
+              </a:spcAft>
+            </a:pPr>
+            <a:endParaRPr lang="en-US" altLang="ko-KR" dirty="0" smtClean="0">
+              <a:latin typeface="+mn-ea"/>
+              <a:cs typeface="함초롬돋움" panose="020B0604000101010101" pitchFamily="50" charset="-127"/>
+            </a:endParaRPr>
+          </a:p>
+        </p:txBody>
+      </p:sp>
+      <p:sp>
+        <p:nvSpPr>
+          <p:cNvPr id="2" name="제목 1"/>
+          <p:cNvSpPr>
+            <a:spLocks noGrp="1"/>
+          </p:cNvSpPr>
+          <p:nvPr>
+            <p:ph type="title"/>
+          </p:nvPr>
+        </p:nvSpPr>
+        <p:spPr/>
+        <p:txBody>
+          <a:bodyPr/>
+          <a:lstStyle/>
+          <a:p>
+            <a:r>
+              <a:rPr lang="en-US" altLang="ko-KR" dirty="0" err="1" smtClean="0"/>
+              <a:t>IoC</a:t>
+            </a:r>
+            <a:r>
+              <a:rPr lang="ko-KR" altLang="en-US" dirty="0"/>
+              <a:t> </a:t>
+            </a:r>
+            <a:r>
+              <a:rPr lang="en-US" altLang="ko-KR" dirty="0" smtClean="0"/>
+              <a:t>Container</a:t>
+            </a:r>
+            <a:endParaRPr lang="ko-KR" altLang="en-US" dirty="0"/>
+          </a:p>
+        </p:txBody>
+      </p:sp>
+    </p:spTree>
+    <p:extLst>
+      <p:ext uri="{BB962C8B-B14F-4D97-AF65-F5344CB8AC3E}">
+        <p14:creationId xmlns:p14="http://schemas.microsoft.com/office/powerpoint/2010/main" val="1727170098"/>
+      </p:ext>
+    </p:extLst>
+  </p:cSld>
+  <p:clrMapOvr>
+    <a:masterClrMapping/>
+  </p:clrMapOvr>
+  <p:timing>
+    <p:tnLst>
+      <p:par>
+        <p:cTn id="1" dur="indefinite" restart="never" nodeType="tmRoot"/>
+      </p:par>
+    </p:tnLst>
+  </p:timing>
+</p:sld>
+</file>
+
+<file path=ppt/slides/slide6.xml><?xml version="1.0" encoding="utf-8"?>
+<p:sld xmlns:a="http://schemas.openxmlformats.org/drawingml/2006/main" xmlns:r="http://schemas.openxmlformats.org/officeDocument/2006/relationships" xmlns:p="http://schemas.openxmlformats.org/presentationml/2006/main">
+  <p:cSld>
+    <p:spTree>
+      <p:nvGrpSpPr>
+        <p:cNvPr id="1" name=""/>
+        <p:cNvGrpSpPr/>
+        <p:nvPr/>
+      </p:nvGrpSpPr>
+      <p:grpSpPr>
+        <a:xfrm>
+          <a:off x="0" y="0"/>
+          <a:ext cx="0" cy="0"/>
+          <a:chOff x="0" y="0"/>
+          <a:chExt cx="0" cy="0"/>
+        </a:xfrm>
+      </p:grpSpPr>
+      <p:sp>
+        <p:nvSpPr>
+          <p:cNvPr id="3" name="내용 개체 틀 2"/>
+          <p:cNvSpPr>
+            <a:spLocks noGrp="1"/>
+          </p:cNvSpPr>
+          <p:nvPr>
+            <p:ph idx="1"/>
+          </p:nvPr>
+        </p:nvSpPr>
+        <p:spPr/>
+        <p:txBody>
+          <a:bodyPr>
+            <a:normAutofit/>
+          </a:bodyPr>
+          <a:lstStyle/>
+          <a:p>
+            <a:pPr eaLnBrk="0" fontAlgn="base" latinLnBrk="0" hangingPunct="0">
+              <a:lnSpc>
+                <a:spcPct val="100000"/>
+              </a:lnSpc>
+              <a:spcBef>
+                <a:spcPct val="0"/>
+              </a:spcBef>
+              <a:spcAft>
+                <a:spcPct val="0"/>
+              </a:spcAft>
+            </a:pPr>
+            <a:r>
               <a:rPr lang="ko-KR" altLang="ko-KR" dirty="0" smtClean="0">
                 <a:latin typeface="+mn-ea"/>
                 <a:cs typeface="함초롬돋움" panose="020B0604000101010101" pitchFamily="50" charset="-127"/>
@@ -8251,572 +10496,6 @@
     <p:extLst>
       <p:ext uri="{BB962C8B-B14F-4D97-AF65-F5344CB8AC3E}">
         <p14:creationId xmlns:p14="http://schemas.microsoft.com/office/powerpoint/2010/main" val="3192756514"/>
-      </p:ext>
-    </p:extLst>
-  </p:cSld>
-  <p:clrMapOvr>
-    <a:masterClrMapping/>
-  </p:clrMapOvr>
-  <p:timing>
-    <p:tnLst>
-      <p:par>
-        <p:cTn id="1" dur="indefinite" restart="never" nodeType="tmRoot"/>
-      </p:par>
-    </p:tnLst>
-  </p:timing>
-</p:sld>
-</file>
-
-<file path=ppt/slides/slide5.xml><?xml version="1.0" encoding="utf-8"?>
-<p:sld xmlns:a="http://schemas.openxmlformats.org/drawingml/2006/main" xmlns:r="http://schemas.openxmlformats.org/officeDocument/2006/relationships" xmlns:p="http://schemas.openxmlformats.org/presentationml/2006/main">
-  <p:cSld>
-    <p:spTree>
-      <p:nvGrpSpPr>
-        <p:cNvPr id="1" name=""/>
-        <p:cNvGrpSpPr/>
-        <p:nvPr/>
-      </p:nvGrpSpPr>
-      <p:grpSpPr>
-        <a:xfrm>
-          <a:off x="0" y="0"/>
-          <a:ext cx="0" cy="0"/>
-          <a:chOff x="0" y="0"/>
-          <a:chExt cx="0" cy="0"/>
-        </a:xfrm>
-      </p:grpSpPr>
-      <p:sp>
-        <p:nvSpPr>
-          <p:cNvPr id="7" name="제목 1"/>
-          <p:cNvSpPr txBox="1">
-            <a:spLocks/>
-          </p:cNvSpPr>
-          <p:nvPr/>
-        </p:nvSpPr>
-        <p:spPr>
-          <a:xfrm>
-            <a:off x="838200" y="365125"/>
-            <a:ext cx="10515600" cy="1090189"/>
-          </a:xfrm>
-          <a:prstGeom prst="rect">
-            <a:avLst/>
-          </a:prstGeom>
-        </p:spPr>
-        <p:txBody>
-          <a:bodyPr vert="horz" lIns="91440" tIns="45720" rIns="91440" bIns="45720" rtlCol="0" anchor="ctr">
-            <a:normAutofit/>
-          </a:bodyPr>
-          <a:lstStyle>
-            <a:lvl1pPr algn="l" defTabSz="914400" rtl="0" eaLnBrk="1" latinLnBrk="1" hangingPunct="1">
-              <a:lnSpc>
-                <a:spcPct val="90000"/>
-              </a:lnSpc>
-              <a:spcBef>
-                <a:spcPct val="0"/>
-              </a:spcBef>
-              <a:buNone/>
-              <a:defRPr sz="4800" kern="1200">
-                <a:solidFill>
-                  <a:schemeClr val="accent4"/>
-                </a:solidFill>
-                <a:latin typeface="+mj-lt"/>
-                <a:ea typeface="+mj-ea"/>
-                <a:cs typeface="+mj-cs"/>
-              </a:defRPr>
-            </a:lvl1pPr>
-          </a:lstStyle>
-          <a:p>
-            <a:endParaRPr lang="ko-KR" altLang="en-US" dirty="0">
-              <a:latin typeface="함초롬돋움" panose="020B0604000101010101" pitchFamily="50" charset="-127"/>
-              <a:ea typeface="함초롬돋움" panose="020B0604000101010101" pitchFamily="50" charset="-127"/>
-              <a:cs typeface="함초롬돋움" panose="020B0604000101010101" pitchFamily="50" charset="-127"/>
-            </a:endParaRPr>
-          </a:p>
-        </p:txBody>
-      </p:sp>
-      <p:sp>
-        <p:nvSpPr>
-          <p:cNvPr id="4" name="내용 개체 틀 10"/>
-          <p:cNvSpPr>
-            <a:spLocks noGrp="1"/>
-          </p:cNvSpPr>
-          <p:nvPr>
-            <p:ph idx="1"/>
-          </p:nvPr>
-        </p:nvSpPr>
-        <p:spPr>
-          <a:xfrm>
-            <a:off x="838200" y="1983345"/>
-            <a:ext cx="10515600" cy="4193617"/>
-          </a:xfrm>
-        </p:spPr>
-        <p:txBody>
-          <a:bodyPr>
-            <a:normAutofit/>
-          </a:bodyPr>
-          <a:lstStyle/>
-          <a:p>
-            <a:r>
-              <a:rPr lang="en-US" altLang="ko-KR" dirty="0">
-                <a:latin typeface="함초롬돋움" panose="020B0604000101010101" pitchFamily="50" charset="-127"/>
-                <a:ea typeface="함초롬돋움" panose="020B0604000101010101" pitchFamily="50" charset="-127"/>
-                <a:cs typeface="함초롬돋움" panose="020B0604000101010101" pitchFamily="50" charset="-127"/>
-              </a:rPr>
-              <a:t>Region </a:t>
-            </a:r>
-            <a:r>
-              <a:rPr lang="en-US" altLang="ko-KR" dirty="0" smtClean="0">
-                <a:latin typeface="함초롬돋움" panose="020B0604000101010101" pitchFamily="50" charset="-127"/>
-                <a:ea typeface="함초롬돋움" panose="020B0604000101010101" pitchFamily="50" charset="-127"/>
-                <a:cs typeface="함초롬돋움" panose="020B0604000101010101" pitchFamily="50" charset="-127"/>
-              </a:rPr>
-              <a:t>Manager</a:t>
-            </a:r>
-            <a:endParaRPr lang="en-US" altLang="ko-KR" dirty="0"/>
-          </a:p>
-          <a:p>
-            <a:pPr lvl="1"/>
-            <a:r>
-              <a:rPr lang="ko-KR" altLang="en-US" dirty="0" smtClean="0"/>
-              <a:t>생성된 </a:t>
-            </a:r>
-            <a:r>
-              <a:rPr lang="en-US" altLang="ko-KR" dirty="0" smtClean="0"/>
-              <a:t>Region</a:t>
-            </a:r>
-            <a:r>
-              <a:rPr lang="ko-KR" altLang="en-US" dirty="0" smtClean="0"/>
-              <a:t>을 유지하다가 필요한 곳에 연결하는 일을 담당</a:t>
-            </a:r>
-            <a:endParaRPr lang="en-US" altLang="ko-KR" dirty="0" smtClean="0"/>
-          </a:p>
-        </p:txBody>
-      </p:sp>
-      <p:sp>
-        <p:nvSpPr>
-          <p:cNvPr id="6" name="제목 1"/>
-          <p:cNvSpPr txBox="1">
-            <a:spLocks/>
-          </p:cNvSpPr>
-          <p:nvPr/>
-        </p:nvSpPr>
-        <p:spPr>
-          <a:xfrm>
-            <a:off x="838200" y="365125"/>
-            <a:ext cx="10515600" cy="1090189"/>
-          </a:xfrm>
-          <a:prstGeom prst="rect">
-            <a:avLst/>
-          </a:prstGeom>
-        </p:spPr>
-        <p:txBody>
-          <a:bodyPr vert="horz" lIns="91440" tIns="45720" rIns="91440" bIns="45720" rtlCol="0" anchor="ctr">
-            <a:normAutofit/>
-          </a:bodyPr>
-          <a:lstStyle>
-            <a:lvl1pPr algn="l" defTabSz="914400" rtl="0" eaLnBrk="1" latinLnBrk="1" hangingPunct="1">
-              <a:lnSpc>
-                <a:spcPct val="90000"/>
-              </a:lnSpc>
-              <a:spcBef>
-                <a:spcPct val="0"/>
-              </a:spcBef>
-              <a:buNone/>
-              <a:defRPr sz="4800" kern="1200">
-                <a:solidFill>
-                  <a:schemeClr val="accent4"/>
-                </a:solidFill>
-                <a:latin typeface="+mj-lt"/>
-                <a:ea typeface="+mj-ea"/>
-                <a:cs typeface="+mj-cs"/>
-              </a:defRPr>
-            </a:lvl1pPr>
-          </a:lstStyle>
-          <a:p>
-            <a:r>
-              <a:rPr lang="en-US" altLang="ko-KR" dirty="0" smtClean="0">
-                <a:latin typeface="함초롬돋움" panose="020B0604000101010101" pitchFamily="50" charset="-127"/>
-                <a:ea typeface="함초롬돋움" panose="020B0604000101010101" pitchFamily="50" charset="-127"/>
-                <a:cs typeface="함초롬돋움" panose="020B0604000101010101" pitchFamily="50" charset="-127"/>
-              </a:rPr>
-              <a:t>View</a:t>
-            </a:r>
-            <a:r>
-              <a:rPr lang="ko-KR" altLang="en-US" dirty="0" smtClean="0">
-                <a:latin typeface="함초롬돋움" panose="020B0604000101010101" pitchFamily="50" charset="-127"/>
-                <a:ea typeface="함초롬돋움" panose="020B0604000101010101" pitchFamily="50" charset="-127"/>
-                <a:cs typeface="함초롬돋움" panose="020B0604000101010101" pitchFamily="50" charset="-127"/>
-              </a:rPr>
-              <a:t>를 </a:t>
-            </a:r>
-            <a:r>
-              <a:rPr lang="en-US" altLang="ko-KR" dirty="0" smtClean="0">
-                <a:latin typeface="함초롬돋움" panose="020B0604000101010101" pitchFamily="50" charset="-127"/>
-                <a:ea typeface="함초롬돋움" panose="020B0604000101010101" pitchFamily="50" charset="-127"/>
-                <a:cs typeface="함초롬돋움" panose="020B0604000101010101" pitchFamily="50" charset="-127"/>
-              </a:rPr>
-              <a:t>Region</a:t>
-            </a:r>
-            <a:r>
-              <a:rPr lang="ko-KR" altLang="en-US" dirty="0" smtClean="0">
-                <a:latin typeface="함초롬돋움" panose="020B0604000101010101" pitchFamily="50" charset="-127"/>
-                <a:ea typeface="함초롬돋움" panose="020B0604000101010101" pitchFamily="50" charset="-127"/>
-                <a:cs typeface="함초롬돋움" panose="020B0604000101010101" pitchFamily="50" charset="-127"/>
-              </a:rPr>
-              <a:t>에 주입하는 방법</a:t>
-            </a:r>
-            <a:endParaRPr lang="ko-KR" altLang="en-US" dirty="0">
-              <a:latin typeface="함초롬돋움" panose="020B0604000101010101" pitchFamily="50" charset="-127"/>
-              <a:ea typeface="함초롬돋움" panose="020B0604000101010101" pitchFamily="50" charset="-127"/>
-              <a:cs typeface="함초롬돋움" panose="020B0604000101010101" pitchFamily="50" charset="-127"/>
-            </a:endParaRPr>
-          </a:p>
-        </p:txBody>
-      </p:sp>
-    </p:spTree>
-    <p:extLst>
-      <p:ext uri="{BB962C8B-B14F-4D97-AF65-F5344CB8AC3E}">
-        <p14:creationId xmlns:p14="http://schemas.microsoft.com/office/powerpoint/2010/main" val="116146673"/>
-      </p:ext>
-    </p:extLst>
-  </p:cSld>
-  <p:clrMapOvr>
-    <a:masterClrMapping/>
-  </p:clrMapOvr>
-  <p:timing>
-    <p:tnLst>
-      <p:par>
-        <p:cTn id="1" dur="indefinite" restart="never" nodeType="tmRoot"/>
-      </p:par>
-    </p:tnLst>
-  </p:timing>
-</p:sld>
-</file>
-
-<file path=ppt/slides/slide6.xml><?xml version="1.0" encoding="utf-8"?>
-<p:sld xmlns:a="http://schemas.openxmlformats.org/drawingml/2006/main" xmlns:r="http://schemas.openxmlformats.org/officeDocument/2006/relationships" xmlns:p="http://schemas.openxmlformats.org/presentationml/2006/main">
-  <p:cSld>
-    <p:spTree>
-      <p:nvGrpSpPr>
-        <p:cNvPr id="1" name=""/>
-        <p:cNvGrpSpPr/>
-        <p:nvPr/>
-      </p:nvGrpSpPr>
-      <p:grpSpPr>
-        <a:xfrm>
-          <a:off x="0" y="0"/>
-          <a:ext cx="0" cy="0"/>
-          <a:chOff x="0" y="0"/>
-          <a:chExt cx="0" cy="0"/>
-        </a:xfrm>
-      </p:grpSpPr>
-      <p:sp>
-        <p:nvSpPr>
-          <p:cNvPr id="7" name="제목 1"/>
-          <p:cNvSpPr txBox="1">
-            <a:spLocks/>
-          </p:cNvSpPr>
-          <p:nvPr/>
-        </p:nvSpPr>
-        <p:spPr>
-          <a:xfrm>
-            <a:off x="838200" y="365125"/>
-            <a:ext cx="10515600" cy="1090189"/>
-          </a:xfrm>
-          <a:prstGeom prst="rect">
-            <a:avLst/>
-          </a:prstGeom>
-        </p:spPr>
-        <p:txBody>
-          <a:bodyPr vert="horz" lIns="91440" tIns="45720" rIns="91440" bIns="45720" rtlCol="0" anchor="ctr">
-            <a:normAutofit/>
-          </a:bodyPr>
-          <a:lstStyle>
-            <a:lvl1pPr algn="l" defTabSz="914400" rtl="0" eaLnBrk="1" latinLnBrk="1" hangingPunct="1">
-              <a:lnSpc>
-                <a:spcPct val="90000"/>
-              </a:lnSpc>
-              <a:spcBef>
-                <a:spcPct val="0"/>
-              </a:spcBef>
-              <a:buNone/>
-              <a:defRPr sz="4800" kern="1200">
-                <a:solidFill>
-                  <a:schemeClr val="accent4"/>
-                </a:solidFill>
-                <a:latin typeface="+mj-lt"/>
-                <a:ea typeface="+mj-ea"/>
-                <a:cs typeface="+mj-cs"/>
-              </a:defRPr>
-            </a:lvl1pPr>
-          </a:lstStyle>
-          <a:p>
-            <a:r>
-              <a:rPr lang="en-US" altLang="ko-KR" dirty="0" smtClean="0">
-                <a:latin typeface="함초롬돋움" panose="020B0604000101010101" pitchFamily="50" charset="-127"/>
-                <a:ea typeface="함초롬돋움" panose="020B0604000101010101" pitchFamily="50" charset="-127"/>
-                <a:cs typeface="함초롬돋움" panose="020B0604000101010101" pitchFamily="50" charset="-127"/>
-              </a:rPr>
-              <a:t>View</a:t>
-            </a:r>
-            <a:r>
-              <a:rPr lang="ko-KR" altLang="en-US" dirty="0" smtClean="0">
-                <a:latin typeface="함초롬돋움" panose="020B0604000101010101" pitchFamily="50" charset="-127"/>
-                <a:ea typeface="함초롬돋움" panose="020B0604000101010101" pitchFamily="50" charset="-127"/>
-                <a:cs typeface="함초롬돋움" panose="020B0604000101010101" pitchFamily="50" charset="-127"/>
-              </a:rPr>
-              <a:t>를 </a:t>
-            </a:r>
-            <a:r>
-              <a:rPr lang="en-US" altLang="ko-KR" dirty="0" smtClean="0">
-                <a:latin typeface="함초롬돋움" panose="020B0604000101010101" pitchFamily="50" charset="-127"/>
-                <a:ea typeface="함초롬돋움" panose="020B0604000101010101" pitchFamily="50" charset="-127"/>
-                <a:cs typeface="함초롬돋움" panose="020B0604000101010101" pitchFamily="50" charset="-127"/>
-              </a:rPr>
-              <a:t>Region</a:t>
-            </a:r>
-            <a:r>
-              <a:rPr lang="ko-KR" altLang="en-US" dirty="0" smtClean="0">
-                <a:latin typeface="함초롬돋움" panose="020B0604000101010101" pitchFamily="50" charset="-127"/>
-                <a:ea typeface="함초롬돋움" panose="020B0604000101010101" pitchFamily="50" charset="-127"/>
-                <a:cs typeface="함초롬돋움" panose="020B0604000101010101" pitchFamily="50" charset="-127"/>
-              </a:rPr>
-              <a:t>에 주입하는 방법</a:t>
-            </a:r>
-            <a:endParaRPr lang="ko-KR" altLang="en-US" dirty="0">
-              <a:latin typeface="함초롬돋움" panose="020B0604000101010101" pitchFamily="50" charset="-127"/>
-              <a:ea typeface="함초롬돋움" panose="020B0604000101010101" pitchFamily="50" charset="-127"/>
-              <a:cs typeface="함초롬돋움" panose="020B0604000101010101" pitchFamily="50" charset="-127"/>
-            </a:endParaRPr>
-          </a:p>
-        </p:txBody>
-      </p:sp>
-      <p:sp>
-        <p:nvSpPr>
-          <p:cNvPr id="8" name="Rectangle 1"/>
-          <p:cNvSpPr>
-            <a:spLocks noChangeArrowheads="1"/>
-          </p:cNvSpPr>
-          <p:nvPr/>
-        </p:nvSpPr>
-        <p:spPr bwMode="auto">
-          <a:xfrm>
-            <a:off x="0" y="-138499"/>
-            <a:ext cx="65" cy="276999"/>
-          </a:xfrm>
-          <a:prstGeom prst="rect">
-            <a:avLst/>
-          </a:prstGeom>
-          <a:solidFill>
-            <a:srgbClr val="FFFFFF"/>
-          </a:solidFill>
-          <a:ln>
-            <a:noFill/>
-          </a:ln>
-          <a:effectLst/>
-          <a:extLst>
-            <a:ext uri="{91240B29-F687-4F45-9708-019B960494DF}">
-              <a14:hiddenLine xmlns:a14="http://schemas.microsoft.com/office/drawing/2010/main" w="9525">
-                <a:solidFill>
-                  <a:schemeClr val="tx1"/>
-                </a:solidFill>
-                <a:miter lim="800000"/>
-                <a:headEnd/>
-                <a:tailEnd/>
-              </a14:hiddenLine>
-            </a:ext>
-            <a:ext uri="{AF507438-7753-43E0-B8FC-AC1667EBCBE1}">
-              <a14:hiddenEffects xmlns:a14="http://schemas.microsoft.com/office/drawing/2010/main">
-                <a:effectLst>
-                  <a:outerShdw dist="35921" dir="2700000" algn="ctr" rotWithShape="0">
-                    <a:schemeClr val="bg2"/>
-                  </a:outerShdw>
-                </a:effectLst>
-              </a14:hiddenEffects>
-            </a:ext>
-          </a:extLst>
-        </p:spPr>
-        <p:txBody>
-          <a:bodyPr vert="horz" wrap="none" lIns="0" tIns="0" rIns="0" bIns="0" numCol="1" anchor="ctr" anchorCtr="0" compatLnSpc="1">
-            <a:prstTxWarp prst="textNoShape">
-              <a:avLst/>
-            </a:prstTxWarp>
-            <a:spAutoFit/>
-          </a:bodyPr>
-          <a:lstStyle/>
-          <a:p>
-            <a:pPr marL="0" marR="0" lvl="0" indent="0" algn="l" defTabSz="914400" rtl="0" eaLnBrk="0" fontAlgn="base" latinLnBrk="0" hangingPunct="0">
-              <a:lnSpc>
-                <a:spcPct val="100000"/>
-              </a:lnSpc>
-              <a:spcBef>
-                <a:spcPct val="0"/>
-              </a:spcBef>
-              <a:spcAft>
-                <a:spcPct val="0"/>
-              </a:spcAft>
-              <a:buClrTx/>
-              <a:buSzTx/>
-              <a:buFontTx/>
-              <a:buNone/>
-              <a:tabLst/>
-            </a:pPr>
-            <a:endParaRPr kumimoji="0" lang="ko-KR" altLang="ko-KR" sz="1800" b="0" i="0" u="none" strike="noStrike" cap="none" normalizeH="0" baseline="0" dirty="0" smtClean="0">
-              <a:ln>
-                <a:noFill/>
-              </a:ln>
-              <a:solidFill>
-                <a:schemeClr val="tx1"/>
-              </a:solidFill>
-              <a:effectLst/>
-              <a:latin typeface="Arial" panose="020B0604020202020204" pitchFamily="34" charset="0"/>
-            </a:endParaRPr>
-          </a:p>
-        </p:txBody>
-      </p:sp>
-      <p:sp>
-        <p:nvSpPr>
-          <p:cNvPr id="11" name="내용 개체 틀 10"/>
-          <p:cNvSpPr>
-            <a:spLocks noGrp="1"/>
-          </p:cNvSpPr>
-          <p:nvPr>
-            <p:ph idx="1"/>
-          </p:nvPr>
-        </p:nvSpPr>
-        <p:spPr/>
-        <p:txBody>
-          <a:bodyPr>
-            <a:normAutofit/>
-          </a:bodyPr>
-          <a:lstStyle/>
-          <a:p>
-            <a:r>
-              <a:rPr lang="en-US" altLang="ko-KR" dirty="0" smtClean="0"/>
-              <a:t>View Discovery</a:t>
-            </a:r>
-          </a:p>
-          <a:p>
-            <a:pPr lvl="1"/>
-            <a:r>
-              <a:rPr lang="en-US" altLang="ko-KR" dirty="0"/>
-              <a:t>Region </a:t>
-            </a:r>
-            <a:r>
-              <a:rPr lang="en-US" altLang="ko-KR" dirty="0" smtClean="0"/>
-              <a:t>manager</a:t>
-            </a:r>
-            <a:r>
-              <a:rPr lang="ko-KR" altLang="en-US" dirty="0" smtClean="0"/>
-              <a:t>에서 </a:t>
-            </a:r>
-            <a:r>
-              <a:rPr lang="en-US" altLang="ko-KR" dirty="0" smtClean="0"/>
-              <a:t>Region</a:t>
-            </a:r>
-            <a:r>
-              <a:rPr lang="ko-KR" altLang="en-US" dirty="0"/>
-              <a:t>를</a:t>
-            </a:r>
-            <a:r>
-              <a:rPr lang="ko-KR" altLang="en-US" dirty="0" smtClean="0"/>
-              <a:t> </a:t>
-            </a:r>
-            <a:r>
-              <a:rPr lang="ko-KR" altLang="en-US" dirty="0"/>
-              <a:t>처음 </a:t>
-            </a:r>
-            <a:r>
-              <a:rPr lang="ko-KR" altLang="en-US" dirty="0" smtClean="0"/>
-              <a:t>생성할 때 </a:t>
-            </a:r>
-            <a:r>
-              <a:rPr lang="en-US" altLang="ko-KR" dirty="0"/>
-              <a:t>View</a:t>
-            </a:r>
-            <a:r>
-              <a:rPr lang="ko-KR" altLang="en-US" dirty="0"/>
-              <a:t>를 찾아 자동으로 </a:t>
-            </a:r>
-            <a:r>
-              <a:rPr lang="ko-KR" altLang="en-US" dirty="0" smtClean="0"/>
-              <a:t>등록하는 방법</a:t>
-            </a:r>
-            <a:endParaRPr lang="en-US" altLang="ko-KR" dirty="0" smtClean="0"/>
-          </a:p>
-          <a:p>
-            <a:r>
-              <a:rPr lang="en-US" altLang="ko-KR" dirty="0" smtClean="0"/>
-              <a:t>View Injection</a:t>
-            </a:r>
-          </a:p>
-          <a:p>
-            <a:pPr lvl="1"/>
-            <a:r>
-              <a:rPr lang="en-US" altLang="ko-KR" dirty="0" smtClean="0"/>
-              <a:t>Region manager</a:t>
-            </a:r>
-            <a:r>
-              <a:rPr lang="ko-KR" altLang="en-US" dirty="0" smtClean="0"/>
-              <a:t>에 </a:t>
-            </a:r>
-            <a:r>
-              <a:rPr lang="en-US" altLang="ko-KR" dirty="0" smtClean="0"/>
-              <a:t>Region</a:t>
-            </a:r>
-            <a:r>
-              <a:rPr lang="ko-KR" altLang="en-US" dirty="0" smtClean="0"/>
-              <a:t>만 등록 한 후에 수동으로 </a:t>
-            </a:r>
-            <a:r>
-              <a:rPr lang="en-US" altLang="ko-KR" dirty="0"/>
-              <a:t>View</a:t>
-            </a:r>
-            <a:r>
-              <a:rPr lang="ko-KR" altLang="en-US" dirty="0"/>
-              <a:t>를 </a:t>
-            </a:r>
-            <a:r>
-              <a:rPr lang="ko-KR" altLang="en-US" dirty="0" smtClean="0"/>
-              <a:t>추가하는 방법</a:t>
-            </a:r>
-            <a:endParaRPr lang="en-US" altLang="ko-KR" dirty="0" smtClean="0"/>
-          </a:p>
-          <a:p>
-            <a:r>
-              <a:rPr lang="en-US" altLang="ko-KR" dirty="0" smtClean="0"/>
-              <a:t>Navigation</a:t>
-            </a:r>
-          </a:p>
-          <a:p>
-            <a:pPr lvl="1"/>
-            <a:r>
-              <a:rPr lang="ko-KR" altLang="en-US" dirty="0" smtClean="0"/>
-              <a:t>컨테이너에 </a:t>
-            </a:r>
-            <a:r>
-              <a:rPr lang="en-US" altLang="ko-KR" dirty="0" smtClean="0"/>
-              <a:t>View</a:t>
-            </a:r>
-            <a:r>
-              <a:rPr lang="ko-KR" altLang="en-US" dirty="0" smtClean="0"/>
-              <a:t>를</a:t>
-            </a:r>
-            <a:r>
-              <a:rPr lang="en-US" altLang="ko-KR" dirty="0" smtClean="0"/>
-              <a:t> </a:t>
-            </a:r>
-            <a:r>
-              <a:rPr lang="ko-KR" altLang="en-US" dirty="0" smtClean="0"/>
-              <a:t>미리 만들어 둔 상태에서 찾아 쓰는 방법</a:t>
-            </a:r>
-            <a:endParaRPr lang="en-US" altLang="ko-KR" dirty="0" smtClean="0"/>
-          </a:p>
-        </p:txBody>
-      </p:sp>
-    </p:spTree>
-    <p:extLst>
-      <p:ext uri="{BB962C8B-B14F-4D97-AF65-F5344CB8AC3E}">
-        <p14:creationId xmlns:p14="http://schemas.microsoft.com/office/powerpoint/2010/main" val="633403019"/>
       </p:ext>
     </p:extLst>
   </p:cSld>
@@ -8891,14 +10570,6 @@
             </a:lvl1pPr>
           </a:lstStyle>
           <a:p>
-            <a:r>
-              <a:rPr lang="en-US" altLang="ko-KR" smtClean="0">
-                <a:latin typeface="함초롬돋움" panose="020B0604000101010101" pitchFamily="50" charset="-127"/>
-                <a:ea typeface="함초롬돋움" panose="020B0604000101010101" pitchFamily="50" charset="-127"/>
-                <a:cs typeface="함초롬돋움" panose="020B0604000101010101" pitchFamily="50" charset="-127"/>
-              </a:rPr>
-              <a:t>Navigation</a:t>
-            </a:r>
             <a:endParaRPr lang="ko-KR" altLang="en-US" dirty="0">
               <a:latin typeface="함초롬돋움" panose="020B0604000101010101" pitchFamily="50" charset="-127"/>
               <a:ea typeface="함초롬돋움" panose="020B0604000101010101" pitchFamily="50" charset="-127"/>
@@ -8909,7 +10580,7 @@
       </p:sp>
       <p:sp>
         <p:nvSpPr>
-          <p:cNvPr id="10" name="내용 개체 틀 2"/>
+          <p:cNvPr id="4" name="내용 개체 틀 10"/>
           <p:cNvSpPr>
             <a:spLocks noGrp="1"/>
           </p:cNvSpPr>
@@ -8917,47 +10588,110 @@
             <p:ph idx="1"/>
           </p:nvPr>
         </p:nvSpPr>
-        <p:spPr/>
+        <p:spPr>
+          <a:xfrm>
+            <a:off x="838200" y="1983345"/>
+            <a:ext cx="10515600" cy="4193617"/>
+          </a:xfrm>
+        </p:spPr>
         <p:txBody>
           <a:bodyPr>
-            <a:noAutofit/>
+            <a:normAutofit/>
           </a:bodyPr>
           <a:lstStyle/>
           <a:p>
-            <a:pPr eaLnBrk="0" fontAlgn="base" latinLnBrk="0" hangingPunct="0">
-              <a:lnSpc>
-                <a:spcPct val="100000"/>
-              </a:lnSpc>
-              <a:spcBef>
-                <a:spcPct val="0"/>
-              </a:spcBef>
-              <a:spcAft>
-                <a:spcPct val="0"/>
-              </a:spcAft>
-            </a:pPr>
+            <a:r>
+              <a:rPr lang="en-US" altLang="ko-KR" dirty="0">
+                <a:latin typeface="함초롬돋움" panose="020B0604000101010101" pitchFamily="50" charset="-127"/>
+                <a:ea typeface="함초롬돋움" panose="020B0604000101010101" pitchFamily="50" charset="-127"/>
+                <a:cs typeface="함초롬돋움" panose="020B0604000101010101" pitchFamily="50" charset="-127"/>
+              </a:rPr>
+              <a:t>Region </a:t>
+            </a:r>
             <a:r>
               <a:rPr lang="en-US" altLang="ko-KR" dirty="0" smtClean="0">
                 <a:latin typeface="함초롬돋움" panose="020B0604000101010101" pitchFamily="50" charset="-127"/>
                 <a:ea typeface="함초롬돋움" panose="020B0604000101010101" pitchFamily="50" charset="-127"/>
                 <a:cs typeface="함초롬돋움" panose="020B0604000101010101" pitchFamily="50" charset="-127"/>
               </a:rPr>
+              <a:t>Manager</a:t>
+            </a:r>
+            <a:endParaRPr lang="en-US" altLang="ko-KR" dirty="0"/>
+          </a:p>
+          <a:p>
+            <a:pPr lvl="1"/>
+            <a:r>
+              <a:rPr lang="ko-KR" altLang="en-US" dirty="0" smtClean="0"/>
+              <a:t>생성된 </a:t>
+            </a:r>
+            <a:r>
+              <a:rPr lang="en-US" altLang="ko-KR" dirty="0" smtClean="0"/>
+              <a:t>Region</a:t>
+            </a:r>
+            <a:r>
+              <a:rPr lang="ko-KR" altLang="en-US" dirty="0" smtClean="0"/>
+              <a:t>을 유지하다가 필요한 곳에 연결하는 일을 담당</a:t>
+            </a:r>
+            <a:endParaRPr lang="en-US" altLang="ko-KR" dirty="0" smtClean="0"/>
+          </a:p>
+        </p:txBody>
+      </p:sp>
+      <p:sp>
+        <p:nvSpPr>
+          <p:cNvPr id="6" name="제목 1"/>
+          <p:cNvSpPr txBox="1">
+            <a:spLocks/>
+          </p:cNvSpPr>
+          <p:nvPr/>
+        </p:nvSpPr>
+        <p:spPr>
+          <a:xfrm>
+            <a:off x="838200" y="365125"/>
+            <a:ext cx="10515600" cy="1090189"/>
+          </a:xfrm>
+          <a:prstGeom prst="rect">
+            <a:avLst/>
+          </a:prstGeom>
+        </p:spPr>
+        <p:txBody>
+          <a:bodyPr vert="horz" lIns="91440" tIns="45720" rIns="91440" bIns="45720" rtlCol="0" anchor="ctr">
+            <a:normAutofit/>
+          </a:bodyPr>
+          <a:lstStyle>
+            <a:lvl1pPr algn="l" defTabSz="914400" rtl="0" eaLnBrk="1" latinLnBrk="1" hangingPunct="1">
+              <a:lnSpc>
+                <a:spcPct val="90000"/>
+              </a:lnSpc>
+              <a:spcBef>
+                <a:spcPct val="0"/>
+              </a:spcBef>
+              <a:buNone/>
+              <a:defRPr sz="4800" kern="1200">
+                <a:solidFill>
+                  <a:schemeClr val="accent4"/>
+                </a:solidFill>
+                <a:latin typeface="+mj-lt"/>
+                <a:ea typeface="+mj-ea"/>
+                <a:cs typeface="+mj-cs"/>
+              </a:defRPr>
+            </a:lvl1pPr>
+          </a:lstStyle>
+          <a:p>
+            <a:r>
+              <a:rPr lang="en-US" altLang="ko-KR" dirty="0" smtClean="0">
+                <a:latin typeface="함초롬돋움" panose="020B0604000101010101" pitchFamily="50" charset="-127"/>
+                <a:ea typeface="함초롬돋움" panose="020B0604000101010101" pitchFamily="50" charset="-127"/>
+                <a:cs typeface="함초롬돋움" panose="020B0604000101010101" pitchFamily="50" charset="-127"/>
+              </a:rPr>
               <a:t>View</a:t>
             </a:r>
             <a:r>
-              <a:rPr lang="ko-KR" altLang="en-US" dirty="0">
-                <a:latin typeface="함초롬돋움" panose="020B0604000101010101" pitchFamily="50" charset="-127"/>
-                <a:ea typeface="함초롬돋움" panose="020B0604000101010101" pitchFamily="50" charset="-127"/>
-                <a:cs typeface="함초롬돋움" panose="020B0604000101010101" pitchFamily="50" charset="-127"/>
-              </a:rPr>
-              <a:t>를</a:t>
-            </a:r>
-            <a:r>
               <a:rPr lang="ko-KR" altLang="en-US" dirty="0" smtClean="0">
                 <a:latin typeface="함초롬돋움" panose="020B0604000101010101" pitchFamily="50" charset="-127"/>
                 <a:ea typeface="함초롬돋움" panose="020B0604000101010101" pitchFamily="50" charset="-127"/>
                 <a:cs typeface="함초롬돋움" panose="020B0604000101010101" pitchFamily="50" charset="-127"/>
               </a:rPr>
-              <a:t> </a:t>
+              <a:t>를 </a:t>
             </a:r>
             <a:r>
               <a:rPr lang="en-US" altLang="ko-KR" dirty="0" smtClean="0">
@@ -8973,251 +10707,9 @@
                 <a:ea typeface="함초롬돋움" panose="020B0604000101010101" pitchFamily="50" charset="-127"/>
                 <a:cs typeface="함초롬돋움" panose="020B0604000101010101" pitchFamily="50" charset="-127"/>
               </a:rPr>
-              <a:t>에 주입하는 방법 중 한 가지</a:t>
-            </a:r>
-            <a:endParaRPr lang="en-US" altLang="ko-KR" dirty="0" smtClean="0">
-              <a:latin typeface="함초롬돋움" panose="020B0604000101010101" pitchFamily="50" charset="-127"/>
-              <a:ea typeface="함초롬돋움" panose="020B0604000101010101" pitchFamily="50" charset="-127"/>
-              <a:cs typeface="함초롬돋움" panose="020B0604000101010101" pitchFamily="50" charset="-127"/>
-            </a:endParaRPr>
-          </a:p>
-          <a:p>
-            <a:pPr eaLnBrk="0" fontAlgn="base" latinLnBrk="0" hangingPunct="0">
-              <a:lnSpc>
-                <a:spcPct val="100000"/>
-              </a:lnSpc>
-              <a:spcBef>
-                <a:spcPct val="0"/>
-              </a:spcBef>
-              <a:spcAft>
-                <a:spcPct val="0"/>
-              </a:spcAft>
-            </a:pPr>
-            <a:endParaRPr lang="en-US" altLang="ko-KR" dirty="0">
-              <a:latin typeface="함초롬돋움" panose="020B0604000101010101" pitchFamily="50" charset="-127"/>
-              <a:ea typeface="함초롬돋움" panose="020B0604000101010101" pitchFamily="50" charset="-127"/>
-              <a:cs typeface="함초롬돋움" panose="020B0604000101010101" pitchFamily="50" charset="-127"/>
-            </a:endParaRPr>
-          </a:p>
-          <a:p>
-            <a:pPr eaLnBrk="0" fontAlgn="base" latinLnBrk="0" hangingPunct="0">
-              <a:lnSpc>
-                <a:spcPct val="100000"/>
-              </a:lnSpc>
-              <a:spcBef>
-                <a:spcPct val="0"/>
-              </a:spcBef>
-              <a:spcAft>
-                <a:spcPct val="0"/>
-              </a:spcAft>
-            </a:pPr>
-            <a:r>
-              <a:rPr lang="en-US" altLang="ko-KR" dirty="0" smtClean="0">
-                <a:latin typeface="함초롬돋움" panose="020B0604000101010101" pitchFamily="50" charset="-127"/>
-                <a:ea typeface="함초롬돋움" panose="020B0604000101010101" pitchFamily="50" charset="-127"/>
-                <a:cs typeface="함초롬돋움" panose="020B0604000101010101" pitchFamily="50" charset="-127"/>
-              </a:rPr>
-              <a:t>Navigation</a:t>
-            </a:r>
-            <a:r>
-              <a:rPr lang="ko-KR" altLang="en-US" dirty="0" smtClean="0">
-                <a:latin typeface="함초롬돋움" panose="020B0604000101010101" pitchFamily="50" charset="-127"/>
-                <a:ea typeface="함초롬돋움" panose="020B0604000101010101" pitchFamily="50" charset="-127"/>
-                <a:cs typeface="함초롬돋움" panose="020B0604000101010101" pitchFamily="50" charset="-127"/>
-              </a:rPr>
-              <a:t>의 </a:t>
-            </a:r>
-            <a:r>
-              <a:rPr lang="en-US" altLang="ko-KR" dirty="0" smtClean="0">
-                <a:latin typeface="함초롬돋움" panose="020B0604000101010101" pitchFamily="50" charset="-127"/>
-                <a:ea typeface="함초롬돋움" panose="020B0604000101010101" pitchFamily="50" charset="-127"/>
-                <a:cs typeface="함초롬돋움" panose="020B0604000101010101" pitchFamily="50" charset="-127"/>
-              </a:rPr>
-              <a:t>2</a:t>
-            </a:r>
-            <a:r>
-              <a:rPr lang="ko-KR" altLang="en-US" dirty="0" smtClean="0">
-                <a:latin typeface="함초롬돋움" panose="020B0604000101010101" pitchFamily="50" charset="-127"/>
-                <a:ea typeface="함초롬돋움" panose="020B0604000101010101" pitchFamily="50" charset="-127"/>
-                <a:cs typeface="함초롬돋움" panose="020B0604000101010101" pitchFamily="50" charset="-127"/>
-              </a:rPr>
-              <a:t>가지 방식</a:t>
-            </a:r>
-            <a:endParaRPr lang="en-US" altLang="ko-KR" dirty="0" smtClean="0">
-              <a:latin typeface="함초롬돋움" panose="020B0604000101010101" pitchFamily="50" charset="-127"/>
-              <a:ea typeface="함초롬돋움" panose="020B0604000101010101" pitchFamily="50" charset="-127"/>
-              <a:cs typeface="함초롬돋움" panose="020B0604000101010101" pitchFamily="50" charset="-127"/>
-            </a:endParaRPr>
-          </a:p>
-          <a:p>
-            <a:pPr lvl="1" eaLnBrk="0" fontAlgn="base" latinLnBrk="0" hangingPunct="0">
-              <a:lnSpc>
-                <a:spcPct val="100000"/>
-              </a:lnSpc>
-              <a:spcBef>
-                <a:spcPct val="0"/>
-              </a:spcBef>
-              <a:spcAft>
-                <a:spcPct val="0"/>
-              </a:spcAft>
-            </a:pPr>
-            <a:r>
-              <a:rPr lang="en-US" altLang="ko-KR" dirty="0" smtClean="0">
-                <a:latin typeface="함초롬돋움" panose="020B0604000101010101" pitchFamily="50" charset="-127"/>
-                <a:ea typeface="함초롬돋움" panose="020B0604000101010101" pitchFamily="50" charset="-127"/>
-                <a:cs typeface="함초롬돋움" panose="020B0604000101010101" pitchFamily="50" charset="-127"/>
-              </a:rPr>
-              <a:t>State-Based </a:t>
-            </a:r>
-            <a:r>
-              <a:rPr lang="en-US" altLang="ko-KR" dirty="0">
-                <a:latin typeface="함초롬돋움" panose="020B0604000101010101" pitchFamily="50" charset="-127"/>
-                <a:ea typeface="함초롬돋움" panose="020B0604000101010101" pitchFamily="50" charset="-127"/>
-                <a:cs typeface="함초롬돋움" panose="020B0604000101010101" pitchFamily="50" charset="-127"/>
-              </a:rPr>
-              <a:t>Navigation : </a:t>
-            </a:r>
-            <a:r>
-              <a:rPr lang="en-US" altLang="ko-KR" dirty="0" err="1" smtClean="0">
-                <a:latin typeface="함초롬돋움" panose="020B0604000101010101" pitchFamily="50" charset="-127"/>
-                <a:ea typeface="함초롬돋움" panose="020B0604000101010101" pitchFamily="50" charset="-127"/>
-                <a:cs typeface="함초롬돋움" panose="020B0604000101010101" pitchFamily="50" charset="-127"/>
-              </a:rPr>
-              <a:t>Viwe</a:t>
-            </a:r>
-            <a:r>
-              <a:rPr lang="ko-KR" altLang="en-US" dirty="0">
-                <a:latin typeface="함초롬돋움" panose="020B0604000101010101" pitchFamily="50" charset="-127"/>
-                <a:ea typeface="함초롬돋움" panose="020B0604000101010101" pitchFamily="50" charset="-127"/>
-                <a:cs typeface="함초롬돋움" panose="020B0604000101010101" pitchFamily="50" charset="-127"/>
-              </a:rPr>
-              <a:t>가 업데이트 되는 </a:t>
-            </a:r>
-            <a:r>
-              <a:rPr lang="ko-KR" altLang="en-US" dirty="0" smtClean="0">
-                <a:latin typeface="함초롬돋움" panose="020B0604000101010101" pitchFamily="50" charset="-127"/>
-                <a:ea typeface="함초롬돋움" panose="020B0604000101010101" pitchFamily="50" charset="-127"/>
-                <a:cs typeface="함초롬돋움" panose="020B0604000101010101" pitchFamily="50" charset="-127"/>
-              </a:rPr>
-              <a:t>방식</a:t>
-            </a:r>
-            <a:endParaRPr lang="en-US" altLang="ko-KR" dirty="0" smtClean="0">
-              <a:latin typeface="함초롬돋움" panose="020B0604000101010101" pitchFamily="50" charset="-127"/>
-              <a:ea typeface="함초롬돋움" panose="020B0604000101010101" pitchFamily="50" charset="-127"/>
-              <a:cs typeface="함초롬돋움" panose="020B0604000101010101" pitchFamily="50" charset="-127"/>
-            </a:endParaRPr>
-          </a:p>
-          <a:p>
-            <a:pPr lvl="1" eaLnBrk="0" fontAlgn="base" latinLnBrk="0" hangingPunct="0">
-              <a:lnSpc>
-                <a:spcPct val="100000"/>
-              </a:lnSpc>
-              <a:spcBef>
-                <a:spcPct val="0"/>
-              </a:spcBef>
-              <a:spcAft>
-                <a:spcPct val="0"/>
-              </a:spcAft>
-            </a:pPr>
-            <a:r>
-              <a:rPr lang="en-US" altLang="ko-KR" dirty="0" smtClean="0">
-                <a:latin typeface="함초롬돋움" panose="020B0604000101010101" pitchFamily="50" charset="-127"/>
-                <a:ea typeface="함초롬돋움" panose="020B0604000101010101" pitchFamily="50" charset="-127"/>
-                <a:cs typeface="함초롬돋움" panose="020B0604000101010101" pitchFamily="50" charset="-127"/>
-              </a:rPr>
-              <a:t>View-Based </a:t>
-            </a:r>
-            <a:r>
-              <a:rPr lang="en-US" altLang="ko-KR" dirty="0">
-                <a:latin typeface="함초롬돋움" panose="020B0604000101010101" pitchFamily="50" charset="-127"/>
-                <a:ea typeface="함초롬돋움" panose="020B0604000101010101" pitchFamily="50" charset="-127"/>
-                <a:cs typeface="함초롬돋움" panose="020B0604000101010101" pitchFamily="50" charset="-127"/>
-              </a:rPr>
-              <a:t>Navigation : </a:t>
-            </a:r>
-            <a:r>
-              <a:rPr lang="ko-KR" altLang="en-US" dirty="0">
-                <a:latin typeface="함초롬돋움" panose="020B0604000101010101" pitchFamily="50" charset="-127"/>
-                <a:ea typeface="함초롬돋움" panose="020B0604000101010101" pitchFamily="50" charset="-127"/>
-                <a:cs typeface="함초롬돋움" panose="020B0604000101010101" pitchFamily="50" charset="-127"/>
-              </a:rPr>
-              <a:t>새로운 </a:t>
-            </a:r>
-            <a:r>
-              <a:rPr lang="en-US" altLang="ko-KR" dirty="0" smtClean="0">
-                <a:latin typeface="함초롬돋움" panose="020B0604000101010101" pitchFamily="50" charset="-127"/>
-                <a:ea typeface="함초롬돋움" panose="020B0604000101010101" pitchFamily="50" charset="-127"/>
-                <a:cs typeface="함초롬돋움" panose="020B0604000101010101" pitchFamily="50" charset="-127"/>
-              </a:rPr>
-              <a:t>View</a:t>
-            </a:r>
-            <a:r>
-              <a:rPr lang="ko-KR" altLang="en-US" dirty="0" smtClean="0">
-                <a:latin typeface="함초롬돋움" panose="020B0604000101010101" pitchFamily="50" charset="-127"/>
-                <a:ea typeface="함초롬돋움" panose="020B0604000101010101" pitchFamily="50" charset="-127"/>
-                <a:cs typeface="함초롬돋움" panose="020B0604000101010101" pitchFamily="50" charset="-127"/>
-              </a:rPr>
-              <a:t>가</a:t>
-            </a:r>
-            <a:r>
-              <a:rPr lang="en-US" altLang="ko-KR" dirty="0" smtClean="0">
-                <a:latin typeface="함초롬돋움" panose="020B0604000101010101" pitchFamily="50" charset="-127"/>
-                <a:ea typeface="함초롬돋움" panose="020B0604000101010101" pitchFamily="50" charset="-127"/>
-                <a:cs typeface="함초롬돋움" panose="020B0604000101010101" pitchFamily="50" charset="-127"/>
-              </a:rPr>
-              <a:t> </a:t>
-            </a:r>
-            <a:r>
-              <a:rPr lang="ko-KR" altLang="en-US" dirty="0" smtClean="0">
-                <a:latin typeface="함초롬돋움" panose="020B0604000101010101" pitchFamily="50" charset="-127"/>
-                <a:ea typeface="함초롬돋움" panose="020B0604000101010101" pitchFamily="50" charset="-127"/>
-                <a:cs typeface="함초롬돋움" panose="020B0604000101010101" pitchFamily="50" charset="-127"/>
-              </a:rPr>
-              <a:t>이전의 </a:t>
-            </a:r>
-            <a:r>
-              <a:rPr lang="en-US" altLang="ko-KR" dirty="0">
-                <a:latin typeface="함초롬돋움" panose="020B0604000101010101" pitchFamily="50" charset="-127"/>
-                <a:ea typeface="함초롬돋움" panose="020B0604000101010101" pitchFamily="50" charset="-127"/>
-                <a:cs typeface="함초롬돋움" panose="020B0604000101010101" pitchFamily="50" charset="-127"/>
-              </a:rPr>
-              <a:t>View</a:t>
-            </a:r>
-            <a:r>
-              <a:rPr lang="ko-KR" altLang="en-US" dirty="0">
-                <a:latin typeface="함초롬돋움" panose="020B0604000101010101" pitchFamily="50" charset="-127"/>
-                <a:ea typeface="함초롬돋움" panose="020B0604000101010101" pitchFamily="50" charset="-127"/>
-                <a:cs typeface="함초롬돋움" panose="020B0604000101010101" pitchFamily="50" charset="-127"/>
-              </a:rPr>
-              <a:t>를 대체하는 </a:t>
-            </a:r>
-            <a:r>
-              <a:rPr lang="ko-KR" altLang="en-US" dirty="0" smtClean="0">
-                <a:latin typeface="함초롬돋움" panose="020B0604000101010101" pitchFamily="50" charset="-127"/>
-                <a:ea typeface="함초롬돋움" panose="020B0604000101010101" pitchFamily="50" charset="-127"/>
-                <a:cs typeface="함초롬돋움" panose="020B0604000101010101" pitchFamily="50" charset="-127"/>
-              </a:rPr>
-              <a:t>방식</a:t>
-            </a:r>
-            <a:endParaRPr lang="en-US" altLang="ko-KR" dirty="0" smtClean="0">
-              <a:latin typeface="함초롬돋움" panose="020B0604000101010101" pitchFamily="50" charset="-127"/>
-              <a:ea typeface="함초롬돋움" panose="020B0604000101010101" pitchFamily="50" charset="-127"/>
-              <a:cs typeface="함초롬돋움" panose="020B0604000101010101" pitchFamily="50" charset="-127"/>
-            </a:endParaRPr>
-          </a:p>
-          <a:p>
-            <a:pPr lvl="1" eaLnBrk="0" fontAlgn="base" latinLnBrk="0" hangingPunct="0">
-              <a:lnSpc>
-                <a:spcPct val="100000"/>
-              </a:lnSpc>
-              <a:spcBef>
-                <a:spcPct val="0"/>
-              </a:spcBef>
-              <a:spcAft>
-                <a:spcPct val="0"/>
-              </a:spcAft>
-            </a:pPr>
-            <a:endParaRPr lang="en-US" altLang="ko-KR" dirty="0" smtClean="0">
+              <a:t>에 주입하는 방법</a:t>
+            </a:r>
+            <a:endParaRPr lang="ko-KR" altLang="en-US" dirty="0">
               <a:latin typeface="함초롬돋움" panose="020B0604000101010101" pitchFamily="50" charset="-127"/>
               <a:ea typeface="함초롬돋움" panose="020B0604000101010101" pitchFamily="50" charset="-127"/>
               <a:cs typeface="함초롬돋움" panose="020B0604000101010101" pitchFamily="50" charset="-127"/>
@@ -9228,7 +10720,7 @@
     </p:spTree>
     <p:extLst>
       <p:ext uri="{BB962C8B-B14F-4D97-AF65-F5344CB8AC3E}">
-        <p14:creationId xmlns:p14="http://schemas.microsoft.com/office/powerpoint/2010/main" val="1363356475"/>
+        <p14:creationId xmlns:p14="http://schemas.microsoft.com/office/powerpoint/2010/main" val="116146673"/>
       </p:ext>
     </p:extLst>
   </p:cSld>
@@ -9304,12 +10796,36 @@
           </a:lstStyle>
           <a:p>
             <a:r>
-              <a:rPr lang="en-US" altLang="ko-KR" dirty="0" err="1" smtClean="0">
-                <a:latin typeface="함초롬돋움" panose="020B0604000101010101" pitchFamily="50" charset="-127"/>
-                <a:ea typeface="함초롬돋움" panose="020B0604000101010101" pitchFamily="50" charset="-127"/>
-                <a:cs typeface="함초롬돋움" panose="020B0604000101010101" pitchFamily="50" charset="-127"/>
-              </a:rPr>
-              <a:t>RegionManager</a:t>
+              <a:rPr lang="en-US" altLang="ko-KR" dirty="0" smtClean="0">
+                <a:latin typeface="함초롬돋움" panose="020B0604000101010101" pitchFamily="50" charset="-127"/>
+                <a:ea typeface="함초롬돋움" panose="020B0604000101010101" pitchFamily="50" charset="-127"/>
+                <a:cs typeface="함초롬돋움" panose="020B0604000101010101" pitchFamily="50" charset="-127"/>
+              </a:rPr>
+              <a:t>View</a:t>
+            </a:r>
+            <a:r>
+              <a:rPr lang="ko-KR" altLang="en-US" dirty="0" smtClean="0">
+                <a:latin typeface="함초롬돋움" panose="020B0604000101010101" pitchFamily="50" charset="-127"/>
+                <a:ea typeface="함초롬돋움" panose="020B0604000101010101" pitchFamily="50" charset="-127"/>
+                <a:cs typeface="함초롬돋움" panose="020B0604000101010101" pitchFamily="50" charset="-127"/>
+              </a:rPr>
+              <a:t>를 </a:t>
+            </a:r>
+            <a:r>
+              <a:rPr lang="en-US" altLang="ko-KR" dirty="0" smtClean="0">
+                <a:latin typeface="함초롬돋움" panose="020B0604000101010101" pitchFamily="50" charset="-127"/>
+                <a:ea typeface="함초롬돋움" panose="020B0604000101010101" pitchFamily="50" charset="-127"/>
+                <a:cs typeface="함초롬돋움" panose="020B0604000101010101" pitchFamily="50" charset="-127"/>
+              </a:rPr>
+              <a:t>Region</a:t>
+            </a:r>
+            <a:r>
+              <a:rPr lang="ko-KR" altLang="en-US" dirty="0" smtClean="0">
+                <a:latin typeface="함초롬돋움" panose="020B0604000101010101" pitchFamily="50" charset="-127"/>
+                <a:ea typeface="함초롬돋움" panose="020B0604000101010101" pitchFamily="50" charset="-127"/>
+                <a:cs typeface="함초롬돋움" panose="020B0604000101010101" pitchFamily="50" charset="-127"/>
+              </a:rPr>
+              <a:t>에 주입하는 방법</a:t>
             </a:r>
             <a:endParaRPr lang="ko-KR" altLang="en-US" dirty="0">
               <a:latin typeface="함초롬돋움" panose="020B0604000101010101" pitchFamily="50" charset="-127"/>
@@ -9321,7 +10837,90 @@
       </p:sp>
       <p:sp>
         <p:nvSpPr>
-          <p:cNvPr id="10" name="내용 개체 틀 2"/>
+          <p:cNvPr id="8" name="Rectangle 1"/>
+          <p:cNvSpPr>
+            <a:spLocks noChangeArrowheads="1"/>
+          </p:cNvSpPr>
+          <p:nvPr/>
+        </p:nvSpPr>
+        <p:spPr bwMode="auto">
+          <a:xfrm>
+            <a:off x="0" y="-138499"/>
+            <a:ext cx="65" cy="276999"/>
+          </a:xfrm>
+          <a:prstGeom prst="rect">
+            <a:avLst/>
+          </a:prstGeom>
+          <a:solidFill>
+            <a:srgbClr val="FFFFFF"/>
+          </a:solidFill>
+          <a:ln>
+            <a:noFill/>
+          </a:ln>
+          <a:effectLst/>
+          <a:extLst>
+            <a:ext uri="{91240B29-F687-4F45-9708-019B960494DF}">
+              <a14:hiddenLine xmlns:a14="http://schemas.microsoft.com/office/drawing/2010/main" w="9525">
+                <a:solidFill>
+                  <a:schemeClr val="tx1"/>
+                </a:solidFill>
+                <a:miter lim="800000"/>
+                <a:headEnd/>
+                <a:tailEnd/>
+              </a14:hiddenLine>
+            </a:ext>
+            <a:ext uri="{AF507438-7753-43E0-B8FC-AC1667EBCBE1}">
+              <a14:hiddenEffects xmlns:a14="http://schemas.microsoft.com/office/drawing/2010/main">
+                <a:effectLst>
+                  <a:outerShdw dist="35921" dir="2700000" algn="ctr" rotWithShape="0">
+                    <a:schemeClr val="bg2"/>
+                  </a:outerShdw>
+                </a:effectLst>
+              </a14:hiddenEffects>
+            </a:ext>
+          </a:extLst>
+        </p:spPr>
+        <p:txBody>
+          <a:bodyPr vert="horz" wrap="none" lIns="0" tIns="0" rIns="0" bIns="0" numCol="1" anchor="ctr" anchorCtr="0" compatLnSpc="1">
+            <a:prstTxWarp prst="textNoShape">
+              <a:avLst/>
+            </a:prstTxWarp>
+            <a:spAutoFit/>
+          </a:bodyPr>
+          <a:lstStyle/>
+          <a:p>
+            <a:pPr marL="0" marR="0" lvl="0" indent="0" algn="l" defTabSz="914400" rtl="0" eaLnBrk="0" fontAlgn="base" latinLnBrk="0" hangingPunct="0">
+              <a:lnSpc>
+                <a:spcPct val="100000"/>
+              </a:lnSpc>
+              <a:spcBef>
+                <a:spcPct val="0"/>
+              </a:spcBef>
+              <a:spcAft>
+                <a:spcPct val="0"/>
+              </a:spcAft>
+              <a:buClrTx/>
+              <a:buSzTx/>
+              <a:buFontTx/>
+              <a:buNone/>
+              <a:tabLst/>
+            </a:pPr>
+            <a:endParaRPr kumimoji="0" lang="ko-KR" altLang="ko-KR" sz="1800" b="0" i="0" u="none" strike="noStrike" cap="none" normalizeH="0" baseline="0" dirty="0" smtClean="0">
+              <a:ln>
+                <a:noFill/>
+              </a:ln>
+              <a:solidFill>
+                <a:schemeClr val="tx1"/>
+              </a:solidFill>
+              <a:effectLst/>
+              <a:latin typeface="Arial" panose="020B0604020202020204" pitchFamily="34" charset="0"/>
+            </a:endParaRPr>
+          </a:p>
+        </p:txBody>
+      </p:sp>
+      <p:sp>
+        <p:nvSpPr>
+          <p:cNvPr id="11" name="내용 개체 틀 10"/>
           <p:cNvSpPr>
             <a:spLocks noGrp="1"/>
           </p:cNvSpPr>
@@ -9332,353 +10931,137 @@
         <p:spPr/>
         <p:txBody>
           <a:bodyPr>
-            <a:noAutofit/>
+            <a:normAutofit/>
           </a:bodyPr>
           <a:lstStyle/>
           <a:p>
-            <a:pPr eaLnBrk="0" fontAlgn="base" latinLnBrk="0" hangingPunct="0">
-              <a:lnSpc>
-                <a:spcPct val="100000"/>
-              </a:lnSpc>
-              <a:spcBef>
-                <a:spcPct val="0"/>
-              </a:spcBef>
-              <a:spcAft>
-                <a:spcPct val="0"/>
-              </a:spcAft>
-            </a:pPr>
-            <a:r>
-              <a:rPr lang="en-US" altLang="ko-KR" dirty="0" smtClean="0">
-                <a:latin typeface="함초롬돋움" panose="020B0604000101010101" pitchFamily="50" charset="-127"/>
-                <a:ea typeface="함초롬돋움" panose="020B0604000101010101" pitchFamily="50" charset="-127"/>
-                <a:cs typeface="함초롬돋움" panose="020B0604000101010101" pitchFamily="50" charset="-127"/>
-              </a:rPr>
+            <a:r>
+              <a:rPr lang="en-US" altLang="ko-KR" dirty="0" smtClean="0"/>
+              <a:t>View Discovery</a:t>
+            </a:r>
+          </a:p>
+          <a:p>
+            <a:pPr lvl="1"/>
+            <a:r>
+              <a:rPr lang="en-US" altLang="ko-KR" dirty="0"/>
               <a:t>Region </a:t>
             </a:r>
             <a:r>
-              <a:rPr lang="ko-KR" altLang="en-US" dirty="0" smtClean="0">
-                <a:latin typeface="함초롬돋움" panose="020B0604000101010101" pitchFamily="50" charset="-127"/>
-                <a:ea typeface="함초롬돋움" panose="020B0604000101010101" pitchFamily="50" charset="-127"/>
-                <a:cs typeface="함초롬돋움" panose="020B0604000101010101" pitchFamily="50" charset="-127"/>
-              </a:rPr>
-              <a:t>컬렉션을 유지</a:t>
-            </a:r>
-            <a:endParaRPr lang="en-US" altLang="ko-KR" dirty="0" smtClean="0">
-              <a:latin typeface="함초롬돋움" panose="020B0604000101010101" pitchFamily="50" charset="-127"/>
-              <a:ea typeface="함초롬돋움" panose="020B0604000101010101" pitchFamily="50" charset="-127"/>
-              <a:cs typeface="함초롬돋움" panose="020B0604000101010101" pitchFamily="50" charset="-127"/>
-            </a:endParaRPr>
-          </a:p>
-          <a:p>
-            <a:pPr eaLnBrk="0" fontAlgn="base" latinLnBrk="0" hangingPunct="0">
-              <a:lnSpc>
-                <a:spcPct val="100000"/>
-              </a:lnSpc>
-              <a:spcBef>
-                <a:spcPct val="0"/>
-              </a:spcBef>
-              <a:spcAft>
-                <a:spcPct val="0"/>
-              </a:spcAft>
-            </a:pPr>
-            <a:endParaRPr lang="en-US" altLang="ko-KR" dirty="0">
-              <a:latin typeface="함초롬돋움" panose="020B0604000101010101" pitchFamily="50" charset="-127"/>
-              <a:ea typeface="함초롬돋움" panose="020B0604000101010101" pitchFamily="50" charset="-127"/>
-              <a:cs typeface="함초롬돋움" panose="020B0604000101010101" pitchFamily="50" charset="-127"/>
-            </a:endParaRPr>
-          </a:p>
-          <a:p>
-            <a:pPr eaLnBrk="0" fontAlgn="base" latinLnBrk="0" hangingPunct="0">
-              <a:lnSpc>
-                <a:spcPct val="100000"/>
-              </a:lnSpc>
-              <a:spcBef>
-                <a:spcPct val="0"/>
-              </a:spcBef>
-              <a:spcAft>
-                <a:spcPct val="0"/>
-              </a:spcAft>
-            </a:pPr>
-            <a:r>
-              <a:rPr lang="en-US" altLang="ko-KR" dirty="0" err="1" smtClean="0">
-                <a:latin typeface="함초롬돋움" panose="020B0604000101010101" pitchFamily="50" charset="-127"/>
-                <a:ea typeface="함초롬돋움" panose="020B0604000101010101" pitchFamily="50" charset="-127"/>
-                <a:cs typeface="함초롬돋움" panose="020B0604000101010101" pitchFamily="50" charset="-127"/>
-              </a:rPr>
-              <a:t>RegionName</a:t>
-            </a:r>
-            <a:r>
-              <a:rPr lang="en-US" altLang="ko-KR" dirty="0" smtClean="0">
-                <a:latin typeface="함초롬돋움" panose="020B0604000101010101" pitchFamily="50" charset="-127"/>
-                <a:ea typeface="함초롬돋움" panose="020B0604000101010101" pitchFamily="50" charset="-127"/>
-                <a:cs typeface="함초롬돋움" panose="020B0604000101010101" pitchFamily="50" charset="-127"/>
-              </a:rPr>
+              <a:rPr lang="en-US" altLang="ko-KR" dirty="0" smtClean="0"/>
+              <a:t>manager</a:t>
+            </a:r>
+            <a:r>
+              <a:rPr lang="ko-KR" altLang="en-US" dirty="0" smtClean="0"/>
+              <a:t>에서 </a:t>
+            </a:r>
+            <a:r>
+              <a:rPr lang="en-US" altLang="ko-KR" dirty="0" smtClean="0"/>
+              <a:t>Region</a:t>
+            </a:r>
+            <a:r>
+              <a:rPr lang="ko-KR" altLang="en-US" dirty="0"/>
+              <a:t>를</a:t>
+            </a:r>
+            <a:r>
+              <a:rPr lang="ko-KR" altLang="en-US" dirty="0" smtClean="0"/>
               <a:t> </a:t>
             </a:r>
             <a:r>
-              <a:rPr lang="ko-KR" altLang="en-US" dirty="0" smtClean="0">
-                <a:latin typeface="함초롬돋움" panose="020B0604000101010101" pitchFamily="50" charset="-127"/>
-                <a:ea typeface="함초롬돋움" panose="020B0604000101010101" pitchFamily="50" charset="-127"/>
-                <a:cs typeface="함초롬돋움" panose="020B0604000101010101" pitchFamily="50" charset="-127"/>
-              </a:rPr>
-              <a:t>속성으로 컨트롤에 </a:t>
-            </a:r>
-            <a:r>
-              <a:rPr lang="en-US" altLang="ko-KR" dirty="0" smtClean="0">
-                <a:latin typeface="함초롬돋움" panose="020B0604000101010101" pitchFamily="50" charset="-127"/>
-                <a:ea typeface="함초롬돋움" panose="020B0604000101010101" pitchFamily="50" charset="-127"/>
-                <a:cs typeface="함초롬돋움" panose="020B0604000101010101" pitchFamily="50" charset="-127"/>
-              </a:rPr>
+              <a:rPr lang="ko-KR" altLang="en-US" dirty="0"/>
+              <a:t>처음 </a:t>
+            </a:r>
+            <a:r>
+              <a:rPr lang="ko-KR" altLang="en-US" dirty="0" smtClean="0"/>
+              <a:t>생성할 때 </a:t>
+            </a:r>
+            <a:r>
+              <a:rPr lang="en-US" altLang="ko-KR" dirty="0"/>
+              <a:t>View</a:t>
+            </a:r>
+            <a:r>
+              <a:rPr lang="ko-KR" altLang="en-US" dirty="0"/>
+              <a:t>를 찾아 자동으로 </a:t>
+            </a:r>
+            <a:r>
+              <a:rPr lang="ko-KR" altLang="en-US" dirty="0" smtClean="0"/>
+              <a:t>등록하는 방법</a:t>
+            </a:r>
+            <a:endParaRPr lang="en-US" altLang="ko-KR" dirty="0" smtClean="0"/>
+          </a:p>
+          <a:p>
+            <a:r>
+              <a:rPr lang="en-US" altLang="ko-KR" dirty="0" smtClean="0"/>
+              <a:t>View Injection</a:t>
+            </a:r>
+          </a:p>
+          <a:p>
+            <a:pPr lvl="1"/>
+            <a:r>
+              <a:rPr lang="en-US" altLang="ko-KR" dirty="0" smtClean="0"/>
+              <a:t>Region manager</a:t>
+            </a:r>
+            <a:r>
+              <a:rPr lang="ko-KR" altLang="en-US" dirty="0" smtClean="0"/>
+              <a:t>에 </a:t>
+            </a:r>
+            <a:r>
+              <a:rPr lang="en-US" altLang="ko-KR" dirty="0" smtClean="0"/>
               <a:t>Region</a:t>
             </a:r>
             <a:r>
-              <a:rPr lang="ko-KR" altLang="en-US" dirty="0" smtClean="0">
-                <a:latin typeface="함초롬돋움" panose="020B0604000101010101" pitchFamily="50" charset="-127"/>
-                <a:ea typeface="함초롬돋움" panose="020B0604000101010101" pitchFamily="50" charset="-127"/>
-                <a:cs typeface="함초롬돋움" panose="020B0604000101010101" pitchFamily="50" charset="-127"/>
-              </a:rPr>
-              <a:t>은 생성</a:t>
-            </a:r>
-            <a:endParaRPr lang="en-US" altLang="ko-KR" dirty="0" smtClean="0">
-              <a:latin typeface="함초롬돋움" panose="020B0604000101010101" pitchFamily="50" charset="-127"/>
-              <a:ea typeface="함초롬돋움" panose="020B0604000101010101" pitchFamily="50" charset="-127"/>
-              <a:cs typeface="함초롬돋움" panose="020B0604000101010101" pitchFamily="50" charset="-127"/>
-            </a:endParaRPr>
-          </a:p>
-          <a:p>
-            <a:pPr eaLnBrk="0" fontAlgn="base" latinLnBrk="0" hangingPunct="0">
-              <a:lnSpc>
-                <a:spcPct val="100000"/>
-              </a:lnSpc>
-              <a:spcBef>
-                <a:spcPct val="0"/>
-              </a:spcBef>
-              <a:spcAft>
-                <a:spcPct val="0"/>
-              </a:spcAft>
-            </a:pPr>
-            <a:endParaRPr lang="en-US" altLang="ko-KR" dirty="0">
-              <a:latin typeface="함초롬돋움" panose="020B0604000101010101" pitchFamily="50" charset="-127"/>
-              <a:ea typeface="함초롬돋움" panose="020B0604000101010101" pitchFamily="50" charset="-127"/>
-              <a:cs typeface="함초롬돋움" panose="020B0604000101010101" pitchFamily="50" charset="-127"/>
-            </a:endParaRPr>
-          </a:p>
-          <a:p>
-            <a:pPr eaLnBrk="0" fontAlgn="base" latinLnBrk="0" hangingPunct="0">
-              <a:lnSpc>
-                <a:spcPct val="100000"/>
-              </a:lnSpc>
-              <a:spcBef>
-                <a:spcPct val="0"/>
-              </a:spcBef>
-              <a:spcAft>
-                <a:spcPct val="0"/>
-              </a:spcAft>
-            </a:pPr>
-            <a:r>
-              <a:rPr lang="en-US" altLang="ko-KR" dirty="0" err="1" smtClean="0">
-                <a:latin typeface="함초롬돋움" panose="020B0604000101010101" pitchFamily="50" charset="-127"/>
-                <a:ea typeface="함초롬돋움" panose="020B0604000101010101" pitchFamily="50" charset="-127"/>
-                <a:cs typeface="함초롬돋움" panose="020B0604000101010101" pitchFamily="50" charset="-127"/>
-              </a:rPr>
-              <a:t>RegionAdapter</a:t>
-            </a:r>
-            <a:r>
-              <a:rPr lang="ko-KR" altLang="en-US" dirty="0" smtClean="0">
-                <a:latin typeface="함초롬돋움" panose="020B0604000101010101" pitchFamily="50" charset="-127"/>
-                <a:ea typeface="함초롬돋움" panose="020B0604000101010101" pitchFamily="50" charset="-127"/>
-                <a:cs typeface="함초롬돋움" panose="020B0604000101010101" pitchFamily="50" charset="-127"/>
-              </a:rPr>
-              <a:t>를 컨트롤과 </a:t>
-            </a:r>
-            <a:r>
-              <a:rPr lang="ko-KR" altLang="en-US" dirty="0" err="1" smtClean="0">
-                <a:latin typeface="함초롬돋움" panose="020B0604000101010101" pitchFamily="50" charset="-127"/>
-                <a:ea typeface="함초롬돋움" panose="020B0604000101010101" pitchFamily="50" charset="-127"/>
-                <a:cs typeface="함초롬돋움" panose="020B0604000101010101" pitchFamily="50" charset="-127"/>
-              </a:rPr>
-              <a:t>맵핑</a:t>
-            </a:r>
-            <a:endParaRPr lang="en-US" altLang="ko-KR" dirty="0" smtClean="0">
-              <a:latin typeface="함초롬돋움" panose="020B0604000101010101" pitchFamily="50" charset="-127"/>
-              <a:ea typeface="함초롬돋움" panose="020B0604000101010101" pitchFamily="50" charset="-127"/>
-              <a:cs typeface="함초롬돋움" panose="020B0604000101010101" pitchFamily="50" charset="-127"/>
-            </a:endParaRPr>
-          </a:p>
-          <a:p>
-            <a:pPr eaLnBrk="0" fontAlgn="base" latinLnBrk="0" hangingPunct="0">
-              <a:lnSpc>
-                <a:spcPct val="100000"/>
-              </a:lnSpc>
-              <a:spcBef>
-                <a:spcPct val="0"/>
-              </a:spcBef>
-              <a:spcAft>
-                <a:spcPct val="0"/>
-              </a:spcAft>
-            </a:pPr>
-            <a:endParaRPr lang="en-US" altLang="ko-KR" dirty="0">
-              <a:latin typeface="함초롬돋움" panose="020B0604000101010101" pitchFamily="50" charset="-127"/>
-              <a:ea typeface="함초롬돋움" panose="020B0604000101010101" pitchFamily="50" charset="-127"/>
-              <a:cs typeface="함초롬돋움" panose="020B0604000101010101" pitchFamily="50" charset="-127"/>
-            </a:endParaRPr>
-          </a:p>
-          <a:p>
-            <a:pPr eaLnBrk="0" fontAlgn="base" latinLnBrk="0" hangingPunct="0">
-              <a:lnSpc>
-                <a:spcPct val="100000"/>
-              </a:lnSpc>
-              <a:spcBef>
-                <a:spcPct val="0"/>
-              </a:spcBef>
-              <a:spcAft>
-                <a:spcPct val="0"/>
-              </a:spcAft>
-            </a:pPr>
-            <a:r>
-              <a:rPr lang="en-US" altLang="ko-KR" dirty="0" smtClean="0">
-                <a:latin typeface="함초롬돋움" panose="020B0604000101010101" pitchFamily="50" charset="-127"/>
-                <a:ea typeface="함초롬돋움" panose="020B0604000101010101" pitchFamily="50" charset="-127"/>
-                <a:cs typeface="함초롬돋움" panose="020B0604000101010101" pitchFamily="50" charset="-127"/>
-              </a:rPr>
-              <a:t>Region</a:t>
-            </a:r>
-            <a:r>
-              <a:rPr lang="ko-KR" altLang="en-US" dirty="0" smtClean="0">
-                <a:latin typeface="함초롬돋움" panose="020B0604000101010101" pitchFamily="50" charset="-127"/>
-                <a:ea typeface="함초롬돋움" panose="020B0604000101010101" pitchFamily="50" charset="-127"/>
-                <a:cs typeface="함초롬돋움" panose="020B0604000101010101" pitchFamily="50" charset="-127"/>
-              </a:rPr>
-              <a:t> 생성시 </a:t>
-            </a:r>
-            <a:r>
-              <a:rPr lang="en-US" altLang="ko-KR" dirty="0" smtClean="0">
-                <a:latin typeface="함초롬돋움" panose="020B0604000101010101" pitchFamily="50" charset="-127"/>
-                <a:ea typeface="함초롬돋움" panose="020B0604000101010101" pitchFamily="50" charset="-127"/>
-                <a:cs typeface="함초롬돋움" panose="020B0604000101010101" pitchFamily="50" charset="-127"/>
-              </a:rPr>
-              <a:t>Region</a:t>
-            </a:r>
-            <a:r>
-              <a:rPr lang="ko-KR" altLang="en-US" dirty="0" smtClean="0">
-                <a:latin typeface="함초롬돋움" panose="020B0604000101010101" pitchFamily="50" charset="-127"/>
-                <a:ea typeface="함초롬돋움" panose="020B0604000101010101" pitchFamily="50" charset="-127"/>
-                <a:cs typeface="함초롬돋움" panose="020B0604000101010101" pitchFamily="50" charset="-127"/>
-              </a:rPr>
-              <a:t>은</a:t>
-            </a:r>
-            <a:r>
-              <a:rPr lang="en-US" altLang="ko-KR" dirty="0">
-                <a:latin typeface="함초롬돋움" panose="020B0604000101010101" pitchFamily="50" charset="-127"/>
-                <a:ea typeface="함초롬돋움" panose="020B0604000101010101" pitchFamily="50" charset="-127"/>
-                <a:cs typeface="함초롬돋움" panose="020B0604000101010101" pitchFamily="50" charset="-127"/>
-              </a:rPr>
+              <a:rPr lang="ko-KR" altLang="en-US" dirty="0" smtClean="0"/>
+              <a:t>만 등록 한 후에 수동으로 </a:t>
+            </a:r>
+            <a:r>
+              <a:rPr lang="en-US" altLang="ko-KR" dirty="0"/>
+              <a:t>View</a:t>
+            </a:r>
+            <a:r>
+              <a:rPr lang="ko-KR" altLang="en-US" dirty="0"/>
+              <a:t>를 </a:t>
+            </a:r>
+            <a:r>
+              <a:rPr lang="ko-KR" altLang="en-US" dirty="0" smtClean="0"/>
+              <a:t>추가하는 방법</a:t>
+            </a:r>
+            <a:endParaRPr lang="en-US" altLang="ko-KR" dirty="0" smtClean="0"/>
+          </a:p>
+          <a:p>
+            <a:r>
+              <a:rPr lang="en-US" altLang="ko-KR" dirty="0" smtClean="0"/>
+              <a:t>Navigation</a:t>
+            </a:r>
+          </a:p>
+          <a:p>
+            <a:pPr lvl="1"/>
+            <a:r>
+              <a:rPr lang="ko-KR" altLang="en-US" dirty="0" smtClean="0"/>
+              <a:t>컨테이너에 </a:t>
+            </a:r>
+            <a:r>
+              <a:rPr lang="en-US" altLang="ko-KR" dirty="0" smtClean="0"/>
+              <a:t>View</a:t>
+            </a:r>
+            <a:r>
+              <a:rPr lang="ko-KR" altLang="en-US" dirty="0" smtClean="0"/>
+              <a:t>를</a:t>
+            </a:r>
+            <a:r>
+              <a:rPr lang="en-US" altLang="ko-KR" dirty="0" smtClean="0"/>
               <a:t> </a:t>
             </a:r>
             <a:r>
-              <a:rPr lang="ko-KR" altLang="en-US" dirty="0">
-                <a:latin typeface="함초롬돋움" panose="020B0604000101010101" pitchFamily="50" charset="-127"/>
-                <a:ea typeface="함초롬돋움" panose="020B0604000101010101" pitchFamily="50" charset="-127"/>
-                <a:cs typeface="함초롬돋움" panose="020B0604000101010101" pitchFamily="50" charset="-127"/>
-              </a:rPr>
-              <a:t>기본적으로 </a:t>
-            </a:r>
-            <a:r>
-              <a:rPr lang="en-US" altLang="ko-KR" dirty="0" smtClean="0">
-                <a:latin typeface="함초롬돋움" panose="020B0604000101010101" pitchFamily="50" charset="-127"/>
-                <a:ea typeface="함초롬돋움" panose="020B0604000101010101" pitchFamily="50" charset="-127"/>
-                <a:cs typeface="함초롬돋움" panose="020B0604000101010101" pitchFamily="50" charset="-127"/>
-              </a:rPr>
-              <a:t>Root</a:t>
-            </a:r>
-            <a:r>
-              <a:rPr lang="ko-KR" altLang="en-US" dirty="0" smtClean="0">
-                <a:latin typeface="함초롬돋움" panose="020B0604000101010101" pitchFamily="50" charset="-127"/>
-                <a:ea typeface="함초롬돋움" panose="020B0604000101010101" pitchFamily="50" charset="-127"/>
-                <a:cs typeface="함초롬돋움" panose="020B0604000101010101" pitchFamily="50" charset="-127"/>
-              </a:rPr>
-              <a:t>의</a:t>
-            </a:r>
-            <a:r>
-              <a:rPr lang="en-US" altLang="ko-KR" dirty="0" smtClean="0">
-                <a:latin typeface="함초롬돋움" panose="020B0604000101010101" pitchFamily="50" charset="-127"/>
-                <a:ea typeface="함초롬돋움" panose="020B0604000101010101" pitchFamily="50" charset="-127"/>
-                <a:cs typeface="함초롬돋움" panose="020B0604000101010101" pitchFamily="50" charset="-127"/>
-              </a:rPr>
-              <a:t> </a:t>
-            </a:r>
-            <a:r>
-              <a:rPr lang="en-US" altLang="ko-KR" dirty="0" err="1" smtClean="0">
-                <a:latin typeface="함초롬돋움" panose="020B0604000101010101" pitchFamily="50" charset="-127"/>
-                <a:ea typeface="함초롬돋움" panose="020B0604000101010101" pitchFamily="50" charset="-127"/>
-                <a:cs typeface="함초롬돋움" panose="020B0604000101010101" pitchFamily="50" charset="-127"/>
-              </a:rPr>
-              <a:t>RegionManager</a:t>
-            </a:r>
-            <a:r>
-              <a:rPr lang="en-US" altLang="ko-KR" dirty="0" smtClean="0">
-                <a:latin typeface="함초롬돋움" panose="020B0604000101010101" pitchFamily="50" charset="-127"/>
-                <a:ea typeface="함초롬돋움" panose="020B0604000101010101" pitchFamily="50" charset="-127"/>
-                <a:cs typeface="함초롬돋움" panose="020B0604000101010101" pitchFamily="50" charset="-127"/>
-              </a:rPr>
-              <a:t> </a:t>
-            </a:r>
-            <a:r>
-              <a:rPr lang="ko-KR" altLang="en-US" dirty="0" smtClean="0">
-                <a:latin typeface="함초롬돋움" panose="020B0604000101010101" pitchFamily="50" charset="-127"/>
-                <a:ea typeface="함초롬돋움" panose="020B0604000101010101" pitchFamily="50" charset="-127"/>
-                <a:cs typeface="함초롬돋움" panose="020B0604000101010101" pitchFamily="50" charset="-127"/>
-              </a:rPr>
-              <a:t>사용</a:t>
-            </a:r>
-            <a:endParaRPr lang="en-US" altLang="ko-KR" dirty="0" smtClean="0">
-              <a:latin typeface="함초롬돋움" panose="020B0604000101010101" pitchFamily="50" charset="-127"/>
-              <a:ea typeface="함초롬돋움" panose="020B0604000101010101" pitchFamily="50" charset="-127"/>
-              <a:cs typeface="함초롬돋움" panose="020B0604000101010101" pitchFamily="50" charset="-127"/>
-            </a:endParaRPr>
-          </a:p>
-          <a:p>
-            <a:pPr eaLnBrk="0" fontAlgn="base" latinLnBrk="0" hangingPunct="0">
-              <a:lnSpc>
-                <a:spcPct val="100000"/>
-              </a:lnSpc>
-              <a:spcBef>
-                <a:spcPct val="0"/>
-              </a:spcBef>
-              <a:spcAft>
-                <a:spcPct val="0"/>
-              </a:spcAft>
-            </a:pPr>
-            <a:endParaRPr lang="en-US" altLang="ko-KR" dirty="0">
-              <a:latin typeface="함초롬돋움" panose="020B0604000101010101" pitchFamily="50" charset="-127"/>
-              <a:ea typeface="함초롬돋움" panose="020B0604000101010101" pitchFamily="50" charset="-127"/>
-              <a:cs typeface="함초롬돋움" panose="020B0604000101010101" pitchFamily="50" charset="-127"/>
-            </a:endParaRPr>
-          </a:p>
-          <a:p>
-            <a:pPr eaLnBrk="0" fontAlgn="base" latinLnBrk="0" hangingPunct="0">
-              <a:lnSpc>
-                <a:spcPct val="100000"/>
-              </a:lnSpc>
-              <a:spcBef>
-                <a:spcPct val="0"/>
-              </a:spcBef>
-              <a:spcAft>
-                <a:spcPct val="0"/>
-              </a:spcAft>
-            </a:pPr>
-            <a:endParaRPr lang="en-US" altLang="ko-KR" dirty="0" smtClean="0">
-              <a:latin typeface="함초롬돋움" panose="020B0604000101010101" pitchFamily="50" charset="-127"/>
-              <a:ea typeface="함초롬돋움" panose="020B0604000101010101" pitchFamily="50" charset="-127"/>
-              <a:cs typeface="함초롬돋움" panose="020B0604000101010101" pitchFamily="50" charset="-127"/>
-            </a:endParaRPr>
+              <a:rPr lang="ko-KR" altLang="en-US" dirty="0" smtClean="0"/>
+              <a:t>미리 만들어 둔 상태에서 찾아 쓰는 방법</a:t>
+            </a:r>
+            <a:endParaRPr lang="en-US" altLang="ko-KR" dirty="0" smtClean="0"/>
           </a:p>
         </p:txBody>
       </p:sp>
     </p:spTree>
     <p:extLst>
       <p:ext uri="{BB962C8B-B14F-4D97-AF65-F5344CB8AC3E}">
-        <p14:creationId xmlns:p14="http://schemas.microsoft.com/office/powerpoint/2010/main" val="139845840"/>
+        <p14:creationId xmlns:p14="http://schemas.microsoft.com/office/powerpoint/2010/main" val="633403019"/>
       </p:ext>
     </p:extLst>
   </p:cSld>
@@ -9754,12 +11137,12 @@
           </a:lstStyle>
           <a:p>
             <a:r>
-              <a:rPr lang="en-US" altLang="ko-KR" dirty="0" err="1" smtClean="0">
-                <a:latin typeface="함초롬돋움" panose="020B0604000101010101" pitchFamily="50" charset="-127"/>
-                <a:ea typeface="함초롬돋움" panose="020B0604000101010101" pitchFamily="50" charset="-127"/>
-                <a:cs typeface="함초롬돋움" panose="020B0604000101010101" pitchFamily="50" charset="-127"/>
-              </a:rPr>
-              <a:t>RegionAdapter</a:t>
+              <a:rPr lang="en-US" altLang="ko-KR" smtClean="0">
+                <a:latin typeface="함초롬돋움" panose="020B0604000101010101" pitchFamily="50" charset="-127"/>
+                <a:ea typeface="함초롬돋움" panose="020B0604000101010101" pitchFamily="50" charset="-127"/>
+                <a:cs typeface="함초롬돋움" panose="020B0604000101010101" pitchFamily="50" charset="-127"/>
+              </a:rPr>
+              <a:t>Navigation</a:t>
             </a:r>
             <a:endParaRPr lang="ko-KR" altLang="en-US" dirty="0">
               <a:latin typeface="함초롬돋움" panose="020B0604000101010101" pitchFamily="50" charset="-127"/>
@@ -9803,6 +11186,30 @@
                 <a:ea typeface="함초롬돋움" panose="020B0604000101010101" pitchFamily="50" charset="-127"/>
                 <a:cs typeface="함초롬돋움" panose="020B0604000101010101" pitchFamily="50" charset="-127"/>
               </a:rPr>
+              <a:t>View</a:t>
+            </a:r>
+            <a:r>
+              <a:rPr lang="ko-KR" altLang="en-US" dirty="0">
+                <a:latin typeface="함초롬돋움" panose="020B0604000101010101" pitchFamily="50" charset="-127"/>
+                <a:ea typeface="함초롬돋움" panose="020B0604000101010101" pitchFamily="50" charset="-127"/>
+                <a:cs typeface="함초롬돋움" panose="020B0604000101010101" pitchFamily="50" charset="-127"/>
+              </a:rPr>
+              <a:t>를</a:t>
+            </a:r>
+            <a:r>
+              <a:rPr lang="ko-KR" altLang="en-US" dirty="0" smtClean="0">
+                <a:latin typeface="함초롬돋움" panose="020B0604000101010101" pitchFamily="50" charset="-127"/>
+                <a:ea typeface="함초롬돋움" panose="020B0604000101010101" pitchFamily="50" charset="-127"/>
+                <a:cs typeface="함초롬돋움" panose="020B0604000101010101" pitchFamily="50" charset="-127"/>
+              </a:rPr>
+              <a:t> </a:t>
+            </a:r>
+            <a:r>
+              <a:rPr lang="en-US" altLang="ko-KR" dirty="0" smtClean="0">
+                <a:latin typeface="함초롬돋움" panose="020B0604000101010101" pitchFamily="50" charset="-127"/>
+                <a:ea typeface="함초롬돋움" panose="020B0604000101010101" pitchFamily="50" charset="-127"/>
+                <a:cs typeface="함초롬돋움" panose="020B0604000101010101" pitchFamily="50" charset="-127"/>
+              </a:rPr>
               <a:t>Region</a:t>
             </a:r>
             <a:r>
@@ -9811,31 +11218,7 @@
                 <a:ea typeface="함초롬돋움" panose="020B0604000101010101" pitchFamily="50" charset="-127"/>
                 <a:cs typeface="함초롬돋움" panose="020B0604000101010101" pitchFamily="50" charset="-127"/>
               </a:rPr>
-              <a:t>과 </a:t>
-            </a:r>
-            <a:r>
-              <a:rPr lang="en-US" altLang="ko-KR" dirty="0" smtClean="0">
-                <a:latin typeface="함초롬돋움" panose="020B0604000101010101" pitchFamily="50" charset="-127"/>
-                <a:ea typeface="함초롬돋움" panose="020B0604000101010101" pitchFamily="50" charset="-127"/>
-                <a:cs typeface="함초롬돋움" panose="020B0604000101010101" pitchFamily="50" charset="-127"/>
-              </a:rPr>
-              <a:t>View</a:t>
-            </a:r>
-            <a:r>
-              <a:rPr lang="ko-KR" altLang="en-US" dirty="0" smtClean="0">
-                <a:latin typeface="함초롬돋움" panose="020B0604000101010101" pitchFamily="50" charset="-127"/>
-                <a:ea typeface="함초롬돋움" panose="020B0604000101010101" pitchFamily="50" charset="-127"/>
-                <a:cs typeface="함초롬돋움" panose="020B0604000101010101" pitchFamily="50" charset="-127"/>
-              </a:rPr>
-              <a:t>를 연결 시켜주는 </a:t>
-            </a:r>
-            <a:r>
-              <a:rPr lang="ko-KR" altLang="en-US" dirty="0" smtClean="0">
-                <a:latin typeface="함초롬돋움" panose="020B0604000101010101" pitchFamily="50" charset="-127"/>
-                <a:ea typeface="함초롬돋움" panose="020B0604000101010101" pitchFamily="50" charset="-127"/>
-                <a:cs typeface="함초롬돋움" panose="020B0604000101010101" pitchFamily="50" charset="-127"/>
-              </a:rPr>
-              <a:t>역할</a:t>
+              <a:t>에 주입하는 방법 중 한 가지</a:t>
             </a:r>
             <a:endParaRPr lang="en-US" altLang="ko-KR" dirty="0" smtClean="0">
               <a:latin typeface="함초롬돋움" panose="020B0604000101010101" pitchFamily="50" charset="-127"/>
@@ -9874,20 +11257,12 @@
               </a:spcAft>
             </a:pPr>
             <a:r>
-              <a:rPr lang="en-US" altLang="ko-KR" dirty="0" err="1" smtClean="0">
-                <a:latin typeface="함초롬돋움" panose="020B0604000101010101" pitchFamily="50" charset="-127"/>
-                <a:ea typeface="함초롬돋움" panose="020B0604000101010101" pitchFamily="50" charset="-127"/>
-                <a:cs typeface="함초롬돋움" panose="020B0604000101010101" pitchFamily="50" charset="-127"/>
-              </a:rPr>
-              <a:t>Region</a:t>
-            </a:r>
-            <a:r>
-              <a:rPr lang="en-US" altLang="ko-KR" dirty="0" err="1" smtClean="0">
-                <a:latin typeface="함초롬돋움" panose="020B0604000101010101" pitchFamily="50" charset="-127"/>
-                <a:ea typeface="함초롬돋움" panose="020B0604000101010101" pitchFamily="50" charset="-127"/>
-                <a:cs typeface="함초롬돋움" panose="020B0604000101010101" pitchFamily="50" charset="-127"/>
-              </a:rPr>
-              <a:t>Manager</a:t>
+              <a:rPr lang="en-US" altLang="ko-KR" dirty="0" smtClean="0">
+                <a:latin typeface="함초롬돋움" panose="020B0604000101010101" pitchFamily="50" charset="-127"/>
+                <a:ea typeface="함초롬돋움" panose="020B0604000101010101" pitchFamily="50" charset="-127"/>
+                <a:cs typeface="함초롬돋움" panose="020B0604000101010101" pitchFamily="50" charset="-127"/>
+              </a:rPr>
+              <a:t>Navigation</a:t>
             </a:r>
             <a:r>
               <a:rPr lang="ko-KR" altLang="en-US" dirty="0" smtClean="0">
@@ -9895,7 +11270,23 @@
                 <a:ea typeface="함초롬돋움" panose="020B0604000101010101" pitchFamily="50" charset="-127"/>
                 <a:cs typeface="함초롬돋움" panose="020B0604000101010101" pitchFamily="50" charset="-127"/>
               </a:rPr>
-              <a:t>가 관리</a:t>
+              <a:t>의 </a:t>
+            </a:r>
+            <a:r>
+              <a:rPr lang="en-US" altLang="ko-KR" dirty="0" smtClean="0">
+                <a:latin typeface="함초롬돋움" panose="020B0604000101010101" pitchFamily="50" charset="-127"/>
+                <a:ea typeface="함초롬돋움" panose="020B0604000101010101" pitchFamily="50" charset="-127"/>
+                <a:cs typeface="함초롬돋움" panose="020B0604000101010101" pitchFamily="50" charset="-127"/>
+              </a:rPr>
+              <a:t>2</a:t>
+            </a:r>
+            <a:r>
+              <a:rPr lang="ko-KR" altLang="en-US" dirty="0" smtClean="0">
+                <a:latin typeface="함초롬돋움" panose="020B0604000101010101" pitchFamily="50" charset="-127"/>
+                <a:ea typeface="함초롬돋움" panose="020B0604000101010101" pitchFamily="50" charset="-127"/>
+                <a:cs typeface="함초롬돋움" panose="020B0604000101010101" pitchFamily="50" charset="-127"/>
+              </a:rPr>
+              <a:t>가지 방식</a:t>
             </a:r>
             <a:endParaRPr lang="en-US" altLang="ko-KR" dirty="0" smtClean="0">
               <a:latin typeface="함초롬돋움" panose="020B0604000101010101" pitchFamily="50" charset="-127"/>
@@ -9904,7 +11295,7 @@
             </a:endParaRPr>
           </a:p>
           <a:p>
-            <a:pPr eaLnBrk="0" fontAlgn="base" latinLnBrk="0" hangingPunct="0">
+            <a:pPr lvl="1" eaLnBrk="0" fontAlgn="base" latinLnBrk="0" hangingPunct="0">
               <a:lnSpc>
                 <a:spcPct val="100000"/>
               </a:lnSpc>
@@ -9915,31 +11306,53 @@
                 <a:spcPct val="0"/>
               </a:spcAft>
             </a:pPr>
-            <a:endParaRPr lang="en-US" altLang="ko-KR" dirty="0">
-              <a:latin typeface="함초롬돋움" panose="020B0604000101010101" pitchFamily="50" charset="-127"/>
-              <a:ea typeface="함초롬돋움" panose="020B0604000101010101" pitchFamily="50" charset="-127"/>
-              <a:cs typeface="함초롬돋움" panose="020B0604000101010101" pitchFamily="50" charset="-127"/>
-            </a:endParaRPr>
-          </a:p>
-          <a:p>
-            <a:pPr eaLnBrk="0" fontAlgn="base" latinLnBrk="0" hangingPunct="0">
-              <a:lnSpc>
-                <a:spcPct val="100000"/>
-              </a:lnSpc>
-              <a:spcBef>
-                <a:spcPct val="0"/>
-              </a:spcBef>
-              <a:spcAft>
-                <a:spcPct val="0"/>
-              </a:spcAft>
-            </a:pPr>
+            <a:r>
+              <a:rPr lang="en-US" altLang="ko-KR" dirty="0" smtClean="0">
+                <a:latin typeface="함초롬돋움" panose="020B0604000101010101" pitchFamily="50" charset="-127"/>
+                <a:ea typeface="함초롬돋움" panose="020B0604000101010101" pitchFamily="50" charset="-127"/>
+                <a:cs typeface="함초롬돋움" panose="020B0604000101010101" pitchFamily="50" charset="-127"/>
+              </a:rPr>
+              <a:t>State-Based </a:t>
+            </a:r>
+            <a:r>
+              <a:rPr lang="en-US" altLang="ko-KR" dirty="0">
+                <a:latin typeface="함초롬돋움" panose="020B0604000101010101" pitchFamily="50" charset="-127"/>
+                <a:ea typeface="함초롬돋움" panose="020B0604000101010101" pitchFamily="50" charset="-127"/>
+                <a:cs typeface="함초롬돋움" panose="020B0604000101010101" pitchFamily="50" charset="-127"/>
+              </a:rPr>
+              <a:t>Navigation : </a:t>
+            </a:r>
+            <a:r>
+              <a:rPr lang="en-US" altLang="ko-KR" dirty="0" smtClean="0">
+                <a:latin typeface="함초롬돋움" panose="020B0604000101010101" pitchFamily="50" charset="-127"/>
+                <a:ea typeface="함초롬돋움" panose="020B0604000101010101" pitchFamily="50" charset="-127"/>
+                <a:cs typeface="함초롬돋움" panose="020B0604000101010101" pitchFamily="50" charset="-127"/>
+              </a:rPr>
+              <a:t>View</a:t>
+            </a:r>
             <a:r>
               <a:rPr lang="ko-KR" altLang="en-US" dirty="0" smtClean="0">
                 <a:latin typeface="함초롬돋움" panose="020B0604000101010101" pitchFamily="50" charset="-127"/>
                 <a:ea typeface="함초롬돋움" panose="020B0604000101010101" pitchFamily="50" charset="-127"/>
                 <a:cs typeface="함초롬돋움" panose="020B0604000101010101" pitchFamily="50" charset="-127"/>
               </a:rPr>
-              <a:t>기본적으로 지원하는 컨트롤</a:t>
+              <a:t>가 </a:t>
+            </a:r>
+            <a:r>
+              <a:rPr lang="ko-KR" altLang="en-US" dirty="0">
+                <a:latin typeface="함초롬돋움" panose="020B0604000101010101" pitchFamily="50" charset="-127"/>
+                <a:ea typeface="함초롬돋움" panose="020B0604000101010101" pitchFamily="50" charset="-127"/>
+                <a:cs typeface="함초롬돋움" panose="020B0604000101010101" pitchFamily="50" charset="-127"/>
+              </a:rPr>
+              <a:t>업데이트 되는 </a:t>
+            </a:r>
+            <a:r>
+              <a:rPr lang="ko-KR" altLang="en-US" dirty="0" smtClean="0">
+                <a:latin typeface="함초롬돋움" panose="020B0604000101010101" pitchFamily="50" charset="-127"/>
+                <a:ea typeface="함초롬돋움" panose="020B0604000101010101" pitchFamily="50" charset="-127"/>
+                <a:cs typeface="함초롬돋움" panose="020B0604000101010101" pitchFamily="50" charset="-127"/>
+              </a:rPr>
+              <a:t>방식</a:t>
             </a:r>
             <a:endParaRPr lang="en-US" altLang="ko-KR" dirty="0" smtClean="0">
               <a:latin typeface="함초롬돋움" panose="020B0604000101010101" pitchFamily="50" charset="-127"/>
@@ -9960,65 +11373,84 @@
               </a:spcAft>
             </a:pPr>
             <a:r>
-              <a:rPr lang="en-US" altLang="ko-KR" dirty="0" err="1" smtClean="0"/>
-              <a:t>ContentControl</a:t>
-            </a:r>
-            <a:endParaRPr lang="en-US" altLang="ko-KR" dirty="0" smtClean="0"/>
-          </a:p>
-          <a:p>
-            <a:pPr lvl="1" eaLnBrk="0" fontAlgn="base" latinLnBrk="0" hangingPunct="0">
-              <a:lnSpc>
-                <a:spcPct val="100000"/>
-              </a:lnSpc>
-              <a:spcBef>
-                <a:spcPct val="0"/>
-              </a:spcBef>
-              <a:spcAft>
-                <a:spcPct val="0"/>
-              </a:spcAft>
-            </a:pPr>
-            <a:r>
-              <a:rPr lang="en-US" altLang="ko-KR" dirty="0" err="1" smtClean="0"/>
-              <a:t>ItemsControl</a:t>
-            </a:r>
-            <a:endParaRPr lang="en-US" altLang="ko-KR" dirty="0" smtClean="0"/>
-          </a:p>
-          <a:p>
-            <a:pPr lvl="1" eaLnBrk="0" fontAlgn="base" latinLnBrk="0" hangingPunct="0">
-              <a:lnSpc>
-                <a:spcPct val="100000"/>
-              </a:lnSpc>
-              <a:spcBef>
-                <a:spcPct val="0"/>
-              </a:spcBef>
-              <a:spcAft>
-                <a:spcPct val="0"/>
-              </a:spcAft>
-            </a:pPr>
-            <a:r>
-              <a:rPr lang="en-US" altLang="ko-KR" dirty="0" smtClean="0"/>
-              <a:t>Selector</a:t>
-            </a:r>
-          </a:p>
-          <a:p>
-            <a:pPr lvl="1" eaLnBrk="0" fontAlgn="base" latinLnBrk="0" hangingPunct="0">
-              <a:lnSpc>
-                <a:spcPct val="100000"/>
-              </a:lnSpc>
-              <a:spcBef>
-                <a:spcPct val="0"/>
-              </a:spcBef>
-              <a:spcAft>
-                <a:spcPct val="0"/>
-              </a:spcAft>
-            </a:pPr>
-            <a:r>
-              <a:rPr lang="en-US" altLang="ko-KR" dirty="0" err="1" smtClean="0">
-                <a:latin typeface="함초롬돋움" panose="020B0604000101010101" pitchFamily="50" charset="-127"/>
-                <a:ea typeface="함초롬돋움" panose="020B0604000101010101" pitchFamily="50" charset="-127"/>
-                <a:cs typeface="함초롬돋움" panose="020B0604000101010101" pitchFamily="50" charset="-127"/>
-              </a:rPr>
-              <a:t>TabControl</a:t>
+              <a:rPr lang="en-US" altLang="ko-KR" dirty="0" smtClean="0">
+                <a:latin typeface="함초롬돋움" panose="020B0604000101010101" pitchFamily="50" charset="-127"/>
+                <a:ea typeface="함초롬돋움" panose="020B0604000101010101" pitchFamily="50" charset="-127"/>
+                <a:cs typeface="함초롬돋움" panose="020B0604000101010101" pitchFamily="50" charset="-127"/>
+              </a:rPr>
+              <a:t>View-Based </a:t>
+            </a:r>
+            <a:r>
+              <a:rPr lang="en-US" altLang="ko-KR" dirty="0">
+                <a:latin typeface="함초롬돋움" panose="020B0604000101010101" pitchFamily="50" charset="-127"/>
+                <a:ea typeface="함초롬돋움" panose="020B0604000101010101" pitchFamily="50" charset="-127"/>
+                <a:cs typeface="함초롬돋움" panose="020B0604000101010101" pitchFamily="50" charset="-127"/>
+              </a:rPr>
+              <a:t>Navigation : </a:t>
+            </a:r>
+            <a:r>
+              <a:rPr lang="ko-KR" altLang="en-US" dirty="0">
+                <a:latin typeface="함초롬돋움" panose="020B0604000101010101" pitchFamily="50" charset="-127"/>
+                <a:ea typeface="함초롬돋움" panose="020B0604000101010101" pitchFamily="50" charset="-127"/>
+                <a:cs typeface="함초롬돋움" panose="020B0604000101010101" pitchFamily="50" charset="-127"/>
+              </a:rPr>
+              <a:t>새로운 </a:t>
+            </a:r>
+            <a:r>
+              <a:rPr lang="en-US" altLang="ko-KR" dirty="0" smtClean="0">
+                <a:latin typeface="함초롬돋움" panose="020B0604000101010101" pitchFamily="50" charset="-127"/>
+                <a:ea typeface="함초롬돋움" panose="020B0604000101010101" pitchFamily="50" charset="-127"/>
+                <a:cs typeface="함초롬돋움" panose="020B0604000101010101" pitchFamily="50" charset="-127"/>
+              </a:rPr>
+              <a:t>View</a:t>
+            </a:r>
+            <a:r>
+              <a:rPr lang="ko-KR" altLang="en-US" dirty="0" smtClean="0">
+                <a:latin typeface="함초롬돋움" panose="020B0604000101010101" pitchFamily="50" charset="-127"/>
+                <a:ea typeface="함초롬돋움" panose="020B0604000101010101" pitchFamily="50" charset="-127"/>
+                <a:cs typeface="함초롬돋움" panose="020B0604000101010101" pitchFamily="50" charset="-127"/>
+              </a:rPr>
+              <a:t>가</a:t>
+            </a:r>
+            <a:r>
+              <a:rPr lang="en-US" altLang="ko-KR" dirty="0" smtClean="0">
+                <a:latin typeface="함초롬돋움" panose="020B0604000101010101" pitchFamily="50" charset="-127"/>
+                <a:ea typeface="함초롬돋움" panose="020B0604000101010101" pitchFamily="50" charset="-127"/>
+                <a:cs typeface="함초롬돋움" panose="020B0604000101010101" pitchFamily="50" charset="-127"/>
+              </a:rPr>
+              <a:t> </a:t>
+            </a:r>
+            <a:r>
+              <a:rPr lang="ko-KR" altLang="en-US" dirty="0" smtClean="0">
+                <a:latin typeface="함초롬돋움" panose="020B0604000101010101" pitchFamily="50" charset="-127"/>
+                <a:ea typeface="함초롬돋움" panose="020B0604000101010101" pitchFamily="50" charset="-127"/>
+                <a:cs typeface="함초롬돋움" panose="020B0604000101010101" pitchFamily="50" charset="-127"/>
+              </a:rPr>
+              <a:t>이전의 </a:t>
+            </a:r>
+            <a:r>
+              <a:rPr lang="en-US" altLang="ko-KR" dirty="0">
+                <a:latin typeface="함초롬돋움" panose="020B0604000101010101" pitchFamily="50" charset="-127"/>
+                <a:ea typeface="함초롬돋움" panose="020B0604000101010101" pitchFamily="50" charset="-127"/>
+                <a:cs typeface="함초롬돋움" panose="020B0604000101010101" pitchFamily="50" charset="-127"/>
+              </a:rPr>
+              <a:t>View</a:t>
+            </a:r>
+            <a:r>
+              <a:rPr lang="ko-KR" altLang="en-US" dirty="0">
+                <a:latin typeface="함초롬돋움" panose="020B0604000101010101" pitchFamily="50" charset="-127"/>
+                <a:ea typeface="함초롬돋움" panose="020B0604000101010101" pitchFamily="50" charset="-127"/>
+                <a:cs typeface="함초롬돋움" panose="020B0604000101010101" pitchFamily="50" charset="-127"/>
+              </a:rPr>
+              <a:t>를 대체하는 </a:t>
+            </a:r>
+            <a:r>
+              <a:rPr lang="ko-KR" altLang="en-US" dirty="0" smtClean="0">
+                <a:latin typeface="함초롬돋움" panose="020B0604000101010101" pitchFamily="50" charset="-127"/>
+                <a:ea typeface="함초롬돋움" panose="020B0604000101010101" pitchFamily="50" charset="-127"/>
+                <a:cs typeface="함초롬돋움" panose="020B0604000101010101" pitchFamily="50" charset="-127"/>
+              </a:rPr>
+              <a:t>방식</a:t>
             </a:r>
             <a:endParaRPr lang="en-US" altLang="ko-KR" dirty="0" smtClean="0">
               <a:latin typeface="함초롬돋움" panose="020B0604000101010101" pitchFamily="50" charset="-127"/>
@@ -10026,216 +11458,30 @@
               <a:cs typeface="함초롬돋움" panose="020B0604000101010101" pitchFamily="50" charset="-127"/>
             </a:endParaRPr>
           </a:p>
+          <a:p>
+            <a:pPr lvl="1" eaLnBrk="0" fontAlgn="base" latinLnBrk="0" hangingPunct="0">
+              <a:lnSpc>
+                <a:spcPct val="100000"/>
+              </a:lnSpc>
+              <a:spcBef>
+                <a:spcPct val="0"/>
+              </a:spcBef>
+              <a:spcAft>
+                <a:spcPct val="0"/>
+              </a:spcAft>
+            </a:pPr>
+            <a:endParaRPr lang="en-US" altLang="ko-KR" dirty="0" smtClean="0">
+              <a:latin typeface="함초롬돋움" panose="020B0604000101010101" pitchFamily="50" charset="-127"/>
+              <a:ea typeface="함초롬돋움" panose="020B0604000101010101" pitchFamily="50" charset="-127"/>
+              <a:cs typeface="함초롬돋움" panose="020B0604000101010101" pitchFamily="50" charset="-127"/>
+            </a:endParaRPr>
+          </a:p>
         </p:txBody>
       </p:sp>
-      <p:grpSp>
-        <p:nvGrpSpPr>
-          <p:cNvPr id="3" name="그룹 2"/>
-          <p:cNvGrpSpPr/>
-          <p:nvPr/>
-        </p:nvGrpSpPr>
-        <p:grpSpPr>
-          <a:xfrm>
-            <a:off x="5646141" y="4638502"/>
-            <a:ext cx="5707659" cy="1291764"/>
-            <a:chOff x="5415317" y="4638502"/>
-            <a:chExt cx="5707659" cy="1291764"/>
-          </a:xfrm>
-        </p:grpSpPr>
-        <p:pic>
-          <p:nvPicPr>
-            <p:cNvPr id="5" name="Picture 2" descr="NOte에 대한 이미지 검색결과"/>
-            <p:cNvPicPr>
-              <a:picLocks noChangeAspect="1" noChangeArrowheads="1"/>
-            </p:cNvPicPr>
-            <p:nvPr/>
-          </p:nvPicPr>
-          <p:blipFill>
-            <a:blip r:embed="rId2" cstate="print">
-              <a:extLst>
-                <a:ext uri="{28A0092B-C50C-407E-A947-70E740481C1C}">
-                  <a14:useLocalDpi xmlns:a14="http://schemas.microsoft.com/office/drawing/2010/main" val="0"/>
-                </a:ext>
-              </a:extLst>
-            </a:blip>
-            <a:srcRect/>
-            <a:stretch>
-              <a:fillRect/>
-            </a:stretch>
-          </p:blipFill>
-          <p:spPr bwMode="auto">
-            <a:xfrm>
-              <a:off x="5415317" y="4796444"/>
-              <a:ext cx="975880" cy="975880"/>
-            </a:xfrm>
-            <a:prstGeom prst="rect">
-              <a:avLst/>
-            </a:prstGeom>
-            <a:noFill/>
-            <a:extLst>
-              <a:ext uri="{909E8E84-426E-40DD-AFC4-6F175D3DCCD1}">
-                <a14:hiddenFill xmlns:a14="http://schemas.microsoft.com/office/drawing/2010/main">
-                  <a:solidFill>
-                    <a:srgbClr val="FFFFFF"/>
-                  </a:solidFill>
-                </a14:hiddenFill>
-              </a:ext>
-            </a:extLst>
-          </p:spPr>
-        </p:pic>
-        <p:pic>
-          <p:nvPicPr>
-            <p:cNvPr id="6" name="그림 5"/>
-            <p:cNvPicPr>
-              <a:picLocks noChangeAspect="1"/>
-            </p:cNvPicPr>
-            <p:nvPr/>
-          </p:nvPicPr>
-          <p:blipFill>
-            <a:blip r:embed="rId3"/>
-            <a:stretch>
-              <a:fillRect/>
-            </a:stretch>
-          </p:blipFill>
-          <p:spPr>
-            <a:xfrm>
-              <a:off x="9462984" y="4638502"/>
-              <a:ext cx="1659992" cy="1291764"/>
-            </a:xfrm>
-            <a:prstGeom prst="rect">
-              <a:avLst/>
-            </a:prstGeom>
-          </p:spPr>
-        </p:pic>
-        <p:sp>
-          <p:nvSpPr>
-            <p:cNvPr id="8" name="순서도: 수행의 시작/종료 7"/>
-            <p:cNvSpPr/>
-            <p:nvPr/>
-          </p:nvSpPr>
-          <p:spPr>
-            <a:xfrm>
-              <a:off x="7313652" y="5081949"/>
-              <a:ext cx="1226876" cy="404870"/>
-            </a:xfrm>
-            <a:prstGeom prst="flowChartTerminator">
-              <a:avLst/>
-            </a:prstGeom>
-            <a:solidFill>
-              <a:schemeClr val="accent2"/>
-            </a:solidFill>
-            <a:ln>
-              <a:solidFill>
-                <a:srgbClr val="FF6600"/>
-              </a:solidFill>
-            </a:ln>
-          </p:spPr>
-          <p:style>
-            <a:lnRef idx="2">
-              <a:schemeClr val="accent1">
-                <a:shade val="50000"/>
-              </a:schemeClr>
-            </a:lnRef>
-            <a:fillRef idx="1">
-              <a:schemeClr val="accent1"/>
-            </a:fillRef>
-            <a:effectRef idx="0">
-              <a:schemeClr val="accent1"/>
-            </a:effectRef>
-            <a:fontRef idx="minor">
-              <a:schemeClr val="lt1"/>
-            </a:fontRef>
-          </p:style>
-          <p:txBody>
-            <a:bodyPr rtlCol="0" anchor="ctr"/>
-            <a:lstStyle/>
-            <a:p>
-              <a:pPr algn="ctr"/>
-              <a:r>
-                <a:rPr lang="en-US" altLang="ko-KR" sz="1000" dirty="0" err="1" smtClean="0"/>
-                <a:t>RegionAdapter</a:t>
-              </a:r>
-              <a:endParaRPr lang="ko-KR" altLang="en-US" sz="1000" dirty="0"/>
-            </a:p>
-          </p:txBody>
-        </p:sp>
-        <p:cxnSp>
-          <p:nvCxnSpPr>
-            <p:cNvPr id="11" name="직선 화살표 연결선 10"/>
-            <p:cNvCxnSpPr/>
-            <p:nvPr/>
-          </p:nvCxnSpPr>
-          <p:spPr>
-            <a:xfrm>
-              <a:off x="8698376" y="5284384"/>
-              <a:ext cx="606759" cy="0"/>
-            </a:xfrm>
-            <a:prstGeom prst="straightConnector1">
-              <a:avLst/>
-            </a:prstGeom>
-            <a:ln w="76200">
-              <a:solidFill>
-                <a:schemeClr val="accent2"/>
-              </a:solidFill>
-              <a:tailEnd type="triangle"/>
-            </a:ln>
-          </p:spPr>
-          <p:style>
-            <a:lnRef idx="1">
-              <a:schemeClr val="accent1"/>
-            </a:lnRef>
-            <a:fillRef idx="0">
-              <a:schemeClr val="accent1"/>
-            </a:fillRef>
-            <a:effectRef idx="0">
-              <a:schemeClr val="accent1"/>
-            </a:effectRef>
-            <a:fontRef idx="minor">
-              <a:schemeClr val="tx1"/>
-            </a:fontRef>
-          </p:style>
-        </p:cxnSp>
-        <p:cxnSp>
-          <p:nvCxnSpPr>
-            <p:cNvPr id="12" name="직선 화살표 연결선 11"/>
-            <p:cNvCxnSpPr/>
-            <p:nvPr/>
-          </p:nvCxnSpPr>
-          <p:spPr>
-            <a:xfrm>
-              <a:off x="6549045" y="5284384"/>
-              <a:ext cx="606759" cy="0"/>
-            </a:xfrm>
-            <a:prstGeom prst="straightConnector1">
-              <a:avLst/>
-            </a:prstGeom>
-            <a:ln w="76200">
-              <a:solidFill>
-                <a:schemeClr val="accent2"/>
-              </a:solidFill>
-              <a:tailEnd type="triangle"/>
-            </a:ln>
-          </p:spPr>
-          <p:style>
-            <a:lnRef idx="1">
-              <a:schemeClr val="accent1"/>
-            </a:lnRef>
-            <a:fillRef idx="0">
-              <a:schemeClr val="accent1"/>
-            </a:fillRef>
-            <a:effectRef idx="0">
-              <a:schemeClr val="accent1"/>
-            </a:effectRef>
-            <a:fontRef idx="minor">
-              <a:schemeClr val="tx1"/>
-            </a:fontRef>
-          </p:style>
-        </p:cxnSp>
-      </p:grpSp>
     </p:spTree>
     <p:extLst>
       <p:ext uri="{BB962C8B-B14F-4D97-AF65-F5344CB8AC3E}">
-        <p14:creationId xmlns:p14="http://schemas.microsoft.com/office/powerpoint/2010/main" val="4077797484"/>
+        <p14:creationId xmlns:p14="http://schemas.microsoft.com/office/powerpoint/2010/main" val="1363356475"/>
       </p:ext>
     </p:extLst>
   </p:cSld>

--- a/PRISM_통합.pptx
+++ b/PRISM_통합.pptx
@@ -3163,7 +3163,7 @@
                 <a:ea typeface="함초롬돋움" panose="020B0604000101010101" pitchFamily="50" charset="-127"/>
                 <a:cs typeface="함초롬돋움" panose="020B0604000101010101" pitchFamily="50" charset="-127"/>
               </a:rPr>
-              <a:t>BinableBase</a:t>
+              <a:t>BindableBase</a:t>
             </a:r>
             <a:endParaRPr lang="ko-KR" altLang="en-US" dirty="0">
               <a:latin typeface="함초롬돋움" panose="020B0604000101010101" pitchFamily="50" charset="-127"/>
@@ -3259,7 +3259,15 @@
                 <a:ea typeface="함초롬돋움" panose="020B0604000101010101" pitchFamily="50" charset="-127"/>
                 <a:cs typeface="함초롬돋움" panose="020B0604000101010101" pitchFamily="50" charset="-127"/>
               </a:rPr>
-              <a:t>INotifyProperty</a:t>
+              <a:t>ViewModel</a:t>
+            </a:r>
+            <a:r>
+              <a:rPr lang="ko-KR" altLang="en-US" dirty="0" smtClean="0">
+                <a:latin typeface="함초롬돋움" panose="020B0604000101010101" pitchFamily="50" charset="-127"/>
+                <a:ea typeface="함초롬돋움" panose="020B0604000101010101" pitchFamily="50" charset="-127"/>
+                <a:cs typeface="함초롬돋움" panose="020B0604000101010101" pitchFamily="50" charset="-127"/>
+              </a:rPr>
+              <a:t>에서 </a:t>
             </a:r>
             <a:r>
               <a:rPr lang="en-US" altLang="ko-KR" dirty="0" err="1" smtClean="0">
@@ -3267,7 +3275,7 @@
                 <a:ea typeface="함초롬돋움" panose="020B0604000101010101" pitchFamily="50" charset="-127"/>
                 <a:cs typeface="함초롬돋움" panose="020B0604000101010101" pitchFamily="50" charset="-127"/>
               </a:rPr>
-              <a:t>Changed</a:t>
+              <a:t>INotifyPropertyChanged</a:t>
             </a:r>
             <a:r>
               <a:rPr lang="ko-KR" altLang="en-US" dirty="0" smtClean="0">
@@ -3275,7 +3283,23 @@
                 <a:ea typeface="함초롬돋움" panose="020B0604000101010101" pitchFamily="50" charset="-127"/>
                 <a:cs typeface="함초롬돋움" panose="020B0604000101010101" pitchFamily="50" charset="-127"/>
               </a:rPr>
-              <a:t>를 직접 구현을 하면 많은 </a:t>
+              <a:t>를 </a:t>
+            </a:r>
+            <a:r>
+              <a:rPr lang="ko-KR" altLang="en-US" dirty="0" err="1" smtClean="0">
+                <a:latin typeface="함초롬돋움" panose="020B0604000101010101" pitchFamily="50" charset="-127"/>
+                <a:ea typeface="함초롬돋움" panose="020B0604000101010101" pitchFamily="50" charset="-127"/>
+                <a:cs typeface="함초롬돋움" panose="020B0604000101010101" pitchFamily="50" charset="-127"/>
+              </a:rPr>
+              <a:t>구현시</a:t>
+            </a:r>
+            <a:r>
+              <a:rPr lang="ko-KR" altLang="en-US" dirty="0" smtClean="0">
+                <a:latin typeface="함초롬돋움" panose="020B0604000101010101" pitchFamily="50" charset="-127"/>
+                <a:ea typeface="함초롬돋움" panose="020B0604000101010101" pitchFamily="50" charset="-127"/>
+                <a:cs typeface="함초롬돋움" panose="020B0604000101010101" pitchFamily="50" charset="-127"/>
+              </a:rPr>
+              <a:t> </a:t>
             </a:r>
             <a:r>
               <a:rPr lang="en-US" altLang="ko-KR" dirty="0" smtClean="0">
@@ -3283,7 +3307,7 @@
                 <a:ea typeface="함초롬돋움" panose="020B0604000101010101" pitchFamily="50" charset="-127"/>
                 <a:cs typeface="함초롬돋움" panose="020B0604000101010101" pitchFamily="50" charset="-127"/>
               </a:rPr>
-              <a:t>View Model</a:t>
+              <a:t>property </a:t>
             </a:r>
             <a:r>
               <a:rPr lang="ko-KR" altLang="en-US" dirty="0" smtClean="0">
@@ -3291,23 +3315,7 @@
                 <a:ea typeface="함초롬돋움" panose="020B0604000101010101" pitchFamily="50" charset="-127"/>
                 <a:cs typeface="함초롬돋움" panose="020B0604000101010101" pitchFamily="50" charset="-127"/>
               </a:rPr>
-              <a:t>에서 반복적으로 같은 </a:t>
-            </a:r>
-            <a:r>
-              <a:rPr lang="ko-KR" altLang="en-US" dirty="0" err="1" smtClean="0">
-                <a:latin typeface="함초롬돋움" panose="020B0604000101010101" pitchFamily="50" charset="-127"/>
-                <a:ea typeface="함초롬돋움" panose="020B0604000101010101" pitchFamily="50" charset="-127"/>
-                <a:cs typeface="함초롬돋움" panose="020B0604000101010101" pitchFamily="50" charset="-127"/>
-              </a:rPr>
-              <a:t>코드작성과</a:t>
-            </a:r>
-            <a:r>
-              <a:rPr lang="ko-KR" altLang="en-US" dirty="0" smtClean="0">
-                <a:latin typeface="함초롬돋움" panose="020B0604000101010101" pitchFamily="50" charset="-127"/>
-                <a:ea typeface="함초롬돋움" panose="020B0604000101010101" pitchFamily="50" charset="-127"/>
-                <a:cs typeface="함초롬돋움" panose="020B0604000101010101" pitchFamily="50" charset="-127"/>
-              </a:rPr>
-              <a:t> 오류를 발생할 수 있음</a:t>
+              <a:t>이름을 이벤트 인자로 지정</a:t>
             </a:r>
             <a:endParaRPr lang="en-US" altLang="ko-KR" dirty="0" smtClean="0">
               <a:latin typeface="함초롬돋움" panose="020B0604000101010101" pitchFamily="50" charset="-127"/>
@@ -3351,6 +3359,50 @@
                 <a:ea typeface="함초롬돋움" panose="020B0604000101010101" pitchFamily="50" charset="-127"/>
                 <a:cs typeface="함초롬돋움" panose="020B0604000101010101" pitchFamily="50" charset="-127"/>
               </a:rPr>
+              <a:t>이에 따른 반복적인 코드 작성과 오류가 발생 가능</a:t>
+            </a:r>
+            <a:endParaRPr lang="en-US" altLang="ko-KR" dirty="0" smtClean="0">
+              <a:latin typeface="함초롬돋움" panose="020B0604000101010101" pitchFamily="50" charset="-127"/>
+              <a:ea typeface="함초롬돋움" panose="020B0604000101010101" pitchFamily="50" charset="-127"/>
+              <a:cs typeface="함초롬돋움" panose="020B0604000101010101" pitchFamily="50" charset="-127"/>
+            </a:endParaRPr>
+          </a:p>
+          <a:p>
+            <a:pPr eaLnBrk="0" fontAlgn="base" latinLnBrk="0" hangingPunct="0">
+              <a:lnSpc>
+                <a:spcPct val="100000"/>
+              </a:lnSpc>
+              <a:spcBef>
+                <a:spcPct val="0"/>
+              </a:spcBef>
+              <a:spcAft>
+                <a:spcPct val="0"/>
+              </a:spcAft>
+            </a:pPr>
+            <a:endParaRPr lang="en-US" altLang="ko-KR" dirty="0">
+              <a:latin typeface="함초롬돋움" panose="020B0604000101010101" pitchFamily="50" charset="-127"/>
+              <a:ea typeface="함초롬돋움" panose="020B0604000101010101" pitchFamily="50" charset="-127"/>
+              <a:cs typeface="함초롬돋움" panose="020B0604000101010101" pitchFamily="50" charset="-127"/>
+            </a:endParaRPr>
+          </a:p>
+          <a:p>
+            <a:pPr eaLnBrk="0" fontAlgn="base" latinLnBrk="0" hangingPunct="0">
+              <a:lnSpc>
+                <a:spcPct val="100000"/>
+              </a:lnSpc>
+              <a:spcBef>
+                <a:spcPct val="0"/>
+              </a:spcBef>
+              <a:spcAft>
+                <a:spcPct val="0"/>
+              </a:spcAft>
+            </a:pPr>
+            <a:r>
+              <a:rPr lang="ko-KR" altLang="en-US" dirty="0" smtClean="0">
+                <a:latin typeface="함초롬돋움" panose="020B0604000101010101" pitchFamily="50" charset="-127"/>
+                <a:ea typeface="함초롬돋움" panose="020B0604000101010101" pitchFamily="50" charset="-127"/>
+                <a:cs typeface="함초롬돋움" panose="020B0604000101010101" pitchFamily="50" charset="-127"/>
+              </a:rPr>
               <a:t>하지만 </a:t>
             </a:r>
             <a:r>
@@ -3359,7 +3411,7 @@
                 <a:ea typeface="함초롬돋움" panose="020B0604000101010101" pitchFamily="50" charset="-127"/>
                 <a:cs typeface="함초롬돋움" panose="020B0604000101010101" pitchFamily="50" charset="-127"/>
               </a:rPr>
-              <a:t>Bindable</a:t>
+              <a:t>BindableBase</a:t>
             </a:r>
             <a:r>
               <a:rPr lang="ko-KR" altLang="en-US" dirty="0" smtClean="0">
@@ -3367,7 +3419,15 @@
                 <a:ea typeface="함초롬돋움" panose="020B0604000101010101" pitchFamily="50" charset="-127"/>
                 <a:cs typeface="함초롬돋움" panose="020B0604000101010101" pitchFamily="50" charset="-127"/>
               </a:rPr>
-              <a:t>을 </a:t>
+              <a:t>를</a:t>
+            </a:r>
+            <a:r>
+              <a:rPr lang="ko-KR" altLang="en-US" dirty="0" smtClean="0">
+                <a:latin typeface="함초롬돋움" panose="020B0604000101010101" pitchFamily="50" charset="-127"/>
+                <a:ea typeface="함초롬돋움" panose="020B0604000101010101" pitchFamily="50" charset="-127"/>
+                <a:cs typeface="함초롬돋움" panose="020B0604000101010101" pitchFamily="50" charset="-127"/>
+              </a:rPr>
+              <a:t> </a:t>
             </a:r>
             <a:r>
               <a:rPr lang="en-US" altLang="ko-KR" dirty="0" err="1" smtClean="0">

--- a/PRISM_통합.pptx
+++ b/PRISM_통합.pptx
@@ -3419,15 +3419,7 @@
                 <a:ea typeface="함초롬돋움" panose="020B0604000101010101" pitchFamily="50" charset="-127"/>
                 <a:cs typeface="함초롬돋움" panose="020B0604000101010101" pitchFamily="50" charset="-127"/>
               </a:rPr>
-              <a:t>를</a:t>
-            </a:r>
-            <a:r>
-              <a:rPr lang="ko-KR" altLang="en-US" dirty="0" smtClean="0">
-                <a:latin typeface="함초롬돋움" panose="020B0604000101010101" pitchFamily="50" charset="-127"/>
-                <a:ea typeface="함초롬돋움" panose="020B0604000101010101" pitchFamily="50" charset="-127"/>
-                <a:cs typeface="함초롬돋움" panose="020B0604000101010101" pitchFamily="50" charset="-127"/>
-              </a:rPr>
-              <a:t> </a:t>
+              <a:t>를 </a:t>
             </a:r>
             <a:r>
               <a:rPr lang="en-US" altLang="ko-KR" dirty="0" err="1" smtClean="0">
@@ -4402,7 +4394,7 @@
                 <a:ea typeface="함초롬돋움" panose="020B0604000101010101" pitchFamily="50" charset="-127"/>
                 <a:cs typeface="함초롬돋움" panose="020B0604000101010101" pitchFamily="50" charset="-127"/>
               </a:rPr>
-              <a:t>Region </a:t>
+              <a:t>Host control</a:t>
             </a:r>
             <a:r>
               <a:rPr lang="ko-KR" altLang="en-US" dirty="0" smtClean="0">
@@ -4410,7 +4402,31 @@
                 <a:ea typeface="함초롬돋움" panose="020B0604000101010101" pitchFamily="50" charset="-127"/>
                 <a:cs typeface="함초롬돋움" panose="020B0604000101010101" pitchFamily="50" charset="-127"/>
               </a:rPr>
-              <a:t>컬렉션을 유지</a:t>
+              <a:t>에 </a:t>
+            </a:r>
+            <a:r>
+              <a:rPr lang="en-US" altLang="ko-KR" dirty="0" smtClean="0">
+                <a:latin typeface="함초롬돋움" panose="020B0604000101010101" pitchFamily="50" charset="-127"/>
+                <a:ea typeface="함초롬돋움" panose="020B0604000101010101" pitchFamily="50" charset="-127"/>
+                <a:cs typeface="함초롬돋움" panose="020B0604000101010101" pitchFamily="50" charset="-127"/>
+              </a:rPr>
+              <a:t>Region</a:t>
+            </a:r>
+            <a:r>
+              <a:rPr lang="ko-KR" altLang="en-US" dirty="0" smtClean="0">
+                <a:latin typeface="함초롬돋움" panose="020B0604000101010101" pitchFamily="50" charset="-127"/>
+                <a:ea typeface="함초롬돋움" panose="020B0604000101010101" pitchFamily="50" charset="-127"/>
+                <a:cs typeface="함초롬돋움" panose="020B0604000101010101" pitchFamily="50" charset="-127"/>
+              </a:rPr>
+              <a:t>을 </a:t>
+            </a:r>
+            <a:r>
+              <a:rPr lang="ko-KR" altLang="en-US" dirty="0" smtClean="0">
+                <a:latin typeface="함초롬돋움" panose="020B0604000101010101" pitchFamily="50" charset="-127"/>
+                <a:ea typeface="함초롬돋움" panose="020B0604000101010101" pitchFamily="50" charset="-127"/>
+                <a:cs typeface="함초롬돋움" panose="020B0604000101010101" pitchFamily="50" charset="-127"/>
+              </a:rPr>
+              <a:t>만들고 관리</a:t>
             </a:r>
             <a:endParaRPr lang="en-US" altLang="ko-KR" dirty="0" smtClean="0">
               <a:latin typeface="함초롬돋움" panose="020B0604000101010101" pitchFamily="50" charset="-127"/>
@@ -4449,20 +4465,12 @@
               </a:spcAft>
             </a:pPr>
             <a:r>
-              <a:rPr lang="en-US" altLang="ko-KR" dirty="0" err="1" smtClean="0">
-                <a:latin typeface="함초롬돋움" panose="020B0604000101010101" pitchFamily="50" charset="-127"/>
-                <a:ea typeface="함초롬돋움" panose="020B0604000101010101" pitchFamily="50" charset="-127"/>
-                <a:cs typeface="함초롬돋움" panose="020B0604000101010101" pitchFamily="50" charset="-127"/>
-              </a:rPr>
-              <a:t>RegionName</a:t>
-            </a:r>
-            <a:r>
               <a:rPr lang="en-US" altLang="ko-KR" dirty="0" smtClean="0">
                 <a:latin typeface="함초롬돋움" panose="020B0604000101010101" pitchFamily="50" charset="-127"/>
                 <a:ea typeface="함초롬돋움" panose="020B0604000101010101" pitchFamily="50" charset="-127"/>
                 <a:cs typeface="함초롬돋움" panose="020B0604000101010101" pitchFamily="50" charset="-127"/>
               </a:rPr>
-              <a:t> </a:t>
+              <a:t>Region</a:t>
             </a:r>
             <a:r>
               <a:rPr lang="ko-KR" altLang="en-US" dirty="0" smtClean="0">
@@ -4470,25 +4478,9 @@
                 <a:ea typeface="함초롬돋움" panose="020B0604000101010101" pitchFamily="50" charset="-127"/>
                 <a:cs typeface="함초롬돋움" panose="020B0604000101010101" pitchFamily="50" charset="-127"/>
               </a:rPr>
-              <a:t>속성으로 컨트롤에 </a:t>
-            </a:r>
-            <a:r>
-              <a:rPr lang="en-US" altLang="ko-KR" dirty="0" smtClean="0">
-                <a:latin typeface="함초롬돋움" panose="020B0604000101010101" pitchFamily="50" charset="-127"/>
-                <a:ea typeface="함초롬돋움" panose="020B0604000101010101" pitchFamily="50" charset="-127"/>
-                <a:cs typeface="함초롬돋움" panose="020B0604000101010101" pitchFamily="50" charset="-127"/>
-              </a:rPr>
-              <a:t>Region</a:t>
-            </a:r>
-            <a:r>
-              <a:rPr lang="ko-KR" altLang="en-US" dirty="0" smtClean="0">
-                <a:latin typeface="함초롬돋움" panose="020B0604000101010101" pitchFamily="50" charset="-127"/>
-                <a:ea typeface="함초롬돋움" panose="020B0604000101010101" pitchFamily="50" charset="-127"/>
-                <a:cs typeface="함초롬돋움" panose="020B0604000101010101" pitchFamily="50" charset="-127"/>
-              </a:rPr>
-              <a:t>은 생성</a:t>
-            </a:r>
-            <a:endParaRPr lang="en-US" altLang="ko-KR" dirty="0" smtClean="0">
+              <a:t>이 필요한 시점에 </a:t>
+            </a:r>
+            <a:endParaRPr lang="en-US" altLang="ko-KR" dirty="0">
               <a:latin typeface="함초롬돋움" panose="020B0604000101010101" pitchFamily="50" charset="-127"/>
               <a:ea typeface="함초롬돋움" panose="020B0604000101010101" pitchFamily="50" charset="-127"/>
               <a:cs typeface="함초롬돋움" panose="020B0604000101010101" pitchFamily="50" charset="-127"/>
@@ -4524,31 +4516,7 @@
                 <a:spcPct val="0"/>
               </a:spcAft>
             </a:pPr>
-            <a:r>
-              <a:rPr lang="en-US" altLang="ko-KR" dirty="0" err="1" smtClean="0">
-                <a:latin typeface="함초롬돋움" panose="020B0604000101010101" pitchFamily="50" charset="-127"/>
-                <a:ea typeface="함초롬돋움" panose="020B0604000101010101" pitchFamily="50" charset="-127"/>
-                <a:cs typeface="함초롬돋움" panose="020B0604000101010101" pitchFamily="50" charset="-127"/>
-              </a:rPr>
-              <a:t>RegionAdapter</a:t>
-            </a:r>
-            <a:r>
-              <a:rPr lang="ko-KR" altLang="en-US" dirty="0" smtClean="0">
-                <a:latin typeface="함초롬돋움" panose="020B0604000101010101" pitchFamily="50" charset="-127"/>
-                <a:ea typeface="함초롬돋움" panose="020B0604000101010101" pitchFamily="50" charset="-127"/>
-                <a:cs typeface="함초롬돋움" panose="020B0604000101010101" pitchFamily="50" charset="-127"/>
-              </a:rPr>
-              <a:t>를 컨트롤과 </a:t>
-            </a:r>
-            <a:r>
-              <a:rPr lang="ko-KR" altLang="en-US" dirty="0" err="1" smtClean="0">
-                <a:latin typeface="함초롬돋움" panose="020B0604000101010101" pitchFamily="50" charset="-127"/>
-                <a:ea typeface="함초롬돋움" panose="020B0604000101010101" pitchFamily="50" charset="-127"/>
-                <a:cs typeface="함초롬돋움" panose="020B0604000101010101" pitchFamily="50" charset="-127"/>
-              </a:rPr>
-              <a:t>맵핑</a:t>
-            </a:r>
-            <a:endParaRPr lang="en-US" altLang="ko-KR" dirty="0" smtClean="0">
+            <a:endParaRPr lang="en-US" altLang="ko-KR" dirty="0">
               <a:latin typeface="함초롬돋움" panose="020B0604000101010101" pitchFamily="50" charset="-127"/>
               <a:ea typeface="함초롬돋움" panose="020B0604000101010101" pitchFamily="50" charset="-127"/>
               <a:cs typeface="함초롬돋움" panose="020B0604000101010101" pitchFamily="50" charset="-127"/>
@@ -4638,7 +4606,7 @@
                 <a:ea typeface="함초롬돋움" panose="020B0604000101010101" pitchFamily="50" charset="-127"/>
                 <a:cs typeface="함초롬돋움" panose="020B0604000101010101" pitchFamily="50" charset="-127"/>
               </a:rPr>
-              <a:t>Root</a:t>
+              <a:t>Shell</a:t>
             </a:r>
             <a:r>
               <a:rPr lang="ko-KR" altLang="en-US" dirty="0" smtClean="0">
@@ -4842,23 +4810,7 @@
                 <a:ea typeface="함초롬돋움" panose="020B0604000101010101" pitchFamily="50" charset="-127"/>
                 <a:cs typeface="함초롬돋움" panose="020B0604000101010101" pitchFamily="50" charset="-127"/>
               </a:rPr>
-              <a:t>과 </a:t>
-            </a:r>
-            <a:r>
-              <a:rPr lang="en-US" altLang="ko-KR" dirty="0" smtClean="0">
-                <a:latin typeface="함초롬돋움" panose="020B0604000101010101" pitchFamily="50" charset="-127"/>
-                <a:ea typeface="함초롬돋움" panose="020B0604000101010101" pitchFamily="50" charset="-127"/>
-                <a:cs typeface="함초롬돋움" panose="020B0604000101010101" pitchFamily="50" charset="-127"/>
-              </a:rPr>
-              <a:t>View</a:t>
-            </a:r>
-            <a:r>
-              <a:rPr lang="ko-KR" altLang="en-US" dirty="0" smtClean="0">
-                <a:latin typeface="함초롬돋움" panose="020B0604000101010101" pitchFamily="50" charset="-127"/>
-                <a:ea typeface="함초롬돋움" panose="020B0604000101010101" pitchFamily="50" charset="-127"/>
-                <a:cs typeface="함초롬돋움" panose="020B0604000101010101" pitchFamily="50" charset="-127"/>
-              </a:rPr>
-              <a:t>를 연결 시켜주는 역할</a:t>
+              <a:t>을 생성하고 컨트롤에 연결</a:t>
             </a:r>
             <a:endParaRPr lang="en-US" altLang="ko-KR" dirty="0" smtClean="0">
               <a:latin typeface="함초롬돋움" panose="020B0604000101010101" pitchFamily="50" charset="-127"/>
@@ -4902,7 +4854,15 @@
                 <a:ea typeface="함초롬돋움" panose="020B0604000101010101" pitchFamily="50" charset="-127"/>
                 <a:cs typeface="함초롬돋움" panose="020B0604000101010101" pitchFamily="50" charset="-127"/>
               </a:rPr>
-              <a:t>RegionManager</a:t>
+              <a:t>IRegion</a:t>
+            </a:r>
+            <a:r>
+              <a:rPr lang="en-US" altLang="ko-KR" dirty="0" smtClean="0">
+                <a:latin typeface="함초롬돋움" panose="020B0604000101010101" pitchFamily="50" charset="-127"/>
+                <a:ea typeface="함초롬돋움" panose="020B0604000101010101" pitchFamily="50" charset="-127"/>
+                <a:cs typeface="함초롬돋움" panose="020B0604000101010101" pitchFamily="50" charset="-127"/>
+              </a:rPr>
+              <a:t> </a:t>
             </a:r>
             <a:r>
               <a:rPr lang="ko-KR" altLang="en-US" dirty="0" smtClean="0">
@@ -4910,7 +4870,55 @@
                 <a:ea typeface="함초롬돋움" panose="020B0604000101010101" pitchFamily="50" charset="-127"/>
                 <a:cs typeface="함초롬돋움" panose="020B0604000101010101" pitchFamily="50" charset="-127"/>
               </a:rPr>
-              <a:t>가 관리</a:t>
+              <a:t>인터페이스를 통하여 </a:t>
+            </a:r>
+            <a:r>
+              <a:rPr lang="en-US" altLang="ko-KR" dirty="0" smtClean="0">
+                <a:latin typeface="함초롬돋움" panose="020B0604000101010101" pitchFamily="50" charset="-127"/>
+                <a:ea typeface="함초롬돋움" panose="020B0604000101010101" pitchFamily="50" charset="-127"/>
+                <a:cs typeface="함초롬돋움" panose="020B0604000101010101" pitchFamily="50" charset="-127"/>
+              </a:rPr>
+              <a:t>Module</a:t>
+            </a:r>
+            <a:r>
+              <a:rPr lang="ko-KR" altLang="en-US" dirty="0" smtClean="0">
+                <a:latin typeface="함초롬돋움" panose="020B0604000101010101" pitchFamily="50" charset="-127"/>
+                <a:ea typeface="함초롬돋움" panose="020B0604000101010101" pitchFamily="50" charset="-127"/>
+                <a:cs typeface="함초롬돋움" panose="020B0604000101010101" pitchFamily="50" charset="-127"/>
+              </a:rPr>
+              <a:t>에 </a:t>
+            </a:r>
+            <a:r>
+              <a:rPr lang="en-US" altLang="ko-KR" dirty="0" smtClean="0">
+                <a:latin typeface="함초롬돋움" panose="020B0604000101010101" pitchFamily="50" charset="-127"/>
+                <a:ea typeface="함초롬돋움" panose="020B0604000101010101" pitchFamily="50" charset="-127"/>
+                <a:cs typeface="함초롬돋움" panose="020B0604000101010101" pitchFamily="50" charset="-127"/>
+              </a:rPr>
+              <a:t>View</a:t>
+            </a:r>
+            <a:r>
+              <a:rPr lang="ko-KR" altLang="en-US" dirty="0" smtClean="0">
+                <a:latin typeface="함초롬돋움" panose="020B0604000101010101" pitchFamily="50" charset="-127"/>
+                <a:ea typeface="함초롬돋움" panose="020B0604000101010101" pitchFamily="50" charset="-127"/>
+                <a:cs typeface="함초롬돋움" panose="020B0604000101010101" pitchFamily="50" charset="-127"/>
+              </a:rPr>
+              <a:t>를</a:t>
+            </a:r>
+            <a:r>
+              <a:rPr lang="ko-KR" altLang="en-US" dirty="0" smtClean="0">
+                <a:latin typeface="함초롬돋움" panose="020B0604000101010101" pitchFamily="50" charset="-127"/>
+                <a:ea typeface="함초롬돋움" panose="020B0604000101010101" pitchFamily="50" charset="-127"/>
+                <a:cs typeface="함초롬돋움" panose="020B0604000101010101" pitchFamily="50" charset="-127"/>
+              </a:rPr>
+              <a:t> 동일한 방법으로 </a:t>
+            </a:r>
+            <a:r>
+              <a:rPr lang="ko-KR" altLang="en-US" dirty="0" smtClean="0">
+                <a:latin typeface="함초롬돋움" panose="020B0604000101010101" pitchFamily="50" charset="-127"/>
+                <a:ea typeface="함초롬돋움" panose="020B0604000101010101" pitchFamily="50" charset="-127"/>
+                <a:cs typeface="함초롬돋움" panose="020B0604000101010101" pitchFamily="50" charset="-127"/>
+              </a:rPr>
+              <a:t>처리</a:t>
             </a:r>
             <a:endParaRPr lang="en-US" altLang="ko-KR" dirty="0" smtClean="0">
               <a:latin typeface="함초롬돋움" panose="020B0604000101010101" pitchFamily="50" charset="-127"/>
@@ -5014,32 +5022,7 @@
               <a:rPr lang="en-US" altLang="ko-KR" dirty="0" smtClean="0"/>
               <a:t>Selector</a:t>
             </a:r>
-          </a:p>
-          <a:p>
-            <a:pPr lvl="1" eaLnBrk="0" fontAlgn="base" latinLnBrk="0" hangingPunct="0">
-              <a:lnSpc>
-                <a:spcPct val="100000"/>
-              </a:lnSpc>
-              <a:spcBef>
-                <a:spcPct val="0"/>
-              </a:spcBef>
-              <a:spcAft>
-                <a:spcPct val="0"/>
-              </a:spcAft>
-            </a:pPr>
-            <a:r>
-              <a:rPr lang="en-US" altLang="ko-KR" dirty="0" err="1" smtClean="0">
-                <a:latin typeface="함초롬돋움" panose="020B0604000101010101" pitchFamily="50" charset="-127"/>
-                <a:ea typeface="함초롬돋움" panose="020B0604000101010101" pitchFamily="50" charset="-127"/>
-                <a:cs typeface="함초롬돋움" panose="020B0604000101010101" pitchFamily="50" charset="-127"/>
-              </a:rPr>
-              <a:t>TabControl</a:t>
-            </a:r>
-            <a:endParaRPr lang="en-US" altLang="ko-KR" dirty="0" smtClean="0">
-              <a:latin typeface="함초롬돋움" panose="020B0604000101010101" pitchFamily="50" charset="-127"/>
-              <a:ea typeface="함초롬돋움" panose="020B0604000101010101" pitchFamily="50" charset="-127"/>
-              <a:cs typeface="함초롬돋움" panose="020B0604000101010101" pitchFamily="50" charset="-127"/>
-            </a:endParaRPr>
+            <a:endParaRPr lang="en-US" altLang="ko-KR" dirty="0" smtClean="0"/>
           </a:p>
         </p:txBody>
       </p:sp>
@@ -7338,20 +7321,12 @@
               </a:spcAft>
             </a:pPr>
             <a:r>
-              <a:rPr lang="en-US" altLang="ko-KR" dirty="0" err="1" smtClean="0">
-                <a:latin typeface="함초롬돋움" panose="020B0604000101010101" pitchFamily="50" charset="-127"/>
-                <a:ea typeface="함초롬돋움" panose="020B0604000101010101" pitchFamily="50" charset="-127"/>
-                <a:cs typeface="함초롬돋움" panose="020B0604000101010101" pitchFamily="50" charset="-127"/>
-              </a:rPr>
-              <a:t>RegionAdapter</a:t>
-            </a:r>
-            <a:r>
               <a:rPr lang="ko-KR" altLang="en-US" dirty="0" smtClean="0">
                 <a:latin typeface="함초롬돋움" panose="020B0604000101010101" pitchFamily="50" charset="-127"/>
                 <a:ea typeface="함초롬돋움" panose="020B0604000101010101" pitchFamily="50" charset="-127"/>
                 <a:cs typeface="함초롬돋움" panose="020B0604000101010101" pitchFamily="50" charset="-127"/>
               </a:rPr>
-              <a:t>가 </a:t>
+              <a:t>추가된 </a:t>
             </a:r>
             <a:r>
               <a:rPr lang="en-US" altLang="ko-KR" dirty="0" smtClean="0">
@@ -7359,47 +7334,15 @@
                 <a:ea typeface="함초롬돋움" panose="020B0604000101010101" pitchFamily="50" charset="-127"/>
                 <a:cs typeface="함초롬돋움" panose="020B0604000101010101" pitchFamily="50" charset="-127"/>
               </a:rPr>
-              <a:t>View</a:t>
-            </a:r>
-            <a:r>
-              <a:rPr lang="ko-KR" altLang="en-US" dirty="0" smtClean="0">
-                <a:latin typeface="함초롬돋움" panose="020B0604000101010101" pitchFamily="50" charset="-127"/>
-                <a:ea typeface="함초롬돋움" panose="020B0604000101010101" pitchFamily="50" charset="-127"/>
-                <a:cs typeface="함초롬돋움" panose="020B0604000101010101" pitchFamily="50" charset="-127"/>
-              </a:rPr>
-              <a:t>를 </a:t>
-            </a:r>
-            <a:r>
-              <a:rPr lang="en-US" altLang="ko-KR" dirty="0" smtClean="0">
-                <a:latin typeface="함초롬돋움" panose="020B0604000101010101" pitchFamily="50" charset="-127"/>
-                <a:ea typeface="함초롬돋움" panose="020B0604000101010101" pitchFamily="50" charset="-127"/>
-                <a:cs typeface="함초롬돋움" panose="020B0604000101010101" pitchFamily="50" charset="-127"/>
-              </a:rPr>
               <a:t>Region</a:t>
             </a:r>
             <a:r>
-              <a:rPr lang="ko-KR" altLang="en-US" dirty="0" smtClean="0">
-                <a:latin typeface="함초롬돋움" panose="020B0604000101010101" pitchFamily="50" charset="-127"/>
-                <a:ea typeface="함초롬돋움" panose="020B0604000101010101" pitchFamily="50" charset="-127"/>
-                <a:cs typeface="함초롬돋움" panose="020B0604000101010101" pitchFamily="50" charset="-127"/>
-              </a:rPr>
-              <a:t>에 붙일 때 </a:t>
-            </a:r>
-            <a:r>
-              <a:rPr lang="en-US" altLang="ko-KR" dirty="0" smtClean="0">
-                <a:latin typeface="함초롬돋움" panose="020B0604000101010101" pitchFamily="50" charset="-127"/>
-                <a:ea typeface="함초롬돋움" panose="020B0604000101010101" pitchFamily="50" charset="-127"/>
-                <a:cs typeface="함초롬돋움" panose="020B0604000101010101" pitchFamily="50" charset="-127"/>
-              </a:rPr>
-              <a:t>Region</a:t>
-            </a:r>
-            <a:r>
-              <a:rPr lang="ko-KR" altLang="en-US" dirty="0" smtClean="0">
-                <a:latin typeface="함초롬돋움" panose="020B0604000101010101" pitchFamily="50" charset="-127"/>
-                <a:ea typeface="함초롬돋움" panose="020B0604000101010101" pitchFamily="50" charset="-127"/>
-                <a:cs typeface="함초롬돋움" panose="020B0604000101010101" pitchFamily="50" charset="-127"/>
-              </a:rPr>
-              <a:t>에 추가 적인 행동</a:t>
+              <a:rPr lang="ko-KR" altLang="en-US" smtClean="0">
+                <a:latin typeface="함초롬돋움" panose="020B0604000101010101" pitchFamily="50" charset="-127"/>
+                <a:ea typeface="함초롬돋움" panose="020B0604000101010101" pitchFamily="50" charset="-127"/>
+                <a:cs typeface="함초롬돋움" panose="020B0604000101010101" pitchFamily="50" charset="-127"/>
+              </a:rPr>
+              <a:t>에 부가적인 기능을 제공</a:t>
             </a:r>
             <a:endParaRPr lang="en-US" altLang="ko-KR" dirty="0" smtClean="0">
               <a:latin typeface="함초롬돋움" panose="020B0604000101010101" pitchFamily="50" charset="-127"/>
@@ -7438,79 +7381,13 @@
               </a:spcAft>
             </a:pPr>
             <a:r>
-              <a:rPr lang="en-US" altLang="ko-KR" dirty="0" err="1" smtClean="0">
-                <a:latin typeface="함초롬돋움" panose="020B0604000101010101" pitchFamily="50" charset="-127"/>
-                <a:ea typeface="함초롬돋움" panose="020B0604000101010101" pitchFamily="50" charset="-127"/>
-                <a:cs typeface="함초롬돋움" panose="020B0604000101010101" pitchFamily="50" charset="-127"/>
-              </a:rPr>
-              <a:t>OnAttach</a:t>
-            </a:r>
-            <a:r>
               <a:rPr lang="en-US" altLang="ko-KR" dirty="0" smtClean="0">
                 <a:latin typeface="함초롬돋움" panose="020B0604000101010101" pitchFamily="50" charset="-127"/>
                 <a:ea typeface="함초롬돋움" panose="020B0604000101010101" pitchFamily="50" charset="-127"/>
                 <a:cs typeface="함초롬돋움" panose="020B0604000101010101" pitchFamily="50" charset="-127"/>
               </a:rPr>
-              <a:t> </a:t>
-            </a:r>
-            <a:r>
-              <a:rPr lang="ko-KR" altLang="en-US" dirty="0" err="1" smtClean="0">
-                <a:latin typeface="함초롬돋움" panose="020B0604000101010101" pitchFamily="50" charset="-127"/>
-                <a:ea typeface="함초롬돋움" panose="020B0604000101010101" pitchFamily="50" charset="-127"/>
-                <a:cs typeface="함초롬돋움" panose="020B0604000101010101" pitchFamily="50" charset="-127"/>
-              </a:rPr>
-              <a:t>메소드에서</a:t>
-            </a:r>
-            <a:r>
-              <a:rPr lang="ko-KR" altLang="en-US" dirty="0" smtClean="0">
-                <a:latin typeface="함초롬돋움" panose="020B0604000101010101" pitchFamily="50" charset="-127"/>
-                <a:ea typeface="함초롬돋움" panose="020B0604000101010101" pitchFamily="50" charset="-127"/>
-                <a:cs typeface="함초롬돋움" panose="020B0604000101010101" pitchFamily="50" charset="-127"/>
-              </a:rPr>
-              <a:t> </a:t>
-            </a:r>
-            <a:r>
-              <a:rPr lang="en-US" altLang="ko-KR" dirty="0" err="1" smtClean="0">
-                <a:latin typeface="함초롬돋움" panose="020B0604000101010101" pitchFamily="50" charset="-127"/>
-                <a:ea typeface="함초롬돋움" panose="020B0604000101010101" pitchFamily="50" charset="-127"/>
-                <a:cs typeface="함초롬돋움" panose="020B0604000101010101" pitchFamily="50" charset="-127"/>
-              </a:rPr>
-              <a:t>Region.Views.CollectionChanged</a:t>
-            </a:r>
-            <a:r>
-              <a:rPr lang="en-US" altLang="ko-KR" dirty="0">
-                <a:latin typeface="함초롬돋움" panose="020B0604000101010101" pitchFamily="50" charset="-127"/>
-                <a:ea typeface="함초롬돋움" panose="020B0604000101010101" pitchFamily="50" charset="-127"/>
-                <a:cs typeface="함초롬돋움" panose="020B0604000101010101" pitchFamily="50" charset="-127"/>
-              </a:rPr>
-              <a:t> </a:t>
-            </a:r>
-            <a:r>
-              <a:rPr lang="ko-KR" altLang="en-US" dirty="0" smtClean="0">
-                <a:latin typeface="함초롬돋움" panose="020B0604000101010101" pitchFamily="50" charset="-127"/>
-                <a:ea typeface="함초롬돋움" panose="020B0604000101010101" pitchFamily="50" charset="-127"/>
-                <a:cs typeface="함초롬돋움" panose="020B0604000101010101" pitchFamily="50" charset="-127"/>
-              </a:rPr>
-              <a:t>추가한 이벤트로 처리</a:t>
-            </a:r>
-            <a:endParaRPr lang="en-US" altLang="ko-KR" dirty="0">
-              <a:latin typeface="함초롬돋움" panose="020B0604000101010101" pitchFamily="50" charset="-127"/>
-              <a:ea typeface="함초롬돋움" panose="020B0604000101010101" pitchFamily="50" charset="-127"/>
-              <a:cs typeface="함초롬돋움" panose="020B0604000101010101" pitchFamily="50" charset="-127"/>
-            </a:endParaRPr>
-          </a:p>
-          <a:p>
-            <a:pPr eaLnBrk="0" fontAlgn="base" latinLnBrk="0" hangingPunct="0">
-              <a:lnSpc>
-                <a:spcPct val="100000"/>
-              </a:lnSpc>
-              <a:spcBef>
-                <a:spcPct val="0"/>
-              </a:spcBef>
-              <a:spcAft>
-                <a:spcPct val="0"/>
-              </a:spcAft>
-            </a:pPr>
+              <a:t>Region</a:t>
+            </a:r>
             <a:endParaRPr lang="en-US" altLang="ko-KR" dirty="0" smtClean="0">
               <a:latin typeface="함초롬돋움" panose="020B0604000101010101" pitchFamily="50" charset="-127"/>
               <a:ea typeface="함초롬돋움" panose="020B0604000101010101" pitchFamily="50" charset="-127"/>
